--- a/solving GS equation.pptx
+++ b/solving GS equation.pptx
@@ -18,6 +18,18 @@
     <p:sldId id="296" r:id="rId12"/>
     <p:sldId id="297" r:id="rId13"/>
     <p:sldId id="298" r:id="rId14"/>
+    <p:sldId id="301" r:id="rId15"/>
+    <p:sldId id="304" r:id="rId16"/>
+    <p:sldId id="300" r:id="rId17"/>
+    <p:sldId id="302" r:id="rId18"/>
+    <p:sldId id="305" r:id="rId19"/>
+    <p:sldId id="306" r:id="rId20"/>
+    <p:sldId id="307" r:id="rId21"/>
+    <p:sldId id="308" r:id="rId22"/>
+    <p:sldId id="310" r:id="rId23"/>
+    <p:sldId id="311" r:id="rId24"/>
+    <p:sldId id="309" r:id="rId25"/>
+    <p:sldId id="312" r:id="rId26"/>
   </p:sldIdLst>
   <p:sldSz cx="12192000" cy="6858000"/>
   <p:notesSz cx="6858000" cy="9144000"/>
@@ -116,6 +128,11 @@
       </a:defRPr>
     </a:lvl9pPr>
   </p:defaultTextStyle>
+  <p:extLst>
+    <p:ext uri="{EFAFB233-063F-42B5-8137-9DF3F51BA10A}">
+      <p15:sldGuideLst xmlns:p15="http://schemas.microsoft.com/office/powerpoint/2012/main"/>
+    </p:ext>
+  </p:extLst>
 </p:presentation>
 </file>
 
@@ -266,7 +283,7 @@
           <a:p>
             <a:fld id="{45299028-9648-D344-90CC-9256049E060B}" type="datetimeFigureOut">
               <a:rPr lang="en-US" smtClean="0"/>
-              <a:t>6/12/23</a:t>
+              <a:t>6/13/2023</a:t>
             </a:fld>
             <a:endParaRPr lang="en-US"/>
           </a:p>
@@ -464,7 +481,7 @@
           <a:p>
             <a:fld id="{45299028-9648-D344-90CC-9256049E060B}" type="datetimeFigureOut">
               <a:rPr lang="en-US" smtClean="0"/>
-              <a:t>6/12/23</a:t>
+              <a:t>6/13/2023</a:t>
             </a:fld>
             <a:endParaRPr lang="en-US"/>
           </a:p>
@@ -672,7 +689,7 @@
           <a:p>
             <a:fld id="{45299028-9648-D344-90CC-9256049E060B}" type="datetimeFigureOut">
               <a:rPr lang="en-US" smtClean="0"/>
-              <a:t>6/12/23</a:t>
+              <a:t>6/13/2023</a:t>
             </a:fld>
             <a:endParaRPr lang="en-US"/>
           </a:p>
@@ -870,7 +887,7 @@
           <a:p>
             <a:fld id="{45299028-9648-D344-90CC-9256049E060B}" type="datetimeFigureOut">
               <a:rPr lang="en-US" smtClean="0"/>
-              <a:t>6/12/23</a:t>
+              <a:t>6/13/2023</a:t>
             </a:fld>
             <a:endParaRPr lang="en-US"/>
           </a:p>
@@ -1145,7 +1162,7 @@
           <a:p>
             <a:fld id="{45299028-9648-D344-90CC-9256049E060B}" type="datetimeFigureOut">
               <a:rPr lang="en-US" smtClean="0"/>
-              <a:t>6/12/23</a:t>
+              <a:t>6/13/2023</a:t>
             </a:fld>
             <a:endParaRPr lang="en-US"/>
           </a:p>
@@ -1410,7 +1427,7 @@
           <a:p>
             <a:fld id="{45299028-9648-D344-90CC-9256049E060B}" type="datetimeFigureOut">
               <a:rPr lang="en-US" smtClean="0"/>
-              <a:t>6/12/23</a:t>
+              <a:t>6/13/2023</a:t>
             </a:fld>
             <a:endParaRPr lang="en-US"/>
           </a:p>
@@ -1822,7 +1839,7 @@
           <a:p>
             <a:fld id="{45299028-9648-D344-90CC-9256049E060B}" type="datetimeFigureOut">
               <a:rPr lang="en-US" smtClean="0"/>
-              <a:t>6/12/23</a:t>
+              <a:t>6/13/2023</a:t>
             </a:fld>
             <a:endParaRPr lang="en-US"/>
           </a:p>
@@ -1963,7 +1980,7 @@
           <a:p>
             <a:fld id="{45299028-9648-D344-90CC-9256049E060B}" type="datetimeFigureOut">
               <a:rPr lang="en-US" smtClean="0"/>
-              <a:t>6/12/23</a:t>
+              <a:t>6/13/2023</a:t>
             </a:fld>
             <a:endParaRPr lang="en-US"/>
           </a:p>
@@ -2076,7 +2093,7 @@
           <a:p>
             <a:fld id="{45299028-9648-D344-90CC-9256049E060B}" type="datetimeFigureOut">
               <a:rPr lang="en-US" smtClean="0"/>
-              <a:t>6/12/23</a:t>
+              <a:t>6/13/2023</a:t>
             </a:fld>
             <a:endParaRPr lang="en-US"/>
           </a:p>
@@ -2387,7 +2404,7 @@
           <a:p>
             <a:fld id="{45299028-9648-D344-90CC-9256049E060B}" type="datetimeFigureOut">
               <a:rPr lang="en-US" smtClean="0"/>
-              <a:t>6/12/23</a:t>
+              <a:t>6/13/2023</a:t>
             </a:fld>
             <a:endParaRPr lang="en-US"/>
           </a:p>
@@ -2675,7 +2692,7 @@
           <a:p>
             <a:fld id="{45299028-9648-D344-90CC-9256049E060B}" type="datetimeFigureOut">
               <a:rPr lang="en-US" smtClean="0"/>
-              <a:t>6/12/23</a:t>
+              <a:t>6/13/2023</a:t>
             </a:fld>
             <a:endParaRPr lang="en-US"/>
           </a:p>
@@ -2916,7 +2933,7 @@
           <a:p>
             <a:fld id="{45299028-9648-D344-90CC-9256049E060B}" type="datetimeFigureOut">
               <a:rPr lang="en-US" smtClean="0"/>
-              <a:t>6/12/23</a:t>
+              <a:t>6/13/2023</a:t>
             </a:fld>
             <a:endParaRPr lang="en-US"/>
           </a:p>
@@ -3354,7 +3371,18 @@
           <a:bodyPr/>
           <a:lstStyle/>
           <a:p>
-            <a:endParaRPr lang="en-US"/>
+            <a:r>
+              <a:rPr lang="en-US" dirty="0"/>
+              <a:t>Solving Grad-</a:t>
+            </a:r>
+            <a:r>
+              <a:rPr lang="en-US" dirty="0" err="1"/>
+              <a:t>Shafranof</a:t>
+            </a:r>
+            <a:r>
+              <a:rPr lang="en-US" dirty="0"/>
+              <a:t> Equation</a:t>
+            </a:r>
           </a:p>
         </p:txBody>
       </p:sp>
@@ -3449,8 +3477,8 @@
           </a:p>
         </p:txBody>
       </p:sp>
-      <mc:AlternateContent xmlns:mc="http://schemas.openxmlformats.org/markup-compatibility/2006">
-        <mc:Choice xmlns:a14="http://schemas.microsoft.com/office/drawing/2010/main" Requires="a14">
+      <mc:AlternateContent xmlns:mc="http://schemas.openxmlformats.org/markup-compatibility/2006" xmlns:a14="http://schemas.microsoft.com/office/drawing/2010/main">
+        <mc:Choice Requires="a14">
           <p:sp>
             <p:nvSpPr>
               <p:cNvPr id="3" name="Content Placeholder 2">
@@ -4016,13 +4044,7 @@
                             <a:rPr lang="en-US" b="0" i="1" smtClean="0">
                               <a:latin typeface="Cambria Math" panose="02040503050406030204" pitchFamily="18" charset="0"/>
                             </a:rPr>
-                            <m:t>1</m:t>
-                          </m:r>
-                          <m:r>
-                            <a:rPr lang="en-US" b="0" i="1" smtClean="0">
-                              <a:latin typeface="Cambria Math" panose="02040503050406030204" pitchFamily="18" charset="0"/>
-                            </a:rPr>
-                            <m:t>−</m:t>
+                            <m:t>1−</m:t>
                           </m:r>
                           <m:r>
                             <a:rPr lang="en-US" b="0" i="1" smtClean="0">
@@ -4078,13 +4100,7 @@
                             <a:rPr lang="en-US" b="0" i="1" smtClean="0">
                               <a:latin typeface="Cambria Math" panose="02040503050406030204" pitchFamily="18" charset="0"/>
                             </a:rPr>
-                            <m:t>1</m:t>
-                          </m:r>
-                          <m:r>
-                            <a:rPr lang="en-US" b="0" i="1" smtClean="0">
-                              <a:latin typeface="Cambria Math" panose="02040503050406030204" pitchFamily="18" charset="0"/>
-                            </a:rPr>
-                            <m:t>−</m:t>
+                            <m:t>1−</m:t>
                           </m:r>
                           <m:r>
                             <a:rPr lang="en-US" b="0" i="1" smtClean="0">
@@ -4126,7 +4142,7 @@
             </p:txBody>
           </p:sp>
         </mc:Choice>
-        <mc:Fallback>
+        <mc:Fallback xmlns="">
           <p:sp>
             <p:nvSpPr>
               <p:cNvPr id="3" name="Content Placeholder 2">
@@ -4232,8 +4248,8 @@
           </a:p>
         </p:txBody>
       </p:sp>
-      <mc:AlternateContent xmlns:mc="http://schemas.openxmlformats.org/markup-compatibility/2006">
-        <mc:Choice xmlns:a14="http://schemas.microsoft.com/office/drawing/2010/main" Requires="a14">
+      <mc:AlternateContent xmlns:mc="http://schemas.openxmlformats.org/markup-compatibility/2006" xmlns:a14="http://schemas.microsoft.com/office/drawing/2010/main">
+        <mc:Choice Requires="a14">
           <p:sp>
             <p:nvSpPr>
               <p:cNvPr id="3" name="Content Placeholder 2">
@@ -4520,7 +4536,7 @@
             </p:txBody>
           </p:sp>
         </mc:Choice>
-        <mc:Fallback>
+        <mc:Fallback xmlns="">
           <p:sp>
             <p:nvSpPr>
               <p:cNvPr id="3" name="Content Placeholder 2">
@@ -5175,16 +5191,953 @@
           <a:bodyPr/>
           <a:lstStyle/>
           <a:p>
-            <a:endParaRPr lang="en-US"/>
+            <a:r>
+              <a:rPr lang="en-US" dirty="0"/>
+              <a:t>GS-equation with linear RHS</a:t>
+            </a:r>
           </a:p>
         </p:txBody>
       </p:sp>
+      <mc:AlternateContent xmlns:mc="http://schemas.openxmlformats.org/markup-compatibility/2006">
+        <mc:Choice xmlns:a14="http://schemas.microsoft.com/office/drawing/2010/main" Requires="a14">
+          <p:sp>
+            <p:nvSpPr>
+              <p:cNvPr id="3" name="Content Placeholder 2">
+                <a:extLst>
+                  <a:ext uri="{FF2B5EF4-FFF2-40B4-BE49-F238E27FC236}">
+                    <a16:creationId xmlns:a16="http://schemas.microsoft.com/office/drawing/2014/main" id="{EC6C22D9-8AD5-F76F-27D5-8D2CA19DFB91}"/>
+                  </a:ext>
+                </a:extLst>
+              </p:cNvPr>
+              <p:cNvSpPr>
+                <a:spLocks noGrp="1"/>
+              </p:cNvSpPr>
+              <p:nvPr>
+                <p:ph idx="1"/>
+              </p:nvPr>
+            </p:nvSpPr>
+            <p:spPr/>
+            <p:txBody>
+              <a:bodyPr/>
+              <a:lstStyle/>
+              <a:p>
+                <a:pPr marL="0" indent="0">
+                  <a:buNone/>
+                </a:pPr>
+                <a14:m>
+                  <m:oMathPara xmlns:m="http://schemas.openxmlformats.org/officeDocument/2006/math">
+                    <m:oMathParaPr>
+                      <m:jc m:val="centerGroup"/>
+                    </m:oMathParaPr>
+                    <m:oMath xmlns:m="http://schemas.openxmlformats.org/officeDocument/2006/math">
+                      <m:sSup>
+                        <m:sSupPr>
+                          <m:ctrlPr>
+                            <a:rPr lang="en-US" i="1" smtClean="0">
+                              <a:latin typeface="Cambria Math" panose="02040503050406030204" pitchFamily="18" charset="0"/>
+                            </a:rPr>
+                          </m:ctrlPr>
+                        </m:sSupPr>
+                        <m:e>
+                          <m:r>
+                            <m:rPr>
+                              <m:sty m:val="p"/>
+                            </m:rPr>
+                            <a:rPr lang="en-US">
+                              <a:latin typeface="Cambria Math" panose="02040503050406030204" pitchFamily="18" charset="0"/>
+                            </a:rPr>
+                            <m:t>Δ</m:t>
+                          </m:r>
+                        </m:e>
+                        <m:sup>
+                          <m:r>
+                            <a:rPr lang="en-US" i="1">
+                              <a:latin typeface="Cambria Math" panose="02040503050406030204" pitchFamily="18" charset="0"/>
+                            </a:rPr>
+                            <m:t>∗</m:t>
+                          </m:r>
+                        </m:sup>
+                      </m:sSup>
+                      <m:r>
+                        <a:rPr lang="en-US" i="1">
+                          <a:latin typeface="Cambria Math" panose="02040503050406030204" pitchFamily="18" charset="0"/>
+                        </a:rPr>
+                        <m:t>𝜓</m:t>
+                      </m:r>
+                      <m:r>
+                        <a:rPr lang="en-US" i="1">
+                          <a:latin typeface="Cambria Math" panose="02040503050406030204" pitchFamily="18" charset="0"/>
+                        </a:rPr>
+                        <m:t>=−</m:t>
+                      </m:r>
+                      <m:d>
+                        <m:dPr>
+                          <m:ctrlPr>
+                            <a:rPr lang="en-US" b="0" i="1" smtClean="0">
+                              <a:latin typeface="Cambria Math" panose="02040503050406030204" pitchFamily="18" charset="0"/>
+                            </a:rPr>
+                          </m:ctrlPr>
+                        </m:dPr>
+                        <m:e>
+                          <m:sSub>
+                            <m:sSubPr>
+                              <m:ctrlPr>
+                                <a:rPr lang="en-US" i="1">
+                                  <a:latin typeface="Cambria Math" panose="02040503050406030204" pitchFamily="18" charset="0"/>
+                                </a:rPr>
+                              </m:ctrlPr>
+                            </m:sSubPr>
+                            <m:e>
+                              <m:r>
+                                <a:rPr lang="en-US" i="1">
+                                  <a:latin typeface="Cambria Math" panose="02040503050406030204" pitchFamily="18" charset="0"/>
+                                </a:rPr>
+                                <m:t>𝜇</m:t>
+                              </m:r>
+                            </m:e>
+                            <m:sub>
+                              <m:r>
+                                <a:rPr lang="en-US" i="1">
+                                  <a:latin typeface="Cambria Math" panose="02040503050406030204" pitchFamily="18" charset="0"/>
+                                </a:rPr>
+                                <m:t>0</m:t>
+                              </m:r>
+                            </m:sub>
+                          </m:sSub>
+                          <m:sSup>
+                            <m:sSupPr>
+                              <m:ctrlPr>
+                                <a:rPr lang="en-US" i="1">
+                                  <a:latin typeface="Cambria Math" panose="02040503050406030204" pitchFamily="18" charset="0"/>
+                                </a:rPr>
+                              </m:ctrlPr>
+                            </m:sSupPr>
+                            <m:e>
+                              <m:r>
+                                <a:rPr lang="en-US" i="1">
+                                  <a:latin typeface="Cambria Math" panose="02040503050406030204" pitchFamily="18" charset="0"/>
+                                </a:rPr>
+                                <m:t>𝑅</m:t>
+                              </m:r>
+                            </m:e>
+                            <m:sup>
+                              <m:r>
+                                <a:rPr lang="en-US" i="1">
+                                  <a:latin typeface="Cambria Math" panose="02040503050406030204" pitchFamily="18" charset="0"/>
+                                </a:rPr>
+                                <m:t>2</m:t>
+                              </m:r>
+                            </m:sup>
+                          </m:sSup>
+                          <m:f>
+                            <m:fPr>
+                              <m:ctrlPr>
+                                <a:rPr lang="en-US" i="1">
+                                  <a:latin typeface="Cambria Math" panose="02040503050406030204" pitchFamily="18" charset="0"/>
+                                </a:rPr>
+                              </m:ctrlPr>
+                            </m:fPr>
+                            <m:num>
+                              <m:r>
+                                <a:rPr lang="en-US" i="1">
+                                  <a:latin typeface="Cambria Math" panose="02040503050406030204" pitchFamily="18" charset="0"/>
+                                </a:rPr>
+                                <m:t>𝑑𝑝</m:t>
+                              </m:r>
+                            </m:num>
+                            <m:den>
+                              <m:r>
+                                <a:rPr lang="en-US" i="1">
+                                  <a:latin typeface="Cambria Math" panose="02040503050406030204" pitchFamily="18" charset="0"/>
+                                </a:rPr>
+                                <m:t>𝑑</m:t>
+                              </m:r>
+                              <m:r>
+                                <a:rPr lang="en-US" i="1">
+                                  <a:latin typeface="Cambria Math" panose="02040503050406030204" pitchFamily="18" charset="0"/>
+                                </a:rPr>
+                                <m:t>𝜓</m:t>
+                              </m:r>
+                            </m:den>
+                          </m:f>
+                          <m:r>
+                            <a:rPr lang="en-US" i="1">
+                              <a:latin typeface="Cambria Math" panose="02040503050406030204" pitchFamily="18" charset="0"/>
+                            </a:rPr>
+                            <m:t>+</m:t>
+                          </m:r>
+                          <m:r>
+                            <a:rPr lang="en-US" i="1">
+                              <a:latin typeface="Cambria Math" panose="02040503050406030204" pitchFamily="18" charset="0"/>
+                            </a:rPr>
+                            <m:t>𝐹</m:t>
+                          </m:r>
+                          <m:f>
+                            <m:fPr>
+                              <m:ctrlPr>
+                                <a:rPr lang="en-US" i="1">
+                                  <a:latin typeface="Cambria Math" panose="02040503050406030204" pitchFamily="18" charset="0"/>
+                                </a:rPr>
+                              </m:ctrlPr>
+                            </m:fPr>
+                            <m:num>
+                              <m:r>
+                                <a:rPr lang="en-US" i="1">
+                                  <a:latin typeface="Cambria Math" panose="02040503050406030204" pitchFamily="18" charset="0"/>
+                                </a:rPr>
+                                <m:t>𝑑𝐹</m:t>
+                              </m:r>
+                            </m:num>
+                            <m:den>
+                              <m:r>
+                                <a:rPr lang="en-US" i="1">
+                                  <a:latin typeface="Cambria Math" panose="02040503050406030204" pitchFamily="18" charset="0"/>
+                                </a:rPr>
+                                <m:t>𝑑</m:t>
+                              </m:r>
+                              <m:r>
+                                <a:rPr lang="en-US" i="1">
+                                  <a:latin typeface="Cambria Math" panose="02040503050406030204" pitchFamily="18" charset="0"/>
+                                </a:rPr>
+                                <m:t>𝜓</m:t>
+                              </m:r>
+                            </m:den>
+                          </m:f>
+                        </m:e>
+                      </m:d>
+                    </m:oMath>
+                  </m:oMathPara>
+                </a14:m>
+                <a:endParaRPr lang="en-US" dirty="0"/>
+              </a:p>
+              <a:p>
+                <a:r>
+                  <a:rPr lang="en-US" dirty="0"/>
+                  <a:t>With </a:t>
+                </a:r>
+                <a14:m>
+                  <m:oMath xmlns:m="http://schemas.openxmlformats.org/officeDocument/2006/math">
+                    <m:sSub>
+                      <m:sSubPr>
+                        <m:ctrlPr>
+                          <a:rPr lang="en-US" i="1">
+                            <a:latin typeface="Cambria Math" panose="02040503050406030204" pitchFamily="18" charset="0"/>
+                          </a:rPr>
+                        </m:ctrlPr>
+                      </m:sSubPr>
+                      <m:e>
+                        <m:r>
+                          <a:rPr lang="en-US" i="1">
+                            <a:latin typeface="Cambria Math" panose="02040503050406030204" pitchFamily="18" charset="0"/>
+                          </a:rPr>
+                          <m:t>𝜇</m:t>
+                        </m:r>
+                      </m:e>
+                      <m:sub>
+                        <m:r>
+                          <a:rPr lang="en-US" i="1">
+                            <a:latin typeface="Cambria Math" panose="02040503050406030204" pitchFamily="18" charset="0"/>
+                          </a:rPr>
+                          <m:t>0</m:t>
+                        </m:r>
+                      </m:sub>
+                    </m:sSub>
+                    <m:sSup>
+                      <m:sSupPr>
+                        <m:ctrlPr>
+                          <a:rPr lang="en-US" i="1">
+                            <a:latin typeface="Cambria Math" panose="02040503050406030204" pitchFamily="18" charset="0"/>
+                          </a:rPr>
+                        </m:ctrlPr>
+                      </m:sSupPr>
+                      <m:e>
+                        <m:r>
+                          <a:rPr lang="en-US" i="1">
+                            <a:latin typeface="Cambria Math" panose="02040503050406030204" pitchFamily="18" charset="0"/>
+                          </a:rPr>
+                          <m:t>𝑅</m:t>
+                        </m:r>
+                      </m:e>
+                      <m:sup>
+                        <m:r>
+                          <a:rPr lang="en-US" i="1">
+                            <a:latin typeface="Cambria Math" panose="02040503050406030204" pitchFamily="18" charset="0"/>
+                          </a:rPr>
+                          <m:t>2</m:t>
+                        </m:r>
+                      </m:sup>
+                    </m:sSup>
+                    <m:f>
+                      <m:fPr>
+                        <m:ctrlPr>
+                          <a:rPr lang="en-US" i="1">
+                            <a:latin typeface="Cambria Math" panose="02040503050406030204" pitchFamily="18" charset="0"/>
+                          </a:rPr>
+                        </m:ctrlPr>
+                      </m:fPr>
+                      <m:num>
+                        <m:r>
+                          <a:rPr lang="en-US" i="1">
+                            <a:latin typeface="Cambria Math" panose="02040503050406030204" pitchFamily="18" charset="0"/>
+                          </a:rPr>
+                          <m:t>𝑑𝑝</m:t>
+                        </m:r>
+                      </m:num>
+                      <m:den>
+                        <m:r>
+                          <a:rPr lang="en-US" i="1">
+                            <a:latin typeface="Cambria Math" panose="02040503050406030204" pitchFamily="18" charset="0"/>
+                          </a:rPr>
+                          <m:t>𝑑</m:t>
+                        </m:r>
+                        <m:r>
+                          <a:rPr lang="en-US" i="1">
+                            <a:latin typeface="Cambria Math" panose="02040503050406030204" pitchFamily="18" charset="0"/>
+                          </a:rPr>
+                          <m:t>𝜓</m:t>
+                        </m:r>
+                      </m:den>
+                    </m:f>
+                    <m:r>
+                      <a:rPr lang="en-US" i="1">
+                        <a:latin typeface="Cambria Math" panose="02040503050406030204" pitchFamily="18" charset="0"/>
+                      </a:rPr>
+                      <m:t>+</m:t>
+                    </m:r>
+                    <m:r>
+                      <a:rPr lang="en-US" i="1">
+                        <a:latin typeface="Cambria Math" panose="02040503050406030204" pitchFamily="18" charset="0"/>
+                      </a:rPr>
+                      <m:t>𝐹</m:t>
+                    </m:r>
+                    <m:f>
+                      <m:fPr>
+                        <m:ctrlPr>
+                          <a:rPr lang="en-US" i="1">
+                            <a:latin typeface="Cambria Math" panose="02040503050406030204" pitchFamily="18" charset="0"/>
+                          </a:rPr>
+                        </m:ctrlPr>
+                      </m:fPr>
+                      <m:num>
+                        <m:r>
+                          <a:rPr lang="en-US" i="1">
+                            <a:latin typeface="Cambria Math" panose="02040503050406030204" pitchFamily="18" charset="0"/>
+                          </a:rPr>
+                          <m:t>𝑑𝐹</m:t>
+                        </m:r>
+                      </m:num>
+                      <m:den>
+                        <m:r>
+                          <a:rPr lang="en-US" i="1">
+                            <a:latin typeface="Cambria Math" panose="02040503050406030204" pitchFamily="18" charset="0"/>
+                          </a:rPr>
+                          <m:t>𝑑</m:t>
+                        </m:r>
+                        <m:r>
+                          <a:rPr lang="en-US" i="1">
+                            <a:latin typeface="Cambria Math" panose="02040503050406030204" pitchFamily="18" charset="0"/>
+                          </a:rPr>
+                          <m:t>𝜓</m:t>
+                        </m:r>
+                      </m:den>
+                    </m:f>
+                    <m:r>
+                      <a:rPr lang="en-US" b="0" i="1" smtClean="0">
+                        <a:latin typeface="Cambria Math" panose="02040503050406030204" pitchFamily="18" charset="0"/>
+                      </a:rPr>
+                      <m:t>=</m:t>
+                    </m:r>
+                    <m:sSub>
+                      <m:sSubPr>
+                        <m:ctrlPr>
+                          <a:rPr lang="en-US" b="0" i="1" smtClean="0">
+                            <a:latin typeface="Cambria Math" panose="02040503050406030204" pitchFamily="18" charset="0"/>
+                          </a:rPr>
+                        </m:ctrlPr>
+                      </m:sSubPr>
+                      <m:e>
+                        <m:r>
+                          <a:rPr lang="en-US" b="0" i="1" smtClean="0">
+                            <a:latin typeface="Cambria Math" panose="02040503050406030204" pitchFamily="18" charset="0"/>
+                          </a:rPr>
+                          <m:t>𝑐</m:t>
+                        </m:r>
+                      </m:e>
+                      <m:sub>
+                        <m:r>
+                          <a:rPr lang="en-US" b="0" i="1" smtClean="0">
+                            <a:latin typeface="Cambria Math" panose="02040503050406030204" pitchFamily="18" charset="0"/>
+                          </a:rPr>
+                          <m:t>0</m:t>
+                        </m:r>
+                      </m:sub>
+                    </m:sSub>
+                    <m:d>
+                      <m:dPr>
+                        <m:ctrlPr>
+                          <a:rPr lang="en-US" b="0" i="1" smtClean="0">
+                            <a:latin typeface="Cambria Math" panose="02040503050406030204" pitchFamily="18" charset="0"/>
+                          </a:rPr>
+                        </m:ctrlPr>
+                      </m:dPr>
+                      <m:e>
+                        <m:sSub>
+                          <m:sSubPr>
+                            <m:ctrlPr>
+                              <a:rPr lang="en-US" b="0" i="1" smtClean="0">
+                                <a:latin typeface="Cambria Math" panose="02040503050406030204" pitchFamily="18" charset="0"/>
+                              </a:rPr>
+                            </m:ctrlPr>
+                          </m:sSubPr>
+                          <m:e>
+                            <m:r>
+                              <a:rPr lang="en-US" b="0" i="1" smtClean="0">
+                                <a:latin typeface="Cambria Math" panose="02040503050406030204" pitchFamily="18" charset="0"/>
+                              </a:rPr>
+                              <m:t>𝑐</m:t>
+                            </m:r>
+                          </m:e>
+                          <m:sub>
+                            <m:r>
+                              <a:rPr lang="en-US" b="0" i="1" smtClean="0">
+                                <a:latin typeface="Cambria Math" panose="02040503050406030204" pitchFamily="18" charset="0"/>
+                              </a:rPr>
+                              <m:t>1</m:t>
+                            </m:r>
+                          </m:sub>
+                        </m:sSub>
+                        <m:r>
+                          <a:rPr lang="en-US" b="0" i="1" smtClean="0">
+                            <a:latin typeface="Cambria Math" panose="02040503050406030204" pitchFamily="18" charset="0"/>
+                          </a:rPr>
+                          <m:t>+</m:t>
+                        </m:r>
+                        <m:sSub>
+                          <m:sSubPr>
+                            <m:ctrlPr>
+                              <a:rPr lang="en-US" b="0" i="1" smtClean="0">
+                                <a:latin typeface="Cambria Math" panose="02040503050406030204" pitchFamily="18" charset="0"/>
+                              </a:rPr>
+                            </m:ctrlPr>
+                          </m:sSubPr>
+                          <m:e>
+                            <m:r>
+                              <a:rPr lang="en-US" b="0" i="1" smtClean="0">
+                                <a:latin typeface="Cambria Math" panose="02040503050406030204" pitchFamily="18" charset="0"/>
+                              </a:rPr>
+                              <m:t>𝑐</m:t>
+                            </m:r>
+                          </m:e>
+                          <m:sub>
+                            <m:r>
+                              <a:rPr lang="en-US" b="0" i="1" smtClean="0">
+                                <a:latin typeface="Cambria Math" panose="02040503050406030204" pitchFamily="18" charset="0"/>
+                              </a:rPr>
+                              <m:t>2</m:t>
+                            </m:r>
+                          </m:sub>
+                        </m:sSub>
+                        <m:sSup>
+                          <m:sSupPr>
+                            <m:ctrlPr>
+                              <a:rPr lang="en-US" b="0" i="1" smtClean="0">
+                                <a:latin typeface="Cambria Math" panose="02040503050406030204" pitchFamily="18" charset="0"/>
+                              </a:rPr>
+                            </m:ctrlPr>
+                          </m:sSupPr>
+                          <m:e>
+                            <m:r>
+                              <a:rPr lang="en-US" b="0" i="1" smtClean="0">
+                                <a:latin typeface="Cambria Math" panose="02040503050406030204" pitchFamily="18" charset="0"/>
+                              </a:rPr>
+                              <m:t>𝑅</m:t>
+                            </m:r>
+                          </m:e>
+                          <m:sup>
+                            <m:r>
+                              <a:rPr lang="en-US" b="0" i="1" smtClean="0">
+                                <a:latin typeface="Cambria Math" panose="02040503050406030204" pitchFamily="18" charset="0"/>
+                              </a:rPr>
+                              <m:t>2</m:t>
+                            </m:r>
+                          </m:sup>
+                        </m:sSup>
+                      </m:e>
+                    </m:d>
+                    <m:r>
+                      <a:rPr lang="en-US" b="0" i="1" smtClean="0">
+                        <a:latin typeface="Cambria Math" panose="02040503050406030204" pitchFamily="18" charset="0"/>
+                      </a:rPr>
+                      <m:t>𝜓</m:t>
+                    </m:r>
+                  </m:oMath>
+                </a14:m>
+                <a:r>
+                  <a:rPr lang="en-US" dirty="0"/>
+                  <a:t>, the equation become:</a:t>
+                </a:r>
+              </a:p>
+              <a:p>
+                <a:pPr marL="0" indent="0">
+                  <a:buNone/>
+                </a:pPr>
+                <a14:m>
+                  <m:oMathPara xmlns:m="http://schemas.openxmlformats.org/officeDocument/2006/math">
+                    <m:oMathParaPr>
+                      <m:jc m:val="centerGroup"/>
+                    </m:oMathParaPr>
+                    <m:oMath xmlns:m="http://schemas.openxmlformats.org/officeDocument/2006/math">
+                      <m:sSub>
+                        <m:sSubPr>
+                          <m:ctrlPr>
+                            <a:rPr lang="en-US" i="1">
+                              <a:latin typeface="Cambria Math" panose="02040503050406030204" pitchFamily="18" charset="0"/>
+                            </a:rPr>
+                          </m:ctrlPr>
+                        </m:sSubPr>
+                        <m:e>
+                          <m:r>
+                            <a:rPr lang="en-US" i="1">
+                              <a:latin typeface="Cambria Math" panose="02040503050406030204" pitchFamily="18" charset="0"/>
+                            </a:rPr>
+                            <m:t>𝑐</m:t>
+                          </m:r>
+                        </m:e>
+                        <m:sub>
+                          <m:r>
+                            <a:rPr lang="en-US" i="1">
+                              <a:latin typeface="Cambria Math" panose="02040503050406030204" pitchFamily="18" charset="0"/>
+                            </a:rPr>
+                            <m:t>0</m:t>
+                          </m:r>
+                        </m:sub>
+                      </m:sSub>
+                      <m:d>
+                        <m:dPr>
+                          <m:ctrlPr>
+                            <a:rPr lang="en-US" i="1">
+                              <a:latin typeface="Cambria Math" panose="02040503050406030204" pitchFamily="18" charset="0"/>
+                            </a:rPr>
+                          </m:ctrlPr>
+                        </m:dPr>
+                        <m:e>
+                          <m:sSub>
+                            <m:sSubPr>
+                              <m:ctrlPr>
+                                <a:rPr lang="en-US" i="1">
+                                  <a:latin typeface="Cambria Math" panose="02040503050406030204" pitchFamily="18" charset="0"/>
+                                </a:rPr>
+                              </m:ctrlPr>
+                            </m:sSubPr>
+                            <m:e>
+                              <m:r>
+                                <a:rPr lang="en-US" i="1">
+                                  <a:latin typeface="Cambria Math" panose="02040503050406030204" pitchFamily="18" charset="0"/>
+                                </a:rPr>
+                                <m:t>𝑐</m:t>
+                              </m:r>
+                            </m:e>
+                            <m:sub>
+                              <m:r>
+                                <a:rPr lang="en-US" i="1">
+                                  <a:latin typeface="Cambria Math" panose="02040503050406030204" pitchFamily="18" charset="0"/>
+                                </a:rPr>
+                                <m:t>1</m:t>
+                              </m:r>
+                            </m:sub>
+                          </m:sSub>
+                          <m:r>
+                            <a:rPr lang="en-US" i="1">
+                              <a:latin typeface="Cambria Math" panose="02040503050406030204" pitchFamily="18" charset="0"/>
+                            </a:rPr>
+                            <m:t>+</m:t>
+                          </m:r>
+                          <m:sSub>
+                            <m:sSubPr>
+                              <m:ctrlPr>
+                                <a:rPr lang="en-US" i="1">
+                                  <a:latin typeface="Cambria Math" panose="02040503050406030204" pitchFamily="18" charset="0"/>
+                                </a:rPr>
+                              </m:ctrlPr>
+                            </m:sSubPr>
+                            <m:e>
+                              <m:r>
+                                <a:rPr lang="en-US" i="1">
+                                  <a:latin typeface="Cambria Math" panose="02040503050406030204" pitchFamily="18" charset="0"/>
+                                </a:rPr>
+                                <m:t>𝑐</m:t>
+                              </m:r>
+                            </m:e>
+                            <m:sub>
+                              <m:r>
+                                <a:rPr lang="en-US" i="1">
+                                  <a:latin typeface="Cambria Math" panose="02040503050406030204" pitchFamily="18" charset="0"/>
+                                </a:rPr>
+                                <m:t>2</m:t>
+                              </m:r>
+                            </m:sub>
+                          </m:sSub>
+                          <m:sSup>
+                            <m:sSupPr>
+                              <m:ctrlPr>
+                                <a:rPr lang="en-US" i="1">
+                                  <a:latin typeface="Cambria Math" panose="02040503050406030204" pitchFamily="18" charset="0"/>
+                                </a:rPr>
+                              </m:ctrlPr>
+                            </m:sSupPr>
+                            <m:e>
+                              <m:r>
+                                <a:rPr lang="en-US" i="1">
+                                  <a:latin typeface="Cambria Math" panose="02040503050406030204" pitchFamily="18" charset="0"/>
+                                </a:rPr>
+                                <m:t>𝑅</m:t>
+                              </m:r>
+                            </m:e>
+                            <m:sup>
+                              <m:r>
+                                <a:rPr lang="en-US" i="1">
+                                  <a:latin typeface="Cambria Math" panose="02040503050406030204" pitchFamily="18" charset="0"/>
+                                </a:rPr>
+                                <m:t>2</m:t>
+                              </m:r>
+                            </m:sup>
+                          </m:sSup>
+                        </m:e>
+                      </m:d>
+                      <m:r>
+                        <a:rPr lang="en-US" i="1">
+                          <a:latin typeface="Cambria Math" panose="02040503050406030204" pitchFamily="18" charset="0"/>
+                        </a:rPr>
+                        <m:t>𝜓</m:t>
+                      </m:r>
+                      <m:r>
+                        <a:rPr lang="en-US" b="0" i="1" smtClean="0">
+                          <a:latin typeface="Cambria Math" panose="02040503050406030204" pitchFamily="18" charset="0"/>
+                        </a:rPr>
+                        <m:t>+</m:t>
+                      </m:r>
+                      <m:sSup>
+                        <m:sSupPr>
+                          <m:ctrlPr>
+                            <a:rPr lang="en-US" i="1">
+                              <a:latin typeface="Cambria Math" panose="02040503050406030204" pitchFamily="18" charset="0"/>
+                            </a:rPr>
+                          </m:ctrlPr>
+                        </m:sSupPr>
+                        <m:e>
+                          <m:r>
+                            <m:rPr>
+                              <m:sty m:val="p"/>
+                            </m:rPr>
+                            <a:rPr lang="en-US">
+                              <a:latin typeface="Cambria Math" panose="02040503050406030204" pitchFamily="18" charset="0"/>
+                            </a:rPr>
+                            <m:t>Δ</m:t>
+                          </m:r>
+                        </m:e>
+                        <m:sup>
+                          <m:r>
+                            <a:rPr lang="en-US" i="1">
+                              <a:latin typeface="Cambria Math" panose="02040503050406030204" pitchFamily="18" charset="0"/>
+                            </a:rPr>
+                            <m:t>∗</m:t>
+                          </m:r>
+                        </m:sup>
+                      </m:sSup>
+                      <m:r>
+                        <a:rPr lang="en-US" i="1">
+                          <a:latin typeface="Cambria Math" panose="02040503050406030204" pitchFamily="18" charset="0"/>
+                        </a:rPr>
+                        <m:t>𝜓</m:t>
+                      </m:r>
+                      <m:r>
+                        <a:rPr lang="en-US" i="1">
+                          <a:latin typeface="Cambria Math" panose="02040503050406030204" pitchFamily="18" charset="0"/>
+                        </a:rPr>
+                        <m:t>=0</m:t>
+                      </m:r>
+                    </m:oMath>
+                  </m:oMathPara>
+                </a14:m>
+                <a:endParaRPr lang="en-US" dirty="0"/>
+              </a:p>
+              <a:p>
+                <a:pPr marL="0" indent="0">
+                  <a:buNone/>
+                </a:pPr>
+                <a:endParaRPr lang="en-US" dirty="0"/>
+              </a:p>
+            </p:txBody>
+          </p:sp>
+        </mc:Choice>
+        <mc:Fallback>
+          <p:sp>
+            <p:nvSpPr>
+              <p:cNvPr id="3" name="Content Placeholder 2">
+                <a:extLst>
+                  <a:ext uri="{FF2B5EF4-FFF2-40B4-BE49-F238E27FC236}">
+                    <a16:creationId xmlns:a16="http://schemas.microsoft.com/office/drawing/2014/main" id="{EC6C22D9-8AD5-F76F-27D5-8D2CA19DFB91}"/>
+                  </a:ext>
+                </a:extLst>
+              </p:cNvPr>
+              <p:cNvSpPr>
+                <a:spLocks noGrp="1" noRot="1" noChangeAspect="1" noMove="1" noResize="1" noEditPoints="1" noAdjustHandles="1" noChangeArrowheads="1" noChangeShapeType="1" noTextEdit="1"/>
+              </p:cNvSpPr>
+              <p:nvPr>
+                <p:ph idx="1"/>
+              </p:nvPr>
+            </p:nvSpPr>
+            <p:spPr>
+              <a:blipFill>
+                <a:blip r:embed="rId2"/>
+                <a:stretch>
+                  <a:fillRect l="-1043"/>
+                </a:stretch>
+              </a:blipFill>
+            </p:spPr>
+            <p:txBody>
+              <a:bodyPr/>
+              <a:lstStyle/>
+              <a:p>
+                <a:r>
+                  <a:rPr lang="en-US">
+                    <a:noFill/>
+                  </a:rPr>
+                  <a:t> </a:t>
+                </a:r>
+              </a:p>
+            </p:txBody>
+          </p:sp>
+        </mc:Fallback>
+      </mc:AlternateContent>
+    </p:spTree>
+    <p:extLst>
+      <p:ext uri="{BB962C8B-B14F-4D97-AF65-F5344CB8AC3E}">
+        <p14:creationId xmlns:p14="http://schemas.microsoft.com/office/powerpoint/2010/main" val="4210477577"/>
+      </p:ext>
+    </p:extLst>
+  </p:cSld>
+  <p:clrMapOvr>
+    <a:masterClrMapping/>
+  </p:clrMapOvr>
+</p:sld>
+</file>
+
+<file path=ppt/slides/slide14.xml><?xml version="1.0" encoding="utf-8"?>
+<p:sld xmlns:a="http://schemas.openxmlformats.org/drawingml/2006/main" xmlns:r="http://schemas.openxmlformats.org/officeDocument/2006/relationships" xmlns:p="http://schemas.openxmlformats.org/presentationml/2006/main">
+  <p:cSld>
+    <p:spTree>
+      <p:nvGrpSpPr>
+        <p:cNvPr id="1" name=""/>
+        <p:cNvGrpSpPr/>
+        <p:nvPr/>
+      </p:nvGrpSpPr>
+      <p:grpSpPr>
+        <a:xfrm>
+          <a:off x="0" y="0"/>
+          <a:ext cx="0" cy="0"/>
+          <a:chOff x="0" y="0"/>
+          <a:chExt cx="0" cy="0"/>
+        </a:xfrm>
+      </p:grpSpPr>
+      <mc:AlternateContent xmlns:mc="http://schemas.openxmlformats.org/markup-compatibility/2006">
+        <mc:Choice xmlns:a14="http://schemas.microsoft.com/office/drawing/2010/main" Requires="a14">
+          <p:sp>
+            <p:nvSpPr>
+              <p:cNvPr id="2" name="Title 1">
+                <a:extLst>
+                  <a:ext uri="{FF2B5EF4-FFF2-40B4-BE49-F238E27FC236}">
+                    <a16:creationId xmlns:a16="http://schemas.microsoft.com/office/drawing/2014/main" id="{30205B3C-AC60-4AB0-90FD-61A6760813AA}"/>
+                  </a:ext>
+                </a:extLst>
+              </p:cNvPr>
+              <p:cNvSpPr>
+                <a:spLocks noGrp="1"/>
+              </p:cNvSpPr>
+              <p:nvPr>
+                <p:ph type="title"/>
+              </p:nvPr>
+            </p:nvSpPr>
+            <p:spPr/>
+            <p:txBody>
+              <a:bodyPr/>
+              <a:lstStyle/>
+              <a:p>
+                <a14:m>
+                  <m:oMathPara xmlns:m="http://schemas.openxmlformats.org/officeDocument/2006/math">
+                    <m:oMathParaPr>
+                      <m:jc m:val="centerGroup"/>
+                    </m:oMathParaPr>
+                    <m:oMath xmlns:m="http://schemas.openxmlformats.org/officeDocument/2006/math">
+                      <m:r>
+                        <a:rPr lang="en-US" i="1">
+                          <a:latin typeface="Cambria Math" panose="02040503050406030204" pitchFamily="18" charset="0"/>
+                        </a:rPr>
+                        <m:t>−1</m:t>
+                      </m:r>
+                      <m:d>
+                        <m:dPr>
+                          <m:ctrlPr>
+                            <a:rPr lang="en-US" i="1">
+                              <a:latin typeface="Cambria Math" panose="02040503050406030204" pitchFamily="18" charset="0"/>
+                            </a:rPr>
+                          </m:ctrlPr>
+                        </m:dPr>
+                        <m:e>
+                          <m:r>
+                            <a:rPr lang="en-US" i="1">
+                              <a:latin typeface="Cambria Math" panose="02040503050406030204" pitchFamily="18" charset="0"/>
+                            </a:rPr>
+                            <m:t>0.5</m:t>
+                          </m:r>
+                          <m:r>
+                            <a:rPr lang="en-US" i="1">
+                              <a:latin typeface="Cambria Math" panose="02040503050406030204" pitchFamily="18" charset="0"/>
+                            </a:rPr>
+                            <m:t>+</m:t>
+                          </m:r>
+                          <m:r>
+                            <a:rPr lang="en-US" i="1">
+                              <a:latin typeface="Cambria Math" panose="02040503050406030204" pitchFamily="18" charset="0"/>
+                            </a:rPr>
+                            <m:t>0.5</m:t>
+                          </m:r>
+                          <m:sSup>
+                            <m:sSupPr>
+                              <m:ctrlPr>
+                                <a:rPr lang="en-US" i="1">
+                                  <a:latin typeface="Cambria Math" panose="02040503050406030204" pitchFamily="18" charset="0"/>
+                                </a:rPr>
+                              </m:ctrlPr>
+                            </m:sSupPr>
+                            <m:e>
+                              <m:r>
+                                <a:rPr lang="en-US" i="1">
+                                  <a:latin typeface="Cambria Math" panose="02040503050406030204" pitchFamily="18" charset="0"/>
+                                </a:rPr>
+                                <m:t>𝑅</m:t>
+                              </m:r>
+                            </m:e>
+                            <m:sup>
+                              <m:r>
+                                <a:rPr lang="en-US" i="1">
+                                  <a:latin typeface="Cambria Math" panose="02040503050406030204" pitchFamily="18" charset="0"/>
+                                </a:rPr>
+                                <m:t>2</m:t>
+                              </m:r>
+                            </m:sup>
+                          </m:sSup>
+                        </m:e>
+                      </m:d>
+                      <m:r>
+                        <a:rPr lang="en-US" i="1">
+                          <a:latin typeface="Cambria Math" panose="02040503050406030204" pitchFamily="18" charset="0"/>
+                        </a:rPr>
+                        <m:t>𝜓</m:t>
+                      </m:r>
+                      <m:r>
+                        <a:rPr lang="en-US" i="1">
+                          <a:latin typeface="Cambria Math" panose="02040503050406030204" pitchFamily="18" charset="0"/>
+                        </a:rPr>
+                        <m:t>+</m:t>
+                      </m:r>
+                      <m:sSup>
+                        <m:sSupPr>
+                          <m:ctrlPr>
+                            <a:rPr lang="en-US" i="1">
+                              <a:latin typeface="Cambria Math" panose="02040503050406030204" pitchFamily="18" charset="0"/>
+                            </a:rPr>
+                          </m:ctrlPr>
+                        </m:sSupPr>
+                        <m:e>
+                          <m:r>
+                            <m:rPr>
+                              <m:sty m:val="p"/>
+                            </m:rPr>
+                            <a:rPr lang="en-US">
+                              <a:latin typeface="Cambria Math" panose="02040503050406030204" pitchFamily="18" charset="0"/>
+                            </a:rPr>
+                            <m:t>Δ</m:t>
+                          </m:r>
+                        </m:e>
+                        <m:sup>
+                          <m:r>
+                            <a:rPr lang="en-US" i="1">
+                              <a:latin typeface="Cambria Math" panose="02040503050406030204" pitchFamily="18" charset="0"/>
+                            </a:rPr>
+                            <m:t>∗</m:t>
+                          </m:r>
+                        </m:sup>
+                      </m:sSup>
+                      <m:r>
+                        <a:rPr lang="en-US" i="1">
+                          <a:latin typeface="Cambria Math" panose="02040503050406030204" pitchFamily="18" charset="0"/>
+                        </a:rPr>
+                        <m:t>𝜓</m:t>
+                      </m:r>
+                      <m:r>
+                        <a:rPr lang="en-US" i="1">
+                          <a:latin typeface="Cambria Math" panose="02040503050406030204" pitchFamily="18" charset="0"/>
+                        </a:rPr>
+                        <m:t>=0</m:t>
+                      </m:r>
+                    </m:oMath>
+                  </m:oMathPara>
+                </a14:m>
+                <a:br>
+                  <a:rPr lang="en-US" dirty="0"/>
+                </a:br>
+                <a:endParaRPr lang="en-US" dirty="0"/>
+              </a:p>
+            </p:txBody>
+          </p:sp>
+        </mc:Choice>
+        <mc:Fallback>
+          <p:sp>
+            <p:nvSpPr>
+              <p:cNvPr id="2" name="Title 1">
+                <a:extLst>
+                  <a:ext uri="{FF2B5EF4-FFF2-40B4-BE49-F238E27FC236}">
+                    <a16:creationId xmlns:a16="http://schemas.microsoft.com/office/drawing/2014/main" id="{30205B3C-AC60-4AB0-90FD-61A6760813AA}"/>
+                  </a:ext>
+                </a:extLst>
+              </p:cNvPr>
+              <p:cNvSpPr>
+                <a:spLocks noGrp="1" noRot="1" noChangeAspect="1" noMove="1" noResize="1" noEditPoints="1" noAdjustHandles="1" noChangeArrowheads="1" noChangeShapeType="1" noTextEdit="1"/>
+              </p:cNvSpPr>
+              <p:nvPr>
+                <p:ph type="title"/>
+              </p:nvPr>
+            </p:nvSpPr>
+            <p:spPr>
+              <a:blipFill>
+                <a:blip r:embed="rId2"/>
+                <a:stretch>
+                  <a:fillRect/>
+                </a:stretch>
+              </a:blipFill>
+            </p:spPr>
+            <p:txBody>
+              <a:bodyPr/>
+              <a:lstStyle/>
+              <a:p>
+                <a:r>
+                  <a:rPr lang="en-US">
+                    <a:noFill/>
+                  </a:rPr>
+                  <a:t> </a:t>
+                </a:r>
+              </a:p>
+            </p:txBody>
+          </p:sp>
+        </mc:Fallback>
+      </mc:AlternateContent>
       <p:sp>
         <p:nvSpPr>
           <p:cNvPr id="3" name="Content Placeholder 2">
             <a:extLst>
               <a:ext uri="{FF2B5EF4-FFF2-40B4-BE49-F238E27FC236}">
-                <a16:creationId xmlns:a16="http://schemas.microsoft.com/office/drawing/2014/main" id="{EC6C22D9-8AD5-F76F-27D5-8D2CA19DFB91}"/>
+                <a16:creationId xmlns:a16="http://schemas.microsoft.com/office/drawing/2014/main" id="{BD9BCF34-B4A7-4B91-8FD9-072A6166BD4C}"/>
               </a:ext>
             </a:extLst>
           </p:cNvPr>
@@ -5200,14 +6153,1153 @@
           <a:bodyPr/>
           <a:lstStyle/>
           <a:p>
-            <a:endParaRPr lang="en-US"/>
+            <a:r>
+              <a:rPr lang="en-US" dirty="0"/>
+              <a:t>The solution obtain from PINN:</a:t>
+            </a:r>
+          </a:p>
+          <a:p>
+            <a:endParaRPr lang="en-US" dirty="0"/>
           </a:p>
         </p:txBody>
       </p:sp>
+      <p:pic>
+        <p:nvPicPr>
+          <p:cNvPr id="4" name="Picture 3">
+            <a:extLst>
+              <a:ext uri="{FF2B5EF4-FFF2-40B4-BE49-F238E27FC236}">
+                <a16:creationId xmlns:a16="http://schemas.microsoft.com/office/drawing/2014/main" id="{4CBC5D91-ABCA-4F90-91A8-D72285415928}"/>
+              </a:ext>
+            </a:extLst>
+          </p:cNvPr>
+          <p:cNvPicPr>
+            <a:picLocks noChangeAspect="1"/>
+          </p:cNvPicPr>
+          <p:nvPr/>
+        </p:nvPicPr>
+        <p:blipFill>
+          <a:blip r:embed="rId3"/>
+          <a:stretch>
+            <a:fillRect/>
+          </a:stretch>
+        </p:blipFill>
+        <p:spPr>
+          <a:xfrm>
+            <a:off x="3600918" y="2330450"/>
+            <a:ext cx="5619750" cy="3981450"/>
+          </a:xfrm>
+          <a:prstGeom prst="rect">
+            <a:avLst/>
+          </a:prstGeom>
+        </p:spPr>
+      </p:pic>
     </p:spTree>
     <p:extLst>
       <p:ext uri="{BB962C8B-B14F-4D97-AF65-F5344CB8AC3E}">
-        <p14:creationId xmlns:p14="http://schemas.microsoft.com/office/powerpoint/2010/main" val="4210477577"/>
+        <p14:creationId xmlns:p14="http://schemas.microsoft.com/office/powerpoint/2010/main" val="2707538328"/>
+      </p:ext>
+    </p:extLst>
+  </p:cSld>
+  <p:clrMapOvr>
+    <a:masterClrMapping/>
+  </p:clrMapOvr>
+</p:sld>
+</file>
+
+<file path=ppt/slides/slide15.xml><?xml version="1.0" encoding="utf-8"?>
+<p:sld xmlns:a="http://schemas.openxmlformats.org/drawingml/2006/main" xmlns:r="http://schemas.openxmlformats.org/officeDocument/2006/relationships" xmlns:p="http://schemas.openxmlformats.org/presentationml/2006/main">
+  <p:cSld>
+    <p:spTree>
+      <p:nvGrpSpPr>
+        <p:cNvPr id="1" name=""/>
+        <p:cNvGrpSpPr/>
+        <p:nvPr/>
+      </p:nvGrpSpPr>
+      <p:grpSpPr>
+        <a:xfrm>
+          <a:off x="0" y="0"/>
+          <a:ext cx="0" cy="0"/>
+          <a:chOff x="0" y="0"/>
+          <a:chExt cx="0" cy="0"/>
+        </a:xfrm>
+      </p:grpSpPr>
+      <mc:AlternateContent xmlns:mc="http://schemas.openxmlformats.org/markup-compatibility/2006">
+        <mc:Choice xmlns:a14="http://schemas.microsoft.com/office/drawing/2010/main" Requires="a14">
+          <p:sp>
+            <p:nvSpPr>
+              <p:cNvPr id="2" name="Title 1">
+                <a:extLst>
+                  <a:ext uri="{FF2B5EF4-FFF2-40B4-BE49-F238E27FC236}">
+                    <a16:creationId xmlns:a16="http://schemas.microsoft.com/office/drawing/2014/main" id="{30205B3C-AC60-4AB0-90FD-61A6760813AA}"/>
+                  </a:ext>
+                </a:extLst>
+              </p:cNvPr>
+              <p:cNvSpPr>
+                <a:spLocks noGrp="1"/>
+              </p:cNvSpPr>
+              <p:nvPr>
+                <p:ph type="title"/>
+              </p:nvPr>
+            </p:nvSpPr>
+            <p:spPr/>
+            <p:txBody>
+              <a:bodyPr/>
+              <a:lstStyle/>
+              <a:p>
+                <a:pPr/>
+                <a14:m>
+                  <m:oMathPara xmlns:m="http://schemas.openxmlformats.org/officeDocument/2006/math">
+                    <m:oMathParaPr>
+                      <m:jc m:val="centerGroup"/>
+                    </m:oMathParaPr>
+                    <m:oMath xmlns:m="http://schemas.openxmlformats.org/officeDocument/2006/math">
+                      <m:r>
+                        <a:rPr lang="en-US" i="1">
+                          <a:latin typeface="Cambria Math" panose="02040503050406030204" pitchFamily="18" charset="0"/>
+                        </a:rPr>
+                        <m:t>1</m:t>
+                      </m:r>
+                      <m:d>
+                        <m:dPr>
+                          <m:ctrlPr>
+                            <a:rPr lang="en-US" i="1">
+                              <a:latin typeface="Cambria Math" panose="02040503050406030204" pitchFamily="18" charset="0"/>
+                            </a:rPr>
+                          </m:ctrlPr>
+                        </m:dPr>
+                        <m:e>
+                          <m:r>
+                            <a:rPr lang="en-US" i="1">
+                              <a:latin typeface="Cambria Math" panose="02040503050406030204" pitchFamily="18" charset="0"/>
+                            </a:rPr>
+                            <m:t>0.5+0.5</m:t>
+                          </m:r>
+                          <m:sSup>
+                            <m:sSupPr>
+                              <m:ctrlPr>
+                                <a:rPr lang="en-US" i="1">
+                                  <a:latin typeface="Cambria Math" panose="02040503050406030204" pitchFamily="18" charset="0"/>
+                                </a:rPr>
+                              </m:ctrlPr>
+                            </m:sSupPr>
+                            <m:e>
+                              <m:r>
+                                <a:rPr lang="en-US" i="1">
+                                  <a:latin typeface="Cambria Math" panose="02040503050406030204" pitchFamily="18" charset="0"/>
+                                </a:rPr>
+                                <m:t>𝑅</m:t>
+                              </m:r>
+                            </m:e>
+                            <m:sup>
+                              <m:r>
+                                <a:rPr lang="en-US" i="1">
+                                  <a:latin typeface="Cambria Math" panose="02040503050406030204" pitchFamily="18" charset="0"/>
+                                </a:rPr>
+                                <m:t>2</m:t>
+                              </m:r>
+                            </m:sup>
+                          </m:sSup>
+                        </m:e>
+                      </m:d>
+                      <m:r>
+                        <a:rPr lang="en-US" i="1">
+                          <a:latin typeface="Cambria Math" panose="02040503050406030204" pitchFamily="18" charset="0"/>
+                        </a:rPr>
+                        <m:t>𝜓</m:t>
+                      </m:r>
+                      <m:r>
+                        <a:rPr lang="en-US" i="1">
+                          <a:latin typeface="Cambria Math" panose="02040503050406030204" pitchFamily="18" charset="0"/>
+                        </a:rPr>
+                        <m:t>+</m:t>
+                      </m:r>
+                      <m:sSup>
+                        <m:sSupPr>
+                          <m:ctrlPr>
+                            <a:rPr lang="en-US" i="1">
+                              <a:latin typeface="Cambria Math" panose="02040503050406030204" pitchFamily="18" charset="0"/>
+                            </a:rPr>
+                          </m:ctrlPr>
+                        </m:sSupPr>
+                        <m:e>
+                          <m:r>
+                            <m:rPr>
+                              <m:sty m:val="p"/>
+                            </m:rPr>
+                            <a:rPr lang="en-US">
+                              <a:latin typeface="Cambria Math" panose="02040503050406030204" pitchFamily="18" charset="0"/>
+                            </a:rPr>
+                            <m:t>Δ</m:t>
+                          </m:r>
+                        </m:e>
+                        <m:sup>
+                          <m:r>
+                            <a:rPr lang="en-US" i="1">
+                              <a:latin typeface="Cambria Math" panose="02040503050406030204" pitchFamily="18" charset="0"/>
+                            </a:rPr>
+                            <m:t>∗</m:t>
+                          </m:r>
+                        </m:sup>
+                      </m:sSup>
+                      <m:r>
+                        <a:rPr lang="en-US" i="1">
+                          <a:latin typeface="Cambria Math" panose="02040503050406030204" pitchFamily="18" charset="0"/>
+                        </a:rPr>
+                        <m:t>𝜓</m:t>
+                      </m:r>
+                      <m:r>
+                        <a:rPr lang="en-US" i="1">
+                          <a:latin typeface="Cambria Math" panose="02040503050406030204" pitchFamily="18" charset="0"/>
+                        </a:rPr>
+                        <m:t>=0</m:t>
+                      </m:r>
+                    </m:oMath>
+                  </m:oMathPara>
+                </a14:m>
+                <a:br>
+                  <a:rPr lang="en-US" dirty="0"/>
+                </a:br>
+                <a:endParaRPr lang="en-US" dirty="0"/>
+              </a:p>
+            </p:txBody>
+          </p:sp>
+        </mc:Choice>
+        <mc:Fallback>
+          <p:sp>
+            <p:nvSpPr>
+              <p:cNvPr id="2" name="Title 1">
+                <a:extLst>
+                  <a:ext uri="{FF2B5EF4-FFF2-40B4-BE49-F238E27FC236}">
+                    <a16:creationId xmlns:a16="http://schemas.microsoft.com/office/drawing/2014/main" id="{30205B3C-AC60-4AB0-90FD-61A6760813AA}"/>
+                  </a:ext>
+                </a:extLst>
+              </p:cNvPr>
+              <p:cNvSpPr>
+                <a:spLocks noGrp="1" noRot="1" noChangeAspect="1" noMove="1" noResize="1" noEditPoints="1" noAdjustHandles="1" noChangeArrowheads="1" noChangeShapeType="1" noTextEdit="1"/>
+              </p:cNvSpPr>
+              <p:nvPr>
+                <p:ph type="title"/>
+              </p:nvPr>
+            </p:nvSpPr>
+            <p:spPr>
+              <a:blipFill>
+                <a:blip r:embed="rId2"/>
+                <a:stretch>
+                  <a:fillRect/>
+                </a:stretch>
+              </a:blipFill>
+            </p:spPr>
+            <p:txBody>
+              <a:bodyPr/>
+              <a:lstStyle/>
+              <a:p>
+                <a:r>
+                  <a:rPr lang="en-US">
+                    <a:noFill/>
+                  </a:rPr>
+                  <a:t> </a:t>
+                </a:r>
+              </a:p>
+            </p:txBody>
+          </p:sp>
+        </mc:Fallback>
+      </mc:AlternateContent>
+      <p:sp>
+        <p:nvSpPr>
+          <p:cNvPr id="3" name="Content Placeholder 2">
+            <a:extLst>
+              <a:ext uri="{FF2B5EF4-FFF2-40B4-BE49-F238E27FC236}">
+                <a16:creationId xmlns:a16="http://schemas.microsoft.com/office/drawing/2014/main" id="{BD9BCF34-B4A7-4B91-8FD9-072A6166BD4C}"/>
+              </a:ext>
+            </a:extLst>
+          </p:cNvPr>
+          <p:cNvSpPr>
+            <a:spLocks noGrp="1"/>
+          </p:cNvSpPr>
+          <p:nvPr>
+            <p:ph idx="1"/>
+          </p:nvPr>
+        </p:nvSpPr>
+        <p:spPr/>
+        <p:txBody>
+          <a:bodyPr/>
+          <a:lstStyle/>
+          <a:p>
+            <a:r>
+              <a:rPr lang="en-US" dirty="0"/>
+              <a:t>The solution obtain from PINN:</a:t>
+            </a:r>
+          </a:p>
+          <a:p>
+            <a:endParaRPr lang="en-US" dirty="0"/>
+          </a:p>
+        </p:txBody>
+      </p:sp>
+      <p:pic>
+        <p:nvPicPr>
+          <p:cNvPr id="5" name="Picture 4">
+            <a:extLst>
+              <a:ext uri="{FF2B5EF4-FFF2-40B4-BE49-F238E27FC236}">
+                <a16:creationId xmlns:a16="http://schemas.microsoft.com/office/drawing/2014/main" id="{B453A04D-CECF-427B-A28B-19860AC1A959}"/>
+              </a:ext>
+            </a:extLst>
+          </p:cNvPr>
+          <p:cNvPicPr>
+            <a:picLocks noChangeAspect="1"/>
+          </p:cNvPicPr>
+          <p:nvPr/>
+        </p:nvPicPr>
+        <p:blipFill>
+          <a:blip r:embed="rId3"/>
+          <a:stretch>
+            <a:fillRect/>
+          </a:stretch>
+        </p:blipFill>
+        <p:spPr>
+          <a:xfrm>
+            <a:off x="3286125" y="2511425"/>
+            <a:ext cx="5619750" cy="3981450"/>
+          </a:xfrm>
+          <a:prstGeom prst="rect">
+            <a:avLst/>
+          </a:prstGeom>
+        </p:spPr>
+      </p:pic>
+    </p:spTree>
+    <p:extLst>
+      <p:ext uri="{BB962C8B-B14F-4D97-AF65-F5344CB8AC3E}">
+        <p14:creationId xmlns:p14="http://schemas.microsoft.com/office/powerpoint/2010/main" val="2564169286"/>
+      </p:ext>
+    </p:extLst>
+  </p:cSld>
+  <p:clrMapOvr>
+    <a:masterClrMapping/>
+  </p:clrMapOvr>
+</p:sld>
+</file>
+
+<file path=ppt/slides/slide16.xml><?xml version="1.0" encoding="utf-8"?>
+<p:sld xmlns:a="http://schemas.openxmlformats.org/drawingml/2006/main" xmlns:r="http://schemas.openxmlformats.org/officeDocument/2006/relationships" xmlns:p="http://schemas.openxmlformats.org/presentationml/2006/main">
+  <p:cSld>
+    <p:spTree>
+      <p:nvGrpSpPr>
+        <p:cNvPr id="1" name=""/>
+        <p:cNvGrpSpPr/>
+        <p:nvPr/>
+      </p:nvGrpSpPr>
+      <p:grpSpPr>
+        <a:xfrm>
+          <a:off x="0" y="0"/>
+          <a:ext cx="0" cy="0"/>
+          <a:chOff x="0" y="0"/>
+          <a:chExt cx="0" cy="0"/>
+        </a:xfrm>
+      </p:grpSpPr>
+      <mc:AlternateContent xmlns:mc="http://schemas.openxmlformats.org/markup-compatibility/2006">
+        <mc:Choice xmlns:a14="http://schemas.microsoft.com/office/drawing/2010/main" Requires="a14">
+          <p:sp>
+            <p:nvSpPr>
+              <p:cNvPr id="2" name="Title 1">
+                <a:extLst>
+                  <a:ext uri="{FF2B5EF4-FFF2-40B4-BE49-F238E27FC236}">
+                    <a16:creationId xmlns:a16="http://schemas.microsoft.com/office/drawing/2014/main" id="{65D00F57-451A-4F52-993D-9E8755FFBE9F}"/>
+                  </a:ext>
+                </a:extLst>
+              </p:cNvPr>
+              <p:cNvSpPr>
+                <a:spLocks noGrp="1"/>
+              </p:cNvSpPr>
+              <p:nvPr>
+                <p:ph type="title"/>
+              </p:nvPr>
+            </p:nvSpPr>
+            <p:spPr/>
+            <p:txBody>
+              <a:bodyPr/>
+              <a:lstStyle/>
+              <a:p>
+                <a14:m>
+                  <m:oMathPara xmlns:m="http://schemas.openxmlformats.org/officeDocument/2006/math">
+                    <m:oMathParaPr>
+                      <m:jc m:val="centerGroup"/>
+                    </m:oMathParaPr>
+                    <m:oMath xmlns:m="http://schemas.openxmlformats.org/officeDocument/2006/math">
+                      <m:r>
+                        <a:rPr lang="en-US" b="0" i="1" smtClean="0">
+                          <a:latin typeface="Cambria Math" panose="02040503050406030204" pitchFamily="18" charset="0"/>
+                        </a:rPr>
+                        <m:t>−10</m:t>
+                      </m:r>
+                      <m:d>
+                        <m:dPr>
+                          <m:ctrlPr>
+                            <a:rPr lang="en-US" i="1">
+                              <a:latin typeface="Cambria Math" panose="02040503050406030204" pitchFamily="18" charset="0"/>
+                            </a:rPr>
+                          </m:ctrlPr>
+                        </m:dPr>
+                        <m:e>
+                          <m:r>
+                            <a:rPr lang="en-US" b="0" i="1" smtClean="0">
+                              <a:latin typeface="Cambria Math" panose="02040503050406030204" pitchFamily="18" charset="0"/>
+                            </a:rPr>
+                            <m:t>0.5</m:t>
+                          </m:r>
+                          <m:r>
+                            <a:rPr lang="en-US" i="1">
+                              <a:latin typeface="Cambria Math" panose="02040503050406030204" pitchFamily="18" charset="0"/>
+                            </a:rPr>
+                            <m:t>+</m:t>
+                          </m:r>
+                          <m:r>
+                            <a:rPr lang="en-US" b="0" i="1" smtClean="0">
+                              <a:latin typeface="Cambria Math" panose="02040503050406030204" pitchFamily="18" charset="0"/>
+                            </a:rPr>
+                            <m:t>0.5</m:t>
+                          </m:r>
+                          <m:sSup>
+                            <m:sSupPr>
+                              <m:ctrlPr>
+                                <a:rPr lang="en-US" i="1">
+                                  <a:latin typeface="Cambria Math" panose="02040503050406030204" pitchFamily="18" charset="0"/>
+                                </a:rPr>
+                              </m:ctrlPr>
+                            </m:sSupPr>
+                            <m:e>
+                              <m:r>
+                                <a:rPr lang="en-US" i="1">
+                                  <a:latin typeface="Cambria Math" panose="02040503050406030204" pitchFamily="18" charset="0"/>
+                                </a:rPr>
+                                <m:t>𝑅</m:t>
+                              </m:r>
+                            </m:e>
+                            <m:sup>
+                              <m:r>
+                                <a:rPr lang="en-US" i="1">
+                                  <a:latin typeface="Cambria Math" panose="02040503050406030204" pitchFamily="18" charset="0"/>
+                                </a:rPr>
+                                <m:t>2</m:t>
+                              </m:r>
+                            </m:sup>
+                          </m:sSup>
+                        </m:e>
+                      </m:d>
+                      <m:r>
+                        <a:rPr lang="en-US" i="1">
+                          <a:latin typeface="Cambria Math" panose="02040503050406030204" pitchFamily="18" charset="0"/>
+                        </a:rPr>
+                        <m:t>𝜓</m:t>
+                      </m:r>
+                      <m:r>
+                        <a:rPr lang="en-US" i="1">
+                          <a:latin typeface="Cambria Math" panose="02040503050406030204" pitchFamily="18" charset="0"/>
+                        </a:rPr>
+                        <m:t>+</m:t>
+                      </m:r>
+                      <m:sSup>
+                        <m:sSupPr>
+                          <m:ctrlPr>
+                            <a:rPr lang="en-US" i="1">
+                              <a:latin typeface="Cambria Math" panose="02040503050406030204" pitchFamily="18" charset="0"/>
+                            </a:rPr>
+                          </m:ctrlPr>
+                        </m:sSupPr>
+                        <m:e>
+                          <m:r>
+                            <m:rPr>
+                              <m:sty m:val="p"/>
+                            </m:rPr>
+                            <a:rPr lang="en-US">
+                              <a:latin typeface="Cambria Math" panose="02040503050406030204" pitchFamily="18" charset="0"/>
+                            </a:rPr>
+                            <m:t>Δ</m:t>
+                          </m:r>
+                        </m:e>
+                        <m:sup>
+                          <m:r>
+                            <a:rPr lang="en-US" i="1">
+                              <a:latin typeface="Cambria Math" panose="02040503050406030204" pitchFamily="18" charset="0"/>
+                            </a:rPr>
+                            <m:t>∗</m:t>
+                          </m:r>
+                        </m:sup>
+                      </m:sSup>
+                      <m:r>
+                        <a:rPr lang="en-US" i="1">
+                          <a:latin typeface="Cambria Math" panose="02040503050406030204" pitchFamily="18" charset="0"/>
+                        </a:rPr>
+                        <m:t>𝜓</m:t>
+                      </m:r>
+                      <m:r>
+                        <a:rPr lang="en-US" i="1">
+                          <a:latin typeface="Cambria Math" panose="02040503050406030204" pitchFamily="18" charset="0"/>
+                        </a:rPr>
+                        <m:t>=0</m:t>
+                      </m:r>
+                    </m:oMath>
+                  </m:oMathPara>
+                </a14:m>
+                <a:br>
+                  <a:rPr lang="en-US" dirty="0"/>
+                </a:br>
+                <a:endParaRPr lang="en-US" dirty="0"/>
+              </a:p>
+            </p:txBody>
+          </p:sp>
+        </mc:Choice>
+        <mc:Fallback>
+          <p:sp>
+            <p:nvSpPr>
+              <p:cNvPr id="2" name="Title 1">
+                <a:extLst>
+                  <a:ext uri="{FF2B5EF4-FFF2-40B4-BE49-F238E27FC236}">
+                    <a16:creationId xmlns:a16="http://schemas.microsoft.com/office/drawing/2014/main" id="{65D00F57-451A-4F52-993D-9E8755FFBE9F}"/>
+                  </a:ext>
+                </a:extLst>
+              </p:cNvPr>
+              <p:cNvSpPr>
+                <a:spLocks noGrp="1" noRot="1" noChangeAspect="1" noMove="1" noResize="1" noEditPoints="1" noAdjustHandles="1" noChangeArrowheads="1" noChangeShapeType="1" noTextEdit="1"/>
+              </p:cNvSpPr>
+              <p:nvPr>
+                <p:ph type="title"/>
+              </p:nvPr>
+            </p:nvSpPr>
+            <p:spPr>
+              <a:blipFill>
+                <a:blip r:embed="rId2"/>
+                <a:stretch>
+                  <a:fillRect/>
+                </a:stretch>
+              </a:blipFill>
+            </p:spPr>
+            <p:txBody>
+              <a:bodyPr/>
+              <a:lstStyle/>
+              <a:p>
+                <a:r>
+                  <a:rPr lang="en-US">
+                    <a:noFill/>
+                  </a:rPr>
+                  <a:t> </a:t>
+                </a:r>
+              </a:p>
+            </p:txBody>
+          </p:sp>
+        </mc:Fallback>
+      </mc:AlternateContent>
+      <p:sp>
+        <p:nvSpPr>
+          <p:cNvPr id="3" name="Content Placeholder 2">
+            <a:extLst>
+              <a:ext uri="{FF2B5EF4-FFF2-40B4-BE49-F238E27FC236}">
+                <a16:creationId xmlns:a16="http://schemas.microsoft.com/office/drawing/2014/main" id="{13E2421C-D4BB-4391-B300-724A4A83FCEA}"/>
+              </a:ext>
+            </a:extLst>
+          </p:cNvPr>
+          <p:cNvSpPr>
+            <a:spLocks noGrp="1"/>
+          </p:cNvSpPr>
+          <p:nvPr>
+            <p:ph idx="1"/>
+          </p:nvPr>
+        </p:nvSpPr>
+        <p:spPr/>
+        <p:txBody>
+          <a:bodyPr/>
+          <a:lstStyle/>
+          <a:p>
+            <a:r>
+              <a:rPr lang="en-US" dirty="0"/>
+              <a:t>The solution obtain from PINN:</a:t>
+            </a:r>
+          </a:p>
+        </p:txBody>
+      </p:sp>
+      <p:pic>
+        <p:nvPicPr>
+          <p:cNvPr id="4" name="Picture 3">
+            <a:extLst>
+              <a:ext uri="{FF2B5EF4-FFF2-40B4-BE49-F238E27FC236}">
+                <a16:creationId xmlns:a16="http://schemas.microsoft.com/office/drawing/2014/main" id="{BBA02CF0-62DF-4B19-B215-7AED8C7402A4}"/>
+              </a:ext>
+            </a:extLst>
+          </p:cNvPr>
+          <p:cNvPicPr>
+            <a:picLocks noChangeAspect="1"/>
+          </p:cNvPicPr>
+          <p:nvPr/>
+        </p:nvPicPr>
+        <p:blipFill>
+          <a:blip r:embed="rId3"/>
+          <a:stretch>
+            <a:fillRect/>
+          </a:stretch>
+        </p:blipFill>
+        <p:spPr>
+          <a:xfrm>
+            <a:off x="3532682" y="2330450"/>
+            <a:ext cx="5619750" cy="3981450"/>
+          </a:xfrm>
+          <a:prstGeom prst="rect">
+            <a:avLst/>
+          </a:prstGeom>
+        </p:spPr>
+      </p:pic>
+    </p:spTree>
+    <p:extLst>
+      <p:ext uri="{BB962C8B-B14F-4D97-AF65-F5344CB8AC3E}">
+        <p14:creationId xmlns:p14="http://schemas.microsoft.com/office/powerpoint/2010/main" val="371598382"/>
+      </p:ext>
+    </p:extLst>
+  </p:cSld>
+  <p:clrMapOvr>
+    <a:masterClrMapping/>
+  </p:clrMapOvr>
+</p:sld>
+</file>
+
+<file path=ppt/slides/slide17.xml><?xml version="1.0" encoding="utf-8"?>
+<p:sld xmlns:a="http://schemas.openxmlformats.org/drawingml/2006/main" xmlns:r="http://schemas.openxmlformats.org/officeDocument/2006/relationships" xmlns:p="http://schemas.openxmlformats.org/presentationml/2006/main">
+  <p:cSld>
+    <p:spTree>
+      <p:nvGrpSpPr>
+        <p:cNvPr id="1" name=""/>
+        <p:cNvGrpSpPr/>
+        <p:nvPr/>
+      </p:nvGrpSpPr>
+      <p:grpSpPr>
+        <a:xfrm>
+          <a:off x="0" y="0"/>
+          <a:ext cx="0" cy="0"/>
+          <a:chOff x="0" y="0"/>
+          <a:chExt cx="0" cy="0"/>
+        </a:xfrm>
+      </p:grpSpPr>
+      <p:sp>
+        <p:nvSpPr>
+          <p:cNvPr id="2" name="Title 1">
+            <a:extLst>
+              <a:ext uri="{FF2B5EF4-FFF2-40B4-BE49-F238E27FC236}">
+                <a16:creationId xmlns:a16="http://schemas.microsoft.com/office/drawing/2014/main" id="{37A91251-55F0-412D-9193-65D5F4B64FEB}"/>
+              </a:ext>
+            </a:extLst>
+          </p:cNvPr>
+          <p:cNvSpPr>
+            <a:spLocks noGrp="1"/>
+          </p:cNvSpPr>
+          <p:nvPr>
+            <p:ph type="title"/>
+          </p:nvPr>
+        </p:nvSpPr>
+        <p:spPr/>
+        <p:txBody>
+          <a:bodyPr/>
+          <a:lstStyle/>
+          <a:p>
+            <a:r>
+              <a:rPr lang="en-US" dirty="0"/>
+              <a:t>We need consider it as eigen value problem</a:t>
+            </a:r>
+          </a:p>
+        </p:txBody>
+      </p:sp>
+      <mc:AlternateContent xmlns:mc="http://schemas.openxmlformats.org/markup-compatibility/2006">
+        <mc:Choice xmlns:a14="http://schemas.microsoft.com/office/drawing/2010/main" Requires="a14">
+          <p:sp>
+            <p:nvSpPr>
+              <p:cNvPr id="3" name="Content Placeholder 2">
+                <a:extLst>
+                  <a:ext uri="{FF2B5EF4-FFF2-40B4-BE49-F238E27FC236}">
+                    <a16:creationId xmlns:a16="http://schemas.microsoft.com/office/drawing/2014/main" id="{7E9C94A2-F9D5-4A90-92FA-369ABB507706}"/>
+                  </a:ext>
+                </a:extLst>
+              </p:cNvPr>
+              <p:cNvSpPr>
+                <a:spLocks noGrp="1"/>
+              </p:cNvSpPr>
+              <p:nvPr>
+                <p:ph idx="1"/>
+              </p:nvPr>
+            </p:nvSpPr>
+            <p:spPr/>
+            <p:txBody>
+              <a:bodyPr/>
+              <a:lstStyle/>
+              <a:p>
+                <a:pPr marL="0" indent="0">
+                  <a:buNone/>
+                </a:pPr>
+                <a14:m>
+                  <m:oMathPara xmlns:m="http://schemas.openxmlformats.org/officeDocument/2006/math">
+                    <m:oMathParaPr>
+                      <m:jc m:val="centerGroup"/>
+                    </m:oMathParaPr>
+                    <m:oMath xmlns:m="http://schemas.openxmlformats.org/officeDocument/2006/math">
+                      <m:r>
+                        <a:rPr lang="en-US" b="0" i="1" smtClean="0">
+                          <a:latin typeface="Cambria Math" panose="02040503050406030204" pitchFamily="18" charset="0"/>
+                        </a:rPr>
+                        <m:t>𝜆</m:t>
+                      </m:r>
+                      <m:d>
+                        <m:dPr>
+                          <m:ctrlPr>
+                            <a:rPr lang="en-US" i="1">
+                              <a:latin typeface="Cambria Math" panose="02040503050406030204" pitchFamily="18" charset="0"/>
+                            </a:rPr>
+                          </m:ctrlPr>
+                        </m:dPr>
+                        <m:e>
+                          <m:sSub>
+                            <m:sSubPr>
+                              <m:ctrlPr>
+                                <a:rPr lang="en-US" i="1">
+                                  <a:latin typeface="Cambria Math" panose="02040503050406030204" pitchFamily="18" charset="0"/>
+                                </a:rPr>
+                              </m:ctrlPr>
+                            </m:sSubPr>
+                            <m:e>
+                              <m:r>
+                                <a:rPr lang="en-US" i="1">
+                                  <a:latin typeface="Cambria Math" panose="02040503050406030204" pitchFamily="18" charset="0"/>
+                                </a:rPr>
+                                <m:t>𝑐</m:t>
+                              </m:r>
+                            </m:e>
+                            <m:sub>
+                              <m:r>
+                                <a:rPr lang="en-US" i="1">
+                                  <a:latin typeface="Cambria Math" panose="02040503050406030204" pitchFamily="18" charset="0"/>
+                                </a:rPr>
+                                <m:t>1</m:t>
+                              </m:r>
+                            </m:sub>
+                          </m:sSub>
+                          <m:r>
+                            <a:rPr lang="en-US" i="1">
+                              <a:latin typeface="Cambria Math" panose="02040503050406030204" pitchFamily="18" charset="0"/>
+                            </a:rPr>
+                            <m:t>+</m:t>
+                          </m:r>
+                          <m:sSub>
+                            <m:sSubPr>
+                              <m:ctrlPr>
+                                <a:rPr lang="en-US" i="1">
+                                  <a:latin typeface="Cambria Math" panose="02040503050406030204" pitchFamily="18" charset="0"/>
+                                </a:rPr>
+                              </m:ctrlPr>
+                            </m:sSubPr>
+                            <m:e>
+                              <m:r>
+                                <a:rPr lang="en-US" i="1">
+                                  <a:latin typeface="Cambria Math" panose="02040503050406030204" pitchFamily="18" charset="0"/>
+                                </a:rPr>
+                                <m:t>𝑐</m:t>
+                              </m:r>
+                            </m:e>
+                            <m:sub>
+                              <m:r>
+                                <a:rPr lang="en-US" i="1">
+                                  <a:latin typeface="Cambria Math" panose="02040503050406030204" pitchFamily="18" charset="0"/>
+                                </a:rPr>
+                                <m:t>2</m:t>
+                              </m:r>
+                            </m:sub>
+                          </m:sSub>
+                          <m:sSup>
+                            <m:sSupPr>
+                              <m:ctrlPr>
+                                <a:rPr lang="en-US" i="1">
+                                  <a:latin typeface="Cambria Math" panose="02040503050406030204" pitchFamily="18" charset="0"/>
+                                </a:rPr>
+                              </m:ctrlPr>
+                            </m:sSupPr>
+                            <m:e>
+                              <m:r>
+                                <a:rPr lang="en-US" i="1">
+                                  <a:latin typeface="Cambria Math" panose="02040503050406030204" pitchFamily="18" charset="0"/>
+                                </a:rPr>
+                                <m:t>𝑅</m:t>
+                              </m:r>
+                            </m:e>
+                            <m:sup>
+                              <m:r>
+                                <a:rPr lang="en-US" i="1">
+                                  <a:latin typeface="Cambria Math" panose="02040503050406030204" pitchFamily="18" charset="0"/>
+                                </a:rPr>
+                                <m:t>2</m:t>
+                              </m:r>
+                            </m:sup>
+                          </m:sSup>
+                        </m:e>
+                      </m:d>
+                      <m:r>
+                        <a:rPr lang="en-US" i="1">
+                          <a:latin typeface="Cambria Math" panose="02040503050406030204" pitchFamily="18" charset="0"/>
+                        </a:rPr>
+                        <m:t>𝜓</m:t>
+                      </m:r>
+                      <m:r>
+                        <a:rPr lang="en-US" i="1">
+                          <a:latin typeface="Cambria Math" panose="02040503050406030204" pitchFamily="18" charset="0"/>
+                        </a:rPr>
+                        <m:t>+</m:t>
+                      </m:r>
+                      <m:sSup>
+                        <m:sSupPr>
+                          <m:ctrlPr>
+                            <a:rPr lang="en-US" i="1">
+                              <a:latin typeface="Cambria Math" panose="02040503050406030204" pitchFamily="18" charset="0"/>
+                            </a:rPr>
+                          </m:ctrlPr>
+                        </m:sSupPr>
+                        <m:e>
+                          <m:r>
+                            <m:rPr>
+                              <m:sty m:val="p"/>
+                            </m:rPr>
+                            <a:rPr lang="en-US">
+                              <a:latin typeface="Cambria Math" panose="02040503050406030204" pitchFamily="18" charset="0"/>
+                            </a:rPr>
+                            <m:t>Δ</m:t>
+                          </m:r>
+                        </m:e>
+                        <m:sup>
+                          <m:r>
+                            <a:rPr lang="en-US" i="1">
+                              <a:latin typeface="Cambria Math" panose="02040503050406030204" pitchFamily="18" charset="0"/>
+                            </a:rPr>
+                            <m:t>∗</m:t>
+                          </m:r>
+                        </m:sup>
+                      </m:sSup>
+                      <m:r>
+                        <a:rPr lang="en-US" i="1">
+                          <a:latin typeface="Cambria Math" panose="02040503050406030204" pitchFamily="18" charset="0"/>
+                        </a:rPr>
+                        <m:t>𝜓</m:t>
+                      </m:r>
+                      <m:r>
+                        <a:rPr lang="en-US" i="1">
+                          <a:latin typeface="Cambria Math" panose="02040503050406030204" pitchFamily="18" charset="0"/>
+                        </a:rPr>
+                        <m:t>=0</m:t>
+                      </m:r>
+                    </m:oMath>
+                  </m:oMathPara>
+                </a14:m>
+                <a:endParaRPr lang="en-US" dirty="0"/>
+              </a:p>
+              <a:p>
+                <a:pPr marL="0" indent="0">
+                  <a:buNone/>
+                </a:pPr>
+                <a:r>
+                  <a:rPr lang="en-US" dirty="0"/>
+                  <a:t>Based on Pataki (2013), we only treat the question of finding the smallest eigenvalue and its associated eigenfunction because almost all magnetic fusion confinement problems of interest have a single extremum of </a:t>
+                </a:r>
+                <a14:m>
+                  <m:oMath xmlns:m="http://schemas.openxmlformats.org/officeDocument/2006/math">
+                    <m:r>
+                      <a:rPr lang="en-US" b="0" i="1" smtClean="0">
+                        <a:latin typeface="Cambria Math" panose="02040503050406030204" pitchFamily="18" charset="0"/>
+                      </a:rPr>
+                      <m:t>𝜓</m:t>
+                    </m:r>
+                  </m:oMath>
+                </a14:m>
+                <a:r>
+                  <a:rPr lang="en-US" dirty="0"/>
+                  <a:t> within the plasma region.</a:t>
+                </a:r>
+              </a:p>
+            </p:txBody>
+          </p:sp>
+        </mc:Choice>
+        <mc:Fallback>
+          <p:sp>
+            <p:nvSpPr>
+              <p:cNvPr id="3" name="Content Placeholder 2">
+                <a:extLst>
+                  <a:ext uri="{FF2B5EF4-FFF2-40B4-BE49-F238E27FC236}">
+                    <a16:creationId xmlns:a16="http://schemas.microsoft.com/office/drawing/2014/main" id="{7E9C94A2-F9D5-4A90-92FA-369ABB507706}"/>
+                  </a:ext>
+                </a:extLst>
+              </p:cNvPr>
+              <p:cNvSpPr>
+                <a:spLocks noGrp="1" noRot="1" noChangeAspect="1" noMove="1" noResize="1" noEditPoints="1" noAdjustHandles="1" noChangeArrowheads="1" noChangeShapeType="1" noTextEdit="1"/>
+              </p:cNvSpPr>
+              <p:nvPr>
+                <p:ph idx="1"/>
+              </p:nvPr>
+            </p:nvSpPr>
+            <p:spPr>
+              <a:blipFill>
+                <a:blip r:embed="rId2"/>
+                <a:stretch>
+                  <a:fillRect l="-1217" r="-1275"/>
+                </a:stretch>
+              </a:blipFill>
+            </p:spPr>
+            <p:txBody>
+              <a:bodyPr/>
+              <a:lstStyle/>
+              <a:p>
+                <a:r>
+                  <a:rPr lang="en-US">
+                    <a:noFill/>
+                  </a:rPr>
+                  <a:t> </a:t>
+                </a:r>
+              </a:p>
+            </p:txBody>
+          </p:sp>
+        </mc:Fallback>
+      </mc:AlternateContent>
+    </p:spTree>
+    <p:extLst>
+      <p:ext uri="{BB962C8B-B14F-4D97-AF65-F5344CB8AC3E}">
+        <p14:creationId xmlns:p14="http://schemas.microsoft.com/office/powerpoint/2010/main" val="4138903159"/>
+      </p:ext>
+    </p:extLst>
+  </p:cSld>
+  <p:clrMapOvr>
+    <a:masterClrMapping/>
+  </p:clrMapOvr>
+</p:sld>
+</file>
+
+<file path=ppt/slides/slide18.xml><?xml version="1.0" encoding="utf-8"?>
+<p:sld xmlns:a="http://schemas.openxmlformats.org/drawingml/2006/main" xmlns:r="http://schemas.openxmlformats.org/officeDocument/2006/relationships" xmlns:p="http://schemas.openxmlformats.org/presentationml/2006/main">
+  <p:cSld>
+    <p:spTree>
+      <p:nvGrpSpPr>
+        <p:cNvPr id="1" name=""/>
+        <p:cNvGrpSpPr/>
+        <p:nvPr/>
+      </p:nvGrpSpPr>
+      <p:grpSpPr>
+        <a:xfrm>
+          <a:off x="0" y="0"/>
+          <a:ext cx="0" cy="0"/>
+          <a:chOff x="0" y="0"/>
+          <a:chExt cx="0" cy="0"/>
+        </a:xfrm>
+      </p:grpSpPr>
+      <p:sp>
+        <p:nvSpPr>
+          <p:cNvPr id="2" name="Title 1">
+            <a:extLst>
+              <a:ext uri="{FF2B5EF4-FFF2-40B4-BE49-F238E27FC236}">
+                <a16:creationId xmlns:a16="http://schemas.microsoft.com/office/drawing/2014/main" id="{C1C874A1-D613-4B71-A31C-F23A2D785506}"/>
+              </a:ext>
+            </a:extLst>
+          </p:cNvPr>
+          <p:cNvSpPr>
+            <a:spLocks noGrp="1"/>
+          </p:cNvSpPr>
+          <p:nvPr>
+            <p:ph type="title"/>
+          </p:nvPr>
+        </p:nvSpPr>
+        <p:spPr/>
+        <p:txBody>
+          <a:bodyPr/>
+          <a:lstStyle/>
+          <a:p>
+            <a:r>
+              <a:rPr lang="en-US" dirty="0"/>
+              <a:t>literature solving eigenvalue problem using NN</a:t>
+            </a:r>
+          </a:p>
+        </p:txBody>
+      </p:sp>
+      <p:pic>
+        <p:nvPicPr>
+          <p:cNvPr id="4" name="Content Placeholder 3">
+            <a:extLst>
+              <a:ext uri="{FF2B5EF4-FFF2-40B4-BE49-F238E27FC236}">
+                <a16:creationId xmlns:a16="http://schemas.microsoft.com/office/drawing/2014/main" id="{51DD1D32-79E2-42E6-9602-04D5CA2113E4}"/>
+              </a:ext>
+            </a:extLst>
+          </p:cNvPr>
+          <p:cNvPicPr>
+            <a:picLocks noGrp="1" noChangeAspect="1"/>
+          </p:cNvPicPr>
+          <p:nvPr>
+            <p:ph idx="1"/>
+          </p:nvPr>
+        </p:nvPicPr>
+        <p:blipFill>
+          <a:blip r:embed="rId2"/>
+          <a:stretch>
+            <a:fillRect/>
+          </a:stretch>
+        </p:blipFill>
+        <p:spPr>
+          <a:xfrm>
+            <a:off x="838200" y="1765603"/>
+            <a:ext cx="5663541" cy="4314589"/>
+          </a:xfrm>
+          <a:prstGeom prst="rect">
+            <a:avLst/>
+          </a:prstGeom>
+        </p:spPr>
+      </p:pic>
+      <p:pic>
+        <p:nvPicPr>
+          <p:cNvPr id="5" name="Picture 4">
+            <a:extLst>
+              <a:ext uri="{FF2B5EF4-FFF2-40B4-BE49-F238E27FC236}">
+                <a16:creationId xmlns:a16="http://schemas.microsoft.com/office/drawing/2014/main" id="{9503234B-23A7-4676-B4EC-1EAF98E7CAA6}"/>
+              </a:ext>
+            </a:extLst>
+          </p:cNvPr>
+          <p:cNvPicPr>
+            <a:picLocks noChangeAspect="1"/>
+          </p:cNvPicPr>
+          <p:nvPr/>
+        </p:nvPicPr>
+        <p:blipFill>
+          <a:blip r:embed="rId3"/>
+          <a:stretch>
+            <a:fillRect/>
+          </a:stretch>
+        </p:blipFill>
+        <p:spPr>
+          <a:xfrm>
+            <a:off x="6096000" y="3429000"/>
+            <a:ext cx="5998878" cy="981635"/>
+          </a:xfrm>
+          <a:prstGeom prst="rect">
+            <a:avLst/>
+          </a:prstGeom>
+        </p:spPr>
+      </p:pic>
+    </p:spTree>
+    <p:extLst>
+      <p:ext uri="{BB962C8B-B14F-4D97-AF65-F5344CB8AC3E}">
+        <p14:creationId xmlns:p14="http://schemas.microsoft.com/office/powerpoint/2010/main" val="3276174533"/>
+      </p:ext>
+    </p:extLst>
+  </p:cSld>
+  <p:clrMapOvr>
+    <a:masterClrMapping/>
+  </p:clrMapOvr>
+</p:sld>
+</file>
+
+<file path=ppt/slides/slide19.xml><?xml version="1.0" encoding="utf-8"?>
+<p:sld xmlns:a="http://schemas.openxmlformats.org/drawingml/2006/main" xmlns:r="http://schemas.openxmlformats.org/officeDocument/2006/relationships" xmlns:p="http://schemas.openxmlformats.org/presentationml/2006/main">
+  <p:cSld>
+    <p:spTree>
+      <p:nvGrpSpPr>
+        <p:cNvPr id="1" name=""/>
+        <p:cNvGrpSpPr/>
+        <p:nvPr/>
+      </p:nvGrpSpPr>
+      <p:grpSpPr>
+        <a:xfrm>
+          <a:off x="0" y="0"/>
+          <a:ext cx="0" cy="0"/>
+          <a:chOff x="0" y="0"/>
+          <a:chExt cx="0" cy="0"/>
+        </a:xfrm>
+      </p:grpSpPr>
+      <p:sp>
+        <p:nvSpPr>
+          <p:cNvPr id="2" name="Title 1">
+            <a:extLst>
+              <a:ext uri="{FF2B5EF4-FFF2-40B4-BE49-F238E27FC236}">
+                <a16:creationId xmlns:a16="http://schemas.microsoft.com/office/drawing/2014/main" id="{7ECB1ED7-217F-42A4-BBFF-433D1D8DADC6}"/>
+              </a:ext>
+            </a:extLst>
+          </p:cNvPr>
+          <p:cNvSpPr>
+            <a:spLocks noGrp="1"/>
+          </p:cNvSpPr>
+          <p:nvPr>
+            <p:ph type="title"/>
+          </p:nvPr>
+        </p:nvSpPr>
+        <p:spPr/>
+        <p:txBody>
+          <a:bodyPr/>
+          <a:lstStyle/>
+          <a:p>
+            <a:r>
+              <a:rPr lang="en-US" dirty="0"/>
+              <a:t>literature solving eigenvalue problem using NN</a:t>
+            </a:r>
+          </a:p>
+        </p:txBody>
+      </p:sp>
+      <p:pic>
+        <p:nvPicPr>
+          <p:cNvPr id="4" name="Content Placeholder 3">
+            <a:extLst>
+              <a:ext uri="{FF2B5EF4-FFF2-40B4-BE49-F238E27FC236}">
+                <a16:creationId xmlns:a16="http://schemas.microsoft.com/office/drawing/2014/main" id="{66DC63DF-4F5C-4D87-A164-1B55E91CD5E8}"/>
+              </a:ext>
+            </a:extLst>
+          </p:cNvPr>
+          <p:cNvPicPr>
+            <a:picLocks noGrp="1" noChangeAspect="1"/>
+          </p:cNvPicPr>
+          <p:nvPr>
+            <p:ph idx="1"/>
+          </p:nvPr>
+        </p:nvPicPr>
+        <p:blipFill>
+          <a:blip r:embed="rId2"/>
+          <a:stretch>
+            <a:fillRect/>
+          </a:stretch>
+        </p:blipFill>
+        <p:spPr>
+          <a:xfrm>
+            <a:off x="838200" y="2862166"/>
+            <a:ext cx="5460969" cy="2217823"/>
+          </a:xfrm>
+          <a:prstGeom prst="rect">
+            <a:avLst/>
+          </a:prstGeom>
+        </p:spPr>
+      </p:pic>
+      <p:pic>
+        <p:nvPicPr>
+          <p:cNvPr id="5" name="Picture 4">
+            <a:extLst>
+              <a:ext uri="{FF2B5EF4-FFF2-40B4-BE49-F238E27FC236}">
+                <a16:creationId xmlns:a16="http://schemas.microsoft.com/office/drawing/2014/main" id="{0D1ECE09-795C-462F-957A-06BD4FE8E47A}"/>
+              </a:ext>
+            </a:extLst>
+          </p:cNvPr>
+          <p:cNvPicPr>
+            <a:picLocks noChangeAspect="1"/>
+          </p:cNvPicPr>
+          <p:nvPr/>
+        </p:nvPicPr>
+        <p:blipFill>
+          <a:blip r:embed="rId3"/>
+          <a:stretch>
+            <a:fillRect/>
+          </a:stretch>
+        </p:blipFill>
+        <p:spPr>
+          <a:xfrm>
+            <a:off x="6299169" y="2827916"/>
+            <a:ext cx="5224381" cy="1770977"/>
+          </a:xfrm>
+          <a:prstGeom prst="rect">
+            <a:avLst/>
+          </a:prstGeom>
+        </p:spPr>
+      </p:pic>
+    </p:spTree>
+    <p:extLst>
+      <p:ext uri="{BB962C8B-B14F-4D97-AF65-F5344CB8AC3E}">
+        <p14:creationId xmlns:p14="http://schemas.microsoft.com/office/powerpoint/2010/main" val="2282512289"/>
       </p:ext>
     </p:extLst>
   </p:cSld>
@@ -5966,6 +8058,5398 @@
     <p:extLst>
       <p:ext uri="{BB962C8B-B14F-4D97-AF65-F5344CB8AC3E}">
         <p14:creationId xmlns:p14="http://schemas.microsoft.com/office/powerpoint/2010/main" val="1680986681"/>
+      </p:ext>
+    </p:extLst>
+  </p:cSld>
+  <p:clrMapOvr>
+    <a:masterClrMapping/>
+  </p:clrMapOvr>
+</p:sld>
+</file>
+
+<file path=ppt/slides/slide20.xml><?xml version="1.0" encoding="utf-8"?>
+<p:sld xmlns:a="http://schemas.openxmlformats.org/drawingml/2006/main" xmlns:r="http://schemas.openxmlformats.org/officeDocument/2006/relationships" xmlns:p="http://schemas.openxmlformats.org/presentationml/2006/main">
+  <p:cSld>
+    <p:spTree>
+      <p:nvGrpSpPr>
+        <p:cNvPr id="1" name=""/>
+        <p:cNvGrpSpPr/>
+        <p:nvPr/>
+      </p:nvGrpSpPr>
+      <p:grpSpPr>
+        <a:xfrm>
+          <a:off x="0" y="0"/>
+          <a:ext cx="0" cy="0"/>
+          <a:chOff x="0" y="0"/>
+          <a:chExt cx="0" cy="0"/>
+        </a:xfrm>
+      </p:grpSpPr>
+      <p:sp>
+        <p:nvSpPr>
+          <p:cNvPr id="2" name="Title 1">
+            <a:extLst>
+              <a:ext uri="{FF2B5EF4-FFF2-40B4-BE49-F238E27FC236}">
+                <a16:creationId xmlns:a16="http://schemas.microsoft.com/office/drawing/2014/main" id="{A6DF0E2D-5271-4CBB-8921-2CBD45909E7E}"/>
+              </a:ext>
+            </a:extLst>
+          </p:cNvPr>
+          <p:cNvSpPr>
+            <a:spLocks noGrp="1"/>
+          </p:cNvSpPr>
+          <p:nvPr>
+            <p:ph type="title"/>
+          </p:nvPr>
+        </p:nvSpPr>
+        <p:spPr/>
+        <p:txBody>
+          <a:bodyPr/>
+          <a:lstStyle/>
+          <a:p>
+            <a:r>
+              <a:rPr lang="en-US" dirty="0"/>
+              <a:t>“Power Method”</a:t>
+            </a:r>
+          </a:p>
+        </p:txBody>
+      </p:sp>
+      <mc:AlternateContent xmlns:mc="http://schemas.openxmlformats.org/markup-compatibility/2006">
+        <mc:Choice xmlns:a14="http://schemas.microsoft.com/office/drawing/2010/main" Requires="a14">
+          <p:sp>
+            <p:nvSpPr>
+              <p:cNvPr id="3" name="Content Placeholder 2">
+                <a:extLst>
+                  <a:ext uri="{FF2B5EF4-FFF2-40B4-BE49-F238E27FC236}">
+                    <a16:creationId xmlns:a16="http://schemas.microsoft.com/office/drawing/2014/main" id="{7AC758F9-7CDF-4C40-9D92-15B88994FFDC}"/>
+                  </a:ext>
+                </a:extLst>
+              </p:cNvPr>
+              <p:cNvSpPr>
+                <a:spLocks noGrp="1"/>
+              </p:cNvSpPr>
+              <p:nvPr>
+                <p:ph idx="1"/>
+              </p:nvPr>
+            </p:nvSpPr>
+            <p:spPr/>
+            <p:txBody>
+              <a:bodyPr/>
+              <a:lstStyle/>
+              <a:p>
+                <a:r>
+                  <a:rPr lang="en-US" dirty="0"/>
+                  <a:t>Initial guess </a:t>
+                </a:r>
+                <a:r>
+                  <a:rPr lang="en-US" dirty="0" err="1"/>
+                  <a:t>eigenval</a:t>
+                </a:r>
+                <a:r>
+                  <a:rPr lang="en-US" dirty="0"/>
+                  <a:t> and </a:t>
+                </a:r>
+                <a:r>
+                  <a:rPr lang="en-US" dirty="0" err="1"/>
+                  <a:t>eigenfunc</a:t>
+                </a:r>
+                <a:r>
+                  <a:rPr lang="en-US" dirty="0"/>
+                  <a:t> </a:t>
+                </a:r>
+                <a14:m>
+                  <m:oMath xmlns:m="http://schemas.openxmlformats.org/officeDocument/2006/math">
+                    <m:r>
+                      <a:rPr lang="en-US" b="0" i="1" smtClean="0">
+                        <a:latin typeface="Cambria Math" panose="02040503050406030204" pitchFamily="18" charset="0"/>
+                      </a:rPr>
+                      <m:t>(</m:t>
+                    </m:r>
+                    <m:sSub>
+                      <m:sSubPr>
+                        <m:ctrlPr>
+                          <a:rPr lang="en-US" b="0" i="1" smtClean="0">
+                            <a:latin typeface="Cambria Math" panose="02040503050406030204" pitchFamily="18" charset="0"/>
+                          </a:rPr>
+                        </m:ctrlPr>
+                      </m:sSubPr>
+                      <m:e>
+                        <m:r>
+                          <a:rPr lang="en-US" b="0" i="1" smtClean="0">
+                            <a:latin typeface="Cambria Math" panose="02040503050406030204" pitchFamily="18" charset="0"/>
+                          </a:rPr>
+                          <m:t>𝜆</m:t>
+                        </m:r>
+                      </m:e>
+                      <m:sub>
+                        <m:r>
+                          <a:rPr lang="en-US" b="0" i="1" smtClean="0">
+                            <a:latin typeface="Cambria Math" panose="02040503050406030204" pitchFamily="18" charset="0"/>
+                          </a:rPr>
+                          <m:t>0</m:t>
+                        </m:r>
+                      </m:sub>
+                    </m:sSub>
+                    <m:r>
+                      <a:rPr lang="en-US" b="0" i="1" smtClean="0">
+                        <a:latin typeface="Cambria Math" panose="02040503050406030204" pitchFamily="18" charset="0"/>
+                      </a:rPr>
+                      <m:t>,</m:t>
+                    </m:r>
+                    <m:sSub>
+                      <m:sSubPr>
+                        <m:ctrlPr>
+                          <a:rPr lang="en-US" b="0" i="1" smtClean="0">
+                            <a:latin typeface="Cambria Math" panose="02040503050406030204" pitchFamily="18" charset="0"/>
+                          </a:rPr>
+                        </m:ctrlPr>
+                      </m:sSubPr>
+                      <m:e>
+                        <m:r>
+                          <m:rPr>
+                            <m:sty m:val="p"/>
+                          </m:rPr>
+                          <a:rPr lang="en-US" b="0" i="0" smtClean="0">
+                            <a:latin typeface="Cambria Math" panose="02040503050406030204" pitchFamily="18" charset="0"/>
+                          </a:rPr>
+                          <m:t>Ψ</m:t>
+                        </m:r>
+                      </m:e>
+                      <m:sub>
+                        <m:r>
+                          <a:rPr lang="en-US" b="0" i="1" smtClean="0">
+                            <a:latin typeface="Cambria Math" panose="02040503050406030204" pitchFamily="18" charset="0"/>
+                          </a:rPr>
+                          <m:t>0</m:t>
+                        </m:r>
+                      </m:sub>
+                    </m:sSub>
+                    <m:r>
+                      <a:rPr lang="en-US" b="0" i="1" smtClean="0">
+                        <a:latin typeface="Cambria Math" panose="02040503050406030204" pitchFamily="18" charset="0"/>
+                      </a:rPr>
+                      <m:t>)</m:t>
+                    </m:r>
+                  </m:oMath>
+                </a14:m>
+                <a:endParaRPr lang="en-US" dirty="0"/>
+              </a:p>
+              <a:p>
+                <a:r>
+                  <a:rPr lang="en-US" dirty="0"/>
+                  <a:t>For I = 1,2,3,…., solve </a:t>
+                </a:r>
+                <a14:m>
+                  <m:oMath xmlns:m="http://schemas.openxmlformats.org/officeDocument/2006/math">
+                    <m:sSub>
+                      <m:sSubPr>
+                        <m:ctrlPr>
+                          <a:rPr lang="en-US" b="0" i="1" smtClean="0">
+                            <a:latin typeface="Cambria Math" panose="02040503050406030204" pitchFamily="18" charset="0"/>
+                          </a:rPr>
+                        </m:ctrlPr>
+                      </m:sSubPr>
+                      <m:e>
+                        <m:r>
+                          <a:rPr lang="en-US" i="1">
+                            <a:latin typeface="Cambria Math" panose="02040503050406030204" pitchFamily="18" charset="0"/>
+                          </a:rPr>
+                          <m:t>𝜆</m:t>
+                        </m:r>
+                      </m:e>
+                      <m:sub>
+                        <m:r>
+                          <a:rPr lang="en-US" b="0" i="1" smtClean="0">
+                            <a:latin typeface="Cambria Math" panose="02040503050406030204" pitchFamily="18" charset="0"/>
+                          </a:rPr>
+                          <m:t>𝑖</m:t>
+                        </m:r>
+                        <m:r>
+                          <a:rPr lang="en-US" b="0" i="1" smtClean="0">
+                            <a:latin typeface="Cambria Math" panose="02040503050406030204" pitchFamily="18" charset="0"/>
+                          </a:rPr>
+                          <m:t>−1</m:t>
+                        </m:r>
+                      </m:sub>
+                    </m:sSub>
+                    <m:d>
+                      <m:dPr>
+                        <m:ctrlPr>
+                          <a:rPr lang="en-US" i="1">
+                            <a:latin typeface="Cambria Math" panose="02040503050406030204" pitchFamily="18" charset="0"/>
+                          </a:rPr>
+                        </m:ctrlPr>
+                      </m:dPr>
+                      <m:e>
+                        <m:sSub>
+                          <m:sSubPr>
+                            <m:ctrlPr>
+                              <a:rPr lang="en-US" i="1">
+                                <a:latin typeface="Cambria Math" panose="02040503050406030204" pitchFamily="18" charset="0"/>
+                              </a:rPr>
+                            </m:ctrlPr>
+                          </m:sSubPr>
+                          <m:e>
+                            <m:r>
+                              <a:rPr lang="en-US" i="1">
+                                <a:latin typeface="Cambria Math" panose="02040503050406030204" pitchFamily="18" charset="0"/>
+                              </a:rPr>
+                              <m:t>𝑐</m:t>
+                            </m:r>
+                          </m:e>
+                          <m:sub>
+                            <m:r>
+                              <a:rPr lang="en-US" i="1">
+                                <a:latin typeface="Cambria Math" panose="02040503050406030204" pitchFamily="18" charset="0"/>
+                              </a:rPr>
+                              <m:t>1</m:t>
+                            </m:r>
+                          </m:sub>
+                        </m:sSub>
+                        <m:r>
+                          <a:rPr lang="en-US" i="1">
+                            <a:latin typeface="Cambria Math" panose="02040503050406030204" pitchFamily="18" charset="0"/>
+                          </a:rPr>
+                          <m:t>+</m:t>
+                        </m:r>
+                        <m:sSub>
+                          <m:sSubPr>
+                            <m:ctrlPr>
+                              <a:rPr lang="en-US" i="1">
+                                <a:latin typeface="Cambria Math" panose="02040503050406030204" pitchFamily="18" charset="0"/>
+                              </a:rPr>
+                            </m:ctrlPr>
+                          </m:sSubPr>
+                          <m:e>
+                            <m:r>
+                              <a:rPr lang="en-US" i="1">
+                                <a:latin typeface="Cambria Math" panose="02040503050406030204" pitchFamily="18" charset="0"/>
+                              </a:rPr>
+                              <m:t>𝑐</m:t>
+                            </m:r>
+                          </m:e>
+                          <m:sub>
+                            <m:r>
+                              <a:rPr lang="en-US" i="1">
+                                <a:latin typeface="Cambria Math" panose="02040503050406030204" pitchFamily="18" charset="0"/>
+                              </a:rPr>
+                              <m:t>2</m:t>
+                            </m:r>
+                          </m:sub>
+                        </m:sSub>
+                        <m:sSup>
+                          <m:sSupPr>
+                            <m:ctrlPr>
+                              <a:rPr lang="en-US" i="1">
+                                <a:latin typeface="Cambria Math" panose="02040503050406030204" pitchFamily="18" charset="0"/>
+                              </a:rPr>
+                            </m:ctrlPr>
+                          </m:sSupPr>
+                          <m:e>
+                            <m:r>
+                              <a:rPr lang="en-US" i="1">
+                                <a:latin typeface="Cambria Math" panose="02040503050406030204" pitchFamily="18" charset="0"/>
+                              </a:rPr>
+                              <m:t>𝑅</m:t>
+                            </m:r>
+                          </m:e>
+                          <m:sup>
+                            <m:r>
+                              <a:rPr lang="en-US" i="1">
+                                <a:latin typeface="Cambria Math" panose="02040503050406030204" pitchFamily="18" charset="0"/>
+                              </a:rPr>
+                              <m:t>2</m:t>
+                            </m:r>
+                          </m:sup>
+                        </m:sSup>
+                      </m:e>
+                    </m:d>
+                    <m:sSub>
+                      <m:sSubPr>
+                        <m:ctrlPr>
+                          <a:rPr lang="en-US" b="0" i="1" smtClean="0">
+                            <a:latin typeface="Cambria Math" panose="02040503050406030204" pitchFamily="18" charset="0"/>
+                          </a:rPr>
+                        </m:ctrlPr>
+                      </m:sSubPr>
+                      <m:e>
+                        <m:r>
+                          <m:rPr>
+                            <m:sty m:val="p"/>
+                          </m:rPr>
+                          <a:rPr lang="en-US" b="0" i="0" smtClean="0">
+                            <a:latin typeface="Cambria Math" panose="02040503050406030204" pitchFamily="18" charset="0"/>
+                          </a:rPr>
+                          <m:t>Ψ</m:t>
+                        </m:r>
+                      </m:e>
+                      <m:sub>
+                        <m:r>
+                          <a:rPr lang="en-US" b="0" i="1" smtClean="0">
+                            <a:latin typeface="Cambria Math" panose="02040503050406030204" pitchFamily="18" charset="0"/>
+                          </a:rPr>
+                          <m:t>𝑖</m:t>
+                        </m:r>
+                        <m:r>
+                          <a:rPr lang="en-US" b="0" i="1" smtClean="0">
+                            <a:latin typeface="Cambria Math" panose="02040503050406030204" pitchFamily="18" charset="0"/>
+                          </a:rPr>
+                          <m:t>−1</m:t>
+                        </m:r>
+                      </m:sub>
+                    </m:sSub>
+                    <m:r>
+                      <a:rPr lang="en-US" i="1">
+                        <a:latin typeface="Cambria Math" panose="02040503050406030204" pitchFamily="18" charset="0"/>
+                      </a:rPr>
+                      <m:t>+</m:t>
+                    </m:r>
+                    <m:sSup>
+                      <m:sSupPr>
+                        <m:ctrlPr>
+                          <a:rPr lang="en-US" i="1">
+                            <a:latin typeface="Cambria Math" panose="02040503050406030204" pitchFamily="18" charset="0"/>
+                          </a:rPr>
+                        </m:ctrlPr>
+                      </m:sSupPr>
+                      <m:e>
+                        <m:r>
+                          <m:rPr>
+                            <m:sty m:val="p"/>
+                          </m:rPr>
+                          <a:rPr lang="en-US">
+                            <a:latin typeface="Cambria Math" panose="02040503050406030204" pitchFamily="18" charset="0"/>
+                          </a:rPr>
+                          <m:t>Δ</m:t>
+                        </m:r>
+                      </m:e>
+                      <m:sup>
+                        <m:r>
+                          <a:rPr lang="en-US" i="1">
+                            <a:latin typeface="Cambria Math" panose="02040503050406030204" pitchFamily="18" charset="0"/>
+                          </a:rPr>
+                          <m:t>∗</m:t>
+                        </m:r>
+                      </m:sup>
+                    </m:sSup>
+                    <m:sSub>
+                      <m:sSubPr>
+                        <m:ctrlPr>
+                          <a:rPr lang="en-US" b="0" i="1" smtClean="0">
+                            <a:latin typeface="Cambria Math" panose="02040503050406030204" pitchFamily="18" charset="0"/>
+                          </a:rPr>
+                        </m:ctrlPr>
+                      </m:sSubPr>
+                      <m:e>
+                        <m:r>
+                          <a:rPr lang="en-US" i="1">
+                            <a:latin typeface="Cambria Math" panose="02040503050406030204" pitchFamily="18" charset="0"/>
+                          </a:rPr>
+                          <m:t>𝜓</m:t>
+                        </m:r>
+                      </m:e>
+                      <m:sub>
+                        <m:r>
+                          <a:rPr lang="en-US" b="0" i="1" smtClean="0">
+                            <a:latin typeface="Cambria Math" panose="02040503050406030204" pitchFamily="18" charset="0"/>
+                          </a:rPr>
+                          <m:t>𝑖</m:t>
+                        </m:r>
+                      </m:sub>
+                    </m:sSub>
+                    <m:r>
+                      <a:rPr lang="en-US" i="1">
+                        <a:latin typeface="Cambria Math" panose="02040503050406030204" pitchFamily="18" charset="0"/>
+                      </a:rPr>
+                      <m:t>=0</m:t>
+                    </m:r>
+                  </m:oMath>
+                </a14:m>
+                <a:r>
+                  <a:rPr lang="en-US" dirty="0"/>
+                  <a:t> with the boundary condition.</a:t>
+                </a:r>
+              </a:p>
+              <a:p>
+                <a:r>
+                  <a:rPr lang="en-US" dirty="0"/>
+                  <a:t>Next eigen pair is computed via correcting by the norm of </a:t>
+                </a:r>
+                <a14:m>
+                  <m:oMath xmlns:m="http://schemas.openxmlformats.org/officeDocument/2006/math">
+                    <m:sSub>
+                      <m:sSubPr>
+                        <m:ctrlPr>
+                          <a:rPr lang="en-US" b="0" i="1" smtClean="0">
+                            <a:latin typeface="Cambria Math" panose="02040503050406030204" pitchFamily="18" charset="0"/>
+                          </a:rPr>
+                        </m:ctrlPr>
+                      </m:sSubPr>
+                      <m:e>
+                        <m:r>
+                          <a:rPr lang="en-US" b="0" i="1" smtClean="0">
+                            <a:latin typeface="Cambria Math" panose="02040503050406030204" pitchFamily="18" charset="0"/>
+                          </a:rPr>
+                          <m:t>𝜓</m:t>
+                        </m:r>
+                      </m:e>
+                      <m:sub>
+                        <m:r>
+                          <a:rPr lang="en-US" b="0" i="1" smtClean="0">
+                            <a:latin typeface="Cambria Math" panose="02040503050406030204" pitchFamily="18" charset="0"/>
+                          </a:rPr>
+                          <m:t>𝑖</m:t>
+                        </m:r>
+                      </m:sub>
+                    </m:sSub>
+                  </m:oMath>
+                </a14:m>
+                <a:r>
+                  <a:rPr lang="en-US" dirty="0"/>
+                  <a:t>:</a:t>
+                </a:r>
+              </a:p>
+              <a:p>
+                <a:pPr marL="0" indent="0">
+                  <a:buNone/>
+                </a:pPr>
+                <a14:m>
+                  <m:oMathPara xmlns:m="http://schemas.openxmlformats.org/officeDocument/2006/math">
+                    <m:oMathParaPr>
+                      <m:jc m:val="centerGroup"/>
+                    </m:oMathParaPr>
+                    <m:oMath xmlns:m="http://schemas.openxmlformats.org/officeDocument/2006/math">
+                      <m:sSub>
+                        <m:sSubPr>
+                          <m:ctrlPr>
+                            <a:rPr lang="en-US" b="0" i="1" smtClean="0">
+                              <a:latin typeface="Cambria Math" panose="02040503050406030204" pitchFamily="18" charset="0"/>
+                            </a:rPr>
+                          </m:ctrlPr>
+                        </m:sSubPr>
+                        <m:e>
+                          <m:r>
+                            <m:rPr>
+                              <m:sty m:val="p"/>
+                            </m:rPr>
+                            <a:rPr lang="en-US" b="0" i="0" smtClean="0">
+                              <a:latin typeface="Cambria Math" panose="02040503050406030204" pitchFamily="18" charset="0"/>
+                            </a:rPr>
+                            <m:t>Ψ</m:t>
+                          </m:r>
+                        </m:e>
+                        <m:sub>
+                          <m:r>
+                            <a:rPr lang="en-US" b="0" i="1" smtClean="0">
+                              <a:latin typeface="Cambria Math" panose="02040503050406030204" pitchFamily="18" charset="0"/>
+                            </a:rPr>
+                            <m:t>𝑖</m:t>
+                          </m:r>
+                        </m:sub>
+                      </m:sSub>
+                      <m:r>
+                        <a:rPr lang="en-US" b="0" i="1" smtClean="0">
+                          <a:latin typeface="Cambria Math" panose="02040503050406030204" pitchFamily="18" charset="0"/>
+                        </a:rPr>
+                        <m:t>=</m:t>
+                      </m:r>
+                      <m:f>
+                        <m:fPr>
+                          <m:ctrlPr>
+                            <a:rPr lang="en-US" b="0" i="1" smtClean="0">
+                              <a:latin typeface="Cambria Math" panose="02040503050406030204" pitchFamily="18" charset="0"/>
+                            </a:rPr>
+                          </m:ctrlPr>
+                        </m:fPr>
+                        <m:num>
+                          <m:sSub>
+                            <m:sSubPr>
+                              <m:ctrlPr>
+                                <a:rPr lang="en-US" b="0" i="1" smtClean="0">
+                                  <a:latin typeface="Cambria Math" panose="02040503050406030204" pitchFamily="18" charset="0"/>
+                                </a:rPr>
+                              </m:ctrlPr>
+                            </m:sSubPr>
+                            <m:e>
+                              <m:r>
+                                <a:rPr lang="en-US" b="0" i="1" smtClean="0">
+                                  <a:latin typeface="Cambria Math" panose="02040503050406030204" pitchFamily="18" charset="0"/>
+                                </a:rPr>
+                                <m:t>𝜓</m:t>
+                              </m:r>
+                            </m:e>
+                            <m:sub>
+                              <m:r>
+                                <a:rPr lang="en-US" b="0" i="1" smtClean="0">
+                                  <a:latin typeface="Cambria Math" panose="02040503050406030204" pitchFamily="18" charset="0"/>
+                                </a:rPr>
+                                <m:t>𝑖</m:t>
+                              </m:r>
+                            </m:sub>
+                          </m:sSub>
+                        </m:num>
+                        <m:den>
+                          <m:sSub>
+                            <m:sSubPr>
+                              <m:ctrlPr>
+                                <a:rPr lang="en-US" b="0" i="1" smtClean="0">
+                                  <a:latin typeface="Cambria Math" panose="02040503050406030204" pitchFamily="18" charset="0"/>
+                                </a:rPr>
+                              </m:ctrlPr>
+                            </m:sSubPr>
+                            <m:e>
+                              <m:d>
+                                <m:dPr>
+                                  <m:begChr m:val="|"/>
+                                  <m:endChr m:val="|"/>
+                                  <m:ctrlPr>
+                                    <a:rPr lang="en-US" b="0" i="1" smtClean="0">
+                                      <a:latin typeface="Cambria Math" panose="02040503050406030204" pitchFamily="18" charset="0"/>
+                                    </a:rPr>
+                                  </m:ctrlPr>
+                                </m:dPr>
+                                <m:e>
+                                  <m:d>
+                                    <m:dPr>
+                                      <m:begChr m:val="|"/>
+                                      <m:endChr m:val="|"/>
+                                      <m:ctrlPr>
+                                        <a:rPr lang="en-US" b="0" i="1" smtClean="0">
+                                          <a:latin typeface="Cambria Math" panose="02040503050406030204" pitchFamily="18" charset="0"/>
+                                        </a:rPr>
+                                      </m:ctrlPr>
+                                    </m:dPr>
+                                    <m:e>
+                                      <m:sSub>
+                                        <m:sSubPr>
+                                          <m:ctrlPr>
+                                            <a:rPr lang="en-US" b="0" i="1" smtClean="0">
+                                              <a:latin typeface="Cambria Math" panose="02040503050406030204" pitchFamily="18" charset="0"/>
+                                            </a:rPr>
+                                          </m:ctrlPr>
+                                        </m:sSubPr>
+                                        <m:e>
+                                          <m:r>
+                                            <a:rPr lang="en-US" b="0" i="1" smtClean="0">
+                                              <a:latin typeface="Cambria Math" panose="02040503050406030204" pitchFamily="18" charset="0"/>
+                                            </a:rPr>
+                                            <m:t>𝜓</m:t>
+                                          </m:r>
+                                        </m:e>
+                                        <m:sub>
+                                          <m:r>
+                                            <a:rPr lang="en-US" b="0" i="1" smtClean="0">
+                                              <a:latin typeface="Cambria Math" panose="02040503050406030204" pitchFamily="18" charset="0"/>
+                                            </a:rPr>
+                                            <m:t>𝑖</m:t>
+                                          </m:r>
+                                        </m:sub>
+                                      </m:sSub>
+                                    </m:e>
+                                  </m:d>
+                                </m:e>
+                              </m:d>
+                            </m:e>
+                            <m:sub>
+                              <m:r>
+                                <a:rPr lang="en-US" b="0" i="1" smtClean="0">
+                                  <a:latin typeface="Cambria Math" panose="02040503050406030204" pitchFamily="18" charset="0"/>
+                                </a:rPr>
+                                <m:t>∞</m:t>
+                              </m:r>
+                            </m:sub>
+                          </m:sSub>
+                        </m:den>
+                      </m:f>
+                      <m:r>
+                        <a:rPr lang="en-US" b="0" i="1" smtClean="0">
+                          <a:latin typeface="Cambria Math" panose="02040503050406030204" pitchFamily="18" charset="0"/>
+                        </a:rPr>
+                        <m:t>, </m:t>
+                      </m:r>
+                      <m:sSub>
+                        <m:sSubPr>
+                          <m:ctrlPr>
+                            <a:rPr lang="en-US" b="0" i="1" smtClean="0">
+                              <a:latin typeface="Cambria Math" panose="02040503050406030204" pitchFamily="18" charset="0"/>
+                            </a:rPr>
+                          </m:ctrlPr>
+                        </m:sSubPr>
+                        <m:e>
+                          <m:r>
+                            <a:rPr lang="en-US" b="0" i="1" smtClean="0">
+                              <a:latin typeface="Cambria Math" panose="02040503050406030204" pitchFamily="18" charset="0"/>
+                            </a:rPr>
+                            <m:t>𝜆</m:t>
+                          </m:r>
+                        </m:e>
+                        <m:sub>
+                          <m:r>
+                            <a:rPr lang="en-US" b="0" i="1" smtClean="0">
+                              <a:latin typeface="Cambria Math" panose="02040503050406030204" pitchFamily="18" charset="0"/>
+                            </a:rPr>
+                            <m:t>𝑖</m:t>
+                          </m:r>
+                        </m:sub>
+                      </m:sSub>
+                      <m:r>
+                        <a:rPr lang="en-US" b="0" i="1" smtClean="0">
+                          <a:latin typeface="Cambria Math" panose="02040503050406030204" pitchFamily="18" charset="0"/>
+                        </a:rPr>
+                        <m:t>=</m:t>
+                      </m:r>
+                      <m:f>
+                        <m:fPr>
+                          <m:ctrlPr>
+                            <a:rPr lang="en-US" b="0" i="1" smtClean="0">
+                              <a:latin typeface="Cambria Math" panose="02040503050406030204" pitchFamily="18" charset="0"/>
+                            </a:rPr>
+                          </m:ctrlPr>
+                        </m:fPr>
+                        <m:num>
+                          <m:sSub>
+                            <m:sSubPr>
+                              <m:ctrlPr>
+                                <a:rPr lang="en-US" b="0" i="1" smtClean="0">
+                                  <a:latin typeface="Cambria Math" panose="02040503050406030204" pitchFamily="18" charset="0"/>
+                                </a:rPr>
+                              </m:ctrlPr>
+                            </m:sSubPr>
+                            <m:e>
+                              <m:r>
+                                <a:rPr lang="en-US" b="0" i="1" smtClean="0">
+                                  <a:latin typeface="Cambria Math" panose="02040503050406030204" pitchFamily="18" charset="0"/>
+                                </a:rPr>
+                                <m:t>𝜆</m:t>
+                              </m:r>
+                            </m:e>
+                            <m:sub>
+                              <m:r>
+                                <a:rPr lang="en-US" b="0" i="1" smtClean="0">
+                                  <a:latin typeface="Cambria Math" panose="02040503050406030204" pitchFamily="18" charset="0"/>
+                                </a:rPr>
+                                <m:t>𝑖</m:t>
+                              </m:r>
+                              <m:r>
+                                <a:rPr lang="en-US" b="0" i="1" smtClean="0">
+                                  <a:latin typeface="Cambria Math" panose="02040503050406030204" pitchFamily="18" charset="0"/>
+                                </a:rPr>
+                                <m:t>−1</m:t>
+                              </m:r>
+                            </m:sub>
+                          </m:sSub>
+                        </m:num>
+                        <m:den>
+                          <m:sSub>
+                            <m:sSubPr>
+                              <m:ctrlPr>
+                                <a:rPr lang="en-US" i="1">
+                                  <a:latin typeface="Cambria Math" panose="02040503050406030204" pitchFamily="18" charset="0"/>
+                                </a:rPr>
+                              </m:ctrlPr>
+                            </m:sSubPr>
+                            <m:e>
+                              <m:d>
+                                <m:dPr>
+                                  <m:begChr m:val="|"/>
+                                  <m:endChr m:val="|"/>
+                                  <m:ctrlPr>
+                                    <a:rPr lang="en-US" i="1">
+                                      <a:latin typeface="Cambria Math" panose="02040503050406030204" pitchFamily="18" charset="0"/>
+                                    </a:rPr>
+                                  </m:ctrlPr>
+                                </m:dPr>
+                                <m:e>
+                                  <m:d>
+                                    <m:dPr>
+                                      <m:begChr m:val="|"/>
+                                      <m:endChr m:val="|"/>
+                                      <m:ctrlPr>
+                                        <a:rPr lang="en-US" i="1">
+                                          <a:latin typeface="Cambria Math" panose="02040503050406030204" pitchFamily="18" charset="0"/>
+                                        </a:rPr>
+                                      </m:ctrlPr>
+                                    </m:dPr>
+                                    <m:e>
+                                      <m:sSub>
+                                        <m:sSubPr>
+                                          <m:ctrlPr>
+                                            <a:rPr lang="en-US" i="1">
+                                              <a:latin typeface="Cambria Math" panose="02040503050406030204" pitchFamily="18" charset="0"/>
+                                            </a:rPr>
+                                          </m:ctrlPr>
+                                        </m:sSubPr>
+                                        <m:e>
+                                          <m:r>
+                                            <a:rPr lang="en-US" i="1">
+                                              <a:latin typeface="Cambria Math" panose="02040503050406030204" pitchFamily="18" charset="0"/>
+                                            </a:rPr>
+                                            <m:t>𝜓</m:t>
+                                          </m:r>
+                                        </m:e>
+                                        <m:sub>
+                                          <m:r>
+                                            <a:rPr lang="en-US" i="1">
+                                              <a:latin typeface="Cambria Math" panose="02040503050406030204" pitchFamily="18" charset="0"/>
+                                            </a:rPr>
+                                            <m:t>𝑖</m:t>
+                                          </m:r>
+                                        </m:sub>
+                                      </m:sSub>
+                                    </m:e>
+                                  </m:d>
+                                </m:e>
+                              </m:d>
+                            </m:e>
+                            <m:sub>
+                              <m:r>
+                                <a:rPr lang="en-US" i="1">
+                                  <a:latin typeface="Cambria Math" panose="02040503050406030204" pitchFamily="18" charset="0"/>
+                                </a:rPr>
+                                <m:t>∞</m:t>
+                              </m:r>
+                            </m:sub>
+                          </m:sSub>
+                        </m:den>
+                      </m:f>
+                    </m:oMath>
+                  </m:oMathPara>
+                </a14:m>
+                <a:endParaRPr lang="en-US" dirty="0"/>
+              </a:p>
+              <a:p>
+                <a:r>
+                  <a:rPr lang="en-US" dirty="0"/>
+                  <a:t>Terminate when </a:t>
+                </a:r>
+                <a14:m>
+                  <m:oMath xmlns:m="http://schemas.openxmlformats.org/officeDocument/2006/math">
+                    <m:d>
+                      <m:dPr>
+                        <m:begChr m:val="|"/>
+                        <m:endChr m:val="|"/>
+                        <m:ctrlPr>
+                          <a:rPr lang="en-US" b="0" i="1" smtClean="0">
+                            <a:latin typeface="Cambria Math" panose="02040503050406030204" pitchFamily="18" charset="0"/>
+                          </a:rPr>
+                        </m:ctrlPr>
+                      </m:dPr>
+                      <m:e>
+                        <m:d>
+                          <m:dPr>
+                            <m:begChr m:val="|"/>
+                            <m:endChr m:val="|"/>
+                            <m:ctrlPr>
+                              <a:rPr lang="en-US" b="0" i="1" smtClean="0">
+                                <a:latin typeface="Cambria Math" panose="02040503050406030204" pitchFamily="18" charset="0"/>
+                              </a:rPr>
+                            </m:ctrlPr>
+                          </m:dPr>
+                          <m:e>
+                            <m:sSub>
+                              <m:sSubPr>
+                                <m:ctrlPr>
+                                  <a:rPr lang="en-US" b="0" i="1" smtClean="0">
+                                    <a:latin typeface="Cambria Math" panose="02040503050406030204" pitchFamily="18" charset="0"/>
+                                  </a:rPr>
+                                </m:ctrlPr>
+                              </m:sSubPr>
+                              <m:e>
+                                <m:r>
+                                  <a:rPr lang="en-US" b="0" i="1" smtClean="0">
+                                    <a:latin typeface="Cambria Math" panose="02040503050406030204" pitchFamily="18" charset="0"/>
+                                  </a:rPr>
+                                  <m:t>𝜓</m:t>
+                                </m:r>
+                              </m:e>
+                              <m:sub>
+                                <m:r>
+                                  <a:rPr lang="en-US" b="0" i="1" smtClean="0">
+                                    <a:latin typeface="Cambria Math" panose="02040503050406030204" pitchFamily="18" charset="0"/>
+                                  </a:rPr>
+                                  <m:t>𝑖</m:t>
+                                </m:r>
+                              </m:sub>
+                            </m:sSub>
+                            <m:r>
+                              <a:rPr lang="en-US" b="0" i="1" smtClean="0">
+                                <a:latin typeface="Cambria Math" panose="02040503050406030204" pitchFamily="18" charset="0"/>
+                              </a:rPr>
+                              <m:t>−</m:t>
+                            </m:r>
+                            <m:sSub>
+                              <m:sSubPr>
+                                <m:ctrlPr>
+                                  <a:rPr lang="en-US" b="0" i="1" smtClean="0">
+                                    <a:latin typeface="Cambria Math" panose="02040503050406030204" pitchFamily="18" charset="0"/>
+                                  </a:rPr>
+                                </m:ctrlPr>
+                              </m:sSubPr>
+                              <m:e>
+                                <m:r>
+                                  <a:rPr lang="en-US" b="0" i="1" smtClean="0">
+                                    <a:latin typeface="Cambria Math" panose="02040503050406030204" pitchFamily="18" charset="0"/>
+                                  </a:rPr>
+                                  <m:t>𝜓</m:t>
+                                </m:r>
+                              </m:e>
+                              <m:sub>
+                                <m:r>
+                                  <a:rPr lang="en-US" b="0" i="1" smtClean="0">
+                                    <a:latin typeface="Cambria Math" panose="02040503050406030204" pitchFamily="18" charset="0"/>
+                                  </a:rPr>
+                                  <m:t>𝑖</m:t>
+                                </m:r>
+                                <m:r>
+                                  <a:rPr lang="en-US" b="0" i="1" smtClean="0">
+                                    <a:latin typeface="Cambria Math" panose="02040503050406030204" pitchFamily="18" charset="0"/>
+                                  </a:rPr>
+                                  <m:t>−1</m:t>
+                                </m:r>
+                              </m:sub>
+                            </m:sSub>
+                          </m:e>
+                        </m:d>
+                      </m:e>
+                    </m:d>
+                    <m:r>
+                      <a:rPr lang="en-US" b="0" i="1" smtClean="0">
+                        <a:latin typeface="Cambria Math" panose="02040503050406030204" pitchFamily="18" charset="0"/>
+                      </a:rPr>
+                      <m:t>&lt;</m:t>
+                    </m:r>
+                    <m:r>
+                      <a:rPr lang="en-US" b="0" i="1" smtClean="0">
+                        <a:latin typeface="Cambria Math" panose="02040503050406030204" pitchFamily="18" charset="0"/>
+                      </a:rPr>
+                      <m:t>𝜖</m:t>
+                    </m:r>
+                  </m:oMath>
+                </a14:m>
+                <a:r>
+                  <a:rPr lang="en-US" dirty="0"/>
+                  <a:t> for few consecutive iterations.</a:t>
+                </a:r>
+              </a:p>
+            </p:txBody>
+          </p:sp>
+        </mc:Choice>
+        <mc:Fallback>
+          <p:sp>
+            <p:nvSpPr>
+              <p:cNvPr id="3" name="Content Placeholder 2">
+                <a:extLst>
+                  <a:ext uri="{FF2B5EF4-FFF2-40B4-BE49-F238E27FC236}">
+                    <a16:creationId xmlns:a16="http://schemas.microsoft.com/office/drawing/2014/main" id="{7AC758F9-7CDF-4C40-9D92-15B88994FFDC}"/>
+                  </a:ext>
+                </a:extLst>
+              </p:cNvPr>
+              <p:cNvSpPr>
+                <a:spLocks noGrp="1" noRot="1" noChangeAspect="1" noMove="1" noResize="1" noEditPoints="1" noAdjustHandles="1" noChangeArrowheads="1" noChangeShapeType="1" noTextEdit="1"/>
+              </p:cNvSpPr>
+              <p:nvPr>
+                <p:ph idx="1"/>
+              </p:nvPr>
+            </p:nvSpPr>
+            <p:spPr>
+              <a:blipFill>
+                <a:blip r:embed="rId2"/>
+                <a:stretch>
+                  <a:fillRect l="-1043" t="-2241"/>
+                </a:stretch>
+              </a:blipFill>
+            </p:spPr>
+            <p:txBody>
+              <a:bodyPr/>
+              <a:lstStyle/>
+              <a:p>
+                <a:r>
+                  <a:rPr lang="en-US">
+                    <a:noFill/>
+                  </a:rPr>
+                  <a:t> </a:t>
+                </a:r>
+              </a:p>
+            </p:txBody>
+          </p:sp>
+        </mc:Fallback>
+      </mc:AlternateContent>
+    </p:spTree>
+    <p:extLst>
+      <p:ext uri="{BB962C8B-B14F-4D97-AF65-F5344CB8AC3E}">
+        <p14:creationId xmlns:p14="http://schemas.microsoft.com/office/powerpoint/2010/main" val="11701679"/>
+      </p:ext>
+    </p:extLst>
+  </p:cSld>
+  <p:clrMapOvr>
+    <a:masterClrMapping/>
+  </p:clrMapOvr>
+</p:sld>
+</file>
+
+<file path=ppt/slides/slide21.xml><?xml version="1.0" encoding="utf-8"?>
+<p:sld xmlns:a="http://schemas.openxmlformats.org/drawingml/2006/main" xmlns:r="http://schemas.openxmlformats.org/officeDocument/2006/relationships" xmlns:p="http://schemas.openxmlformats.org/presentationml/2006/main">
+  <p:cSld>
+    <p:spTree>
+      <p:nvGrpSpPr>
+        <p:cNvPr id="1" name=""/>
+        <p:cNvGrpSpPr/>
+        <p:nvPr/>
+      </p:nvGrpSpPr>
+      <p:grpSpPr>
+        <a:xfrm>
+          <a:off x="0" y="0"/>
+          <a:ext cx="0" cy="0"/>
+          <a:chOff x="0" y="0"/>
+          <a:chExt cx="0" cy="0"/>
+        </a:xfrm>
+      </p:grpSpPr>
+      <p:sp>
+        <p:nvSpPr>
+          <p:cNvPr id="2" name="Title 1">
+            <a:extLst>
+              <a:ext uri="{FF2B5EF4-FFF2-40B4-BE49-F238E27FC236}">
+                <a16:creationId xmlns:a16="http://schemas.microsoft.com/office/drawing/2014/main" id="{F9C40B75-8B45-4469-8DF3-9E997A629548}"/>
+              </a:ext>
+            </a:extLst>
+          </p:cNvPr>
+          <p:cNvSpPr>
+            <a:spLocks noGrp="1"/>
+          </p:cNvSpPr>
+          <p:nvPr>
+            <p:ph type="title"/>
+          </p:nvPr>
+        </p:nvSpPr>
+        <p:spPr/>
+        <p:txBody>
+          <a:bodyPr/>
+          <a:lstStyle/>
+          <a:p>
+            <a:r>
+              <a:rPr lang="en-US" dirty="0"/>
+              <a:t>Finding eigenpair using “Power Method”</a:t>
+            </a:r>
+          </a:p>
+        </p:txBody>
+      </p:sp>
+      <mc:AlternateContent xmlns:mc="http://schemas.openxmlformats.org/markup-compatibility/2006">
+        <mc:Choice xmlns:a14="http://schemas.microsoft.com/office/drawing/2010/main" Requires="a14">
+          <p:sp>
+            <p:nvSpPr>
+              <p:cNvPr id="3" name="Content Placeholder 2">
+                <a:extLst>
+                  <a:ext uri="{FF2B5EF4-FFF2-40B4-BE49-F238E27FC236}">
+                    <a16:creationId xmlns:a16="http://schemas.microsoft.com/office/drawing/2014/main" id="{6433D941-E499-483D-83B7-E06B57A2E29B}"/>
+                  </a:ext>
+                </a:extLst>
+              </p:cNvPr>
+              <p:cNvSpPr>
+                <a:spLocks noGrp="1"/>
+              </p:cNvSpPr>
+              <p:nvPr>
+                <p:ph idx="1"/>
+              </p:nvPr>
+            </p:nvSpPr>
+            <p:spPr>
+              <a:xfrm>
+                <a:off x="476250" y="1690688"/>
+                <a:ext cx="5257800" cy="4351338"/>
+              </a:xfrm>
+            </p:spPr>
+            <p:txBody>
+              <a:bodyPr>
+                <a:normAutofit/>
+              </a:bodyPr>
+              <a:lstStyle/>
+              <a:p>
+                <a:r>
+                  <a:rPr lang="en-US" dirty="0"/>
+                  <a:t>With initial guess </a:t>
+                </a:r>
+                <a14:m>
+                  <m:oMath xmlns:m="http://schemas.openxmlformats.org/officeDocument/2006/math">
+                    <m:d>
+                      <m:dPr>
+                        <m:ctrlPr>
+                          <a:rPr lang="en-US" i="1">
+                            <a:latin typeface="Cambria Math" panose="02040503050406030204" pitchFamily="18" charset="0"/>
+                          </a:rPr>
+                        </m:ctrlPr>
+                      </m:dPr>
+                      <m:e>
+                        <m:sSub>
+                          <m:sSubPr>
+                            <m:ctrlPr>
+                              <a:rPr lang="en-US" i="1">
+                                <a:latin typeface="Cambria Math" panose="02040503050406030204" pitchFamily="18" charset="0"/>
+                              </a:rPr>
+                            </m:ctrlPr>
+                          </m:sSubPr>
+                          <m:e>
+                            <m:r>
+                              <a:rPr lang="en-US" i="1">
+                                <a:latin typeface="Cambria Math" panose="02040503050406030204" pitchFamily="18" charset="0"/>
+                              </a:rPr>
+                              <m:t>𝜆</m:t>
+                            </m:r>
+                          </m:e>
+                          <m:sub>
+                            <m:r>
+                              <a:rPr lang="en-US" i="1">
+                                <a:latin typeface="Cambria Math" panose="02040503050406030204" pitchFamily="18" charset="0"/>
+                              </a:rPr>
+                              <m:t>0</m:t>
+                            </m:r>
+                          </m:sub>
+                        </m:sSub>
+                        <m:r>
+                          <a:rPr lang="en-US" i="1">
+                            <a:latin typeface="Cambria Math" panose="02040503050406030204" pitchFamily="18" charset="0"/>
+                          </a:rPr>
+                          <m:t>,</m:t>
+                        </m:r>
+                        <m:sSub>
+                          <m:sSubPr>
+                            <m:ctrlPr>
+                              <a:rPr lang="en-US" i="1">
+                                <a:latin typeface="Cambria Math" panose="02040503050406030204" pitchFamily="18" charset="0"/>
+                              </a:rPr>
+                            </m:ctrlPr>
+                          </m:sSubPr>
+                          <m:e>
+                            <m:r>
+                              <m:rPr>
+                                <m:sty m:val="p"/>
+                              </m:rPr>
+                              <a:rPr lang="en-US">
+                                <a:latin typeface="Cambria Math" panose="02040503050406030204" pitchFamily="18" charset="0"/>
+                              </a:rPr>
+                              <m:t>Ψ</m:t>
+                            </m:r>
+                          </m:e>
+                          <m:sub>
+                            <m:r>
+                              <a:rPr lang="en-US" i="1">
+                                <a:latin typeface="Cambria Math" panose="02040503050406030204" pitchFamily="18" charset="0"/>
+                              </a:rPr>
+                              <m:t>0</m:t>
+                            </m:r>
+                          </m:sub>
+                        </m:sSub>
+                      </m:e>
+                    </m:d>
+                    <m:r>
+                      <a:rPr lang="en-US" b="0" i="1" smtClean="0">
+                        <a:latin typeface="Cambria Math" panose="02040503050406030204" pitchFamily="18" charset="0"/>
+                      </a:rPr>
+                      <m:t>=(10,1)</m:t>
+                    </m:r>
+                  </m:oMath>
+                </a14:m>
+                <a:endParaRPr lang="en-US" dirty="0"/>
+              </a:p>
+              <a:p>
+                <a:r>
+                  <a:rPr lang="en-US" dirty="0"/>
+                  <a:t>First iteration:</a:t>
+                </a:r>
+              </a:p>
+              <a:p>
+                <a:pPr lvl="1"/>
+                <a:r>
+                  <a:rPr lang="en-US" dirty="0"/>
+                  <a:t>Solving </a:t>
+                </a:r>
+                <a14:m>
+                  <m:oMath xmlns:m="http://schemas.openxmlformats.org/officeDocument/2006/math">
+                    <m:r>
+                      <a:rPr lang="en-US" b="0" i="1" smtClean="0">
+                        <a:latin typeface="Cambria Math" panose="02040503050406030204" pitchFamily="18" charset="0"/>
+                      </a:rPr>
+                      <m:t>10</m:t>
+                    </m:r>
+                    <m:d>
+                      <m:dPr>
+                        <m:ctrlPr>
+                          <a:rPr lang="en-US" i="1">
+                            <a:latin typeface="Cambria Math" panose="02040503050406030204" pitchFamily="18" charset="0"/>
+                          </a:rPr>
+                        </m:ctrlPr>
+                      </m:dPr>
+                      <m:e>
+                        <m:r>
+                          <a:rPr lang="en-US" b="0" i="1" smtClean="0">
+                            <a:latin typeface="Cambria Math" panose="02040503050406030204" pitchFamily="18" charset="0"/>
+                          </a:rPr>
+                          <m:t>0.5</m:t>
+                        </m:r>
+                        <m:r>
+                          <a:rPr lang="en-US" i="1">
+                            <a:latin typeface="Cambria Math" panose="02040503050406030204" pitchFamily="18" charset="0"/>
+                          </a:rPr>
+                          <m:t>+</m:t>
+                        </m:r>
+                        <m:r>
+                          <a:rPr lang="en-US" b="0" i="1" smtClean="0">
+                            <a:latin typeface="Cambria Math" panose="02040503050406030204" pitchFamily="18" charset="0"/>
+                          </a:rPr>
+                          <m:t>0.5</m:t>
+                        </m:r>
+                        <m:sSup>
+                          <m:sSupPr>
+                            <m:ctrlPr>
+                              <a:rPr lang="en-US" i="1">
+                                <a:latin typeface="Cambria Math" panose="02040503050406030204" pitchFamily="18" charset="0"/>
+                              </a:rPr>
+                            </m:ctrlPr>
+                          </m:sSupPr>
+                          <m:e>
+                            <m:r>
+                              <a:rPr lang="en-US" i="1">
+                                <a:latin typeface="Cambria Math" panose="02040503050406030204" pitchFamily="18" charset="0"/>
+                              </a:rPr>
+                              <m:t>𝑅</m:t>
+                            </m:r>
+                          </m:e>
+                          <m:sup>
+                            <m:r>
+                              <a:rPr lang="en-US" i="1">
+                                <a:latin typeface="Cambria Math" panose="02040503050406030204" pitchFamily="18" charset="0"/>
+                              </a:rPr>
+                              <m:t>2</m:t>
+                            </m:r>
+                          </m:sup>
+                        </m:sSup>
+                      </m:e>
+                    </m:d>
+                    <m:r>
+                      <a:rPr lang="en-US" b="0" i="1" smtClean="0">
+                        <a:latin typeface="Cambria Math" panose="02040503050406030204" pitchFamily="18" charset="0"/>
+                      </a:rPr>
+                      <m:t>1</m:t>
+                    </m:r>
+                    <m:r>
+                      <a:rPr lang="en-US" i="1">
+                        <a:latin typeface="Cambria Math" panose="02040503050406030204" pitchFamily="18" charset="0"/>
+                      </a:rPr>
+                      <m:t>+</m:t>
+                    </m:r>
+                    <m:sSup>
+                      <m:sSupPr>
+                        <m:ctrlPr>
+                          <a:rPr lang="en-US" i="1">
+                            <a:latin typeface="Cambria Math" panose="02040503050406030204" pitchFamily="18" charset="0"/>
+                          </a:rPr>
+                        </m:ctrlPr>
+                      </m:sSupPr>
+                      <m:e>
+                        <m:r>
+                          <m:rPr>
+                            <m:sty m:val="p"/>
+                          </m:rPr>
+                          <a:rPr lang="en-US">
+                            <a:latin typeface="Cambria Math" panose="02040503050406030204" pitchFamily="18" charset="0"/>
+                          </a:rPr>
+                          <m:t>Δ</m:t>
+                        </m:r>
+                      </m:e>
+                      <m:sup>
+                        <m:r>
+                          <a:rPr lang="en-US" i="1">
+                            <a:latin typeface="Cambria Math" panose="02040503050406030204" pitchFamily="18" charset="0"/>
+                          </a:rPr>
+                          <m:t>∗</m:t>
+                        </m:r>
+                      </m:sup>
+                    </m:sSup>
+                    <m:sSub>
+                      <m:sSubPr>
+                        <m:ctrlPr>
+                          <a:rPr lang="en-US" i="1">
+                            <a:latin typeface="Cambria Math" panose="02040503050406030204" pitchFamily="18" charset="0"/>
+                          </a:rPr>
+                        </m:ctrlPr>
+                      </m:sSubPr>
+                      <m:e>
+                        <m:r>
+                          <a:rPr lang="en-US" i="1">
+                            <a:latin typeface="Cambria Math" panose="02040503050406030204" pitchFamily="18" charset="0"/>
+                          </a:rPr>
+                          <m:t>𝜓</m:t>
+                        </m:r>
+                      </m:e>
+                      <m:sub>
+                        <m:r>
+                          <a:rPr lang="en-US" i="1">
+                            <a:latin typeface="Cambria Math" panose="02040503050406030204" pitchFamily="18" charset="0"/>
+                          </a:rPr>
+                          <m:t>𝑖</m:t>
+                        </m:r>
+                      </m:sub>
+                    </m:sSub>
+                    <m:r>
+                      <a:rPr lang="en-US" i="1">
+                        <a:latin typeface="Cambria Math" panose="02040503050406030204" pitchFamily="18" charset="0"/>
+                      </a:rPr>
+                      <m:t>=0</m:t>
+                    </m:r>
+                  </m:oMath>
+                </a14:m>
+                <a:r>
+                  <a:rPr lang="en-US" dirty="0"/>
+                  <a:t>  with the boundary condition </a:t>
+                </a:r>
+                <a14:m>
+                  <m:oMath xmlns:m="http://schemas.openxmlformats.org/officeDocument/2006/math">
+                    <m:r>
+                      <a:rPr lang="en-US" b="0" i="1" smtClean="0">
+                        <a:latin typeface="Cambria Math" panose="02040503050406030204" pitchFamily="18" charset="0"/>
+                      </a:rPr>
+                      <m:t>𝜓</m:t>
+                    </m:r>
+                    <m:r>
+                      <a:rPr lang="en-US" b="0" i="1" smtClean="0">
+                        <a:latin typeface="Cambria Math" panose="02040503050406030204" pitchFamily="18" charset="0"/>
+                      </a:rPr>
+                      <m:t>=0</m:t>
+                    </m:r>
+                  </m:oMath>
+                </a14:m>
+                <a:endParaRPr lang="en-US" dirty="0"/>
+              </a:p>
+              <a:p>
+                <a:pPr lvl="1"/>
+                <a:r>
+                  <a:rPr lang="en-US" dirty="0"/>
+                  <a:t>PINN failed for 8 layers, 20 neurons/layer even using many activation function tanh, </a:t>
+                </a:r>
+                <a:r>
+                  <a:rPr lang="en-US" dirty="0" err="1"/>
+                  <a:t>relu</a:t>
+                </a:r>
+                <a:r>
+                  <a:rPr lang="en-US" dirty="0"/>
+                  <a:t>, </a:t>
+                </a:r>
+                <a:r>
+                  <a:rPr lang="en-US" dirty="0" err="1"/>
+                  <a:t>silu</a:t>
+                </a:r>
+                <a:r>
+                  <a:rPr lang="en-US" dirty="0"/>
+                  <a:t>.</a:t>
+                </a:r>
+              </a:p>
+              <a:p>
+                <a:pPr lvl="1"/>
+                <a:endParaRPr lang="en-US" dirty="0"/>
+              </a:p>
+            </p:txBody>
+          </p:sp>
+        </mc:Choice>
+        <mc:Fallback>
+          <p:sp>
+            <p:nvSpPr>
+              <p:cNvPr id="3" name="Content Placeholder 2">
+                <a:extLst>
+                  <a:ext uri="{FF2B5EF4-FFF2-40B4-BE49-F238E27FC236}">
+                    <a16:creationId xmlns:a16="http://schemas.microsoft.com/office/drawing/2014/main" id="{6433D941-E499-483D-83B7-E06B57A2E29B}"/>
+                  </a:ext>
+                </a:extLst>
+              </p:cNvPr>
+              <p:cNvSpPr>
+                <a:spLocks noGrp="1" noRot="1" noChangeAspect="1" noMove="1" noResize="1" noEditPoints="1" noAdjustHandles="1" noChangeArrowheads="1" noChangeShapeType="1" noTextEdit="1"/>
+              </p:cNvSpPr>
+              <p:nvPr>
+                <p:ph idx="1"/>
+              </p:nvPr>
+            </p:nvSpPr>
+            <p:spPr>
+              <a:xfrm>
+                <a:off x="476250" y="1690688"/>
+                <a:ext cx="5257800" cy="4351338"/>
+              </a:xfrm>
+              <a:blipFill>
+                <a:blip r:embed="rId2"/>
+                <a:stretch>
+                  <a:fillRect l="-2086" t="-2241"/>
+                </a:stretch>
+              </a:blipFill>
+            </p:spPr>
+            <p:txBody>
+              <a:bodyPr/>
+              <a:lstStyle/>
+              <a:p>
+                <a:r>
+                  <a:rPr lang="en-US">
+                    <a:noFill/>
+                  </a:rPr>
+                  <a:t> </a:t>
+                </a:r>
+              </a:p>
+            </p:txBody>
+          </p:sp>
+        </mc:Fallback>
+      </mc:AlternateContent>
+      <p:pic>
+        <p:nvPicPr>
+          <p:cNvPr id="4" name="Picture 3">
+            <a:extLst>
+              <a:ext uri="{FF2B5EF4-FFF2-40B4-BE49-F238E27FC236}">
+                <a16:creationId xmlns:a16="http://schemas.microsoft.com/office/drawing/2014/main" id="{D93944D5-E464-4BC8-9728-39D76297617D}"/>
+              </a:ext>
+            </a:extLst>
+          </p:cNvPr>
+          <p:cNvPicPr>
+            <a:picLocks noChangeAspect="1"/>
+          </p:cNvPicPr>
+          <p:nvPr/>
+        </p:nvPicPr>
+        <p:blipFill>
+          <a:blip r:embed="rId3"/>
+          <a:stretch>
+            <a:fillRect/>
+          </a:stretch>
+        </p:blipFill>
+        <p:spPr>
+          <a:xfrm>
+            <a:off x="6096000" y="1875632"/>
+            <a:ext cx="5619750" cy="3981450"/>
+          </a:xfrm>
+          <a:prstGeom prst="rect">
+            <a:avLst/>
+          </a:prstGeom>
+        </p:spPr>
+      </p:pic>
+    </p:spTree>
+    <p:extLst>
+      <p:ext uri="{BB962C8B-B14F-4D97-AF65-F5344CB8AC3E}">
+        <p14:creationId xmlns:p14="http://schemas.microsoft.com/office/powerpoint/2010/main" val="2155667313"/>
+      </p:ext>
+    </p:extLst>
+  </p:cSld>
+  <p:clrMapOvr>
+    <a:masterClrMapping/>
+  </p:clrMapOvr>
+</p:sld>
+</file>
+
+<file path=ppt/slides/slide22.xml><?xml version="1.0" encoding="utf-8"?>
+<p:sld xmlns:a="http://schemas.openxmlformats.org/drawingml/2006/main" xmlns:r="http://schemas.openxmlformats.org/officeDocument/2006/relationships" xmlns:p="http://schemas.openxmlformats.org/presentationml/2006/main">
+  <p:cSld>
+    <p:spTree>
+      <p:nvGrpSpPr>
+        <p:cNvPr id="1" name=""/>
+        <p:cNvGrpSpPr/>
+        <p:nvPr/>
+      </p:nvGrpSpPr>
+      <p:grpSpPr>
+        <a:xfrm>
+          <a:off x="0" y="0"/>
+          <a:ext cx="0" cy="0"/>
+          <a:chOff x="0" y="0"/>
+          <a:chExt cx="0" cy="0"/>
+        </a:xfrm>
+      </p:grpSpPr>
+      <p:sp>
+        <p:nvSpPr>
+          <p:cNvPr id="2" name="Title 1">
+            <a:extLst>
+              <a:ext uri="{FF2B5EF4-FFF2-40B4-BE49-F238E27FC236}">
+                <a16:creationId xmlns:a16="http://schemas.microsoft.com/office/drawing/2014/main" id="{F9C40B75-8B45-4469-8DF3-9E997A629548}"/>
+              </a:ext>
+            </a:extLst>
+          </p:cNvPr>
+          <p:cNvSpPr>
+            <a:spLocks noGrp="1"/>
+          </p:cNvSpPr>
+          <p:nvPr>
+            <p:ph type="title"/>
+          </p:nvPr>
+        </p:nvSpPr>
+        <p:spPr/>
+        <p:txBody>
+          <a:bodyPr/>
+          <a:lstStyle/>
+          <a:p>
+            <a:r>
+              <a:rPr lang="en-US" dirty="0"/>
+              <a:t>Finding eigenpair using “Power Method”</a:t>
+            </a:r>
+          </a:p>
+        </p:txBody>
+      </p:sp>
+      <mc:AlternateContent xmlns:mc="http://schemas.openxmlformats.org/markup-compatibility/2006">
+        <mc:Choice xmlns:a14="http://schemas.microsoft.com/office/drawing/2010/main" Requires="a14">
+          <p:sp>
+            <p:nvSpPr>
+              <p:cNvPr id="3" name="Content Placeholder 2">
+                <a:extLst>
+                  <a:ext uri="{FF2B5EF4-FFF2-40B4-BE49-F238E27FC236}">
+                    <a16:creationId xmlns:a16="http://schemas.microsoft.com/office/drawing/2014/main" id="{6433D941-E499-483D-83B7-E06B57A2E29B}"/>
+                  </a:ext>
+                </a:extLst>
+              </p:cNvPr>
+              <p:cNvSpPr>
+                <a:spLocks noGrp="1"/>
+              </p:cNvSpPr>
+              <p:nvPr>
+                <p:ph idx="1"/>
+              </p:nvPr>
+            </p:nvSpPr>
+            <p:spPr>
+              <a:xfrm>
+                <a:off x="476250" y="1690688"/>
+                <a:ext cx="5257800" cy="4351338"/>
+              </a:xfrm>
+            </p:spPr>
+            <p:txBody>
+              <a:bodyPr>
+                <a:normAutofit/>
+              </a:bodyPr>
+              <a:lstStyle/>
+              <a:p>
+                <a:r>
+                  <a:rPr lang="en-US" dirty="0"/>
+                  <a:t>With initial guess </a:t>
+                </a:r>
+                <a14:m>
+                  <m:oMath xmlns:m="http://schemas.openxmlformats.org/officeDocument/2006/math">
+                    <m:d>
+                      <m:dPr>
+                        <m:ctrlPr>
+                          <a:rPr lang="en-US" i="1">
+                            <a:latin typeface="Cambria Math" panose="02040503050406030204" pitchFamily="18" charset="0"/>
+                          </a:rPr>
+                        </m:ctrlPr>
+                      </m:dPr>
+                      <m:e>
+                        <m:sSub>
+                          <m:sSubPr>
+                            <m:ctrlPr>
+                              <a:rPr lang="en-US" i="1">
+                                <a:latin typeface="Cambria Math" panose="02040503050406030204" pitchFamily="18" charset="0"/>
+                              </a:rPr>
+                            </m:ctrlPr>
+                          </m:sSubPr>
+                          <m:e>
+                            <m:r>
+                              <a:rPr lang="en-US" i="1">
+                                <a:latin typeface="Cambria Math" panose="02040503050406030204" pitchFamily="18" charset="0"/>
+                              </a:rPr>
+                              <m:t>𝜆</m:t>
+                            </m:r>
+                          </m:e>
+                          <m:sub>
+                            <m:r>
+                              <a:rPr lang="en-US" i="1">
+                                <a:latin typeface="Cambria Math" panose="02040503050406030204" pitchFamily="18" charset="0"/>
+                              </a:rPr>
+                              <m:t>0</m:t>
+                            </m:r>
+                          </m:sub>
+                        </m:sSub>
+                        <m:r>
+                          <a:rPr lang="en-US" i="1">
+                            <a:latin typeface="Cambria Math" panose="02040503050406030204" pitchFamily="18" charset="0"/>
+                          </a:rPr>
+                          <m:t>,</m:t>
+                        </m:r>
+                        <m:sSub>
+                          <m:sSubPr>
+                            <m:ctrlPr>
+                              <a:rPr lang="en-US" i="1">
+                                <a:latin typeface="Cambria Math" panose="02040503050406030204" pitchFamily="18" charset="0"/>
+                              </a:rPr>
+                            </m:ctrlPr>
+                          </m:sSubPr>
+                          <m:e>
+                            <m:r>
+                              <m:rPr>
+                                <m:sty m:val="p"/>
+                              </m:rPr>
+                              <a:rPr lang="en-US">
+                                <a:latin typeface="Cambria Math" panose="02040503050406030204" pitchFamily="18" charset="0"/>
+                              </a:rPr>
+                              <m:t>Ψ</m:t>
+                            </m:r>
+                          </m:e>
+                          <m:sub>
+                            <m:r>
+                              <a:rPr lang="en-US" i="1">
+                                <a:latin typeface="Cambria Math" panose="02040503050406030204" pitchFamily="18" charset="0"/>
+                              </a:rPr>
+                              <m:t>0</m:t>
+                            </m:r>
+                          </m:sub>
+                        </m:sSub>
+                      </m:e>
+                    </m:d>
+                    <m:r>
+                      <a:rPr lang="en-US" b="0" i="1" smtClean="0">
+                        <a:latin typeface="Cambria Math" panose="02040503050406030204" pitchFamily="18" charset="0"/>
+                      </a:rPr>
+                      <m:t>=(10,1)</m:t>
+                    </m:r>
+                  </m:oMath>
+                </a14:m>
+                <a:endParaRPr lang="en-US" dirty="0"/>
+              </a:p>
+              <a:p>
+                <a:r>
+                  <a:rPr lang="en-US" dirty="0"/>
+                  <a:t>First iteration:</a:t>
+                </a:r>
+              </a:p>
+              <a:p>
+                <a:pPr lvl="1"/>
+                <a:r>
+                  <a:rPr lang="en-US" dirty="0"/>
+                  <a:t>Solving </a:t>
+                </a:r>
+                <a14:m>
+                  <m:oMath xmlns:m="http://schemas.openxmlformats.org/officeDocument/2006/math">
+                    <m:r>
+                      <a:rPr lang="en-US" b="0" i="1" smtClean="0">
+                        <a:latin typeface="Cambria Math" panose="02040503050406030204" pitchFamily="18" charset="0"/>
+                      </a:rPr>
+                      <m:t>10</m:t>
+                    </m:r>
+                    <m:d>
+                      <m:dPr>
+                        <m:ctrlPr>
+                          <a:rPr lang="en-US" i="1">
+                            <a:latin typeface="Cambria Math" panose="02040503050406030204" pitchFamily="18" charset="0"/>
+                          </a:rPr>
+                        </m:ctrlPr>
+                      </m:dPr>
+                      <m:e>
+                        <m:r>
+                          <a:rPr lang="en-US" b="0" i="1" smtClean="0">
+                            <a:latin typeface="Cambria Math" panose="02040503050406030204" pitchFamily="18" charset="0"/>
+                          </a:rPr>
+                          <m:t>0.5</m:t>
+                        </m:r>
+                        <m:r>
+                          <a:rPr lang="en-US" i="1">
+                            <a:latin typeface="Cambria Math" panose="02040503050406030204" pitchFamily="18" charset="0"/>
+                          </a:rPr>
+                          <m:t>+</m:t>
+                        </m:r>
+                        <m:r>
+                          <a:rPr lang="en-US" b="0" i="1" smtClean="0">
+                            <a:latin typeface="Cambria Math" panose="02040503050406030204" pitchFamily="18" charset="0"/>
+                          </a:rPr>
+                          <m:t>0.5</m:t>
+                        </m:r>
+                        <m:sSup>
+                          <m:sSupPr>
+                            <m:ctrlPr>
+                              <a:rPr lang="en-US" i="1">
+                                <a:latin typeface="Cambria Math" panose="02040503050406030204" pitchFamily="18" charset="0"/>
+                              </a:rPr>
+                            </m:ctrlPr>
+                          </m:sSupPr>
+                          <m:e>
+                            <m:r>
+                              <a:rPr lang="en-US" i="1">
+                                <a:latin typeface="Cambria Math" panose="02040503050406030204" pitchFamily="18" charset="0"/>
+                              </a:rPr>
+                              <m:t>𝑅</m:t>
+                            </m:r>
+                          </m:e>
+                          <m:sup>
+                            <m:r>
+                              <a:rPr lang="en-US" i="1">
+                                <a:latin typeface="Cambria Math" panose="02040503050406030204" pitchFamily="18" charset="0"/>
+                              </a:rPr>
+                              <m:t>2</m:t>
+                            </m:r>
+                          </m:sup>
+                        </m:sSup>
+                      </m:e>
+                    </m:d>
+                    <m:r>
+                      <a:rPr lang="en-US" b="0" i="1" smtClean="0">
+                        <a:latin typeface="Cambria Math" panose="02040503050406030204" pitchFamily="18" charset="0"/>
+                      </a:rPr>
+                      <m:t>1</m:t>
+                    </m:r>
+                    <m:r>
+                      <a:rPr lang="en-US" i="1">
+                        <a:latin typeface="Cambria Math" panose="02040503050406030204" pitchFamily="18" charset="0"/>
+                      </a:rPr>
+                      <m:t>+</m:t>
+                    </m:r>
+                    <m:sSup>
+                      <m:sSupPr>
+                        <m:ctrlPr>
+                          <a:rPr lang="en-US" i="1">
+                            <a:latin typeface="Cambria Math" panose="02040503050406030204" pitchFamily="18" charset="0"/>
+                          </a:rPr>
+                        </m:ctrlPr>
+                      </m:sSupPr>
+                      <m:e>
+                        <m:r>
+                          <m:rPr>
+                            <m:sty m:val="p"/>
+                          </m:rPr>
+                          <a:rPr lang="en-US">
+                            <a:latin typeface="Cambria Math" panose="02040503050406030204" pitchFamily="18" charset="0"/>
+                          </a:rPr>
+                          <m:t>Δ</m:t>
+                        </m:r>
+                      </m:e>
+                      <m:sup>
+                        <m:r>
+                          <a:rPr lang="en-US" i="1">
+                            <a:latin typeface="Cambria Math" panose="02040503050406030204" pitchFamily="18" charset="0"/>
+                          </a:rPr>
+                          <m:t>∗</m:t>
+                        </m:r>
+                      </m:sup>
+                    </m:sSup>
+                    <m:sSub>
+                      <m:sSubPr>
+                        <m:ctrlPr>
+                          <a:rPr lang="en-US" i="1">
+                            <a:latin typeface="Cambria Math" panose="02040503050406030204" pitchFamily="18" charset="0"/>
+                          </a:rPr>
+                        </m:ctrlPr>
+                      </m:sSubPr>
+                      <m:e>
+                        <m:r>
+                          <a:rPr lang="en-US" i="1">
+                            <a:latin typeface="Cambria Math" panose="02040503050406030204" pitchFamily="18" charset="0"/>
+                          </a:rPr>
+                          <m:t>𝜓</m:t>
+                        </m:r>
+                      </m:e>
+                      <m:sub>
+                        <m:r>
+                          <a:rPr lang="en-US" i="1">
+                            <a:latin typeface="Cambria Math" panose="02040503050406030204" pitchFamily="18" charset="0"/>
+                          </a:rPr>
+                          <m:t>𝑖</m:t>
+                        </m:r>
+                      </m:sub>
+                    </m:sSub>
+                    <m:r>
+                      <a:rPr lang="en-US" i="1">
+                        <a:latin typeface="Cambria Math" panose="02040503050406030204" pitchFamily="18" charset="0"/>
+                      </a:rPr>
+                      <m:t>=0</m:t>
+                    </m:r>
+                  </m:oMath>
+                </a14:m>
+                <a:r>
+                  <a:rPr lang="en-US" dirty="0"/>
+                  <a:t>  with the boundary condition </a:t>
+                </a:r>
+                <a14:m>
+                  <m:oMath xmlns:m="http://schemas.openxmlformats.org/officeDocument/2006/math">
+                    <m:r>
+                      <a:rPr lang="en-US" b="0" i="1" smtClean="0">
+                        <a:latin typeface="Cambria Math" panose="02040503050406030204" pitchFamily="18" charset="0"/>
+                      </a:rPr>
+                      <m:t>𝜓</m:t>
+                    </m:r>
+                    <m:r>
+                      <a:rPr lang="en-US" b="0" i="1" smtClean="0">
+                        <a:latin typeface="Cambria Math" panose="02040503050406030204" pitchFamily="18" charset="0"/>
+                      </a:rPr>
+                      <m:t>=0.1</m:t>
+                    </m:r>
+                  </m:oMath>
+                </a14:m>
+                <a:endParaRPr lang="en-US" dirty="0"/>
+              </a:p>
+              <a:p>
+                <a:pPr lvl="1"/>
+                <a:endParaRPr lang="en-US" dirty="0"/>
+              </a:p>
+            </p:txBody>
+          </p:sp>
+        </mc:Choice>
+        <mc:Fallback>
+          <p:sp>
+            <p:nvSpPr>
+              <p:cNvPr id="3" name="Content Placeholder 2">
+                <a:extLst>
+                  <a:ext uri="{FF2B5EF4-FFF2-40B4-BE49-F238E27FC236}">
+                    <a16:creationId xmlns:a16="http://schemas.microsoft.com/office/drawing/2014/main" id="{6433D941-E499-483D-83B7-E06B57A2E29B}"/>
+                  </a:ext>
+                </a:extLst>
+              </p:cNvPr>
+              <p:cNvSpPr>
+                <a:spLocks noGrp="1" noRot="1" noChangeAspect="1" noMove="1" noResize="1" noEditPoints="1" noAdjustHandles="1" noChangeArrowheads="1" noChangeShapeType="1" noTextEdit="1"/>
+              </p:cNvSpPr>
+              <p:nvPr>
+                <p:ph idx="1"/>
+              </p:nvPr>
+            </p:nvSpPr>
+            <p:spPr>
+              <a:xfrm>
+                <a:off x="476250" y="1690688"/>
+                <a:ext cx="5257800" cy="4351338"/>
+              </a:xfrm>
+              <a:blipFill>
+                <a:blip r:embed="rId2"/>
+                <a:stretch>
+                  <a:fillRect l="-2086" t="-2241"/>
+                </a:stretch>
+              </a:blipFill>
+            </p:spPr>
+            <p:txBody>
+              <a:bodyPr/>
+              <a:lstStyle/>
+              <a:p>
+                <a:r>
+                  <a:rPr lang="en-US">
+                    <a:noFill/>
+                  </a:rPr>
+                  <a:t> </a:t>
+                </a:r>
+              </a:p>
+            </p:txBody>
+          </p:sp>
+        </mc:Fallback>
+      </mc:AlternateContent>
+      <p:pic>
+        <p:nvPicPr>
+          <p:cNvPr id="5" name="Picture 4">
+            <a:extLst>
+              <a:ext uri="{FF2B5EF4-FFF2-40B4-BE49-F238E27FC236}">
+                <a16:creationId xmlns:a16="http://schemas.microsoft.com/office/drawing/2014/main" id="{CBEB47BE-7CF6-475F-B1C9-3F7F5475625B}"/>
+              </a:ext>
+            </a:extLst>
+          </p:cNvPr>
+          <p:cNvPicPr>
+            <a:picLocks noChangeAspect="1"/>
+          </p:cNvPicPr>
+          <p:nvPr/>
+        </p:nvPicPr>
+        <p:blipFill>
+          <a:blip r:embed="rId3"/>
+          <a:stretch>
+            <a:fillRect/>
+          </a:stretch>
+        </p:blipFill>
+        <p:spPr>
+          <a:xfrm>
+            <a:off x="6096000" y="1690688"/>
+            <a:ext cx="5372100" cy="3981450"/>
+          </a:xfrm>
+          <a:prstGeom prst="rect">
+            <a:avLst/>
+          </a:prstGeom>
+        </p:spPr>
+      </p:pic>
+    </p:spTree>
+    <p:extLst>
+      <p:ext uri="{BB962C8B-B14F-4D97-AF65-F5344CB8AC3E}">
+        <p14:creationId xmlns:p14="http://schemas.microsoft.com/office/powerpoint/2010/main" val="2433145755"/>
+      </p:ext>
+    </p:extLst>
+  </p:cSld>
+  <p:clrMapOvr>
+    <a:masterClrMapping/>
+  </p:clrMapOvr>
+</p:sld>
+</file>
+
+<file path=ppt/slides/slide23.xml><?xml version="1.0" encoding="utf-8"?>
+<p:sld xmlns:a="http://schemas.openxmlformats.org/drawingml/2006/main" xmlns:r="http://schemas.openxmlformats.org/officeDocument/2006/relationships" xmlns:p="http://schemas.openxmlformats.org/presentationml/2006/main">
+  <p:cSld>
+    <p:spTree>
+      <p:nvGrpSpPr>
+        <p:cNvPr id="1" name=""/>
+        <p:cNvGrpSpPr/>
+        <p:nvPr/>
+      </p:nvGrpSpPr>
+      <p:grpSpPr>
+        <a:xfrm>
+          <a:off x="0" y="0"/>
+          <a:ext cx="0" cy="0"/>
+          <a:chOff x="0" y="0"/>
+          <a:chExt cx="0" cy="0"/>
+        </a:xfrm>
+      </p:grpSpPr>
+      <p:sp>
+        <p:nvSpPr>
+          <p:cNvPr id="2" name="Title 1">
+            <a:extLst>
+              <a:ext uri="{FF2B5EF4-FFF2-40B4-BE49-F238E27FC236}">
+                <a16:creationId xmlns:a16="http://schemas.microsoft.com/office/drawing/2014/main" id="{F2DD5713-7CE8-432C-875A-56AAAD2F135E}"/>
+              </a:ext>
+            </a:extLst>
+          </p:cNvPr>
+          <p:cNvSpPr>
+            <a:spLocks noGrp="1"/>
+          </p:cNvSpPr>
+          <p:nvPr>
+            <p:ph type="title"/>
+          </p:nvPr>
+        </p:nvSpPr>
+        <p:spPr/>
+        <p:txBody>
+          <a:bodyPr/>
+          <a:lstStyle/>
+          <a:p>
+            <a:r>
+              <a:rPr lang="en-US" dirty="0"/>
+              <a:t>Result</a:t>
+            </a:r>
+          </a:p>
+        </p:txBody>
+      </p:sp>
+      <mc:AlternateContent xmlns:mc="http://schemas.openxmlformats.org/markup-compatibility/2006">
+        <mc:Choice xmlns:a14="http://schemas.microsoft.com/office/drawing/2010/main" Requires="a14">
+          <p:graphicFrame>
+            <p:nvGraphicFramePr>
+              <p:cNvPr id="4" name="Table 4">
+                <a:extLst>
+                  <a:ext uri="{FF2B5EF4-FFF2-40B4-BE49-F238E27FC236}">
+                    <a16:creationId xmlns:a16="http://schemas.microsoft.com/office/drawing/2014/main" id="{5B43EA4E-CD44-4F24-B38B-7FCAA702355C}"/>
+                  </a:ext>
+                </a:extLst>
+              </p:cNvPr>
+              <p:cNvGraphicFramePr>
+                <a:graphicFrameLocks noGrp="1"/>
+              </p:cNvGraphicFramePr>
+              <p:nvPr>
+                <p:ph idx="1"/>
+                <p:extLst>
+                  <p:ext uri="{D42A27DB-BD31-4B8C-83A1-F6EECF244321}">
+                    <p14:modId xmlns:p14="http://schemas.microsoft.com/office/powerpoint/2010/main" val="4068373360"/>
+                  </p:ext>
+                </p:extLst>
+              </p:nvPr>
+            </p:nvGraphicFramePr>
+            <p:xfrm>
+              <a:off x="3734020" y="1921298"/>
+              <a:ext cx="5331501" cy="4450080"/>
+            </p:xfrm>
+            <a:graphic>
+              <a:graphicData uri="http://schemas.openxmlformats.org/drawingml/2006/table">
+                <a:tbl>
+                  <a:tblPr firstRow="1" bandRow="1">
+                    <a:tableStyleId>{5C22544A-7EE6-4342-B048-85BDC9FD1C3A}</a:tableStyleId>
+                  </a:tblPr>
+                  <a:tblGrid>
+                    <a:gridCol w="936812">
+                      <a:extLst>
+                        <a:ext uri="{9D8B030D-6E8A-4147-A177-3AD203B41FA5}">
+                          <a16:colId xmlns:a16="http://schemas.microsoft.com/office/drawing/2014/main" val="2086269430"/>
+                        </a:ext>
+                      </a:extLst>
+                    </a:gridCol>
+                    <a:gridCol w="2124635">
+                      <a:extLst>
+                        <a:ext uri="{9D8B030D-6E8A-4147-A177-3AD203B41FA5}">
+                          <a16:colId xmlns:a16="http://schemas.microsoft.com/office/drawing/2014/main" val="1918639132"/>
+                        </a:ext>
+                      </a:extLst>
+                    </a:gridCol>
+                    <a:gridCol w="2270054">
+                      <a:extLst>
+                        <a:ext uri="{9D8B030D-6E8A-4147-A177-3AD203B41FA5}">
+                          <a16:colId xmlns:a16="http://schemas.microsoft.com/office/drawing/2014/main" val="1142211300"/>
+                        </a:ext>
+                      </a:extLst>
+                    </a:gridCol>
+                  </a:tblGrid>
+                  <a:tr h="370840">
+                    <a:tc>
+                      <a:txBody>
+                        <a:bodyPr/>
+                        <a:lstStyle/>
+                        <a:p>
+                          <a14:m>
+                            <m:oMathPara xmlns:m="http://schemas.openxmlformats.org/officeDocument/2006/math">
+                              <m:oMathParaPr>
+                                <m:jc m:val="centerGroup"/>
+                              </m:oMathParaPr>
+                              <m:oMath xmlns:m="http://schemas.openxmlformats.org/officeDocument/2006/math">
+                                <m:r>
+                                  <a:rPr lang="en-US" b="1" i="1" smtClean="0">
+                                    <a:latin typeface="Cambria Math" panose="02040503050406030204" pitchFamily="18" charset="0"/>
+                                  </a:rPr>
+                                  <m:t>𝒊</m:t>
+                                </m:r>
+                              </m:oMath>
+                            </m:oMathPara>
+                          </a14:m>
+                          <a:endParaRPr lang="en-US" dirty="0"/>
+                        </a:p>
+                      </a:txBody>
+                      <a:tcPr/>
+                    </a:tc>
+                    <a:tc>
+                      <a:txBody>
+                        <a:bodyPr/>
+                        <a:lstStyle/>
+                        <a:p>
+                          <a14:m>
+                            <m:oMathPara xmlns:m="http://schemas.openxmlformats.org/officeDocument/2006/math">
+                              <m:oMathParaPr>
+                                <m:jc m:val="centerGroup"/>
+                              </m:oMathParaPr>
+                              <m:oMath xmlns:m="http://schemas.openxmlformats.org/officeDocument/2006/math">
+                                <m:sSub>
+                                  <m:sSubPr>
+                                    <m:ctrlPr>
+                                      <a:rPr lang="en-US" b="1" i="1" smtClean="0">
+                                        <a:latin typeface="Cambria Math" panose="02040503050406030204" pitchFamily="18" charset="0"/>
+                                      </a:rPr>
+                                    </m:ctrlPr>
+                                  </m:sSubPr>
+                                  <m:e>
+                                    <m:r>
+                                      <a:rPr lang="en-US" b="1" i="1" smtClean="0">
+                                        <a:latin typeface="Cambria Math" panose="02040503050406030204" pitchFamily="18" charset="0"/>
+                                      </a:rPr>
+                                      <m:t>𝝀</m:t>
+                                    </m:r>
+                                  </m:e>
+                                  <m:sub>
+                                    <m:r>
+                                      <a:rPr lang="en-US" b="1" i="1" smtClean="0">
+                                        <a:latin typeface="Cambria Math" panose="02040503050406030204" pitchFamily="18" charset="0"/>
+                                      </a:rPr>
+                                      <m:t>𝒊</m:t>
+                                    </m:r>
+                                  </m:sub>
+                                </m:sSub>
+                              </m:oMath>
+                            </m:oMathPara>
+                          </a14:m>
+                          <a:endParaRPr lang="en-US" dirty="0"/>
+                        </a:p>
+                      </a:txBody>
+                      <a:tcPr/>
+                    </a:tc>
+                    <a:tc>
+                      <a:txBody>
+                        <a:bodyPr/>
+                        <a:lstStyle/>
+                        <a:p>
+                          <a14:m>
+                            <m:oMathPara xmlns:m="http://schemas.openxmlformats.org/officeDocument/2006/math">
+                              <m:oMathParaPr>
+                                <m:jc m:val="centerGroup"/>
+                              </m:oMathParaPr>
+                              <m:oMath xmlns:m="http://schemas.openxmlformats.org/officeDocument/2006/math">
+                                <m:r>
+                                  <a:rPr lang="en-US" b="1" i="1" smtClean="0">
+                                    <a:latin typeface="Cambria Math" panose="02040503050406030204" pitchFamily="18" charset="0"/>
+                                  </a:rPr>
+                                  <m:t>|</m:t>
+                                </m:r>
+                                <m:d>
+                                  <m:dPr>
+                                    <m:begChr m:val="|"/>
+                                    <m:endChr m:val="|"/>
+                                    <m:ctrlPr>
+                                      <a:rPr lang="en-US" b="1" i="1" smtClean="0">
+                                        <a:latin typeface="Cambria Math" panose="02040503050406030204" pitchFamily="18" charset="0"/>
+                                      </a:rPr>
+                                    </m:ctrlPr>
+                                  </m:dPr>
+                                  <m:e>
+                                    <m:sSub>
+                                      <m:sSubPr>
+                                        <m:ctrlPr>
+                                          <a:rPr lang="en-US" b="1" i="1" smtClean="0">
+                                            <a:latin typeface="Cambria Math" panose="02040503050406030204" pitchFamily="18" charset="0"/>
+                                          </a:rPr>
+                                        </m:ctrlPr>
+                                      </m:sSubPr>
+                                      <m:e>
+                                        <m:r>
+                                          <a:rPr lang="en-US" b="1" i="1" smtClean="0">
+                                            <a:latin typeface="Cambria Math" panose="02040503050406030204" pitchFamily="18" charset="0"/>
+                                          </a:rPr>
+                                          <m:t>𝝍</m:t>
+                                        </m:r>
+                                      </m:e>
+                                      <m:sub>
+                                        <m:r>
+                                          <a:rPr lang="en-US" b="1" i="1" smtClean="0">
+                                            <a:latin typeface="Cambria Math" panose="02040503050406030204" pitchFamily="18" charset="0"/>
+                                          </a:rPr>
+                                          <m:t>𝒊</m:t>
+                                        </m:r>
+                                      </m:sub>
+                                    </m:sSub>
+                                  </m:e>
+                                </m:d>
+                                <m:r>
+                                  <a:rPr lang="en-US" b="1" i="1" smtClean="0">
+                                    <a:latin typeface="Cambria Math" panose="02040503050406030204" pitchFamily="18" charset="0"/>
+                                  </a:rPr>
+                                  <m:t>|</m:t>
+                                </m:r>
+                              </m:oMath>
+                            </m:oMathPara>
+                          </a14:m>
+                          <a:endParaRPr lang="en-US" dirty="0"/>
+                        </a:p>
+                      </a:txBody>
+                      <a:tcPr/>
+                    </a:tc>
+                    <a:extLst>
+                      <a:ext uri="{0D108BD9-81ED-4DB2-BD59-A6C34878D82A}">
+                        <a16:rowId xmlns:a16="http://schemas.microsoft.com/office/drawing/2014/main" val="1716745790"/>
+                      </a:ext>
+                    </a:extLst>
+                  </a:tr>
+                  <a:tr h="370840">
+                    <a:tc>
+                      <a:txBody>
+                        <a:bodyPr/>
+                        <a:lstStyle/>
+                        <a:p>
+                          <a:r>
+                            <a:rPr lang="en-US" dirty="0"/>
+                            <a:t>0</a:t>
+                          </a:r>
+                        </a:p>
+                      </a:txBody>
+                      <a:tcPr/>
+                    </a:tc>
+                    <a:tc>
+                      <a:txBody>
+                        <a:bodyPr/>
+                        <a:lstStyle/>
+                        <a:p>
+                          <a:r>
+                            <a:rPr lang="en-US" dirty="0"/>
+                            <a:t>10</a:t>
+                          </a:r>
+                        </a:p>
+                      </a:txBody>
+                      <a:tcPr/>
+                    </a:tc>
+                    <a:tc>
+                      <a:txBody>
+                        <a:bodyPr/>
+                        <a:lstStyle/>
+                        <a:p>
+                          <a:r>
+                            <a:rPr lang="en-US" dirty="0"/>
+                            <a:t>1</a:t>
+                          </a:r>
+                        </a:p>
+                      </a:txBody>
+                      <a:tcPr/>
+                    </a:tc>
+                    <a:extLst>
+                      <a:ext uri="{0D108BD9-81ED-4DB2-BD59-A6C34878D82A}">
+                        <a16:rowId xmlns:a16="http://schemas.microsoft.com/office/drawing/2014/main" val="4217579758"/>
+                      </a:ext>
+                    </a:extLst>
+                  </a:tr>
+                  <a:tr h="370840">
+                    <a:tc>
+                      <a:txBody>
+                        <a:bodyPr/>
+                        <a:lstStyle/>
+                        <a:p>
+                          <a:r>
+                            <a:rPr lang="en-US" dirty="0"/>
+                            <a:t>1</a:t>
+                          </a:r>
+                        </a:p>
+                      </a:txBody>
+                      <a:tcPr/>
+                    </a:tc>
+                    <a:tc>
+                      <a:txBody>
+                        <a:bodyPr/>
+                        <a:lstStyle/>
+                        <a:p>
+                          <a:r>
+                            <a:rPr lang="en-US" sz="1800" b="0" i="0" kern="1200" dirty="0">
+                              <a:solidFill>
+                                <a:schemeClr val="dk1"/>
+                              </a:solidFill>
+                              <a:effectLst/>
+                              <a:latin typeface="+mn-lt"/>
+                              <a:ea typeface="+mn-ea"/>
+                              <a:cs typeface="+mn-cs"/>
+                            </a:rPr>
+                            <a:t>4.684403</a:t>
+                          </a:r>
+                          <a:endParaRPr lang="en-US" dirty="0"/>
+                        </a:p>
+                      </a:txBody>
+                      <a:tcPr/>
+                    </a:tc>
+                    <a:tc>
+                      <a:txBody>
+                        <a:bodyPr/>
+                        <a:lstStyle/>
+                        <a:p>
+                          <a:r>
+                            <a:rPr lang="en-US" sz="1800" b="0" i="0" kern="1200" dirty="0">
+                              <a:solidFill>
+                                <a:schemeClr val="dk1"/>
+                              </a:solidFill>
+                              <a:effectLst/>
+                              <a:latin typeface="+mn-lt"/>
+                              <a:ea typeface="+mn-ea"/>
+                              <a:cs typeface="+mn-cs"/>
+                            </a:rPr>
+                            <a:t>2.1347437</a:t>
+                          </a:r>
+                          <a:endParaRPr lang="en-US" dirty="0"/>
+                        </a:p>
+                      </a:txBody>
+                      <a:tcPr/>
+                    </a:tc>
+                    <a:extLst>
+                      <a:ext uri="{0D108BD9-81ED-4DB2-BD59-A6C34878D82A}">
+                        <a16:rowId xmlns:a16="http://schemas.microsoft.com/office/drawing/2014/main" val="1906941637"/>
+                      </a:ext>
+                    </a:extLst>
+                  </a:tr>
+                  <a:tr h="370840">
+                    <a:tc>
+                      <a:txBody>
+                        <a:bodyPr/>
+                        <a:lstStyle/>
+                        <a:p>
+                          <a:r>
+                            <a:rPr lang="en-US" dirty="0"/>
+                            <a:t>2</a:t>
+                          </a:r>
+                        </a:p>
+                      </a:txBody>
+                      <a:tcPr/>
+                    </a:tc>
+                    <a:tc>
+                      <a:txBody>
+                        <a:bodyPr/>
+                        <a:lstStyle/>
+                        <a:p>
+                          <a:r>
+                            <a:rPr lang="en-US" sz="1800" b="0" i="0" kern="1200" dirty="0">
+                              <a:solidFill>
+                                <a:schemeClr val="dk1"/>
+                              </a:solidFill>
+                              <a:effectLst/>
+                              <a:latin typeface="+mn-lt"/>
+                              <a:ea typeface="+mn-ea"/>
+                              <a:cs typeface="+mn-cs"/>
+                            </a:rPr>
+                            <a:t>5.1338663</a:t>
+                          </a:r>
+                          <a:endParaRPr lang="en-US" dirty="0"/>
+                        </a:p>
+                      </a:txBody>
+                      <a:tcPr/>
+                    </a:tc>
+                    <a:tc>
+                      <a:txBody>
+                        <a:bodyPr/>
+                        <a:lstStyle/>
+                        <a:p>
+                          <a:r>
+                            <a:rPr lang="en-US" sz="1800" b="0" i="0" kern="1200" dirty="0">
+                              <a:solidFill>
+                                <a:schemeClr val="dk1"/>
+                              </a:solidFill>
+                              <a:effectLst/>
+                              <a:latin typeface="+mn-lt"/>
+                              <a:ea typeface="+mn-ea"/>
+                              <a:cs typeface="+mn-cs"/>
+                            </a:rPr>
+                            <a:t>0.9124513</a:t>
+                          </a:r>
+                          <a:endParaRPr lang="en-US" dirty="0"/>
+                        </a:p>
+                      </a:txBody>
+                      <a:tcPr/>
+                    </a:tc>
+                    <a:extLst>
+                      <a:ext uri="{0D108BD9-81ED-4DB2-BD59-A6C34878D82A}">
+                        <a16:rowId xmlns:a16="http://schemas.microsoft.com/office/drawing/2014/main" val="870535473"/>
+                      </a:ext>
+                    </a:extLst>
+                  </a:tr>
+                  <a:tr h="370840">
+                    <a:tc>
+                      <a:txBody>
+                        <a:bodyPr/>
+                        <a:lstStyle/>
+                        <a:p>
+                          <a:r>
+                            <a:rPr lang="en-US" dirty="0"/>
+                            <a:t>3</a:t>
+                          </a:r>
+                        </a:p>
+                      </a:txBody>
+                      <a:tcPr/>
+                    </a:tc>
+                    <a:tc>
+                      <a:txBody>
+                        <a:bodyPr/>
+                        <a:lstStyle/>
+                        <a:p>
+                          <a:r>
+                            <a:rPr lang="en-US" sz="1800" b="0" i="0" kern="1200" dirty="0">
+                              <a:solidFill>
+                                <a:schemeClr val="dk1"/>
+                              </a:solidFill>
+                              <a:effectLst/>
+                              <a:latin typeface="+mn-lt"/>
+                              <a:ea typeface="+mn-ea"/>
+                              <a:cs typeface="+mn-cs"/>
+                            </a:rPr>
+                            <a:t>6.8305383</a:t>
+                          </a:r>
+                          <a:endParaRPr lang="en-US" dirty="0"/>
+                        </a:p>
+                      </a:txBody>
+                      <a:tcPr/>
+                    </a:tc>
+                    <a:tc>
+                      <a:txBody>
+                        <a:bodyPr/>
+                        <a:lstStyle/>
+                        <a:p>
+                          <a:r>
+                            <a:rPr lang="en-US" sz="1800" b="0" i="0" kern="1200" dirty="0">
+                              <a:solidFill>
+                                <a:schemeClr val="dk1"/>
+                              </a:solidFill>
+                              <a:effectLst/>
+                              <a:latin typeface="+mn-lt"/>
+                              <a:ea typeface="+mn-ea"/>
+                              <a:cs typeface="+mn-cs"/>
+                            </a:rPr>
+                            <a:t>0.7516049</a:t>
+                          </a:r>
+                          <a:endParaRPr lang="en-US" dirty="0"/>
+                        </a:p>
+                      </a:txBody>
+                      <a:tcPr/>
+                    </a:tc>
+                    <a:extLst>
+                      <a:ext uri="{0D108BD9-81ED-4DB2-BD59-A6C34878D82A}">
+                        <a16:rowId xmlns:a16="http://schemas.microsoft.com/office/drawing/2014/main" val="2195572118"/>
+                      </a:ext>
+                    </a:extLst>
+                  </a:tr>
+                  <a:tr h="370840">
+                    <a:tc>
+                      <a:txBody>
+                        <a:bodyPr/>
+                        <a:lstStyle/>
+                        <a:p>
+                          <a:r>
+                            <a:rPr lang="en-US" dirty="0"/>
+                            <a:t>4</a:t>
+                          </a:r>
+                        </a:p>
+                      </a:txBody>
+                      <a:tcPr/>
+                    </a:tc>
+                    <a:tc>
+                      <a:txBody>
+                        <a:bodyPr/>
+                        <a:lstStyle/>
+                        <a:p>
+                          <a:r>
+                            <a:rPr lang="en-US" sz="1800" b="0" i="0" kern="1200" dirty="0">
+                              <a:solidFill>
+                                <a:schemeClr val="dk1"/>
+                              </a:solidFill>
+                              <a:effectLst/>
+                              <a:latin typeface="+mn-lt"/>
+                              <a:ea typeface="+mn-ea"/>
+                              <a:cs typeface="+mn-cs"/>
+                            </a:rPr>
+                            <a:t>5.8866234</a:t>
+                          </a:r>
+                          <a:endParaRPr lang="en-US" dirty="0"/>
+                        </a:p>
+                      </a:txBody>
+                      <a:tcPr/>
+                    </a:tc>
+                    <a:tc>
+                      <a:txBody>
+                        <a:bodyPr/>
+                        <a:lstStyle/>
+                        <a:p>
+                          <a:r>
+                            <a:rPr lang="en-US" sz="1800" b="0" i="0" kern="1200" dirty="0">
+                              <a:solidFill>
+                                <a:schemeClr val="dk1"/>
+                              </a:solidFill>
+                              <a:effectLst/>
+                              <a:latin typeface="+mn-lt"/>
+                              <a:ea typeface="+mn-ea"/>
+                              <a:cs typeface="+mn-cs"/>
+                            </a:rPr>
+                            <a:t>1.1603491</a:t>
+                          </a:r>
+                          <a:endParaRPr lang="en-US" dirty="0"/>
+                        </a:p>
+                      </a:txBody>
+                      <a:tcPr/>
+                    </a:tc>
+                    <a:extLst>
+                      <a:ext uri="{0D108BD9-81ED-4DB2-BD59-A6C34878D82A}">
+                        <a16:rowId xmlns:a16="http://schemas.microsoft.com/office/drawing/2014/main" val="3294719746"/>
+                      </a:ext>
+                    </a:extLst>
+                  </a:tr>
+                  <a:tr h="370840">
+                    <a:tc>
+                      <a:txBody>
+                        <a:bodyPr/>
+                        <a:lstStyle/>
+                        <a:p>
+                          <a:r>
+                            <a:rPr lang="en-US" dirty="0"/>
+                            <a:t>5</a:t>
+                          </a:r>
+                        </a:p>
+                      </a:txBody>
+                      <a:tcPr/>
+                    </a:tc>
+                    <a:tc>
+                      <a:txBody>
+                        <a:bodyPr/>
+                        <a:lstStyle/>
+                        <a:p>
+                          <a:r>
+                            <a:rPr lang="en-US" sz="1800" b="0" i="0" kern="1200" dirty="0">
+                              <a:solidFill>
+                                <a:schemeClr val="dk1"/>
+                              </a:solidFill>
+                              <a:effectLst/>
+                              <a:latin typeface="+mn-lt"/>
+                              <a:ea typeface="+mn-ea"/>
+                              <a:cs typeface="+mn-cs"/>
+                            </a:rPr>
+                            <a:t>6.705916</a:t>
+                          </a:r>
+                          <a:endParaRPr lang="en-US" dirty="0"/>
+                        </a:p>
+                      </a:txBody>
+                      <a:tcPr/>
+                    </a:tc>
+                    <a:tc>
+                      <a:txBody>
+                        <a:bodyPr/>
+                        <a:lstStyle/>
+                        <a:p>
+                          <a:r>
+                            <a:rPr lang="en-US" sz="1800" b="0" i="0" kern="1200" dirty="0">
+                              <a:solidFill>
+                                <a:schemeClr val="dk1"/>
+                              </a:solidFill>
+                              <a:effectLst/>
+                              <a:latin typeface="+mn-lt"/>
+                              <a:ea typeface="+mn-ea"/>
+                              <a:cs typeface="+mn-cs"/>
+                            </a:rPr>
+                            <a:t>0.8778254</a:t>
+                          </a:r>
+                          <a:endParaRPr lang="en-US" dirty="0"/>
+                        </a:p>
+                      </a:txBody>
+                      <a:tcPr/>
+                    </a:tc>
+                    <a:extLst>
+                      <a:ext uri="{0D108BD9-81ED-4DB2-BD59-A6C34878D82A}">
+                        <a16:rowId xmlns:a16="http://schemas.microsoft.com/office/drawing/2014/main" val="280320907"/>
+                      </a:ext>
+                    </a:extLst>
+                  </a:tr>
+                  <a:tr h="370840">
+                    <a:tc>
+                      <a:txBody>
+                        <a:bodyPr/>
+                        <a:lstStyle/>
+                        <a:p>
+                          <a:r>
+                            <a:rPr lang="en-US" dirty="0"/>
+                            <a:t>6</a:t>
+                          </a:r>
+                        </a:p>
+                      </a:txBody>
+                      <a:tcPr/>
+                    </a:tc>
+                    <a:tc>
+                      <a:txBody>
+                        <a:bodyPr/>
+                        <a:lstStyle/>
+                        <a:p>
+                          <a:r>
+                            <a:rPr lang="en-US" sz="1800" b="0" i="0" kern="1200" dirty="0">
+                              <a:solidFill>
+                                <a:schemeClr val="dk1"/>
+                              </a:solidFill>
+                              <a:effectLst/>
+                              <a:latin typeface="+mn-lt"/>
+                              <a:ea typeface="+mn-ea"/>
+                              <a:cs typeface="+mn-cs"/>
+                            </a:rPr>
+                            <a:t>5.8532157</a:t>
+                          </a:r>
+                          <a:endParaRPr lang="en-US" dirty="0"/>
+                        </a:p>
+                      </a:txBody>
+                      <a:tcPr/>
+                    </a:tc>
+                    <a:tc>
+                      <a:txBody>
+                        <a:bodyPr/>
+                        <a:lstStyle/>
+                        <a:p>
+                          <a:r>
+                            <a:rPr lang="en-US" sz="1800" b="0" i="0" kern="1200" dirty="0">
+                              <a:solidFill>
+                                <a:schemeClr val="dk1"/>
+                              </a:solidFill>
+                              <a:effectLst/>
+                              <a:latin typeface="+mn-lt"/>
+                              <a:ea typeface="+mn-ea"/>
+                              <a:cs typeface="+mn-cs"/>
+                            </a:rPr>
+                            <a:t>1.1456807</a:t>
+                          </a:r>
+                          <a:endParaRPr lang="en-US" dirty="0"/>
+                        </a:p>
+                      </a:txBody>
+                      <a:tcPr/>
+                    </a:tc>
+                    <a:extLst>
+                      <a:ext uri="{0D108BD9-81ED-4DB2-BD59-A6C34878D82A}">
+                        <a16:rowId xmlns:a16="http://schemas.microsoft.com/office/drawing/2014/main" val="374553534"/>
+                      </a:ext>
+                    </a:extLst>
+                  </a:tr>
+                  <a:tr h="370840">
+                    <a:tc>
+                      <a:txBody>
+                        <a:bodyPr/>
+                        <a:lstStyle/>
+                        <a:p>
+                          <a:r>
+                            <a:rPr lang="en-US" dirty="0"/>
+                            <a:t>7</a:t>
+                          </a:r>
+                        </a:p>
+                      </a:txBody>
+                      <a:tcPr/>
+                    </a:tc>
+                    <a:tc>
+                      <a:txBody>
+                        <a:bodyPr/>
+                        <a:lstStyle/>
+                        <a:p>
+                          <a:r>
+                            <a:rPr lang="en-US" sz="1800" b="0" i="0" kern="1200" dirty="0">
+                              <a:solidFill>
+                                <a:schemeClr val="dk1"/>
+                              </a:solidFill>
+                              <a:effectLst/>
+                              <a:latin typeface="+mn-lt"/>
+                              <a:ea typeface="+mn-ea"/>
+                              <a:cs typeface="+mn-cs"/>
+                            </a:rPr>
+                            <a:t>6.834386</a:t>
+                          </a:r>
+                          <a:endParaRPr lang="en-US" dirty="0"/>
+                        </a:p>
+                      </a:txBody>
+                      <a:tcPr/>
+                    </a:tc>
+                    <a:tc>
+                      <a:txBody>
+                        <a:bodyPr/>
+                        <a:lstStyle/>
+                        <a:p>
+                          <a:r>
+                            <a:rPr lang="en-US" sz="1800" b="0" i="0" kern="1200" dirty="0">
+                              <a:solidFill>
+                                <a:schemeClr val="dk1"/>
+                              </a:solidFill>
+                              <a:effectLst/>
+                              <a:latin typeface="+mn-lt"/>
+                              <a:ea typeface="+mn-ea"/>
+                              <a:cs typeface="+mn-cs"/>
+                            </a:rPr>
+                            <a:t>0.85643625</a:t>
+                          </a:r>
+                          <a:endParaRPr lang="en-US" dirty="0"/>
+                        </a:p>
+                      </a:txBody>
+                      <a:tcPr/>
+                    </a:tc>
+                    <a:extLst>
+                      <a:ext uri="{0D108BD9-81ED-4DB2-BD59-A6C34878D82A}">
+                        <a16:rowId xmlns:a16="http://schemas.microsoft.com/office/drawing/2014/main" val="2298953354"/>
+                      </a:ext>
+                    </a:extLst>
+                  </a:tr>
+                  <a:tr h="370840">
+                    <a:tc>
+                      <a:txBody>
+                        <a:bodyPr/>
+                        <a:lstStyle/>
+                        <a:p>
+                          <a:r>
+                            <a:rPr lang="en-US" dirty="0"/>
+                            <a:t>8</a:t>
+                          </a:r>
+                        </a:p>
+                      </a:txBody>
+                      <a:tcPr/>
+                    </a:tc>
+                    <a:tc>
+                      <a:txBody>
+                        <a:bodyPr/>
+                        <a:lstStyle/>
+                        <a:p>
+                          <a:r>
+                            <a:rPr lang="en-US" sz="1800" b="0" i="0" kern="1200" dirty="0">
+                              <a:solidFill>
+                                <a:schemeClr val="dk1"/>
+                              </a:solidFill>
+                              <a:effectLst/>
+                              <a:latin typeface="+mn-lt"/>
+                              <a:ea typeface="+mn-ea"/>
+                              <a:cs typeface="+mn-cs"/>
+                            </a:rPr>
+                            <a:t>6.0035825</a:t>
+                          </a:r>
+                          <a:endParaRPr lang="en-US" dirty="0"/>
+                        </a:p>
+                      </a:txBody>
+                      <a:tcPr/>
+                    </a:tc>
+                    <a:tc>
+                      <a:txBody>
+                        <a:bodyPr/>
+                        <a:lstStyle/>
+                        <a:p>
+                          <a:r>
+                            <a:rPr lang="en-US" sz="1800" b="0" i="0" kern="1200" dirty="0">
+                              <a:solidFill>
+                                <a:schemeClr val="dk1"/>
+                              </a:solidFill>
+                              <a:effectLst/>
+                              <a:latin typeface="+mn-lt"/>
+                              <a:ea typeface="+mn-ea"/>
+                              <a:cs typeface="+mn-cs"/>
+                            </a:rPr>
+                            <a:t>1.1383846</a:t>
+                          </a:r>
+                          <a:endParaRPr lang="en-US" dirty="0"/>
+                        </a:p>
+                      </a:txBody>
+                      <a:tcPr/>
+                    </a:tc>
+                    <a:extLst>
+                      <a:ext uri="{0D108BD9-81ED-4DB2-BD59-A6C34878D82A}">
+                        <a16:rowId xmlns:a16="http://schemas.microsoft.com/office/drawing/2014/main" val="402247081"/>
+                      </a:ext>
+                    </a:extLst>
+                  </a:tr>
+                  <a:tr h="370840">
+                    <a:tc>
+                      <a:txBody>
+                        <a:bodyPr/>
+                        <a:lstStyle/>
+                        <a:p>
+                          <a:r>
+                            <a:rPr lang="en-US" dirty="0"/>
+                            <a:t>9</a:t>
+                          </a:r>
+                        </a:p>
+                      </a:txBody>
+                      <a:tcPr/>
+                    </a:tc>
+                    <a:tc>
+                      <a:txBody>
+                        <a:bodyPr/>
+                        <a:lstStyle/>
+                        <a:p>
+                          <a:r>
+                            <a:rPr lang="en-US" sz="1800" b="0" i="0" kern="1200" dirty="0">
+                              <a:solidFill>
+                                <a:schemeClr val="dk1"/>
+                              </a:solidFill>
+                              <a:effectLst/>
+                              <a:latin typeface="+mn-lt"/>
+                              <a:ea typeface="+mn-ea"/>
+                              <a:cs typeface="+mn-cs"/>
+                            </a:rPr>
+                            <a:t>7.12536</a:t>
+                          </a:r>
+                          <a:endParaRPr lang="en-US" dirty="0"/>
+                        </a:p>
+                      </a:txBody>
+                      <a:tcPr/>
+                    </a:tc>
+                    <a:tc>
+                      <a:txBody>
+                        <a:bodyPr/>
+                        <a:lstStyle/>
+                        <a:p>
+                          <a:r>
+                            <a:rPr lang="en-US" sz="1800" b="0" i="0" kern="1200" dirty="0">
+                              <a:solidFill>
+                                <a:schemeClr val="dk1"/>
+                              </a:solidFill>
+                              <a:effectLst/>
+                              <a:latin typeface="+mn-lt"/>
+                              <a:ea typeface="+mn-ea"/>
+                              <a:cs typeface="+mn-cs"/>
+                            </a:rPr>
+                            <a:t>0.8425655</a:t>
+                          </a:r>
+                          <a:endParaRPr lang="en-US" dirty="0"/>
+                        </a:p>
+                      </a:txBody>
+                      <a:tcPr/>
+                    </a:tc>
+                    <a:extLst>
+                      <a:ext uri="{0D108BD9-81ED-4DB2-BD59-A6C34878D82A}">
+                        <a16:rowId xmlns:a16="http://schemas.microsoft.com/office/drawing/2014/main" val="1966155012"/>
+                      </a:ext>
+                    </a:extLst>
+                  </a:tr>
+                  <a:tr h="370840">
+                    <a:tc>
+                      <a:txBody>
+                        <a:bodyPr/>
+                        <a:lstStyle/>
+                        <a:p>
+                          <a:r>
+                            <a:rPr lang="en-US" dirty="0"/>
+                            <a:t>10</a:t>
+                          </a:r>
+                        </a:p>
+                      </a:txBody>
+                      <a:tcPr/>
+                    </a:tc>
+                    <a:tc>
+                      <a:txBody>
+                        <a:bodyPr/>
+                        <a:lstStyle/>
+                        <a:p>
+                          <a:r>
+                            <a:rPr lang="en-US" sz="1800" b="0" i="0" kern="1200" dirty="0">
+                              <a:solidFill>
+                                <a:schemeClr val="dk1"/>
+                              </a:solidFill>
+                              <a:effectLst/>
+                              <a:latin typeface="+mn-lt"/>
+                              <a:ea typeface="+mn-ea"/>
+                              <a:cs typeface="+mn-cs"/>
+                            </a:rPr>
+                            <a:t>6.246932</a:t>
+                          </a:r>
+                          <a:endParaRPr lang="en-US" dirty="0"/>
+                        </a:p>
+                      </a:txBody>
+                      <a:tcPr/>
+                    </a:tc>
+                    <a:tc>
+                      <a:txBody>
+                        <a:bodyPr/>
+                        <a:lstStyle/>
+                        <a:p>
+                          <a:r>
+                            <a:rPr lang="en-US" sz="1800" b="0" i="0" kern="1200" dirty="0">
+                              <a:solidFill>
+                                <a:schemeClr val="dk1"/>
+                              </a:solidFill>
+                              <a:effectLst/>
+                              <a:latin typeface="+mn-lt"/>
+                              <a:ea typeface="+mn-ea"/>
+                              <a:cs typeface="+mn-cs"/>
+                            </a:rPr>
+                            <a:t>1.1406175</a:t>
+                          </a:r>
+                          <a:endParaRPr lang="en-US" dirty="0"/>
+                        </a:p>
+                      </a:txBody>
+                      <a:tcPr/>
+                    </a:tc>
+                    <a:extLst>
+                      <a:ext uri="{0D108BD9-81ED-4DB2-BD59-A6C34878D82A}">
+                        <a16:rowId xmlns:a16="http://schemas.microsoft.com/office/drawing/2014/main" val="2601845934"/>
+                      </a:ext>
+                    </a:extLst>
+                  </a:tr>
+                </a:tbl>
+              </a:graphicData>
+            </a:graphic>
+          </p:graphicFrame>
+        </mc:Choice>
+        <mc:Fallback>
+          <p:graphicFrame>
+            <p:nvGraphicFramePr>
+              <p:cNvPr id="4" name="Table 4">
+                <a:extLst>
+                  <a:ext uri="{FF2B5EF4-FFF2-40B4-BE49-F238E27FC236}">
+                    <a16:creationId xmlns:a16="http://schemas.microsoft.com/office/drawing/2014/main" id="{5B43EA4E-CD44-4F24-B38B-7FCAA702355C}"/>
+                  </a:ext>
+                </a:extLst>
+              </p:cNvPr>
+              <p:cNvGraphicFramePr>
+                <a:graphicFrameLocks noGrp="1"/>
+              </p:cNvGraphicFramePr>
+              <p:nvPr>
+                <p:ph idx="1"/>
+                <p:extLst>
+                  <p:ext uri="{D42A27DB-BD31-4B8C-83A1-F6EECF244321}">
+                    <p14:modId xmlns:p14="http://schemas.microsoft.com/office/powerpoint/2010/main" val="4068373360"/>
+                  </p:ext>
+                </p:extLst>
+              </p:nvPr>
+            </p:nvGraphicFramePr>
+            <p:xfrm>
+              <a:off x="3734020" y="1921298"/>
+              <a:ext cx="5331501" cy="4450080"/>
+            </p:xfrm>
+            <a:graphic>
+              <a:graphicData uri="http://schemas.openxmlformats.org/drawingml/2006/table">
+                <a:tbl>
+                  <a:tblPr firstRow="1" bandRow="1">
+                    <a:tableStyleId>{5C22544A-7EE6-4342-B048-85BDC9FD1C3A}</a:tableStyleId>
+                  </a:tblPr>
+                  <a:tblGrid>
+                    <a:gridCol w="936812">
+                      <a:extLst>
+                        <a:ext uri="{9D8B030D-6E8A-4147-A177-3AD203B41FA5}">
+                          <a16:colId xmlns:a16="http://schemas.microsoft.com/office/drawing/2014/main" val="2086269430"/>
+                        </a:ext>
+                      </a:extLst>
+                    </a:gridCol>
+                    <a:gridCol w="2124635">
+                      <a:extLst>
+                        <a:ext uri="{9D8B030D-6E8A-4147-A177-3AD203B41FA5}">
+                          <a16:colId xmlns:a16="http://schemas.microsoft.com/office/drawing/2014/main" val="1918639132"/>
+                        </a:ext>
+                      </a:extLst>
+                    </a:gridCol>
+                    <a:gridCol w="2270054">
+                      <a:extLst>
+                        <a:ext uri="{9D8B030D-6E8A-4147-A177-3AD203B41FA5}">
+                          <a16:colId xmlns:a16="http://schemas.microsoft.com/office/drawing/2014/main" val="1142211300"/>
+                        </a:ext>
+                      </a:extLst>
+                    </a:gridCol>
+                  </a:tblGrid>
+                  <a:tr h="370840">
+                    <a:tc>
+                      <a:txBody>
+                        <a:bodyPr/>
+                        <a:lstStyle/>
+                        <a:p>
+                          <a:endParaRPr lang="en-US"/>
+                        </a:p>
+                      </a:txBody>
+                      <a:tcPr>
+                        <a:blipFill>
+                          <a:blip r:embed="rId2"/>
+                          <a:stretch>
+                            <a:fillRect l="-649" t="-1639" r="-471429" b="-1121311"/>
+                          </a:stretch>
+                        </a:blipFill>
+                      </a:tcPr>
+                    </a:tc>
+                    <a:tc>
+                      <a:txBody>
+                        <a:bodyPr/>
+                        <a:lstStyle/>
+                        <a:p>
+                          <a:endParaRPr lang="en-US"/>
+                        </a:p>
+                      </a:txBody>
+                      <a:tcPr>
+                        <a:blipFill>
+                          <a:blip r:embed="rId2"/>
+                          <a:stretch>
+                            <a:fillRect l="-44413" t="-1639" r="-108023" b="-1121311"/>
+                          </a:stretch>
+                        </a:blipFill>
+                      </a:tcPr>
+                    </a:tc>
+                    <a:tc>
+                      <a:txBody>
+                        <a:bodyPr/>
+                        <a:lstStyle/>
+                        <a:p>
+                          <a:endParaRPr lang="en-US"/>
+                        </a:p>
+                      </a:txBody>
+                      <a:tcPr>
+                        <a:blipFill>
+                          <a:blip r:embed="rId2"/>
+                          <a:stretch>
+                            <a:fillRect l="-135121" t="-1639" r="-1072" b="-1121311"/>
+                          </a:stretch>
+                        </a:blipFill>
+                      </a:tcPr>
+                    </a:tc>
+                    <a:extLst>
+                      <a:ext uri="{0D108BD9-81ED-4DB2-BD59-A6C34878D82A}">
+                        <a16:rowId xmlns:a16="http://schemas.microsoft.com/office/drawing/2014/main" val="1716745790"/>
+                      </a:ext>
+                    </a:extLst>
+                  </a:tr>
+                  <a:tr h="370840">
+                    <a:tc>
+                      <a:txBody>
+                        <a:bodyPr/>
+                        <a:lstStyle/>
+                        <a:p>
+                          <a:r>
+                            <a:rPr lang="en-US" dirty="0"/>
+                            <a:t>0</a:t>
+                          </a:r>
+                        </a:p>
+                      </a:txBody>
+                      <a:tcPr/>
+                    </a:tc>
+                    <a:tc>
+                      <a:txBody>
+                        <a:bodyPr/>
+                        <a:lstStyle/>
+                        <a:p>
+                          <a:r>
+                            <a:rPr lang="en-US" dirty="0"/>
+                            <a:t>10</a:t>
+                          </a:r>
+                        </a:p>
+                      </a:txBody>
+                      <a:tcPr/>
+                    </a:tc>
+                    <a:tc>
+                      <a:txBody>
+                        <a:bodyPr/>
+                        <a:lstStyle/>
+                        <a:p>
+                          <a:r>
+                            <a:rPr lang="en-US" dirty="0"/>
+                            <a:t>1</a:t>
+                          </a:r>
+                        </a:p>
+                      </a:txBody>
+                      <a:tcPr/>
+                    </a:tc>
+                    <a:extLst>
+                      <a:ext uri="{0D108BD9-81ED-4DB2-BD59-A6C34878D82A}">
+                        <a16:rowId xmlns:a16="http://schemas.microsoft.com/office/drawing/2014/main" val="4217579758"/>
+                      </a:ext>
+                    </a:extLst>
+                  </a:tr>
+                  <a:tr h="370840">
+                    <a:tc>
+                      <a:txBody>
+                        <a:bodyPr/>
+                        <a:lstStyle/>
+                        <a:p>
+                          <a:r>
+                            <a:rPr lang="en-US" dirty="0"/>
+                            <a:t>1</a:t>
+                          </a:r>
+                        </a:p>
+                      </a:txBody>
+                      <a:tcPr/>
+                    </a:tc>
+                    <a:tc>
+                      <a:txBody>
+                        <a:bodyPr/>
+                        <a:lstStyle/>
+                        <a:p>
+                          <a:r>
+                            <a:rPr lang="en-US" sz="1800" b="0" i="0" kern="1200" dirty="0">
+                              <a:solidFill>
+                                <a:schemeClr val="dk1"/>
+                              </a:solidFill>
+                              <a:effectLst/>
+                              <a:latin typeface="+mn-lt"/>
+                              <a:ea typeface="+mn-ea"/>
+                              <a:cs typeface="+mn-cs"/>
+                            </a:rPr>
+                            <a:t>4.684403</a:t>
+                          </a:r>
+                          <a:endParaRPr lang="en-US" dirty="0"/>
+                        </a:p>
+                      </a:txBody>
+                      <a:tcPr/>
+                    </a:tc>
+                    <a:tc>
+                      <a:txBody>
+                        <a:bodyPr/>
+                        <a:lstStyle/>
+                        <a:p>
+                          <a:r>
+                            <a:rPr lang="en-US" sz="1800" b="0" i="0" kern="1200" dirty="0">
+                              <a:solidFill>
+                                <a:schemeClr val="dk1"/>
+                              </a:solidFill>
+                              <a:effectLst/>
+                              <a:latin typeface="+mn-lt"/>
+                              <a:ea typeface="+mn-ea"/>
+                              <a:cs typeface="+mn-cs"/>
+                            </a:rPr>
+                            <a:t>2.1347437</a:t>
+                          </a:r>
+                          <a:endParaRPr lang="en-US" dirty="0"/>
+                        </a:p>
+                      </a:txBody>
+                      <a:tcPr/>
+                    </a:tc>
+                    <a:extLst>
+                      <a:ext uri="{0D108BD9-81ED-4DB2-BD59-A6C34878D82A}">
+                        <a16:rowId xmlns:a16="http://schemas.microsoft.com/office/drawing/2014/main" val="1906941637"/>
+                      </a:ext>
+                    </a:extLst>
+                  </a:tr>
+                  <a:tr h="370840">
+                    <a:tc>
+                      <a:txBody>
+                        <a:bodyPr/>
+                        <a:lstStyle/>
+                        <a:p>
+                          <a:r>
+                            <a:rPr lang="en-US" dirty="0"/>
+                            <a:t>2</a:t>
+                          </a:r>
+                        </a:p>
+                      </a:txBody>
+                      <a:tcPr/>
+                    </a:tc>
+                    <a:tc>
+                      <a:txBody>
+                        <a:bodyPr/>
+                        <a:lstStyle/>
+                        <a:p>
+                          <a:r>
+                            <a:rPr lang="en-US" sz="1800" b="0" i="0" kern="1200" dirty="0">
+                              <a:solidFill>
+                                <a:schemeClr val="dk1"/>
+                              </a:solidFill>
+                              <a:effectLst/>
+                              <a:latin typeface="+mn-lt"/>
+                              <a:ea typeface="+mn-ea"/>
+                              <a:cs typeface="+mn-cs"/>
+                            </a:rPr>
+                            <a:t>5.1338663</a:t>
+                          </a:r>
+                          <a:endParaRPr lang="en-US" dirty="0"/>
+                        </a:p>
+                      </a:txBody>
+                      <a:tcPr/>
+                    </a:tc>
+                    <a:tc>
+                      <a:txBody>
+                        <a:bodyPr/>
+                        <a:lstStyle/>
+                        <a:p>
+                          <a:r>
+                            <a:rPr lang="en-US" sz="1800" b="0" i="0" kern="1200" dirty="0">
+                              <a:solidFill>
+                                <a:schemeClr val="dk1"/>
+                              </a:solidFill>
+                              <a:effectLst/>
+                              <a:latin typeface="+mn-lt"/>
+                              <a:ea typeface="+mn-ea"/>
+                              <a:cs typeface="+mn-cs"/>
+                            </a:rPr>
+                            <a:t>0.9124513</a:t>
+                          </a:r>
+                          <a:endParaRPr lang="en-US" dirty="0"/>
+                        </a:p>
+                      </a:txBody>
+                      <a:tcPr/>
+                    </a:tc>
+                    <a:extLst>
+                      <a:ext uri="{0D108BD9-81ED-4DB2-BD59-A6C34878D82A}">
+                        <a16:rowId xmlns:a16="http://schemas.microsoft.com/office/drawing/2014/main" val="870535473"/>
+                      </a:ext>
+                    </a:extLst>
+                  </a:tr>
+                  <a:tr h="370840">
+                    <a:tc>
+                      <a:txBody>
+                        <a:bodyPr/>
+                        <a:lstStyle/>
+                        <a:p>
+                          <a:r>
+                            <a:rPr lang="en-US" dirty="0"/>
+                            <a:t>3</a:t>
+                          </a:r>
+                        </a:p>
+                      </a:txBody>
+                      <a:tcPr/>
+                    </a:tc>
+                    <a:tc>
+                      <a:txBody>
+                        <a:bodyPr/>
+                        <a:lstStyle/>
+                        <a:p>
+                          <a:r>
+                            <a:rPr lang="en-US" sz="1800" b="0" i="0" kern="1200" dirty="0">
+                              <a:solidFill>
+                                <a:schemeClr val="dk1"/>
+                              </a:solidFill>
+                              <a:effectLst/>
+                              <a:latin typeface="+mn-lt"/>
+                              <a:ea typeface="+mn-ea"/>
+                              <a:cs typeface="+mn-cs"/>
+                            </a:rPr>
+                            <a:t>6.8305383</a:t>
+                          </a:r>
+                          <a:endParaRPr lang="en-US" dirty="0"/>
+                        </a:p>
+                      </a:txBody>
+                      <a:tcPr/>
+                    </a:tc>
+                    <a:tc>
+                      <a:txBody>
+                        <a:bodyPr/>
+                        <a:lstStyle/>
+                        <a:p>
+                          <a:r>
+                            <a:rPr lang="en-US" sz="1800" b="0" i="0" kern="1200" dirty="0">
+                              <a:solidFill>
+                                <a:schemeClr val="dk1"/>
+                              </a:solidFill>
+                              <a:effectLst/>
+                              <a:latin typeface="+mn-lt"/>
+                              <a:ea typeface="+mn-ea"/>
+                              <a:cs typeface="+mn-cs"/>
+                            </a:rPr>
+                            <a:t>0.7516049</a:t>
+                          </a:r>
+                          <a:endParaRPr lang="en-US" dirty="0"/>
+                        </a:p>
+                      </a:txBody>
+                      <a:tcPr/>
+                    </a:tc>
+                    <a:extLst>
+                      <a:ext uri="{0D108BD9-81ED-4DB2-BD59-A6C34878D82A}">
+                        <a16:rowId xmlns:a16="http://schemas.microsoft.com/office/drawing/2014/main" val="2195572118"/>
+                      </a:ext>
+                    </a:extLst>
+                  </a:tr>
+                  <a:tr h="370840">
+                    <a:tc>
+                      <a:txBody>
+                        <a:bodyPr/>
+                        <a:lstStyle/>
+                        <a:p>
+                          <a:r>
+                            <a:rPr lang="en-US" dirty="0"/>
+                            <a:t>4</a:t>
+                          </a:r>
+                        </a:p>
+                      </a:txBody>
+                      <a:tcPr/>
+                    </a:tc>
+                    <a:tc>
+                      <a:txBody>
+                        <a:bodyPr/>
+                        <a:lstStyle/>
+                        <a:p>
+                          <a:r>
+                            <a:rPr lang="en-US" sz="1800" b="0" i="0" kern="1200" dirty="0">
+                              <a:solidFill>
+                                <a:schemeClr val="dk1"/>
+                              </a:solidFill>
+                              <a:effectLst/>
+                              <a:latin typeface="+mn-lt"/>
+                              <a:ea typeface="+mn-ea"/>
+                              <a:cs typeface="+mn-cs"/>
+                            </a:rPr>
+                            <a:t>5.8866234</a:t>
+                          </a:r>
+                          <a:endParaRPr lang="en-US" dirty="0"/>
+                        </a:p>
+                      </a:txBody>
+                      <a:tcPr/>
+                    </a:tc>
+                    <a:tc>
+                      <a:txBody>
+                        <a:bodyPr/>
+                        <a:lstStyle/>
+                        <a:p>
+                          <a:r>
+                            <a:rPr lang="en-US" sz="1800" b="0" i="0" kern="1200" dirty="0">
+                              <a:solidFill>
+                                <a:schemeClr val="dk1"/>
+                              </a:solidFill>
+                              <a:effectLst/>
+                              <a:latin typeface="+mn-lt"/>
+                              <a:ea typeface="+mn-ea"/>
+                              <a:cs typeface="+mn-cs"/>
+                            </a:rPr>
+                            <a:t>1.1603491</a:t>
+                          </a:r>
+                          <a:endParaRPr lang="en-US" dirty="0"/>
+                        </a:p>
+                      </a:txBody>
+                      <a:tcPr/>
+                    </a:tc>
+                    <a:extLst>
+                      <a:ext uri="{0D108BD9-81ED-4DB2-BD59-A6C34878D82A}">
+                        <a16:rowId xmlns:a16="http://schemas.microsoft.com/office/drawing/2014/main" val="3294719746"/>
+                      </a:ext>
+                    </a:extLst>
+                  </a:tr>
+                  <a:tr h="370840">
+                    <a:tc>
+                      <a:txBody>
+                        <a:bodyPr/>
+                        <a:lstStyle/>
+                        <a:p>
+                          <a:r>
+                            <a:rPr lang="en-US" dirty="0"/>
+                            <a:t>5</a:t>
+                          </a:r>
+                        </a:p>
+                      </a:txBody>
+                      <a:tcPr/>
+                    </a:tc>
+                    <a:tc>
+                      <a:txBody>
+                        <a:bodyPr/>
+                        <a:lstStyle/>
+                        <a:p>
+                          <a:r>
+                            <a:rPr lang="en-US" sz="1800" b="0" i="0" kern="1200" dirty="0">
+                              <a:solidFill>
+                                <a:schemeClr val="dk1"/>
+                              </a:solidFill>
+                              <a:effectLst/>
+                              <a:latin typeface="+mn-lt"/>
+                              <a:ea typeface="+mn-ea"/>
+                              <a:cs typeface="+mn-cs"/>
+                            </a:rPr>
+                            <a:t>6.705916</a:t>
+                          </a:r>
+                          <a:endParaRPr lang="en-US" dirty="0"/>
+                        </a:p>
+                      </a:txBody>
+                      <a:tcPr/>
+                    </a:tc>
+                    <a:tc>
+                      <a:txBody>
+                        <a:bodyPr/>
+                        <a:lstStyle/>
+                        <a:p>
+                          <a:r>
+                            <a:rPr lang="en-US" sz="1800" b="0" i="0" kern="1200" dirty="0">
+                              <a:solidFill>
+                                <a:schemeClr val="dk1"/>
+                              </a:solidFill>
+                              <a:effectLst/>
+                              <a:latin typeface="+mn-lt"/>
+                              <a:ea typeface="+mn-ea"/>
+                              <a:cs typeface="+mn-cs"/>
+                            </a:rPr>
+                            <a:t>0.8778254</a:t>
+                          </a:r>
+                          <a:endParaRPr lang="en-US" dirty="0"/>
+                        </a:p>
+                      </a:txBody>
+                      <a:tcPr/>
+                    </a:tc>
+                    <a:extLst>
+                      <a:ext uri="{0D108BD9-81ED-4DB2-BD59-A6C34878D82A}">
+                        <a16:rowId xmlns:a16="http://schemas.microsoft.com/office/drawing/2014/main" val="280320907"/>
+                      </a:ext>
+                    </a:extLst>
+                  </a:tr>
+                  <a:tr h="370840">
+                    <a:tc>
+                      <a:txBody>
+                        <a:bodyPr/>
+                        <a:lstStyle/>
+                        <a:p>
+                          <a:r>
+                            <a:rPr lang="en-US" dirty="0"/>
+                            <a:t>6</a:t>
+                          </a:r>
+                        </a:p>
+                      </a:txBody>
+                      <a:tcPr/>
+                    </a:tc>
+                    <a:tc>
+                      <a:txBody>
+                        <a:bodyPr/>
+                        <a:lstStyle/>
+                        <a:p>
+                          <a:r>
+                            <a:rPr lang="en-US" sz="1800" b="0" i="0" kern="1200" dirty="0">
+                              <a:solidFill>
+                                <a:schemeClr val="dk1"/>
+                              </a:solidFill>
+                              <a:effectLst/>
+                              <a:latin typeface="+mn-lt"/>
+                              <a:ea typeface="+mn-ea"/>
+                              <a:cs typeface="+mn-cs"/>
+                            </a:rPr>
+                            <a:t>5.8532157</a:t>
+                          </a:r>
+                          <a:endParaRPr lang="en-US" dirty="0"/>
+                        </a:p>
+                      </a:txBody>
+                      <a:tcPr/>
+                    </a:tc>
+                    <a:tc>
+                      <a:txBody>
+                        <a:bodyPr/>
+                        <a:lstStyle/>
+                        <a:p>
+                          <a:r>
+                            <a:rPr lang="en-US" sz="1800" b="0" i="0" kern="1200" dirty="0">
+                              <a:solidFill>
+                                <a:schemeClr val="dk1"/>
+                              </a:solidFill>
+                              <a:effectLst/>
+                              <a:latin typeface="+mn-lt"/>
+                              <a:ea typeface="+mn-ea"/>
+                              <a:cs typeface="+mn-cs"/>
+                            </a:rPr>
+                            <a:t>1.1456807</a:t>
+                          </a:r>
+                          <a:endParaRPr lang="en-US" dirty="0"/>
+                        </a:p>
+                      </a:txBody>
+                      <a:tcPr/>
+                    </a:tc>
+                    <a:extLst>
+                      <a:ext uri="{0D108BD9-81ED-4DB2-BD59-A6C34878D82A}">
+                        <a16:rowId xmlns:a16="http://schemas.microsoft.com/office/drawing/2014/main" val="374553534"/>
+                      </a:ext>
+                    </a:extLst>
+                  </a:tr>
+                  <a:tr h="370840">
+                    <a:tc>
+                      <a:txBody>
+                        <a:bodyPr/>
+                        <a:lstStyle/>
+                        <a:p>
+                          <a:r>
+                            <a:rPr lang="en-US" dirty="0"/>
+                            <a:t>7</a:t>
+                          </a:r>
+                        </a:p>
+                      </a:txBody>
+                      <a:tcPr/>
+                    </a:tc>
+                    <a:tc>
+                      <a:txBody>
+                        <a:bodyPr/>
+                        <a:lstStyle/>
+                        <a:p>
+                          <a:r>
+                            <a:rPr lang="en-US" sz="1800" b="0" i="0" kern="1200" dirty="0">
+                              <a:solidFill>
+                                <a:schemeClr val="dk1"/>
+                              </a:solidFill>
+                              <a:effectLst/>
+                              <a:latin typeface="+mn-lt"/>
+                              <a:ea typeface="+mn-ea"/>
+                              <a:cs typeface="+mn-cs"/>
+                            </a:rPr>
+                            <a:t>6.834386</a:t>
+                          </a:r>
+                          <a:endParaRPr lang="en-US" dirty="0"/>
+                        </a:p>
+                      </a:txBody>
+                      <a:tcPr/>
+                    </a:tc>
+                    <a:tc>
+                      <a:txBody>
+                        <a:bodyPr/>
+                        <a:lstStyle/>
+                        <a:p>
+                          <a:r>
+                            <a:rPr lang="en-US" sz="1800" b="0" i="0" kern="1200" dirty="0">
+                              <a:solidFill>
+                                <a:schemeClr val="dk1"/>
+                              </a:solidFill>
+                              <a:effectLst/>
+                              <a:latin typeface="+mn-lt"/>
+                              <a:ea typeface="+mn-ea"/>
+                              <a:cs typeface="+mn-cs"/>
+                            </a:rPr>
+                            <a:t>0.85643625</a:t>
+                          </a:r>
+                          <a:endParaRPr lang="en-US" dirty="0"/>
+                        </a:p>
+                      </a:txBody>
+                      <a:tcPr/>
+                    </a:tc>
+                    <a:extLst>
+                      <a:ext uri="{0D108BD9-81ED-4DB2-BD59-A6C34878D82A}">
+                        <a16:rowId xmlns:a16="http://schemas.microsoft.com/office/drawing/2014/main" val="2298953354"/>
+                      </a:ext>
+                    </a:extLst>
+                  </a:tr>
+                  <a:tr h="370840">
+                    <a:tc>
+                      <a:txBody>
+                        <a:bodyPr/>
+                        <a:lstStyle/>
+                        <a:p>
+                          <a:r>
+                            <a:rPr lang="en-US" dirty="0"/>
+                            <a:t>8</a:t>
+                          </a:r>
+                        </a:p>
+                      </a:txBody>
+                      <a:tcPr/>
+                    </a:tc>
+                    <a:tc>
+                      <a:txBody>
+                        <a:bodyPr/>
+                        <a:lstStyle/>
+                        <a:p>
+                          <a:r>
+                            <a:rPr lang="en-US" sz="1800" b="0" i="0" kern="1200" dirty="0">
+                              <a:solidFill>
+                                <a:schemeClr val="dk1"/>
+                              </a:solidFill>
+                              <a:effectLst/>
+                              <a:latin typeface="+mn-lt"/>
+                              <a:ea typeface="+mn-ea"/>
+                              <a:cs typeface="+mn-cs"/>
+                            </a:rPr>
+                            <a:t>6.0035825</a:t>
+                          </a:r>
+                          <a:endParaRPr lang="en-US" dirty="0"/>
+                        </a:p>
+                      </a:txBody>
+                      <a:tcPr/>
+                    </a:tc>
+                    <a:tc>
+                      <a:txBody>
+                        <a:bodyPr/>
+                        <a:lstStyle/>
+                        <a:p>
+                          <a:r>
+                            <a:rPr lang="en-US" sz="1800" b="0" i="0" kern="1200" dirty="0">
+                              <a:solidFill>
+                                <a:schemeClr val="dk1"/>
+                              </a:solidFill>
+                              <a:effectLst/>
+                              <a:latin typeface="+mn-lt"/>
+                              <a:ea typeface="+mn-ea"/>
+                              <a:cs typeface="+mn-cs"/>
+                            </a:rPr>
+                            <a:t>1.1383846</a:t>
+                          </a:r>
+                          <a:endParaRPr lang="en-US" dirty="0"/>
+                        </a:p>
+                      </a:txBody>
+                      <a:tcPr/>
+                    </a:tc>
+                    <a:extLst>
+                      <a:ext uri="{0D108BD9-81ED-4DB2-BD59-A6C34878D82A}">
+                        <a16:rowId xmlns:a16="http://schemas.microsoft.com/office/drawing/2014/main" val="402247081"/>
+                      </a:ext>
+                    </a:extLst>
+                  </a:tr>
+                  <a:tr h="370840">
+                    <a:tc>
+                      <a:txBody>
+                        <a:bodyPr/>
+                        <a:lstStyle/>
+                        <a:p>
+                          <a:r>
+                            <a:rPr lang="en-US" dirty="0"/>
+                            <a:t>9</a:t>
+                          </a:r>
+                        </a:p>
+                      </a:txBody>
+                      <a:tcPr/>
+                    </a:tc>
+                    <a:tc>
+                      <a:txBody>
+                        <a:bodyPr/>
+                        <a:lstStyle/>
+                        <a:p>
+                          <a:r>
+                            <a:rPr lang="en-US" sz="1800" b="0" i="0" kern="1200" dirty="0">
+                              <a:solidFill>
+                                <a:schemeClr val="dk1"/>
+                              </a:solidFill>
+                              <a:effectLst/>
+                              <a:latin typeface="+mn-lt"/>
+                              <a:ea typeface="+mn-ea"/>
+                              <a:cs typeface="+mn-cs"/>
+                            </a:rPr>
+                            <a:t>7.12536</a:t>
+                          </a:r>
+                          <a:endParaRPr lang="en-US" dirty="0"/>
+                        </a:p>
+                      </a:txBody>
+                      <a:tcPr/>
+                    </a:tc>
+                    <a:tc>
+                      <a:txBody>
+                        <a:bodyPr/>
+                        <a:lstStyle/>
+                        <a:p>
+                          <a:r>
+                            <a:rPr lang="en-US" sz="1800" b="0" i="0" kern="1200" dirty="0">
+                              <a:solidFill>
+                                <a:schemeClr val="dk1"/>
+                              </a:solidFill>
+                              <a:effectLst/>
+                              <a:latin typeface="+mn-lt"/>
+                              <a:ea typeface="+mn-ea"/>
+                              <a:cs typeface="+mn-cs"/>
+                            </a:rPr>
+                            <a:t>0.8425655</a:t>
+                          </a:r>
+                          <a:endParaRPr lang="en-US" dirty="0"/>
+                        </a:p>
+                      </a:txBody>
+                      <a:tcPr/>
+                    </a:tc>
+                    <a:extLst>
+                      <a:ext uri="{0D108BD9-81ED-4DB2-BD59-A6C34878D82A}">
+                        <a16:rowId xmlns:a16="http://schemas.microsoft.com/office/drawing/2014/main" val="1966155012"/>
+                      </a:ext>
+                    </a:extLst>
+                  </a:tr>
+                  <a:tr h="370840">
+                    <a:tc>
+                      <a:txBody>
+                        <a:bodyPr/>
+                        <a:lstStyle/>
+                        <a:p>
+                          <a:r>
+                            <a:rPr lang="en-US" dirty="0"/>
+                            <a:t>10</a:t>
+                          </a:r>
+                        </a:p>
+                      </a:txBody>
+                      <a:tcPr/>
+                    </a:tc>
+                    <a:tc>
+                      <a:txBody>
+                        <a:bodyPr/>
+                        <a:lstStyle/>
+                        <a:p>
+                          <a:r>
+                            <a:rPr lang="en-US" sz="1800" b="0" i="0" kern="1200" dirty="0">
+                              <a:solidFill>
+                                <a:schemeClr val="dk1"/>
+                              </a:solidFill>
+                              <a:effectLst/>
+                              <a:latin typeface="+mn-lt"/>
+                              <a:ea typeface="+mn-ea"/>
+                              <a:cs typeface="+mn-cs"/>
+                            </a:rPr>
+                            <a:t>6.246932</a:t>
+                          </a:r>
+                          <a:endParaRPr lang="en-US" dirty="0"/>
+                        </a:p>
+                      </a:txBody>
+                      <a:tcPr/>
+                    </a:tc>
+                    <a:tc>
+                      <a:txBody>
+                        <a:bodyPr/>
+                        <a:lstStyle/>
+                        <a:p>
+                          <a:r>
+                            <a:rPr lang="en-US" sz="1800" b="0" i="0" kern="1200" dirty="0">
+                              <a:solidFill>
+                                <a:schemeClr val="dk1"/>
+                              </a:solidFill>
+                              <a:effectLst/>
+                              <a:latin typeface="+mn-lt"/>
+                              <a:ea typeface="+mn-ea"/>
+                              <a:cs typeface="+mn-cs"/>
+                            </a:rPr>
+                            <a:t>1.1406175</a:t>
+                          </a:r>
+                          <a:endParaRPr lang="en-US" dirty="0"/>
+                        </a:p>
+                      </a:txBody>
+                      <a:tcPr/>
+                    </a:tc>
+                    <a:extLst>
+                      <a:ext uri="{0D108BD9-81ED-4DB2-BD59-A6C34878D82A}">
+                        <a16:rowId xmlns:a16="http://schemas.microsoft.com/office/drawing/2014/main" val="2601845934"/>
+                      </a:ext>
+                    </a:extLst>
+                  </a:tr>
+                </a:tbl>
+              </a:graphicData>
+            </a:graphic>
+          </p:graphicFrame>
+        </mc:Fallback>
+      </mc:AlternateContent>
+    </p:spTree>
+    <p:extLst>
+      <p:ext uri="{BB962C8B-B14F-4D97-AF65-F5344CB8AC3E}">
+        <p14:creationId xmlns:p14="http://schemas.microsoft.com/office/powerpoint/2010/main" val="1334674234"/>
+      </p:ext>
+    </p:extLst>
+  </p:cSld>
+  <p:clrMapOvr>
+    <a:masterClrMapping/>
+  </p:clrMapOvr>
+</p:sld>
+</file>
+
+<file path=ppt/slides/slide24.xml><?xml version="1.0" encoding="utf-8"?>
+<p:sld xmlns:a="http://schemas.openxmlformats.org/drawingml/2006/main" xmlns:r="http://schemas.openxmlformats.org/officeDocument/2006/relationships" xmlns:p="http://schemas.openxmlformats.org/presentationml/2006/main">
+  <p:cSld>
+    <p:spTree>
+      <p:nvGrpSpPr>
+        <p:cNvPr id="1" name=""/>
+        <p:cNvGrpSpPr/>
+        <p:nvPr/>
+      </p:nvGrpSpPr>
+      <p:grpSpPr>
+        <a:xfrm>
+          <a:off x="0" y="0"/>
+          <a:ext cx="0" cy="0"/>
+          <a:chOff x="0" y="0"/>
+          <a:chExt cx="0" cy="0"/>
+        </a:xfrm>
+      </p:grpSpPr>
+      <p:sp>
+        <p:nvSpPr>
+          <p:cNvPr id="2" name="Title 1">
+            <a:extLst>
+              <a:ext uri="{FF2B5EF4-FFF2-40B4-BE49-F238E27FC236}">
+                <a16:creationId xmlns:a16="http://schemas.microsoft.com/office/drawing/2014/main" id="{DD5ABC18-08BD-4C35-8CF8-BFFD7BE9600C}"/>
+              </a:ext>
+            </a:extLst>
+          </p:cNvPr>
+          <p:cNvSpPr>
+            <a:spLocks noGrp="1"/>
+          </p:cNvSpPr>
+          <p:nvPr>
+            <p:ph type="title"/>
+          </p:nvPr>
+        </p:nvSpPr>
+        <p:spPr/>
+        <p:txBody>
+          <a:bodyPr/>
+          <a:lstStyle/>
+          <a:p>
+            <a:r>
+              <a:rPr lang="en-US" dirty="0"/>
+              <a:t>Implement Transformation</a:t>
+            </a:r>
+          </a:p>
+        </p:txBody>
+      </p:sp>
+      <p:pic>
+        <p:nvPicPr>
+          <p:cNvPr id="4" name="Content Placeholder 3">
+            <a:extLst>
+              <a:ext uri="{FF2B5EF4-FFF2-40B4-BE49-F238E27FC236}">
+                <a16:creationId xmlns:a16="http://schemas.microsoft.com/office/drawing/2014/main" id="{736668FF-26E5-4BF8-BE0E-E512C20FF25D}"/>
+              </a:ext>
+            </a:extLst>
+          </p:cNvPr>
+          <p:cNvPicPr>
+            <a:picLocks noGrp="1" noChangeAspect="1"/>
+          </p:cNvPicPr>
+          <p:nvPr>
+            <p:ph idx="1"/>
+          </p:nvPr>
+        </p:nvPicPr>
+        <p:blipFill>
+          <a:blip r:embed="rId2"/>
+          <a:stretch>
+            <a:fillRect/>
+          </a:stretch>
+        </p:blipFill>
+        <p:spPr>
+          <a:xfrm>
+            <a:off x="1673921" y="1690688"/>
+            <a:ext cx="9679879" cy="4414277"/>
+          </a:xfrm>
+          <a:prstGeom prst="rect">
+            <a:avLst/>
+          </a:prstGeom>
+        </p:spPr>
+      </p:pic>
+    </p:spTree>
+    <p:extLst>
+      <p:ext uri="{BB962C8B-B14F-4D97-AF65-F5344CB8AC3E}">
+        <p14:creationId xmlns:p14="http://schemas.microsoft.com/office/powerpoint/2010/main" val="2581102655"/>
+      </p:ext>
+    </p:extLst>
+  </p:cSld>
+  <p:clrMapOvr>
+    <a:masterClrMapping/>
+  </p:clrMapOvr>
+</p:sld>
+</file>
+
+<file path=ppt/slides/slide25.xml><?xml version="1.0" encoding="utf-8"?>
+<p:sld xmlns:a="http://schemas.openxmlformats.org/drawingml/2006/main" xmlns:r="http://schemas.openxmlformats.org/officeDocument/2006/relationships" xmlns:p="http://schemas.openxmlformats.org/presentationml/2006/main">
+  <p:cSld>
+    <p:spTree>
+      <p:nvGrpSpPr>
+        <p:cNvPr id="1" name=""/>
+        <p:cNvGrpSpPr/>
+        <p:nvPr/>
+      </p:nvGrpSpPr>
+      <p:grpSpPr>
+        <a:xfrm>
+          <a:off x="0" y="0"/>
+          <a:ext cx="0" cy="0"/>
+          <a:chOff x="0" y="0"/>
+          <a:chExt cx="0" cy="0"/>
+        </a:xfrm>
+      </p:grpSpPr>
+      <p:sp>
+        <p:nvSpPr>
+          <p:cNvPr id="2" name="Title 1">
+            <a:extLst>
+              <a:ext uri="{FF2B5EF4-FFF2-40B4-BE49-F238E27FC236}">
+                <a16:creationId xmlns:a16="http://schemas.microsoft.com/office/drawing/2014/main" id="{F2DD5713-7CE8-432C-875A-56AAAD2F135E}"/>
+              </a:ext>
+            </a:extLst>
+          </p:cNvPr>
+          <p:cNvSpPr>
+            <a:spLocks noGrp="1"/>
+          </p:cNvSpPr>
+          <p:nvPr>
+            <p:ph type="title"/>
+          </p:nvPr>
+        </p:nvSpPr>
+        <p:spPr/>
+        <p:txBody>
+          <a:bodyPr/>
+          <a:lstStyle/>
+          <a:p>
+            <a:r>
+              <a:rPr lang="en-US" dirty="0"/>
+              <a:t>Result</a:t>
+            </a:r>
+          </a:p>
+        </p:txBody>
+      </p:sp>
+      <mc:AlternateContent xmlns:mc="http://schemas.openxmlformats.org/markup-compatibility/2006">
+        <mc:Choice xmlns:a14="http://schemas.microsoft.com/office/drawing/2010/main" Requires="a14">
+          <p:graphicFrame>
+            <p:nvGraphicFramePr>
+              <p:cNvPr id="4" name="Table 4">
+                <a:extLst>
+                  <a:ext uri="{FF2B5EF4-FFF2-40B4-BE49-F238E27FC236}">
+                    <a16:creationId xmlns:a16="http://schemas.microsoft.com/office/drawing/2014/main" id="{5B43EA4E-CD44-4F24-B38B-7FCAA702355C}"/>
+                  </a:ext>
+                </a:extLst>
+              </p:cNvPr>
+              <p:cNvGraphicFramePr>
+                <a:graphicFrameLocks noGrp="1"/>
+              </p:cNvGraphicFramePr>
+              <p:nvPr>
+                <p:ph idx="1"/>
+                <p:extLst>
+                  <p:ext uri="{D42A27DB-BD31-4B8C-83A1-F6EECF244321}">
+                    <p14:modId xmlns:p14="http://schemas.microsoft.com/office/powerpoint/2010/main" val="2224302100"/>
+                  </p:ext>
+                </p:extLst>
+              </p:nvPr>
+            </p:nvGraphicFramePr>
+            <p:xfrm>
+              <a:off x="3734020" y="1921298"/>
+              <a:ext cx="5331501" cy="4450080"/>
+            </p:xfrm>
+            <a:graphic>
+              <a:graphicData uri="http://schemas.openxmlformats.org/drawingml/2006/table">
+                <a:tbl>
+                  <a:tblPr firstRow="1" bandRow="1">
+                    <a:tableStyleId>{5C22544A-7EE6-4342-B048-85BDC9FD1C3A}</a:tableStyleId>
+                  </a:tblPr>
+                  <a:tblGrid>
+                    <a:gridCol w="936812">
+                      <a:extLst>
+                        <a:ext uri="{9D8B030D-6E8A-4147-A177-3AD203B41FA5}">
+                          <a16:colId xmlns:a16="http://schemas.microsoft.com/office/drawing/2014/main" val="2086269430"/>
+                        </a:ext>
+                      </a:extLst>
+                    </a:gridCol>
+                    <a:gridCol w="2124635">
+                      <a:extLst>
+                        <a:ext uri="{9D8B030D-6E8A-4147-A177-3AD203B41FA5}">
+                          <a16:colId xmlns:a16="http://schemas.microsoft.com/office/drawing/2014/main" val="1918639132"/>
+                        </a:ext>
+                      </a:extLst>
+                    </a:gridCol>
+                    <a:gridCol w="2270054">
+                      <a:extLst>
+                        <a:ext uri="{9D8B030D-6E8A-4147-A177-3AD203B41FA5}">
+                          <a16:colId xmlns:a16="http://schemas.microsoft.com/office/drawing/2014/main" val="1142211300"/>
+                        </a:ext>
+                      </a:extLst>
+                    </a:gridCol>
+                  </a:tblGrid>
+                  <a:tr h="370840">
+                    <a:tc>
+                      <a:txBody>
+                        <a:bodyPr/>
+                        <a:lstStyle/>
+                        <a:p>
+                          <a:pPr/>
+                          <a14:m>
+                            <m:oMathPara xmlns:m="http://schemas.openxmlformats.org/officeDocument/2006/math">
+                              <m:oMathParaPr>
+                                <m:jc m:val="centerGroup"/>
+                              </m:oMathParaPr>
+                              <m:oMath xmlns:m="http://schemas.openxmlformats.org/officeDocument/2006/math">
+                                <m:r>
+                                  <a:rPr lang="en-US" b="1" i="1" smtClean="0">
+                                    <a:latin typeface="Cambria Math" panose="02040503050406030204" pitchFamily="18" charset="0"/>
+                                  </a:rPr>
+                                  <m:t>𝒊</m:t>
+                                </m:r>
+                              </m:oMath>
+                            </m:oMathPara>
+                          </a14:m>
+                          <a:endParaRPr lang="en-US" dirty="0"/>
+                        </a:p>
+                      </a:txBody>
+                      <a:tcPr/>
+                    </a:tc>
+                    <a:tc>
+                      <a:txBody>
+                        <a:bodyPr/>
+                        <a:lstStyle/>
+                        <a:p>
+                          <a:pPr/>
+                          <a14:m>
+                            <m:oMathPara xmlns:m="http://schemas.openxmlformats.org/officeDocument/2006/math">
+                              <m:oMathParaPr>
+                                <m:jc m:val="centerGroup"/>
+                              </m:oMathParaPr>
+                              <m:oMath xmlns:m="http://schemas.openxmlformats.org/officeDocument/2006/math">
+                                <m:sSub>
+                                  <m:sSubPr>
+                                    <m:ctrlPr>
+                                      <a:rPr lang="en-US" b="1" i="1" smtClean="0">
+                                        <a:latin typeface="Cambria Math" panose="02040503050406030204" pitchFamily="18" charset="0"/>
+                                      </a:rPr>
+                                    </m:ctrlPr>
+                                  </m:sSubPr>
+                                  <m:e>
+                                    <m:r>
+                                      <a:rPr lang="en-US" b="1" i="1" smtClean="0">
+                                        <a:latin typeface="Cambria Math" panose="02040503050406030204" pitchFamily="18" charset="0"/>
+                                      </a:rPr>
+                                      <m:t>𝝀</m:t>
+                                    </m:r>
+                                  </m:e>
+                                  <m:sub>
+                                    <m:r>
+                                      <a:rPr lang="en-US" b="1" i="1" smtClean="0">
+                                        <a:latin typeface="Cambria Math" panose="02040503050406030204" pitchFamily="18" charset="0"/>
+                                      </a:rPr>
+                                      <m:t>𝒊</m:t>
+                                    </m:r>
+                                  </m:sub>
+                                </m:sSub>
+                              </m:oMath>
+                            </m:oMathPara>
+                          </a14:m>
+                          <a:endParaRPr lang="en-US" dirty="0"/>
+                        </a:p>
+                      </a:txBody>
+                      <a:tcPr/>
+                    </a:tc>
+                    <a:tc>
+                      <a:txBody>
+                        <a:bodyPr/>
+                        <a:lstStyle/>
+                        <a:p>
+                          <a:pPr/>
+                          <a14:m>
+                            <m:oMathPara xmlns:m="http://schemas.openxmlformats.org/officeDocument/2006/math">
+                              <m:oMathParaPr>
+                                <m:jc m:val="centerGroup"/>
+                              </m:oMathParaPr>
+                              <m:oMath xmlns:m="http://schemas.openxmlformats.org/officeDocument/2006/math">
+                                <m:r>
+                                  <a:rPr lang="en-US" b="1" i="1" smtClean="0">
+                                    <a:latin typeface="Cambria Math" panose="02040503050406030204" pitchFamily="18" charset="0"/>
+                                  </a:rPr>
+                                  <m:t>|</m:t>
+                                </m:r>
+                                <m:d>
+                                  <m:dPr>
+                                    <m:begChr m:val="|"/>
+                                    <m:endChr m:val="|"/>
+                                    <m:ctrlPr>
+                                      <a:rPr lang="en-US" b="1" i="1" smtClean="0">
+                                        <a:latin typeface="Cambria Math" panose="02040503050406030204" pitchFamily="18" charset="0"/>
+                                      </a:rPr>
+                                    </m:ctrlPr>
+                                  </m:dPr>
+                                  <m:e>
+                                    <m:sSub>
+                                      <m:sSubPr>
+                                        <m:ctrlPr>
+                                          <a:rPr lang="en-US" b="1" i="1" smtClean="0">
+                                            <a:latin typeface="Cambria Math" panose="02040503050406030204" pitchFamily="18" charset="0"/>
+                                          </a:rPr>
+                                        </m:ctrlPr>
+                                      </m:sSubPr>
+                                      <m:e>
+                                        <m:r>
+                                          <a:rPr lang="en-US" b="1" i="1" smtClean="0">
+                                            <a:latin typeface="Cambria Math" panose="02040503050406030204" pitchFamily="18" charset="0"/>
+                                          </a:rPr>
+                                          <m:t>𝝍</m:t>
+                                        </m:r>
+                                      </m:e>
+                                      <m:sub>
+                                        <m:r>
+                                          <a:rPr lang="en-US" b="1" i="1" smtClean="0">
+                                            <a:latin typeface="Cambria Math" panose="02040503050406030204" pitchFamily="18" charset="0"/>
+                                          </a:rPr>
+                                          <m:t>𝒊</m:t>
+                                        </m:r>
+                                      </m:sub>
+                                    </m:sSub>
+                                  </m:e>
+                                </m:d>
+                                <m:r>
+                                  <a:rPr lang="en-US" b="1" i="1" smtClean="0">
+                                    <a:latin typeface="Cambria Math" panose="02040503050406030204" pitchFamily="18" charset="0"/>
+                                  </a:rPr>
+                                  <m:t>|</m:t>
+                                </m:r>
+                              </m:oMath>
+                            </m:oMathPara>
+                          </a14:m>
+                          <a:endParaRPr lang="en-US" dirty="0"/>
+                        </a:p>
+                      </a:txBody>
+                      <a:tcPr/>
+                    </a:tc>
+                    <a:extLst>
+                      <a:ext uri="{0D108BD9-81ED-4DB2-BD59-A6C34878D82A}">
+                        <a16:rowId xmlns:a16="http://schemas.microsoft.com/office/drawing/2014/main" val="1716745790"/>
+                      </a:ext>
+                    </a:extLst>
+                  </a:tr>
+                  <a:tr h="370840">
+                    <a:tc>
+                      <a:txBody>
+                        <a:bodyPr/>
+                        <a:lstStyle/>
+                        <a:p>
+                          <a:r>
+                            <a:rPr lang="en-US" dirty="0"/>
+                            <a:t>0</a:t>
+                          </a:r>
+                        </a:p>
+                      </a:txBody>
+                      <a:tcPr/>
+                    </a:tc>
+                    <a:tc>
+                      <a:txBody>
+                        <a:bodyPr/>
+                        <a:lstStyle/>
+                        <a:p>
+                          <a:r>
+                            <a:rPr lang="en-US" dirty="0"/>
+                            <a:t>10</a:t>
+                          </a:r>
+                        </a:p>
+                      </a:txBody>
+                      <a:tcPr/>
+                    </a:tc>
+                    <a:tc>
+                      <a:txBody>
+                        <a:bodyPr/>
+                        <a:lstStyle/>
+                        <a:p>
+                          <a:r>
+                            <a:rPr lang="en-US" dirty="0"/>
+                            <a:t>1</a:t>
+                          </a:r>
+                        </a:p>
+                      </a:txBody>
+                      <a:tcPr/>
+                    </a:tc>
+                    <a:extLst>
+                      <a:ext uri="{0D108BD9-81ED-4DB2-BD59-A6C34878D82A}">
+                        <a16:rowId xmlns:a16="http://schemas.microsoft.com/office/drawing/2014/main" val="4217579758"/>
+                      </a:ext>
+                    </a:extLst>
+                  </a:tr>
+                  <a:tr h="370840">
+                    <a:tc>
+                      <a:txBody>
+                        <a:bodyPr/>
+                        <a:lstStyle/>
+                        <a:p>
+                          <a:r>
+                            <a:rPr lang="en-US" dirty="0"/>
+                            <a:t>1</a:t>
+                          </a:r>
+                        </a:p>
+                      </a:txBody>
+                      <a:tcPr/>
+                    </a:tc>
+                    <a:tc>
+                      <a:txBody>
+                        <a:bodyPr/>
+                        <a:lstStyle/>
+                        <a:p>
+                          <a:r>
+                            <a:rPr lang="en-US" sz="1800" b="0" i="0" kern="1200" dirty="0">
+                              <a:solidFill>
+                                <a:schemeClr val="dk1"/>
+                              </a:solidFill>
+                              <a:effectLst/>
+                              <a:latin typeface="+mn-lt"/>
+                              <a:ea typeface="+mn-ea"/>
+                              <a:cs typeface="+mn-cs"/>
+                            </a:rPr>
+                            <a:t>3.7982116</a:t>
+                          </a:r>
+                          <a:endParaRPr lang="en-US" dirty="0"/>
+                        </a:p>
+                      </a:txBody>
+                      <a:tcPr/>
+                    </a:tc>
+                    <a:tc>
+                      <a:txBody>
+                        <a:bodyPr/>
+                        <a:lstStyle/>
+                        <a:p>
+                          <a:r>
+                            <a:rPr lang="en-US" sz="1800" b="0" i="0" kern="1200" dirty="0">
+                              <a:solidFill>
+                                <a:schemeClr val="dk1"/>
+                              </a:solidFill>
+                              <a:effectLst/>
+                              <a:latin typeface="+mn-lt"/>
+                              <a:ea typeface="+mn-ea"/>
+                              <a:cs typeface="+mn-cs"/>
+                            </a:rPr>
+                            <a:t>2.632818</a:t>
+                          </a:r>
+                          <a:endParaRPr lang="en-US" dirty="0"/>
+                        </a:p>
+                      </a:txBody>
+                      <a:tcPr/>
+                    </a:tc>
+                    <a:extLst>
+                      <a:ext uri="{0D108BD9-81ED-4DB2-BD59-A6C34878D82A}">
+                        <a16:rowId xmlns:a16="http://schemas.microsoft.com/office/drawing/2014/main" val="1906941637"/>
+                      </a:ext>
+                    </a:extLst>
+                  </a:tr>
+                  <a:tr h="370840">
+                    <a:tc>
+                      <a:txBody>
+                        <a:bodyPr/>
+                        <a:lstStyle/>
+                        <a:p>
+                          <a:r>
+                            <a:rPr lang="en-US" dirty="0"/>
+                            <a:t>2</a:t>
+                          </a:r>
+                        </a:p>
+                      </a:txBody>
+                      <a:tcPr/>
+                    </a:tc>
+                    <a:tc>
+                      <a:txBody>
+                        <a:bodyPr/>
+                        <a:lstStyle/>
+                        <a:p>
+                          <a:r>
+                            <a:rPr lang="en-US" sz="1800" b="0" i="0" kern="1200" dirty="0">
+                              <a:solidFill>
+                                <a:schemeClr val="dk1"/>
+                              </a:solidFill>
+                              <a:effectLst/>
+                              <a:latin typeface="+mn-lt"/>
+                              <a:ea typeface="+mn-ea"/>
+                              <a:cs typeface="+mn-cs"/>
+                            </a:rPr>
+                            <a:t>3.8250864</a:t>
+                          </a:r>
+                          <a:endParaRPr lang="en-US" dirty="0"/>
+                        </a:p>
+                      </a:txBody>
+                      <a:tcPr/>
+                    </a:tc>
+                    <a:tc>
+                      <a:txBody>
+                        <a:bodyPr/>
+                        <a:lstStyle/>
+                        <a:p>
+                          <a:r>
+                            <a:rPr lang="en-US" sz="1800" b="0" i="0" kern="1200" dirty="0">
+                              <a:solidFill>
+                                <a:schemeClr val="dk1"/>
+                              </a:solidFill>
+                              <a:effectLst/>
+                              <a:latin typeface="+mn-lt"/>
+                              <a:ea typeface="+mn-ea"/>
+                              <a:cs typeface="+mn-cs"/>
+                            </a:rPr>
+                            <a:t>0.99297404</a:t>
+                          </a:r>
+                          <a:endParaRPr lang="en-US" dirty="0"/>
+                        </a:p>
+                      </a:txBody>
+                      <a:tcPr/>
+                    </a:tc>
+                    <a:extLst>
+                      <a:ext uri="{0D108BD9-81ED-4DB2-BD59-A6C34878D82A}">
+                        <a16:rowId xmlns:a16="http://schemas.microsoft.com/office/drawing/2014/main" val="870535473"/>
+                      </a:ext>
+                    </a:extLst>
+                  </a:tr>
+                  <a:tr h="370840">
+                    <a:tc>
+                      <a:txBody>
+                        <a:bodyPr/>
+                        <a:lstStyle/>
+                        <a:p>
+                          <a:r>
+                            <a:rPr lang="en-US" dirty="0"/>
+                            <a:t>3</a:t>
+                          </a:r>
+                        </a:p>
+                      </a:txBody>
+                      <a:tcPr/>
+                    </a:tc>
+                    <a:tc>
+                      <a:txBody>
+                        <a:bodyPr/>
+                        <a:lstStyle/>
+                        <a:p>
+                          <a:r>
+                            <a:rPr lang="en-US" sz="1800" b="0" i="0" kern="1200" dirty="0">
+                              <a:solidFill>
+                                <a:schemeClr val="dk1"/>
+                              </a:solidFill>
+                              <a:effectLst/>
+                              <a:latin typeface="+mn-lt"/>
+                              <a:ea typeface="+mn-ea"/>
+                              <a:cs typeface="+mn-cs"/>
+                            </a:rPr>
+                            <a:t>4.816126</a:t>
+                          </a:r>
+                          <a:endParaRPr lang="en-US" dirty="0"/>
+                        </a:p>
+                      </a:txBody>
+                      <a:tcPr/>
+                    </a:tc>
+                    <a:tc>
+                      <a:txBody>
+                        <a:bodyPr/>
+                        <a:lstStyle/>
+                        <a:p>
+                          <a:r>
+                            <a:rPr lang="en-US" sz="1800" b="0" i="0" kern="1200" dirty="0">
+                              <a:solidFill>
+                                <a:schemeClr val="dk1"/>
+                              </a:solidFill>
+                              <a:effectLst/>
+                              <a:latin typeface="+mn-lt"/>
+                              <a:ea typeface="+mn-ea"/>
+                              <a:cs typeface="+mn-cs"/>
+                            </a:rPr>
+                            <a:t>0.79422474</a:t>
+                          </a:r>
+                          <a:endParaRPr lang="en-US" dirty="0"/>
+                        </a:p>
+                      </a:txBody>
+                      <a:tcPr/>
+                    </a:tc>
+                    <a:extLst>
+                      <a:ext uri="{0D108BD9-81ED-4DB2-BD59-A6C34878D82A}">
+                        <a16:rowId xmlns:a16="http://schemas.microsoft.com/office/drawing/2014/main" val="2195572118"/>
+                      </a:ext>
+                    </a:extLst>
+                  </a:tr>
+                  <a:tr h="370840">
+                    <a:tc>
+                      <a:txBody>
+                        <a:bodyPr/>
+                        <a:lstStyle/>
+                        <a:p>
+                          <a:r>
+                            <a:rPr lang="en-US" dirty="0"/>
+                            <a:t>4</a:t>
+                          </a:r>
+                        </a:p>
+                      </a:txBody>
+                      <a:tcPr/>
+                    </a:tc>
+                    <a:tc>
+                      <a:txBody>
+                        <a:bodyPr/>
+                        <a:lstStyle/>
+                        <a:p>
+                          <a:r>
+                            <a:rPr lang="en-US" sz="1800" b="0" i="0" kern="1200" dirty="0">
+                              <a:solidFill>
+                                <a:schemeClr val="dk1"/>
+                              </a:solidFill>
+                              <a:effectLst/>
+                              <a:latin typeface="+mn-lt"/>
+                              <a:ea typeface="+mn-ea"/>
+                              <a:cs typeface="+mn-cs"/>
+                            </a:rPr>
+                            <a:t>4.4960876</a:t>
+                          </a:r>
+                          <a:endParaRPr lang="en-US" dirty="0"/>
+                        </a:p>
+                      </a:txBody>
+                      <a:tcPr/>
+                    </a:tc>
+                    <a:tc>
+                      <a:txBody>
+                        <a:bodyPr/>
+                        <a:lstStyle/>
+                        <a:p>
+                          <a:r>
+                            <a:rPr lang="en-US" sz="1800" b="0" i="0" kern="1200" dirty="0">
+                              <a:solidFill>
+                                <a:schemeClr val="dk1"/>
+                              </a:solidFill>
+                              <a:effectLst/>
+                              <a:latin typeface="+mn-lt"/>
+                              <a:ea typeface="+mn-ea"/>
+                              <a:cs typeface="+mn-cs"/>
+                            </a:rPr>
+                            <a:t>1.0711815</a:t>
+                          </a:r>
+                          <a:endParaRPr lang="en-US" dirty="0"/>
+                        </a:p>
+                      </a:txBody>
+                      <a:tcPr/>
+                    </a:tc>
+                    <a:extLst>
+                      <a:ext uri="{0D108BD9-81ED-4DB2-BD59-A6C34878D82A}">
+                        <a16:rowId xmlns:a16="http://schemas.microsoft.com/office/drawing/2014/main" val="3294719746"/>
+                      </a:ext>
+                    </a:extLst>
+                  </a:tr>
+                  <a:tr h="370840">
+                    <a:tc>
+                      <a:txBody>
+                        <a:bodyPr/>
+                        <a:lstStyle/>
+                        <a:p>
+                          <a:r>
+                            <a:rPr lang="en-US" dirty="0"/>
+                            <a:t>5</a:t>
+                          </a:r>
+                        </a:p>
+                      </a:txBody>
+                      <a:tcPr/>
+                    </a:tc>
+                    <a:tc>
+                      <a:txBody>
+                        <a:bodyPr/>
+                        <a:lstStyle/>
+                        <a:p>
+                          <a:r>
+                            <a:rPr lang="en-US" sz="1800" b="0" i="0" kern="1200" dirty="0">
+                              <a:solidFill>
+                                <a:schemeClr val="dk1"/>
+                              </a:solidFill>
+                              <a:effectLst/>
+                              <a:latin typeface="+mn-lt"/>
+                              <a:ea typeface="+mn-ea"/>
+                              <a:cs typeface="+mn-cs"/>
+                            </a:rPr>
+                            <a:t>5.087696</a:t>
+                          </a:r>
+                          <a:endParaRPr lang="en-US" dirty="0"/>
+                        </a:p>
+                      </a:txBody>
+                      <a:tcPr/>
+                    </a:tc>
+                    <a:tc>
+                      <a:txBody>
+                        <a:bodyPr/>
+                        <a:lstStyle/>
+                        <a:p>
+                          <a:r>
+                            <a:rPr lang="en-US" sz="1800" b="0" i="0" kern="1200" dirty="0">
+                              <a:solidFill>
+                                <a:schemeClr val="dk1"/>
+                              </a:solidFill>
+                              <a:effectLst/>
+                              <a:latin typeface="+mn-lt"/>
+                              <a:ea typeface="+mn-ea"/>
+                              <a:cs typeface="+mn-cs"/>
+                            </a:rPr>
+                            <a:t>0.8837178</a:t>
+                          </a:r>
+                          <a:endParaRPr lang="en-US" dirty="0"/>
+                        </a:p>
+                      </a:txBody>
+                      <a:tcPr/>
+                    </a:tc>
+                    <a:extLst>
+                      <a:ext uri="{0D108BD9-81ED-4DB2-BD59-A6C34878D82A}">
+                        <a16:rowId xmlns:a16="http://schemas.microsoft.com/office/drawing/2014/main" val="280320907"/>
+                      </a:ext>
+                    </a:extLst>
+                  </a:tr>
+                  <a:tr h="370840">
+                    <a:tc>
+                      <a:txBody>
+                        <a:bodyPr/>
+                        <a:lstStyle/>
+                        <a:p>
+                          <a:r>
+                            <a:rPr lang="en-US" dirty="0"/>
+                            <a:t>6</a:t>
+                          </a:r>
+                        </a:p>
+                      </a:txBody>
+                      <a:tcPr/>
+                    </a:tc>
+                    <a:tc>
+                      <a:txBody>
+                        <a:bodyPr/>
+                        <a:lstStyle/>
+                        <a:p>
+                          <a:r>
+                            <a:rPr lang="en-US" sz="1800" b="0" i="0" kern="1200" dirty="0">
+                              <a:solidFill>
+                                <a:schemeClr val="dk1"/>
+                              </a:solidFill>
+                              <a:effectLst/>
+                              <a:latin typeface="+mn-lt"/>
+                              <a:ea typeface="+mn-ea"/>
+                              <a:cs typeface="+mn-cs"/>
+                            </a:rPr>
+                            <a:t>4.605807</a:t>
+                          </a:r>
+                          <a:endParaRPr lang="en-US" dirty="0"/>
+                        </a:p>
+                      </a:txBody>
+                      <a:tcPr/>
+                    </a:tc>
+                    <a:tc>
+                      <a:txBody>
+                        <a:bodyPr/>
+                        <a:lstStyle/>
+                        <a:p>
+                          <a:r>
+                            <a:rPr lang="en-US" sz="1800" b="0" i="0" kern="1200" dirty="0">
+                              <a:solidFill>
+                                <a:schemeClr val="dk1"/>
+                              </a:solidFill>
+                              <a:effectLst/>
+                              <a:latin typeface="+mn-lt"/>
+                              <a:ea typeface="+mn-ea"/>
+                              <a:cs typeface="+mn-cs"/>
+                            </a:rPr>
+                            <a:t>1.1046264</a:t>
+                          </a:r>
+                          <a:endParaRPr lang="en-US" dirty="0"/>
+                        </a:p>
+                      </a:txBody>
+                      <a:tcPr/>
+                    </a:tc>
+                    <a:extLst>
+                      <a:ext uri="{0D108BD9-81ED-4DB2-BD59-A6C34878D82A}">
+                        <a16:rowId xmlns:a16="http://schemas.microsoft.com/office/drawing/2014/main" val="374553534"/>
+                      </a:ext>
+                    </a:extLst>
+                  </a:tr>
+                  <a:tr h="370840">
+                    <a:tc>
+                      <a:txBody>
+                        <a:bodyPr/>
+                        <a:lstStyle/>
+                        <a:p>
+                          <a:r>
+                            <a:rPr lang="en-US" dirty="0"/>
+                            <a:t>7</a:t>
+                          </a:r>
+                        </a:p>
+                      </a:txBody>
+                      <a:tcPr/>
+                    </a:tc>
+                    <a:tc>
+                      <a:txBody>
+                        <a:bodyPr/>
+                        <a:lstStyle/>
+                        <a:p>
+                          <a:r>
+                            <a:rPr lang="en-US" sz="1800" b="0" i="0" kern="1200" dirty="0">
+                              <a:solidFill>
+                                <a:schemeClr val="dk1"/>
+                              </a:solidFill>
+                              <a:effectLst/>
+                              <a:latin typeface="+mn-lt"/>
+                              <a:ea typeface="+mn-ea"/>
+                              <a:cs typeface="+mn-cs"/>
+                            </a:rPr>
+                            <a:t>5.0671635</a:t>
+                          </a:r>
+                          <a:endParaRPr lang="en-US" dirty="0"/>
+                        </a:p>
+                      </a:txBody>
+                      <a:tcPr/>
+                    </a:tc>
+                    <a:tc>
+                      <a:txBody>
+                        <a:bodyPr/>
+                        <a:lstStyle/>
+                        <a:p>
+                          <a:r>
+                            <a:rPr lang="en-US" sz="1800" b="0" i="0" kern="1200" dirty="0">
+                              <a:solidFill>
+                                <a:schemeClr val="dk1"/>
+                              </a:solidFill>
+                              <a:effectLst/>
+                              <a:latin typeface="+mn-lt"/>
+                              <a:ea typeface="+mn-ea"/>
+                              <a:cs typeface="+mn-cs"/>
+                            </a:rPr>
+                            <a:t>0.9089517</a:t>
+                          </a:r>
+                          <a:endParaRPr lang="en-US" dirty="0"/>
+                        </a:p>
+                      </a:txBody>
+                      <a:tcPr/>
+                    </a:tc>
+                    <a:extLst>
+                      <a:ext uri="{0D108BD9-81ED-4DB2-BD59-A6C34878D82A}">
+                        <a16:rowId xmlns:a16="http://schemas.microsoft.com/office/drawing/2014/main" val="2298953354"/>
+                      </a:ext>
+                    </a:extLst>
+                  </a:tr>
+                  <a:tr h="370840">
+                    <a:tc>
+                      <a:txBody>
+                        <a:bodyPr/>
+                        <a:lstStyle/>
+                        <a:p>
+                          <a:r>
+                            <a:rPr lang="en-US" dirty="0"/>
+                            <a:t>8</a:t>
+                          </a:r>
+                        </a:p>
+                      </a:txBody>
+                      <a:tcPr/>
+                    </a:tc>
+                    <a:tc>
+                      <a:txBody>
+                        <a:bodyPr/>
+                        <a:lstStyle/>
+                        <a:p>
+                          <a:r>
+                            <a:rPr lang="en-US" sz="1800" b="0" i="0" kern="1200" dirty="0">
+                              <a:solidFill>
+                                <a:schemeClr val="dk1"/>
+                              </a:solidFill>
+                              <a:effectLst/>
+                              <a:latin typeface="+mn-lt"/>
+                              <a:ea typeface="+mn-ea"/>
+                              <a:cs typeface="+mn-cs"/>
+                            </a:rPr>
+                            <a:t>4.580462</a:t>
+                          </a:r>
+                          <a:endParaRPr lang="en-US" dirty="0"/>
+                        </a:p>
+                      </a:txBody>
+                      <a:tcPr/>
+                    </a:tc>
+                    <a:tc>
+                      <a:txBody>
+                        <a:bodyPr/>
+                        <a:lstStyle/>
+                        <a:p>
+                          <a:r>
+                            <a:rPr lang="en-US" sz="1800" b="0" i="0" kern="1200" dirty="0">
+                              <a:solidFill>
+                                <a:schemeClr val="dk1"/>
+                              </a:solidFill>
+                              <a:effectLst/>
+                              <a:latin typeface="+mn-lt"/>
+                              <a:ea typeface="+mn-ea"/>
+                              <a:cs typeface="+mn-cs"/>
+                            </a:rPr>
+                            <a:t>1.106256</a:t>
+                          </a:r>
+                          <a:endParaRPr lang="en-US" dirty="0"/>
+                        </a:p>
+                      </a:txBody>
+                      <a:tcPr/>
+                    </a:tc>
+                    <a:extLst>
+                      <a:ext uri="{0D108BD9-81ED-4DB2-BD59-A6C34878D82A}">
+                        <a16:rowId xmlns:a16="http://schemas.microsoft.com/office/drawing/2014/main" val="402247081"/>
+                      </a:ext>
+                    </a:extLst>
+                  </a:tr>
+                  <a:tr h="370840">
+                    <a:tc>
+                      <a:txBody>
+                        <a:bodyPr/>
+                        <a:lstStyle/>
+                        <a:p>
+                          <a:r>
+                            <a:rPr lang="en-US" dirty="0"/>
+                            <a:t>9</a:t>
+                          </a:r>
+                        </a:p>
+                      </a:txBody>
+                      <a:tcPr/>
+                    </a:tc>
+                    <a:tc>
+                      <a:txBody>
+                        <a:bodyPr/>
+                        <a:lstStyle/>
+                        <a:p>
+                          <a:r>
+                            <a:rPr lang="en-US" sz="1800" b="0" i="0" kern="1200" dirty="0">
+                              <a:solidFill>
+                                <a:schemeClr val="dk1"/>
+                              </a:solidFill>
+                              <a:effectLst/>
+                              <a:latin typeface="+mn-lt"/>
+                              <a:ea typeface="+mn-ea"/>
+                              <a:cs typeface="+mn-cs"/>
+                            </a:rPr>
+                            <a:t>5.032501</a:t>
+                          </a:r>
+                          <a:endParaRPr lang="en-US" dirty="0"/>
+                        </a:p>
+                      </a:txBody>
+                      <a:tcPr/>
+                    </a:tc>
+                    <a:tc>
+                      <a:txBody>
+                        <a:bodyPr/>
+                        <a:lstStyle/>
+                        <a:p>
+                          <a:r>
+                            <a:rPr lang="en-US" sz="1800" b="0" i="0" kern="1200" dirty="0">
+                              <a:solidFill>
+                                <a:schemeClr val="dk1"/>
+                              </a:solidFill>
+                              <a:effectLst/>
+                              <a:latin typeface="+mn-lt"/>
+                              <a:ea typeface="+mn-ea"/>
+                              <a:cs typeface="+mn-cs"/>
+                            </a:rPr>
+                            <a:t>0.91017604</a:t>
+                          </a:r>
+                          <a:endParaRPr lang="en-US" dirty="0"/>
+                        </a:p>
+                      </a:txBody>
+                      <a:tcPr/>
+                    </a:tc>
+                    <a:extLst>
+                      <a:ext uri="{0D108BD9-81ED-4DB2-BD59-A6C34878D82A}">
+                        <a16:rowId xmlns:a16="http://schemas.microsoft.com/office/drawing/2014/main" val="1966155012"/>
+                      </a:ext>
+                    </a:extLst>
+                  </a:tr>
+                  <a:tr h="370840">
+                    <a:tc>
+                      <a:txBody>
+                        <a:bodyPr/>
+                        <a:lstStyle/>
+                        <a:p>
+                          <a:r>
+                            <a:rPr lang="en-US" dirty="0"/>
+                            <a:t>10</a:t>
+                          </a:r>
+                        </a:p>
+                      </a:txBody>
+                      <a:tcPr/>
+                    </a:tc>
+                    <a:tc>
+                      <a:txBody>
+                        <a:bodyPr/>
+                        <a:lstStyle/>
+                        <a:p>
+                          <a:r>
+                            <a:rPr lang="en-US" sz="1800" b="0" i="0" kern="1200" dirty="0">
+                              <a:solidFill>
+                                <a:schemeClr val="dk1"/>
+                              </a:solidFill>
+                              <a:effectLst/>
+                              <a:latin typeface="+mn-lt"/>
+                              <a:ea typeface="+mn-ea"/>
+                              <a:cs typeface="+mn-cs"/>
+                            </a:rPr>
+                            <a:t>4.579993</a:t>
+                          </a:r>
+                          <a:endParaRPr lang="en-US" dirty="0"/>
+                        </a:p>
+                      </a:txBody>
+                      <a:tcPr/>
+                    </a:tc>
+                    <a:tc>
+                      <a:txBody>
+                        <a:bodyPr/>
+                        <a:lstStyle/>
+                        <a:p>
+                          <a:r>
+                            <a:rPr lang="en-US" sz="1800" b="0" i="0" kern="1200" dirty="0">
+                              <a:solidFill>
+                                <a:schemeClr val="dk1"/>
+                              </a:solidFill>
+                              <a:effectLst/>
+                              <a:latin typeface="+mn-lt"/>
+                              <a:ea typeface="+mn-ea"/>
+                              <a:cs typeface="+mn-cs"/>
+                            </a:rPr>
+                            <a:t>1.0988011</a:t>
+                          </a:r>
+                          <a:endParaRPr lang="en-US" dirty="0"/>
+                        </a:p>
+                      </a:txBody>
+                      <a:tcPr/>
+                    </a:tc>
+                    <a:extLst>
+                      <a:ext uri="{0D108BD9-81ED-4DB2-BD59-A6C34878D82A}">
+                        <a16:rowId xmlns:a16="http://schemas.microsoft.com/office/drawing/2014/main" val="2601845934"/>
+                      </a:ext>
+                    </a:extLst>
+                  </a:tr>
+                </a:tbl>
+              </a:graphicData>
+            </a:graphic>
+          </p:graphicFrame>
+        </mc:Choice>
+        <mc:Fallback>
+          <p:graphicFrame>
+            <p:nvGraphicFramePr>
+              <p:cNvPr id="4" name="Table 4">
+                <a:extLst>
+                  <a:ext uri="{FF2B5EF4-FFF2-40B4-BE49-F238E27FC236}">
+                    <a16:creationId xmlns:a16="http://schemas.microsoft.com/office/drawing/2014/main" id="{5B43EA4E-CD44-4F24-B38B-7FCAA702355C}"/>
+                  </a:ext>
+                </a:extLst>
+              </p:cNvPr>
+              <p:cNvGraphicFramePr>
+                <a:graphicFrameLocks noGrp="1"/>
+              </p:cNvGraphicFramePr>
+              <p:nvPr>
+                <p:ph idx="1"/>
+                <p:extLst>
+                  <p:ext uri="{D42A27DB-BD31-4B8C-83A1-F6EECF244321}">
+                    <p14:modId xmlns:p14="http://schemas.microsoft.com/office/powerpoint/2010/main" val="2224302100"/>
+                  </p:ext>
+                </p:extLst>
+              </p:nvPr>
+            </p:nvGraphicFramePr>
+            <p:xfrm>
+              <a:off x="3734020" y="1921298"/>
+              <a:ext cx="5331501" cy="4450080"/>
+            </p:xfrm>
+            <a:graphic>
+              <a:graphicData uri="http://schemas.openxmlformats.org/drawingml/2006/table">
+                <a:tbl>
+                  <a:tblPr firstRow="1" bandRow="1">
+                    <a:tableStyleId>{5C22544A-7EE6-4342-B048-85BDC9FD1C3A}</a:tableStyleId>
+                  </a:tblPr>
+                  <a:tblGrid>
+                    <a:gridCol w="936812">
+                      <a:extLst>
+                        <a:ext uri="{9D8B030D-6E8A-4147-A177-3AD203B41FA5}">
+                          <a16:colId xmlns:a16="http://schemas.microsoft.com/office/drawing/2014/main" val="2086269430"/>
+                        </a:ext>
+                      </a:extLst>
+                    </a:gridCol>
+                    <a:gridCol w="2124635">
+                      <a:extLst>
+                        <a:ext uri="{9D8B030D-6E8A-4147-A177-3AD203B41FA5}">
+                          <a16:colId xmlns:a16="http://schemas.microsoft.com/office/drawing/2014/main" val="1918639132"/>
+                        </a:ext>
+                      </a:extLst>
+                    </a:gridCol>
+                    <a:gridCol w="2270054">
+                      <a:extLst>
+                        <a:ext uri="{9D8B030D-6E8A-4147-A177-3AD203B41FA5}">
+                          <a16:colId xmlns:a16="http://schemas.microsoft.com/office/drawing/2014/main" val="1142211300"/>
+                        </a:ext>
+                      </a:extLst>
+                    </a:gridCol>
+                  </a:tblGrid>
+                  <a:tr h="370840">
+                    <a:tc>
+                      <a:txBody>
+                        <a:bodyPr/>
+                        <a:lstStyle/>
+                        <a:p>
+                          <a:endParaRPr lang="en-US"/>
+                        </a:p>
+                      </a:txBody>
+                      <a:tcPr>
+                        <a:blipFill>
+                          <a:blip r:embed="rId2"/>
+                          <a:stretch>
+                            <a:fillRect l="-649" t="-1639" r="-471429" b="-1121311"/>
+                          </a:stretch>
+                        </a:blipFill>
+                      </a:tcPr>
+                    </a:tc>
+                    <a:tc>
+                      <a:txBody>
+                        <a:bodyPr/>
+                        <a:lstStyle/>
+                        <a:p>
+                          <a:endParaRPr lang="en-US"/>
+                        </a:p>
+                      </a:txBody>
+                      <a:tcPr>
+                        <a:blipFill>
+                          <a:blip r:embed="rId2"/>
+                          <a:stretch>
+                            <a:fillRect l="-44413" t="-1639" r="-108023" b="-1121311"/>
+                          </a:stretch>
+                        </a:blipFill>
+                      </a:tcPr>
+                    </a:tc>
+                    <a:tc>
+                      <a:txBody>
+                        <a:bodyPr/>
+                        <a:lstStyle/>
+                        <a:p>
+                          <a:endParaRPr lang="en-US"/>
+                        </a:p>
+                      </a:txBody>
+                      <a:tcPr>
+                        <a:blipFill>
+                          <a:blip r:embed="rId2"/>
+                          <a:stretch>
+                            <a:fillRect l="-135121" t="-1639" r="-1072" b="-1121311"/>
+                          </a:stretch>
+                        </a:blipFill>
+                      </a:tcPr>
+                    </a:tc>
+                    <a:extLst>
+                      <a:ext uri="{0D108BD9-81ED-4DB2-BD59-A6C34878D82A}">
+                        <a16:rowId xmlns:a16="http://schemas.microsoft.com/office/drawing/2014/main" val="1716745790"/>
+                      </a:ext>
+                    </a:extLst>
+                  </a:tr>
+                  <a:tr h="370840">
+                    <a:tc>
+                      <a:txBody>
+                        <a:bodyPr/>
+                        <a:lstStyle/>
+                        <a:p>
+                          <a:r>
+                            <a:rPr lang="en-US" dirty="0"/>
+                            <a:t>0</a:t>
+                          </a:r>
+                        </a:p>
+                      </a:txBody>
+                      <a:tcPr/>
+                    </a:tc>
+                    <a:tc>
+                      <a:txBody>
+                        <a:bodyPr/>
+                        <a:lstStyle/>
+                        <a:p>
+                          <a:r>
+                            <a:rPr lang="en-US" dirty="0"/>
+                            <a:t>10</a:t>
+                          </a:r>
+                        </a:p>
+                      </a:txBody>
+                      <a:tcPr/>
+                    </a:tc>
+                    <a:tc>
+                      <a:txBody>
+                        <a:bodyPr/>
+                        <a:lstStyle/>
+                        <a:p>
+                          <a:r>
+                            <a:rPr lang="en-US" dirty="0"/>
+                            <a:t>1</a:t>
+                          </a:r>
+                        </a:p>
+                      </a:txBody>
+                      <a:tcPr/>
+                    </a:tc>
+                    <a:extLst>
+                      <a:ext uri="{0D108BD9-81ED-4DB2-BD59-A6C34878D82A}">
+                        <a16:rowId xmlns:a16="http://schemas.microsoft.com/office/drawing/2014/main" val="4217579758"/>
+                      </a:ext>
+                    </a:extLst>
+                  </a:tr>
+                  <a:tr h="370840">
+                    <a:tc>
+                      <a:txBody>
+                        <a:bodyPr/>
+                        <a:lstStyle/>
+                        <a:p>
+                          <a:r>
+                            <a:rPr lang="en-US" dirty="0"/>
+                            <a:t>1</a:t>
+                          </a:r>
+                        </a:p>
+                      </a:txBody>
+                      <a:tcPr/>
+                    </a:tc>
+                    <a:tc>
+                      <a:txBody>
+                        <a:bodyPr/>
+                        <a:lstStyle/>
+                        <a:p>
+                          <a:r>
+                            <a:rPr lang="en-US" sz="1800" b="0" i="0" kern="1200" dirty="0">
+                              <a:solidFill>
+                                <a:schemeClr val="dk1"/>
+                              </a:solidFill>
+                              <a:effectLst/>
+                              <a:latin typeface="+mn-lt"/>
+                              <a:ea typeface="+mn-ea"/>
+                              <a:cs typeface="+mn-cs"/>
+                            </a:rPr>
+                            <a:t>3.7982116</a:t>
+                          </a:r>
+                          <a:endParaRPr lang="en-US" dirty="0"/>
+                        </a:p>
+                      </a:txBody>
+                      <a:tcPr/>
+                    </a:tc>
+                    <a:tc>
+                      <a:txBody>
+                        <a:bodyPr/>
+                        <a:lstStyle/>
+                        <a:p>
+                          <a:r>
+                            <a:rPr lang="en-US" sz="1800" b="0" i="0" kern="1200" dirty="0">
+                              <a:solidFill>
+                                <a:schemeClr val="dk1"/>
+                              </a:solidFill>
+                              <a:effectLst/>
+                              <a:latin typeface="+mn-lt"/>
+                              <a:ea typeface="+mn-ea"/>
+                              <a:cs typeface="+mn-cs"/>
+                            </a:rPr>
+                            <a:t>2.632818</a:t>
+                          </a:r>
+                          <a:endParaRPr lang="en-US" dirty="0"/>
+                        </a:p>
+                      </a:txBody>
+                      <a:tcPr/>
+                    </a:tc>
+                    <a:extLst>
+                      <a:ext uri="{0D108BD9-81ED-4DB2-BD59-A6C34878D82A}">
+                        <a16:rowId xmlns:a16="http://schemas.microsoft.com/office/drawing/2014/main" val="1906941637"/>
+                      </a:ext>
+                    </a:extLst>
+                  </a:tr>
+                  <a:tr h="370840">
+                    <a:tc>
+                      <a:txBody>
+                        <a:bodyPr/>
+                        <a:lstStyle/>
+                        <a:p>
+                          <a:r>
+                            <a:rPr lang="en-US" dirty="0"/>
+                            <a:t>2</a:t>
+                          </a:r>
+                        </a:p>
+                      </a:txBody>
+                      <a:tcPr/>
+                    </a:tc>
+                    <a:tc>
+                      <a:txBody>
+                        <a:bodyPr/>
+                        <a:lstStyle/>
+                        <a:p>
+                          <a:r>
+                            <a:rPr lang="en-US" sz="1800" b="0" i="0" kern="1200" dirty="0">
+                              <a:solidFill>
+                                <a:schemeClr val="dk1"/>
+                              </a:solidFill>
+                              <a:effectLst/>
+                              <a:latin typeface="+mn-lt"/>
+                              <a:ea typeface="+mn-ea"/>
+                              <a:cs typeface="+mn-cs"/>
+                            </a:rPr>
+                            <a:t>3.8250864</a:t>
+                          </a:r>
+                          <a:endParaRPr lang="en-US" dirty="0"/>
+                        </a:p>
+                      </a:txBody>
+                      <a:tcPr/>
+                    </a:tc>
+                    <a:tc>
+                      <a:txBody>
+                        <a:bodyPr/>
+                        <a:lstStyle/>
+                        <a:p>
+                          <a:r>
+                            <a:rPr lang="en-US" sz="1800" b="0" i="0" kern="1200" dirty="0">
+                              <a:solidFill>
+                                <a:schemeClr val="dk1"/>
+                              </a:solidFill>
+                              <a:effectLst/>
+                              <a:latin typeface="+mn-lt"/>
+                              <a:ea typeface="+mn-ea"/>
+                              <a:cs typeface="+mn-cs"/>
+                            </a:rPr>
+                            <a:t>0.99297404</a:t>
+                          </a:r>
+                          <a:endParaRPr lang="en-US" dirty="0"/>
+                        </a:p>
+                      </a:txBody>
+                      <a:tcPr/>
+                    </a:tc>
+                    <a:extLst>
+                      <a:ext uri="{0D108BD9-81ED-4DB2-BD59-A6C34878D82A}">
+                        <a16:rowId xmlns:a16="http://schemas.microsoft.com/office/drawing/2014/main" val="870535473"/>
+                      </a:ext>
+                    </a:extLst>
+                  </a:tr>
+                  <a:tr h="370840">
+                    <a:tc>
+                      <a:txBody>
+                        <a:bodyPr/>
+                        <a:lstStyle/>
+                        <a:p>
+                          <a:r>
+                            <a:rPr lang="en-US" dirty="0"/>
+                            <a:t>3</a:t>
+                          </a:r>
+                        </a:p>
+                      </a:txBody>
+                      <a:tcPr/>
+                    </a:tc>
+                    <a:tc>
+                      <a:txBody>
+                        <a:bodyPr/>
+                        <a:lstStyle/>
+                        <a:p>
+                          <a:r>
+                            <a:rPr lang="en-US" sz="1800" b="0" i="0" kern="1200" dirty="0">
+                              <a:solidFill>
+                                <a:schemeClr val="dk1"/>
+                              </a:solidFill>
+                              <a:effectLst/>
+                              <a:latin typeface="+mn-lt"/>
+                              <a:ea typeface="+mn-ea"/>
+                              <a:cs typeface="+mn-cs"/>
+                            </a:rPr>
+                            <a:t>4.816126</a:t>
+                          </a:r>
+                          <a:endParaRPr lang="en-US" dirty="0"/>
+                        </a:p>
+                      </a:txBody>
+                      <a:tcPr/>
+                    </a:tc>
+                    <a:tc>
+                      <a:txBody>
+                        <a:bodyPr/>
+                        <a:lstStyle/>
+                        <a:p>
+                          <a:r>
+                            <a:rPr lang="en-US" sz="1800" b="0" i="0" kern="1200" dirty="0">
+                              <a:solidFill>
+                                <a:schemeClr val="dk1"/>
+                              </a:solidFill>
+                              <a:effectLst/>
+                              <a:latin typeface="+mn-lt"/>
+                              <a:ea typeface="+mn-ea"/>
+                              <a:cs typeface="+mn-cs"/>
+                            </a:rPr>
+                            <a:t>0.79422474</a:t>
+                          </a:r>
+                          <a:endParaRPr lang="en-US" dirty="0"/>
+                        </a:p>
+                      </a:txBody>
+                      <a:tcPr/>
+                    </a:tc>
+                    <a:extLst>
+                      <a:ext uri="{0D108BD9-81ED-4DB2-BD59-A6C34878D82A}">
+                        <a16:rowId xmlns:a16="http://schemas.microsoft.com/office/drawing/2014/main" val="2195572118"/>
+                      </a:ext>
+                    </a:extLst>
+                  </a:tr>
+                  <a:tr h="370840">
+                    <a:tc>
+                      <a:txBody>
+                        <a:bodyPr/>
+                        <a:lstStyle/>
+                        <a:p>
+                          <a:r>
+                            <a:rPr lang="en-US" dirty="0"/>
+                            <a:t>4</a:t>
+                          </a:r>
+                        </a:p>
+                      </a:txBody>
+                      <a:tcPr/>
+                    </a:tc>
+                    <a:tc>
+                      <a:txBody>
+                        <a:bodyPr/>
+                        <a:lstStyle/>
+                        <a:p>
+                          <a:r>
+                            <a:rPr lang="en-US" sz="1800" b="0" i="0" kern="1200" dirty="0">
+                              <a:solidFill>
+                                <a:schemeClr val="dk1"/>
+                              </a:solidFill>
+                              <a:effectLst/>
+                              <a:latin typeface="+mn-lt"/>
+                              <a:ea typeface="+mn-ea"/>
+                              <a:cs typeface="+mn-cs"/>
+                            </a:rPr>
+                            <a:t>4.4960876</a:t>
+                          </a:r>
+                          <a:endParaRPr lang="en-US" dirty="0"/>
+                        </a:p>
+                      </a:txBody>
+                      <a:tcPr/>
+                    </a:tc>
+                    <a:tc>
+                      <a:txBody>
+                        <a:bodyPr/>
+                        <a:lstStyle/>
+                        <a:p>
+                          <a:r>
+                            <a:rPr lang="en-US" sz="1800" b="0" i="0" kern="1200" dirty="0">
+                              <a:solidFill>
+                                <a:schemeClr val="dk1"/>
+                              </a:solidFill>
+                              <a:effectLst/>
+                              <a:latin typeface="+mn-lt"/>
+                              <a:ea typeface="+mn-ea"/>
+                              <a:cs typeface="+mn-cs"/>
+                            </a:rPr>
+                            <a:t>1.0711815</a:t>
+                          </a:r>
+                          <a:endParaRPr lang="en-US" dirty="0"/>
+                        </a:p>
+                      </a:txBody>
+                      <a:tcPr/>
+                    </a:tc>
+                    <a:extLst>
+                      <a:ext uri="{0D108BD9-81ED-4DB2-BD59-A6C34878D82A}">
+                        <a16:rowId xmlns:a16="http://schemas.microsoft.com/office/drawing/2014/main" val="3294719746"/>
+                      </a:ext>
+                    </a:extLst>
+                  </a:tr>
+                  <a:tr h="370840">
+                    <a:tc>
+                      <a:txBody>
+                        <a:bodyPr/>
+                        <a:lstStyle/>
+                        <a:p>
+                          <a:r>
+                            <a:rPr lang="en-US" dirty="0"/>
+                            <a:t>5</a:t>
+                          </a:r>
+                        </a:p>
+                      </a:txBody>
+                      <a:tcPr/>
+                    </a:tc>
+                    <a:tc>
+                      <a:txBody>
+                        <a:bodyPr/>
+                        <a:lstStyle/>
+                        <a:p>
+                          <a:r>
+                            <a:rPr lang="en-US" sz="1800" b="0" i="0" kern="1200" dirty="0">
+                              <a:solidFill>
+                                <a:schemeClr val="dk1"/>
+                              </a:solidFill>
+                              <a:effectLst/>
+                              <a:latin typeface="+mn-lt"/>
+                              <a:ea typeface="+mn-ea"/>
+                              <a:cs typeface="+mn-cs"/>
+                            </a:rPr>
+                            <a:t>5.087696</a:t>
+                          </a:r>
+                          <a:endParaRPr lang="en-US" dirty="0"/>
+                        </a:p>
+                      </a:txBody>
+                      <a:tcPr/>
+                    </a:tc>
+                    <a:tc>
+                      <a:txBody>
+                        <a:bodyPr/>
+                        <a:lstStyle/>
+                        <a:p>
+                          <a:r>
+                            <a:rPr lang="en-US" sz="1800" b="0" i="0" kern="1200" dirty="0">
+                              <a:solidFill>
+                                <a:schemeClr val="dk1"/>
+                              </a:solidFill>
+                              <a:effectLst/>
+                              <a:latin typeface="+mn-lt"/>
+                              <a:ea typeface="+mn-ea"/>
+                              <a:cs typeface="+mn-cs"/>
+                            </a:rPr>
+                            <a:t>0.8837178</a:t>
+                          </a:r>
+                          <a:endParaRPr lang="en-US" dirty="0"/>
+                        </a:p>
+                      </a:txBody>
+                      <a:tcPr/>
+                    </a:tc>
+                    <a:extLst>
+                      <a:ext uri="{0D108BD9-81ED-4DB2-BD59-A6C34878D82A}">
+                        <a16:rowId xmlns:a16="http://schemas.microsoft.com/office/drawing/2014/main" val="280320907"/>
+                      </a:ext>
+                    </a:extLst>
+                  </a:tr>
+                  <a:tr h="370840">
+                    <a:tc>
+                      <a:txBody>
+                        <a:bodyPr/>
+                        <a:lstStyle/>
+                        <a:p>
+                          <a:r>
+                            <a:rPr lang="en-US" dirty="0"/>
+                            <a:t>6</a:t>
+                          </a:r>
+                        </a:p>
+                      </a:txBody>
+                      <a:tcPr/>
+                    </a:tc>
+                    <a:tc>
+                      <a:txBody>
+                        <a:bodyPr/>
+                        <a:lstStyle/>
+                        <a:p>
+                          <a:r>
+                            <a:rPr lang="en-US" sz="1800" b="0" i="0" kern="1200" dirty="0">
+                              <a:solidFill>
+                                <a:schemeClr val="dk1"/>
+                              </a:solidFill>
+                              <a:effectLst/>
+                              <a:latin typeface="+mn-lt"/>
+                              <a:ea typeface="+mn-ea"/>
+                              <a:cs typeface="+mn-cs"/>
+                            </a:rPr>
+                            <a:t>4.605807</a:t>
+                          </a:r>
+                          <a:endParaRPr lang="en-US" dirty="0"/>
+                        </a:p>
+                      </a:txBody>
+                      <a:tcPr/>
+                    </a:tc>
+                    <a:tc>
+                      <a:txBody>
+                        <a:bodyPr/>
+                        <a:lstStyle/>
+                        <a:p>
+                          <a:r>
+                            <a:rPr lang="en-US" sz="1800" b="0" i="0" kern="1200" dirty="0">
+                              <a:solidFill>
+                                <a:schemeClr val="dk1"/>
+                              </a:solidFill>
+                              <a:effectLst/>
+                              <a:latin typeface="+mn-lt"/>
+                              <a:ea typeface="+mn-ea"/>
+                              <a:cs typeface="+mn-cs"/>
+                            </a:rPr>
+                            <a:t>1.1046264</a:t>
+                          </a:r>
+                          <a:endParaRPr lang="en-US" dirty="0"/>
+                        </a:p>
+                      </a:txBody>
+                      <a:tcPr/>
+                    </a:tc>
+                    <a:extLst>
+                      <a:ext uri="{0D108BD9-81ED-4DB2-BD59-A6C34878D82A}">
+                        <a16:rowId xmlns:a16="http://schemas.microsoft.com/office/drawing/2014/main" val="374553534"/>
+                      </a:ext>
+                    </a:extLst>
+                  </a:tr>
+                  <a:tr h="370840">
+                    <a:tc>
+                      <a:txBody>
+                        <a:bodyPr/>
+                        <a:lstStyle/>
+                        <a:p>
+                          <a:r>
+                            <a:rPr lang="en-US" dirty="0"/>
+                            <a:t>7</a:t>
+                          </a:r>
+                        </a:p>
+                      </a:txBody>
+                      <a:tcPr/>
+                    </a:tc>
+                    <a:tc>
+                      <a:txBody>
+                        <a:bodyPr/>
+                        <a:lstStyle/>
+                        <a:p>
+                          <a:r>
+                            <a:rPr lang="en-US" sz="1800" b="0" i="0" kern="1200" dirty="0">
+                              <a:solidFill>
+                                <a:schemeClr val="dk1"/>
+                              </a:solidFill>
+                              <a:effectLst/>
+                              <a:latin typeface="+mn-lt"/>
+                              <a:ea typeface="+mn-ea"/>
+                              <a:cs typeface="+mn-cs"/>
+                            </a:rPr>
+                            <a:t>5.0671635</a:t>
+                          </a:r>
+                          <a:endParaRPr lang="en-US" dirty="0"/>
+                        </a:p>
+                      </a:txBody>
+                      <a:tcPr/>
+                    </a:tc>
+                    <a:tc>
+                      <a:txBody>
+                        <a:bodyPr/>
+                        <a:lstStyle/>
+                        <a:p>
+                          <a:r>
+                            <a:rPr lang="en-US" sz="1800" b="0" i="0" kern="1200" dirty="0">
+                              <a:solidFill>
+                                <a:schemeClr val="dk1"/>
+                              </a:solidFill>
+                              <a:effectLst/>
+                              <a:latin typeface="+mn-lt"/>
+                              <a:ea typeface="+mn-ea"/>
+                              <a:cs typeface="+mn-cs"/>
+                            </a:rPr>
+                            <a:t>0.9089517</a:t>
+                          </a:r>
+                          <a:endParaRPr lang="en-US" dirty="0"/>
+                        </a:p>
+                      </a:txBody>
+                      <a:tcPr/>
+                    </a:tc>
+                    <a:extLst>
+                      <a:ext uri="{0D108BD9-81ED-4DB2-BD59-A6C34878D82A}">
+                        <a16:rowId xmlns:a16="http://schemas.microsoft.com/office/drawing/2014/main" val="2298953354"/>
+                      </a:ext>
+                    </a:extLst>
+                  </a:tr>
+                  <a:tr h="370840">
+                    <a:tc>
+                      <a:txBody>
+                        <a:bodyPr/>
+                        <a:lstStyle/>
+                        <a:p>
+                          <a:r>
+                            <a:rPr lang="en-US" dirty="0"/>
+                            <a:t>8</a:t>
+                          </a:r>
+                        </a:p>
+                      </a:txBody>
+                      <a:tcPr/>
+                    </a:tc>
+                    <a:tc>
+                      <a:txBody>
+                        <a:bodyPr/>
+                        <a:lstStyle/>
+                        <a:p>
+                          <a:r>
+                            <a:rPr lang="en-US" sz="1800" b="0" i="0" kern="1200" dirty="0">
+                              <a:solidFill>
+                                <a:schemeClr val="dk1"/>
+                              </a:solidFill>
+                              <a:effectLst/>
+                              <a:latin typeface="+mn-lt"/>
+                              <a:ea typeface="+mn-ea"/>
+                              <a:cs typeface="+mn-cs"/>
+                            </a:rPr>
+                            <a:t>4.580462</a:t>
+                          </a:r>
+                          <a:endParaRPr lang="en-US" dirty="0"/>
+                        </a:p>
+                      </a:txBody>
+                      <a:tcPr/>
+                    </a:tc>
+                    <a:tc>
+                      <a:txBody>
+                        <a:bodyPr/>
+                        <a:lstStyle/>
+                        <a:p>
+                          <a:r>
+                            <a:rPr lang="en-US" sz="1800" b="0" i="0" kern="1200" dirty="0">
+                              <a:solidFill>
+                                <a:schemeClr val="dk1"/>
+                              </a:solidFill>
+                              <a:effectLst/>
+                              <a:latin typeface="+mn-lt"/>
+                              <a:ea typeface="+mn-ea"/>
+                              <a:cs typeface="+mn-cs"/>
+                            </a:rPr>
+                            <a:t>1.106256</a:t>
+                          </a:r>
+                          <a:endParaRPr lang="en-US" dirty="0"/>
+                        </a:p>
+                      </a:txBody>
+                      <a:tcPr/>
+                    </a:tc>
+                    <a:extLst>
+                      <a:ext uri="{0D108BD9-81ED-4DB2-BD59-A6C34878D82A}">
+                        <a16:rowId xmlns:a16="http://schemas.microsoft.com/office/drawing/2014/main" val="402247081"/>
+                      </a:ext>
+                    </a:extLst>
+                  </a:tr>
+                  <a:tr h="370840">
+                    <a:tc>
+                      <a:txBody>
+                        <a:bodyPr/>
+                        <a:lstStyle/>
+                        <a:p>
+                          <a:r>
+                            <a:rPr lang="en-US" dirty="0"/>
+                            <a:t>9</a:t>
+                          </a:r>
+                        </a:p>
+                      </a:txBody>
+                      <a:tcPr/>
+                    </a:tc>
+                    <a:tc>
+                      <a:txBody>
+                        <a:bodyPr/>
+                        <a:lstStyle/>
+                        <a:p>
+                          <a:r>
+                            <a:rPr lang="en-US" sz="1800" b="0" i="0" kern="1200" dirty="0">
+                              <a:solidFill>
+                                <a:schemeClr val="dk1"/>
+                              </a:solidFill>
+                              <a:effectLst/>
+                              <a:latin typeface="+mn-lt"/>
+                              <a:ea typeface="+mn-ea"/>
+                              <a:cs typeface="+mn-cs"/>
+                            </a:rPr>
+                            <a:t>5.032501</a:t>
+                          </a:r>
+                          <a:endParaRPr lang="en-US" dirty="0"/>
+                        </a:p>
+                      </a:txBody>
+                      <a:tcPr/>
+                    </a:tc>
+                    <a:tc>
+                      <a:txBody>
+                        <a:bodyPr/>
+                        <a:lstStyle/>
+                        <a:p>
+                          <a:r>
+                            <a:rPr lang="en-US" sz="1800" b="0" i="0" kern="1200" dirty="0">
+                              <a:solidFill>
+                                <a:schemeClr val="dk1"/>
+                              </a:solidFill>
+                              <a:effectLst/>
+                              <a:latin typeface="+mn-lt"/>
+                              <a:ea typeface="+mn-ea"/>
+                              <a:cs typeface="+mn-cs"/>
+                            </a:rPr>
+                            <a:t>0.91017604</a:t>
+                          </a:r>
+                          <a:endParaRPr lang="en-US" dirty="0"/>
+                        </a:p>
+                      </a:txBody>
+                      <a:tcPr/>
+                    </a:tc>
+                    <a:extLst>
+                      <a:ext uri="{0D108BD9-81ED-4DB2-BD59-A6C34878D82A}">
+                        <a16:rowId xmlns:a16="http://schemas.microsoft.com/office/drawing/2014/main" val="1966155012"/>
+                      </a:ext>
+                    </a:extLst>
+                  </a:tr>
+                  <a:tr h="370840">
+                    <a:tc>
+                      <a:txBody>
+                        <a:bodyPr/>
+                        <a:lstStyle/>
+                        <a:p>
+                          <a:r>
+                            <a:rPr lang="en-US" dirty="0"/>
+                            <a:t>10</a:t>
+                          </a:r>
+                        </a:p>
+                      </a:txBody>
+                      <a:tcPr/>
+                    </a:tc>
+                    <a:tc>
+                      <a:txBody>
+                        <a:bodyPr/>
+                        <a:lstStyle/>
+                        <a:p>
+                          <a:r>
+                            <a:rPr lang="en-US" sz="1800" b="0" i="0" kern="1200" dirty="0">
+                              <a:solidFill>
+                                <a:schemeClr val="dk1"/>
+                              </a:solidFill>
+                              <a:effectLst/>
+                              <a:latin typeface="+mn-lt"/>
+                              <a:ea typeface="+mn-ea"/>
+                              <a:cs typeface="+mn-cs"/>
+                            </a:rPr>
+                            <a:t>4.579993</a:t>
+                          </a:r>
+                          <a:endParaRPr lang="en-US" dirty="0"/>
+                        </a:p>
+                      </a:txBody>
+                      <a:tcPr/>
+                    </a:tc>
+                    <a:tc>
+                      <a:txBody>
+                        <a:bodyPr/>
+                        <a:lstStyle/>
+                        <a:p>
+                          <a:r>
+                            <a:rPr lang="en-US" sz="1800" b="0" i="0" kern="1200" dirty="0">
+                              <a:solidFill>
+                                <a:schemeClr val="dk1"/>
+                              </a:solidFill>
+                              <a:effectLst/>
+                              <a:latin typeface="+mn-lt"/>
+                              <a:ea typeface="+mn-ea"/>
+                              <a:cs typeface="+mn-cs"/>
+                            </a:rPr>
+                            <a:t>1.0988011</a:t>
+                          </a:r>
+                          <a:endParaRPr lang="en-US" dirty="0"/>
+                        </a:p>
+                      </a:txBody>
+                      <a:tcPr/>
+                    </a:tc>
+                    <a:extLst>
+                      <a:ext uri="{0D108BD9-81ED-4DB2-BD59-A6C34878D82A}">
+                        <a16:rowId xmlns:a16="http://schemas.microsoft.com/office/drawing/2014/main" val="2601845934"/>
+                      </a:ext>
+                    </a:extLst>
+                  </a:tr>
+                </a:tbl>
+              </a:graphicData>
+            </a:graphic>
+          </p:graphicFrame>
+        </mc:Fallback>
+      </mc:AlternateContent>
+    </p:spTree>
+    <p:extLst>
+      <p:ext uri="{BB962C8B-B14F-4D97-AF65-F5344CB8AC3E}">
+        <p14:creationId xmlns:p14="http://schemas.microsoft.com/office/powerpoint/2010/main" val="206908705"/>
       </p:ext>
     </p:extLst>
   </p:cSld>
@@ -6326,7 +13810,70 @@
                 </a14:m>
                 <a:r>
                   <a:rPr lang="en-US" dirty="0"/>
-                  <a:t> is the inverse aspect ration, </a:t>
+                  <a:t> is the inverse aspect ratio </a:t>
+                </a:r>
+                <a14:m>
+                  <m:oMath xmlns:m="http://schemas.openxmlformats.org/officeDocument/2006/math">
+                    <m:d>
+                      <m:dPr>
+                        <m:ctrlPr>
+                          <a:rPr lang="en-US" b="0" i="1" smtClean="0">
+                            <a:latin typeface="Cambria Math" panose="02040503050406030204" pitchFamily="18" charset="0"/>
+                          </a:rPr>
+                        </m:ctrlPr>
+                      </m:dPr>
+                      <m:e>
+                        <m:f>
+                          <m:fPr>
+                            <m:ctrlPr>
+                              <a:rPr lang="en-US" b="0" i="1" smtClean="0">
+                                <a:latin typeface="Cambria Math" panose="02040503050406030204" pitchFamily="18" charset="0"/>
+                              </a:rPr>
+                            </m:ctrlPr>
+                          </m:fPr>
+                          <m:num>
+                            <m:r>
+                              <a:rPr lang="en-US" b="0" i="1" smtClean="0">
+                                <a:latin typeface="Cambria Math" panose="02040503050406030204" pitchFamily="18" charset="0"/>
+                              </a:rPr>
+                              <m:t>𝑎</m:t>
+                            </m:r>
+                          </m:num>
+                          <m:den>
+                            <m:sSub>
+                              <m:sSubPr>
+                                <m:ctrlPr>
+                                  <a:rPr lang="en-US" b="0" i="1" smtClean="0">
+                                    <a:latin typeface="Cambria Math" panose="02040503050406030204" pitchFamily="18" charset="0"/>
+                                  </a:rPr>
+                                </m:ctrlPr>
+                              </m:sSubPr>
+                              <m:e>
+                                <m:r>
+                                  <a:rPr lang="en-US" b="0" i="1" smtClean="0">
+                                    <a:latin typeface="Cambria Math" panose="02040503050406030204" pitchFamily="18" charset="0"/>
+                                  </a:rPr>
+                                  <m:t>𝑅</m:t>
+                                </m:r>
+                              </m:e>
+                              <m:sub>
+                                <m:r>
+                                  <a:rPr lang="en-US" b="0" i="1" smtClean="0">
+                                    <a:latin typeface="Cambria Math" panose="02040503050406030204" pitchFamily="18" charset="0"/>
+                                  </a:rPr>
+                                  <m:t>0</m:t>
+                                </m:r>
+                              </m:sub>
+                            </m:sSub>
+                          </m:den>
+                        </m:f>
+                      </m:e>
+                    </m:d>
+                  </m:oMath>
+                </a14:m>
+                <a:r>
+                  <a:rPr lang="en-US" dirty="0"/>
+                  <a:t>, </a:t>
                 </a:r>
                 <a14:m>
                   <m:oMath xmlns:m="http://schemas.openxmlformats.org/officeDocument/2006/math">
@@ -6473,7 +14020,7 @@
               <a:blipFill>
                 <a:blip r:embed="rId2"/>
                 <a:stretch>
-                  <a:fillRect l="-1879" t="-2326"/>
+                  <a:fillRect l="-1805" t="-2241" b="-1401"/>
                 </a:stretch>
               </a:blipFill>
             </p:spPr>
@@ -6580,8 +14127,8 @@
           </a:p>
         </p:txBody>
       </p:sp>
-      <mc:AlternateContent xmlns:mc="http://schemas.openxmlformats.org/markup-compatibility/2006">
-        <mc:Choice xmlns:a14="http://schemas.microsoft.com/office/drawing/2010/main" Requires="a14">
+      <mc:AlternateContent xmlns:mc="http://schemas.openxmlformats.org/markup-compatibility/2006" xmlns:a14="http://schemas.microsoft.com/office/drawing/2010/main">
+        <mc:Choice Requires="a14">
           <p:sp>
             <p:nvSpPr>
               <p:cNvPr id="3" name="Content Placeholder 2">
@@ -6660,7 +14207,7 @@
             </p:txBody>
           </p:sp>
         </mc:Choice>
-        <mc:Fallback>
+        <mc:Fallback xmlns="">
           <p:sp>
             <p:nvSpPr>
               <p:cNvPr id="3" name="Content Placeholder 2">
@@ -6764,8 +14311,8 @@
           <a:chExt cx="0" cy="0"/>
         </a:xfrm>
       </p:grpSpPr>
-      <mc:AlternateContent xmlns:mc="http://schemas.openxmlformats.org/markup-compatibility/2006">
-        <mc:Choice xmlns:a14="http://schemas.microsoft.com/office/drawing/2010/main" Requires="a14">
+      <mc:AlternateContent xmlns:mc="http://schemas.openxmlformats.org/markup-compatibility/2006" xmlns:a14="http://schemas.microsoft.com/office/drawing/2010/main">
+        <mc:Choice Requires="a14">
           <p:sp>
             <p:nvSpPr>
               <p:cNvPr id="3" name="Content Placeholder 2">
@@ -7313,7 +14860,7 @@
             </p:txBody>
           </p:sp>
         </mc:Choice>
-        <mc:Fallback>
+        <mc:Fallback xmlns="">
           <p:sp>
             <p:nvSpPr>
               <p:cNvPr id="3" name="Content Placeholder 2">
@@ -7468,13 +15015,6 @@
               <a:bodyPr/>
               <a:lstStyle/>
               <a:p>
-                <a:r>
-                  <a:rPr lang="en-US" dirty="0"/>
-                  <a:t>First approach:</a:t>
-                </a:r>
-              </a:p>
-              <a:p>
-                <a:pPr lvl="1"/>
                 <a:r>
                   <a:rPr lang="en-US" dirty="0"/>
                   <a:t>The grad-</a:t>
@@ -7752,7 +15292,6 @@
                 </a:r>
               </a:p>
               <a:p>
-                <a:pPr lvl="1"/>
                 <a:r>
                   <a:rPr lang="en-US" b="0" dirty="0"/>
                   <a:t>From </a:t>
@@ -8279,12 +15818,6 @@
                 <a:endParaRPr lang="en-US" dirty="0"/>
               </a:p>
               <a:p>
-                <a:r>
-                  <a:rPr lang="en-US" dirty="0"/>
-                  <a:t>Second approach:</a:t>
-                </a:r>
-              </a:p>
-              <a:p>
                 <a:pPr lvl="1"/>
                 <a:endParaRPr lang="en-US" dirty="0"/>
               </a:p>
@@ -8312,7 +15845,7 @@
               <a:blipFill>
                 <a:blip r:embed="rId2"/>
                 <a:stretch>
-                  <a:fillRect l="-1086" t="-2326"/>
+                  <a:fillRect l="-1043" t="-2241"/>
                 </a:stretch>
               </a:blipFill>
             </p:spPr>
@@ -8393,8 +15926,8 @@
           </a:p>
         </p:txBody>
       </p:sp>
-      <mc:AlternateContent xmlns:mc="http://schemas.openxmlformats.org/markup-compatibility/2006">
-        <mc:Choice xmlns:a14="http://schemas.microsoft.com/office/drawing/2010/main" Requires="a14">
+      <mc:AlternateContent xmlns:mc="http://schemas.openxmlformats.org/markup-compatibility/2006" xmlns:a14="http://schemas.microsoft.com/office/drawing/2010/main">
+        <mc:Choice Requires="a14">
           <p:sp>
             <p:nvSpPr>
               <p:cNvPr id="3" name="Content Placeholder 2">
@@ -9105,7 +16638,7 @@
             </p:txBody>
           </p:sp>
         </mc:Choice>
-        <mc:Fallback>
+        <mc:Fallback xmlns="">
           <p:sp>
             <p:nvSpPr>
               <p:cNvPr id="3" name="Content Placeholder 2">
@@ -9514,7 +17047,7 @@
             <a:round/>
             <a:extLst>
               <a:ext uri="{C807C97D-BFC1-408E-A445-0C87EB9F89A2}">
-                <ask:lineSketchStyleProps xmlns:ask="http://schemas.microsoft.com/office/drawing/2018/sketchyshapes" sd="1219033472">
+                <ask:lineSketchStyleProps xmlns:ask="http://schemas.microsoft.com/office/drawing/2018/sketchyshapes" xmlns="" sd="1219033472">
                   <a:prstGeom prst="rect">
                     <a:avLst/>
                   </a:prstGeom>
@@ -9941,7 +17474,7 @@
             <a:round/>
             <a:extLst>
               <a:ext uri="{C807C97D-BFC1-408E-A445-0C87EB9F89A2}">
-                <ask:lineSketchStyleProps xmlns:ask="http://schemas.microsoft.com/office/drawing/2018/sketchyshapes" sd="1219033472">
+                <ask:lineSketchStyleProps xmlns:ask="http://schemas.microsoft.com/office/drawing/2018/sketchyshapes" xmlns="" sd="1219033472">
                   <a:prstGeom prst="rect">
                     <a:avLst/>
                   </a:prstGeom>

--- a/solving GS equation.pptx
+++ b/solving GS equation.pptx
@@ -30,6 +30,7 @@
     <p:sldId id="311" r:id="rId24"/>
     <p:sldId id="309" r:id="rId25"/>
     <p:sldId id="312" r:id="rId26"/>
+    <p:sldId id="313" r:id="rId27"/>
   </p:sldIdLst>
   <p:sldSz cx="12192000" cy="6858000"/>
   <p:notesSz cx="6858000" cy="9144000"/>
@@ -283,7 +284,7 @@
           <a:p>
             <a:fld id="{45299028-9648-D344-90CC-9256049E060B}" type="datetimeFigureOut">
               <a:rPr lang="en-US" smtClean="0"/>
-              <a:t>6/13/2023</a:t>
+              <a:t>6/13/23</a:t>
             </a:fld>
             <a:endParaRPr lang="en-US"/>
           </a:p>
@@ -481,7 +482,7 @@
           <a:p>
             <a:fld id="{45299028-9648-D344-90CC-9256049E060B}" type="datetimeFigureOut">
               <a:rPr lang="en-US" smtClean="0"/>
-              <a:t>6/13/2023</a:t>
+              <a:t>6/13/23</a:t>
             </a:fld>
             <a:endParaRPr lang="en-US"/>
           </a:p>
@@ -689,7 +690,7 @@
           <a:p>
             <a:fld id="{45299028-9648-D344-90CC-9256049E060B}" type="datetimeFigureOut">
               <a:rPr lang="en-US" smtClean="0"/>
-              <a:t>6/13/2023</a:t>
+              <a:t>6/13/23</a:t>
             </a:fld>
             <a:endParaRPr lang="en-US"/>
           </a:p>
@@ -887,7 +888,7 @@
           <a:p>
             <a:fld id="{45299028-9648-D344-90CC-9256049E060B}" type="datetimeFigureOut">
               <a:rPr lang="en-US" smtClean="0"/>
-              <a:t>6/13/2023</a:t>
+              <a:t>6/13/23</a:t>
             </a:fld>
             <a:endParaRPr lang="en-US"/>
           </a:p>
@@ -1162,7 +1163,7 @@
           <a:p>
             <a:fld id="{45299028-9648-D344-90CC-9256049E060B}" type="datetimeFigureOut">
               <a:rPr lang="en-US" smtClean="0"/>
-              <a:t>6/13/2023</a:t>
+              <a:t>6/13/23</a:t>
             </a:fld>
             <a:endParaRPr lang="en-US"/>
           </a:p>
@@ -1427,7 +1428,7 @@
           <a:p>
             <a:fld id="{45299028-9648-D344-90CC-9256049E060B}" type="datetimeFigureOut">
               <a:rPr lang="en-US" smtClean="0"/>
-              <a:t>6/13/2023</a:t>
+              <a:t>6/13/23</a:t>
             </a:fld>
             <a:endParaRPr lang="en-US"/>
           </a:p>
@@ -1839,7 +1840,7 @@
           <a:p>
             <a:fld id="{45299028-9648-D344-90CC-9256049E060B}" type="datetimeFigureOut">
               <a:rPr lang="en-US" smtClean="0"/>
-              <a:t>6/13/2023</a:t>
+              <a:t>6/13/23</a:t>
             </a:fld>
             <a:endParaRPr lang="en-US"/>
           </a:p>
@@ -1980,7 +1981,7 @@
           <a:p>
             <a:fld id="{45299028-9648-D344-90CC-9256049E060B}" type="datetimeFigureOut">
               <a:rPr lang="en-US" smtClean="0"/>
-              <a:t>6/13/2023</a:t>
+              <a:t>6/13/23</a:t>
             </a:fld>
             <a:endParaRPr lang="en-US"/>
           </a:p>
@@ -2093,7 +2094,7 @@
           <a:p>
             <a:fld id="{45299028-9648-D344-90CC-9256049E060B}" type="datetimeFigureOut">
               <a:rPr lang="en-US" smtClean="0"/>
-              <a:t>6/13/2023</a:t>
+              <a:t>6/13/23</a:t>
             </a:fld>
             <a:endParaRPr lang="en-US"/>
           </a:p>
@@ -2404,7 +2405,7 @@
           <a:p>
             <a:fld id="{45299028-9648-D344-90CC-9256049E060B}" type="datetimeFigureOut">
               <a:rPr lang="en-US" smtClean="0"/>
-              <a:t>6/13/2023</a:t>
+              <a:t>6/13/23</a:t>
             </a:fld>
             <a:endParaRPr lang="en-US"/>
           </a:p>
@@ -2692,7 +2693,7 @@
           <a:p>
             <a:fld id="{45299028-9648-D344-90CC-9256049E060B}" type="datetimeFigureOut">
               <a:rPr lang="en-US" smtClean="0"/>
-              <a:t>6/13/2023</a:t>
+              <a:t>6/13/23</a:t>
             </a:fld>
             <a:endParaRPr lang="en-US"/>
           </a:p>
@@ -2933,7 +2934,7 @@
           <a:p>
             <a:fld id="{45299028-9648-D344-90CC-9256049E060B}" type="datetimeFigureOut">
               <a:rPr lang="en-US" smtClean="0"/>
-              <a:t>6/13/2023</a:t>
+              <a:t>6/13/23</a:t>
             </a:fld>
             <a:endParaRPr lang="en-US"/>
           </a:p>
@@ -5198,8 +5199,8 @@
           </a:p>
         </p:txBody>
       </p:sp>
-      <mc:AlternateContent xmlns:mc="http://schemas.openxmlformats.org/markup-compatibility/2006">
-        <mc:Choice xmlns:a14="http://schemas.microsoft.com/office/drawing/2010/main" Requires="a14">
+      <mc:AlternateContent xmlns:mc="http://schemas.openxmlformats.org/markup-compatibility/2006" xmlns:a14="http://schemas.microsoft.com/office/drawing/2010/main">
+        <mc:Choice Requires="a14">
           <p:sp>
             <p:nvSpPr>
               <p:cNvPr id="3" name="Content Placeholder 2">
@@ -5870,7 +5871,7 @@
             </p:txBody>
           </p:sp>
         </mc:Choice>
-        <mc:Fallback>
+        <mc:Fallback xmlns="">
           <p:sp>
             <p:nvSpPr>
               <p:cNvPr id="3" name="Content Placeholder 2">
@@ -5940,8 +5941,8 @@
           <a:chExt cx="0" cy="0"/>
         </a:xfrm>
       </p:grpSpPr>
-      <mc:AlternateContent xmlns:mc="http://schemas.openxmlformats.org/markup-compatibility/2006">
-        <mc:Choice xmlns:a14="http://schemas.microsoft.com/office/drawing/2010/main" Requires="a14">
+      <mc:AlternateContent xmlns:mc="http://schemas.openxmlformats.org/markup-compatibility/2006" xmlns:a14="http://schemas.microsoft.com/office/drawing/2010/main">
+        <mc:Choice Requires="a14">
           <p:sp>
             <p:nvSpPr>
               <p:cNvPr id="2" name="Title 1">
@@ -5963,6 +5964,7 @@
               <a:bodyPr/>
               <a:lstStyle/>
               <a:p>
+                <a:pPr/>
                 <a14:m>
                   <m:oMathPara xmlns:m="http://schemas.openxmlformats.org/officeDocument/2006/math">
                     <m:oMathParaPr>
@@ -5988,19 +5990,7 @@
                             <a:rPr lang="en-US" i="1">
                               <a:latin typeface="Cambria Math" panose="02040503050406030204" pitchFamily="18" charset="0"/>
                             </a:rPr>
-                            <m:t>0.5</m:t>
-                          </m:r>
-                          <m:r>
-                            <a:rPr lang="en-US" i="1">
-                              <a:latin typeface="Cambria Math" panose="02040503050406030204" pitchFamily="18" charset="0"/>
-                            </a:rPr>
-                            <m:t>+</m:t>
-                          </m:r>
-                          <m:r>
-                            <a:rPr lang="en-US" i="1">
-                              <a:latin typeface="Cambria Math" panose="02040503050406030204" pitchFamily="18" charset="0"/>
-                            </a:rPr>
-                            <m:t>0.5</m:t>
+                            <m:t>0.5+0.5</m:t>
                           </m:r>
                           <m:sSup>
                             <m:sSupPr>
@@ -6092,7 +6082,7 @@
             </p:txBody>
           </p:sp>
         </mc:Choice>
-        <mc:Fallback>
+        <mc:Fallback xmlns="">
           <p:sp>
             <p:nvSpPr>
               <p:cNvPr id="2" name="Title 1">
@@ -6223,8 +6213,8 @@
           <a:chExt cx="0" cy="0"/>
         </a:xfrm>
       </p:grpSpPr>
-      <mc:AlternateContent xmlns:mc="http://schemas.openxmlformats.org/markup-compatibility/2006">
-        <mc:Choice xmlns:a14="http://schemas.microsoft.com/office/drawing/2010/main" Requires="a14">
+      <mc:AlternateContent xmlns:mc="http://schemas.openxmlformats.org/markup-compatibility/2006" xmlns:a14="http://schemas.microsoft.com/office/drawing/2010/main">
+        <mc:Choice Requires="a14">
           <p:sp>
             <p:nvSpPr>
               <p:cNvPr id="2" name="Title 1">
@@ -6364,7 +6354,7 @@
             </p:txBody>
           </p:sp>
         </mc:Choice>
-        <mc:Fallback>
+        <mc:Fallback xmlns="">
           <p:sp>
             <p:nvSpPr>
               <p:cNvPr id="2" name="Title 1">
@@ -6495,8 +6485,8 @@
           <a:chExt cx="0" cy="0"/>
         </a:xfrm>
       </p:grpSpPr>
-      <mc:AlternateContent xmlns:mc="http://schemas.openxmlformats.org/markup-compatibility/2006">
-        <mc:Choice xmlns:a14="http://schemas.microsoft.com/office/drawing/2010/main" Requires="a14">
+      <mc:AlternateContent xmlns:mc="http://schemas.openxmlformats.org/markup-compatibility/2006" xmlns:a14="http://schemas.microsoft.com/office/drawing/2010/main">
+        <mc:Choice Requires="a14">
           <p:sp>
             <p:nvSpPr>
               <p:cNvPr id="2" name="Title 1">
@@ -6518,6 +6508,7 @@
               <a:bodyPr/>
               <a:lstStyle/>
               <a:p>
+                <a:pPr/>
                 <a14:m>
                   <m:oMathPara xmlns:m="http://schemas.openxmlformats.org/officeDocument/2006/math">
                     <m:oMathParaPr>
@@ -6647,7 +6638,7 @@
             </p:txBody>
           </p:sp>
         </mc:Choice>
-        <mc:Fallback>
+        <mc:Fallback xmlns="">
           <p:sp>
             <p:nvSpPr>
               <p:cNvPr id="2" name="Title 1">
@@ -6803,8 +6794,8 @@
           </a:p>
         </p:txBody>
       </p:sp>
-      <mc:AlternateContent xmlns:mc="http://schemas.openxmlformats.org/markup-compatibility/2006">
-        <mc:Choice xmlns:a14="http://schemas.microsoft.com/office/drawing/2010/main" Requires="a14">
+      <mc:AlternateContent xmlns:mc="http://schemas.openxmlformats.org/markup-compatibility/2006" xmlns:a14="http://schemas.microsoft.com/office/drawing/2010/main">
+        <mc:Choice Requires="a14">
           <p:sp>
             <p:nvSpPr>
               <p:cNvPr id="3" name="Content Placeholder 2">
@@ -7016,7 +7007,7 @@
             </p:txBody>
           </p:sp>
         </mc:Choice>
-        <mc:Fallback>
+        <mc:Fallback xmlns="">
           <p:sp>
             <p:nvSpPr>
               <p:cNvPr id="3" name="Content Placeholder 2">
@@ -8669,6 +8660,9 @@
                         <m:sSubPr>
                           <m:ctrlPr>
                             <a:rPr lang="en-US" b="0" i="1" smtClean="0">
+                              <a:solidFill>
+                                <a:srgbClr val="FF0000"/>
+                              </a:solidFill>
                               <a:latin typeface="Cambria Math" panose="02040503050406030204" pitchFamily="18" charset="0"/>
                             </a:rPr>
                           </m:ctrlPr>
@@ -8676,6 +8670,9 @@
                         <m:e>
                           <m:r>
                             <a:rPr lang="en-US" b="0" i="1" smtClean="0">
+                              <a:solidFill>
+                                <a:srgbClr val="FF0000"/>
+                              </a:solidFill>
                               <a:latin typeface="Cambria Math" panose="02040503050406030204" pitchFamily="18" charset="0"/>
                             </a:rPr>
                             <m:t>𝜆</m:t>
@@ -8684,6 +8681,9 @@
                         <m:sub>
                           <m:r>
                             <a:rPr lang="en-US" b="0" i="1" smtClean="0">
+                              <a:solidFill>
+                                <a:srgbClr val="FF0000"/>
+                              </a:solidFill>
                               <a:latin typeface="Cambria Math" panose="02040503050406030204" pitchFamily="18" charset="0"/>
                             </a:rPr>
                             <m:t>𝑖</m:t>
@@ -8692,6 +8692,9 @@
                       </m:sSub>
                       <m:r>
                         <a:rPr lang="en-US" b="0" i="1" smtClean="0">
+                          <a:solidFill>
+                            <a:srgbClr val="FF0000"/>
+                          </a:solidFill>
                           <a:latin typeface="Cambria Math" panose="02040503050406030204" pitchFamily="18" charset="0"/>
                         </a:rPr>
                         <m:t>=</m:t>
@@ -8700,6 +8703,9 @@
                         <m:fPr>
                           <m:ctrlPr>
                             <a:rPr lang="en-US" b="0" i="1" smtClean="0">
+                              <a:solidFill>
+                                <a:srgbClr val="FF0000"/>
+                              </a:solidFill>
                               <a:latin typeface="Cambria Math" panose="02040503050406030204" pitchFamily="18" charset="0"/>
                             </a:rPr>
                           </m:ctrlPr>
@@ -8709,6 +8715,9 @@
                             <m:sSubPr>
                               <m:ctrlPr>
                                 <a:rPr lang="en-US" b="0" i="1" smtClean="0">
+                                  <a:solidFill>
+                                    <a:srgbClr val="FF0000"/>
+                                  </a:solidFill>
                                   <a:latin typeface="Cambria Math" panose="02040503050406030204" pitchFamily="18" charset="0"/>
                                 </a:rPr>
                               </m:ctrlPr>
@@ -8716,6 +8725,9 @@
                             <m:e>
                               <m:r>
                                 <a:rPr lang="en-US" b="0" i="1" smtClean="0">
+                                  <a:solidFill>
+                                    <a:srgbClr val="FF0000"/>
+                                  </a:solidFill>
                                   <a:latin typeface="Cambria Math" panose="02040503050406030204" pitchFamily="18" charset="0"/>
                                 </a:rPr>
                                 <m:t>𝜆</m:t>
@@ -8724,12 +8736,18 @@
                             <m:sub>
                               <m:r>
                                 <a:rPr lang="en-US" b="0" i="1" smtClean="0">
+                                  <a:solidFill>
+                                    <a:srgbClr val="FF0000"/>
+                                  </a:solidFill>
                                   <a:latin typeface="Cambria Math" panose="02040503050406030204" pitchFamily="18" charset="0"/>
                                 </a:rPr>
                                 <m:t>𝑖</m:t>
                               </m:r>
                               <m:r>
                                 <a:rPr lang="en-US" b="0" i="1" smtClean="0">
+                                  <a:solidFill>
+                                    <a:srgbClr val="FF0000"/>
+                                  </a:solidFill>
                                   <a:latin typeface="Cambria Math" panose="02040503050406030204" pitchFamily="18" charset="0"/>
                                 </a:rPr>
                                 <m:t>−1</m:t>
@@ -8742,6 +8760,9 @@
                             <m:sSubPr>
                               <m:ctrlPr>
                                 <a:rPr lang="en-US" i="1">
+                                  <a:solidFill>
+                                    <a:srgbClr val="FF0000"/>
+                                  </a:solidFill>
                                   <a:latin typeface="Cambria Math" panose="02040503050406030204" pitchFamily="18" charset="0"/>
                                 </a:rPr>
                               </m:ctrlPr>
@@ -8753,6 +8774,9 @@
                                   <m:endChr m:val="|"/>
                                   <m:ctrlPr>
                                     <a:rPr lang="en-US" i="1">
+                                      <a:solidFill>
+                                        <a:srgbClr val="FF0000"/>
+                                      </a:solidFill>
                                       <a:latin typeface="Cambria Math" panose="02040503050406030204" pitchFamily="18" charset="0"/>
                                     </a:rPr>
                                   </m:ctrlPr>
@@ -8764,6 +8788,9 @@
                                       <m:endChr m:val="|"/>
                                       <m:ctrlPr>
                                         <a:rPr lang="en-US" i="1">
+                                          <a:solidFill>
+                                            <a:srgbClr val="FF0000"/>
+                                          </a:solidFill>
                                           <a:latin typeface="Cambria Math" panose="02040503050406030204" pitchFamily="18" charset="0"/>
                                         </a:rPr>
                                       </m:ctrlPr>
@@ -8773,6 +8800,9 @@
                                         <m:sSubPr>
                                           <m:ctrlPr>
                                             <a:rPr lang="en-US" i="1">
+                                              <a:solidFill>
+                                                <a:srgbClr val="FF0000"/>
+                                              </a:solidFill>
                                               <a:latin typeface="Cambria Math" panose="02040503050406030204" pitchFamily="18" charset="0"/>
                                             </a:rPr>
                                           </m:ctrlPr>
@@ -8780,6 +8810,9 @@
                                         <m:e>
                                           <m:r>
                                             <a:rPr lang="en-US" i="1">
+                                              <a:solidFill>
+                                                <a:srgbClr val="FF0000"/>
+                                              </a:solidFill>
                                               <a:latin typeface="Cambria Math" panose="02040503050406030204" pitchFamily="18" charset="0"/>
                                             </a:rPr>
                                             <m:t>𝜓</m:t>
@@ -8788,6 +8821,9 @@
                                         <m:sub>
                                           <m:r>
                                             <a:rPr lang="en-US" i="1">
+                                              <a:solidFill>
+                                                <a:srgbClr val="FF0000"/>
+                                              </a:solidFill>
                                               <a:latin typeface="Cambria Math" panose="02040503050406030204" pitchFamily="18" charset="0"/>
                                             </a:rPr>
                                             <m:t>𝑖</m:t>
@@ -8802,6 +8838,9 @@
                             <m:sub>
                               <m:r>
                                 <a:rPr lang="en-US" i="1">
+                                  <a:solidFill>
+                                    <a:srgbClr val="FF0000"/>
+                                  </a:solidFill>
                                   <a:latin typeface="Cambria Math" panose="02040503050406030204" pitchFamily="18" charset="0"/>
                                 </a:rPr>
                                 <m:t>∞</m:t>
@@ -8953,7 +8992,7 @@
               <a:blipFill>
                 <a:blip r:embed="rId2"/>
                 <a:stretch>
-                  <a:fillRect l="-1043" t="-2241"/>
+                  <a:fillRect l="-1086" t="-2326"/>
                 </a:stretch>
               </a:blipFill>
             </p:spPr>
@@ -9030,8 +9069,8 @@
           </a:p>
         </p:txBody>
       </p:sp>
-      <mc:AlternateContent xmlns:mc="http://schemas.openxmlformats.org/markup-compatibility/2006">
-        <mc:Choice xmlns:a14="http://schemas.microsoft.com/office/drawing/2010/main" Requires="a14">
+      <mc:AlternateContent xmlns:mc="http://schemas.openxmlformats.org/markup-compatibility/2006" xmlns:a14="http://schemas.microsoft.com/office/drawing/2010/main">
+        <mc:Choice Requires="a14">
           <p:sp>
             <p:nvSpPr>
               <p:cNvPr id="3" name="Content Placeholder 2">
@@ -9345,7 +9384,7 @@
             </p:txBody>
           </p:sp>
         </mc:Choice>
-        <mc:Fallback>
+        <mc:Fallback xmlns="">
           <p:sp>
             <p:nvSpPr>
               <p:cNvPr id="3" name="Content Placeholder 2">
@@ -9477,8 +9516,8 @@
           </a:p>
         </p:txBody>
       </p:sp>
-      <mc:AlternateContent xmlns:mc="http://schemas.openxmlformats.org/markup-compatibility/2006">
-        <mc:Choice xmlns:a14="http://schemas.microsoft.com/office/drawing/2010/main" Requires="a14">
+      <mc:AlternateContent xmlns:mc="http://schemas.openxmlformats.org/markup-compatibility/2006" xmlns:a14="http://schemas.microsoft.com/office/drawing/2010/main">
+        <mc:Choice Requires="a14">
           <p:sp>
             <p:nvSpPr>
               <p:cNvPr id="3" name="Content Placeholder 2">
@@ -9769,7 +9808,7 @@
             </p:txBody>
           </p:sp>
         </mc:Choice>
-        <mc:Fallback>
+        <mc:Fallback xmlns="">
           <p:sp>
             <p:nvSpPr>
               <p:cNvPr id="3" name="Content Placeholder 2">
@@ -9901,8 +9940,8 @@
           </a:p>
         </p:txBody>
       </p:sp>
-      <mc:AlternateContent xmlns:mc="http://schemas.openxmlformats.org/markup-compatibility/2006">
-        <mc:Choice xmlns:a14="http://schemas.microsoft.com/office/drawing/2010/main" Requires="a14">
+      <mc:AlternateContent xmlns:mc="http://schemas.openxmlformats.org/markup-compatibility/2006" xmlns:a14="http://schemas.microsoft.com/office/drawing/2010/main">
+        <mc:Choice Requires="a14">
           <p:graphicFrame>
             <p:nvGraphicFramePr>
               <p:cNvPr id="4" name="Table 4">
@@ -9963,6 +10002,7 @@
                         <a:bodyPr/>
                         <a:lstStyle/>
                         <a:p>
+                          <a:pPr/>
                           <a14:m>
                             <m:oMathPara xmlns:m="http://schemas.openxmlformats.org/officeDocument/2006/math">
                               <m:oMathParaPr>
@@ -9988,6 +10028,7 @@
                         <a:bodyPr/>
                         <a:lstStyle/>
                         <a:p>
+                          <a:pPr/>
                           <a14:m>
                             <m:oMathPara xmlns:m="http://schemas.openxmlformats.org/officeDocument/2006/math">
                               <m:oMathParaPr>
@@ -10032,6 +10073,7 @@
                         <a:bodyPr/>
                         <a:lstStyle/>
                         <a:p>
+                          <a:pPr/>
                           <a14:m>
                             <m:oMathPara xmlns:m="http://schemas.openxmlformats.org/officeDocument/2006/math">
                               <m:oMathParaPr>
@@ -10793,7 +10835,7 @@
             </a:graphic>
           </p:graphicFrame>
         </mc:Choice>
-        <mc:Fallback>
+        <mc:Fallback xmlns="">
           <p:graphicFrame>
             <p:nvGraphicFramePr>
               <p:cNvPr id="4" name="Table 4">
@@ -11746,8 +11788,8 @@
           </a:p>
         </p:txBody>
       </p:sp>
-      <mc:AlternateContent xmlns:mc="http://schemas.openxmlformats.org/markup-compatibility/2006">
-        <mc:Choice xmlns:a14="http://schemas.microsoft.com/office/drawing/2010/main" Requires="a14">
+      <mc:AlternateContent xmlns:mc="http://schemas.openxmlformats.org/markup-compatibility/2006" xmlns:a14="http://schemas.microsoft.com/office/drawing/2010/main">
+        <mc:Choice Requires="a14">
           <p:graphicFrame>
             <p:nvGraphicFramePr>
               <p:cNvPr id="4" name="Table 4">
@@ -12641,7 +12683,7 @@
             </a:graphic>
           </p:graphicFrame>
         </mc:Choice>
-        <mc:Fallback>
+        <mc:Fallback xmlns="">
           <p:graphicFrame>
             <p:nvGraphicFramePr>
               <p:cNvPr id="4" name="Table 4">
@@ -13459,6 +13501,273 @@
 </p:sld>
 </file>
 
+<file path=ppt/slides/slide26.xml><?xml version="1.0" encoding="utf-8"?>
+<p:sld xmlns:a="http://schemas.openxmlformats.org/drawingml/2006/main" xmlns:r="http://schemas.openxmlformats.org/officeDocument/2006/relationships" xmlns:p="http://schemas.openxmlformats.org/presentationml/2006/main">
+  <p:cSld>
+    <p:spTree>
+      <p:nvGrpSpPr>
+        <p:cNvPr id="1" name=""/>
+        <p:cNvGrpSpPr/>
+        <p:nvPr/>
+      </p:nvGrpSpPr>
+      <p:grpSpPr>
+        <a:xfrm>
+          <a:off x="0" y="0"/>
+          <a:ext cx="0" cy="0"/>
+          <a:chOff x="0" y="0"/>
+          <a:chExt cx="0" cy="0"/>
+        </a:xfrm>
+      </p:grpSpPr>
+      <p:sp>
+        <p:nvSpPr>
+          <p:cNvPr id="2" name="Title 1">
+            <a:extLst>
+              <a:ext uri="{FF2B5EF4-FFF2-40B4-BE49-F238E27FC236}">
+                <a16:creationId xmlns:a16="http://schemas.microsoft.com/office/drawing/2014/main" id="{85906515-C39D-B32B-7BF5-3355FE1E8BB1}"/>
+              </a:ext>
+            </a:extLst>
+          </p:cNvPr>
+          <p:cNvSpPr>
+            <a:spLocks noGrp="1"/>
+          </p:cNvSpPr>
+          <p:nvPr>
+            <p:ph type="title"/>
+          </p:nvPr>
+        </p:nvSpPr>
+        <p:spPr/>
+        <p:txBody>
+          <a:bodyPr/>
+          <a:lstStyle/>
+          <a:p>
+            <a:r>
+              <a:rPr lang="en-US" dirty="0"/>
+              <a:t>Remarks</a:t>
+            </a:r>
+          </a:p>
+        </p:txBody>
+      </p:sp>
+      <p:sp>
+        <p:nvSpPr>
+          <p:cNvPr id="3" name="Content Placeholder 2">
+            <a:extLst>
+              <a:ext uri="{FF2B5EF4-FFF2-40B4-BE49-F238E27FC236}">
+                <a16:creationId xmlns:a16="http://schemas.microsoft.com/office/drawing/2014/main" id="{2B157712-0343-58FA-19D4-7ED9ED3E5390}"/>
+              </a:ext>
+            </a:extLst>
+          </p:cNvPr>
+          <p:cNvSpPr>
+            <a:spLocks noGrp="1"/>
+          </p:cNvSpPr>
+          <p:nvPr>
+            <p:ph idx="1"/>
+          </p:nvPr>
+        </p:nvSpPr>
+        <p:spPr/>
+        <p:txBody>
+          <a:bodyPr/>
+          <a:lstStyle/>
+          <a:p>
+            <a:r>
+              <a:rPr lang="en-US" dirty="0" err="1"/>
+              <a:t>Perjelas</a:t>
+            </a:r>
+            <a:r>
+              <a:rPr lang="en-US" dirty="0"/>
+              <a:t> </a:t>
+            </a:r>
+            <a:r>
+              <a:rPr lang="en-US" dirty="0" err="1"/>
+              <a:t>definisi</a:t>
+            </a:r>
+            <a:r>
+              <a:rPr lang="en-US" dirty="0"/>
+              <a:t> psi (</a:t>
+            </a:r>
+            <a:r>
+              <a:rPr lang="en-US" dirty="0" err="1"/>
+              <a:t>fluks</a:t>
+            </a:r>
+            <a:r>
+              <a:rPr lang="en-US" dirty="0"/>
+              <a:t> </a:t>
+            </a:r>
+            <a:r>
+              <a:rPr lang="en-US" dirty="0" err="1"/>
+              <a:t>terhadap</a:t>
+            </a:r>
+            <a:r>
+              <a:rPr lang="en-US" dirty="0"/>
+              <a:t> </a:t>
+            </a:r>
+            <a:r>
+              <a:rPr lang="en-US" dirty="0" err="1"/>
+              <a:t>apa</a:t>
+            </a:r>
+            <a:r>
+              <a:rPr lang="en-US" dirty="0"/>
+              <a:t>) dan </a:t>
+            </a:r>
+            <a:r>
+              <a:rPr lang="en-US" dirty="0" err="1"/>
+              <a:t>interpretasi</a:t>
+            </a:r>
+            <a:r>
+              <a:rPr lang="en-US" dirty="0"/>
+              <a:t> </a:t>
+            </a:r>
+            <a:r>
+              <a:rPr lang="en-US" dirty="0" err="1"/>
+              <a:t>kontur</a:t>
+            </a:r>
+            <a:r>
+              <a:rPr lang="en-US" dirty="0"/>
+              <a:t> </a:t>
+            </a:r>
+            <a:r>
+              <a:rPr lang="en-US" dirty="0" err="1"/>
+              <a:t>nya</a:t>
+            </a:r>
+            <a:r>
+              <a:rPr lang="en-US" dirty="0"/>
+              <a:t>.</a:t>
+            </a:r>
+          </a:p>
+          <a:p>
+            <a:r>
+              <a:rPr lang="en-US" dirty="0" err="1"/>
+              <a:t>Tambah</a:t>
+            </a:r>
+            <a:r>
+              <a:rPr lang="en-US" dirty="0"/>
+              <a:t> </a:t>
+            </a:r>
+            <a:r>
+              <a:rPr lang="en-US" dirty="0" err="1"/>
+              <a:t>referensi</a:t>
+            </a:r>
+            <a:r>
+              <a:rPr lang="en-US" dirty="0"/>
+              <a:t> D-shape</a:t>
+            </a:r>
+          </a:p>
+          <a:p>
+            <a:r>
+              <a:rPr lang="en-US" dirty="0" err="1"/>
+              <a:t>Simulasi</a:t>
+            </a:r>
+            <a:r>
+              <a:rPr lang="en-US" dirty="0"/>
+              <a:t> D-shape dg bump</a:t>
+            </a:r>
+          </a:p>
+          <a:p>
+            <a:r>
+              <a:rPr lang="en-US" dirty="0"/>
+              <a:t>Nondimensionalizing dg p0, f0, z0.</a:t>
+            </a:r>
+          </a:p>
+          <a:p>
+            <a:r>
+              <a:rPr lang="en-US" dirty="0"/>
+              <a:t>Derivation Solusi exact </a:t>
+            </a:r>
+            <a:r>
+              <a:rPr lang="en-US" dirty="0" err="1"/>
+              <a:t>solov’ev</a:t>
+            </a:r>
+            <a:r>
+              <a:rPr lang="en-US" dirty="0"/>
+              <a:t> equilibrium</a:t>
+            </a:r>
+          </a:p>
+          <a:p>
+            <a:r>
+              <a:rPr lang="en-US" dirty="0" err="1"/>
+              <a:t>Implementasi</a:t>
+            </a:r>
+            <a:r>
+              <a:rPr lang="en-US" dirty="0"/>
+              <a:t> ”power method” </a:t>
+            </a:r>
+            <a:r>
+              <a:rPr lang="en-US" dirty="0" err="1"/>
+              <a:t>ke</a:t>
+            </a:r>
+            <a:r>
+              <a:rPr lang="en-US" dirty="0"/>
+              <a:t> PDB </a:t>
+            </a:r>
+            <a:r>
+              <a:rPr lang="en-US" dirty="0" err="1"/>
+              <a:t>untuk</a:t>
+            </a:r>
+            <a:r>
+              <a:rPr lang="en-US" dirty="0"/>
+              <a:t> </a:t>
+            </a:r>
+            <a:r>
+              <a:rPr lang="en-US" dirty="0" err="1"/>
+              <a:t>validasi</a:t>
+            </a:r>
+            <a:r>
+              <a:rPr lang="en-US" dirty="0"/>
+              <a:t> </a:t>
+            </a:r>
+            <a:r>
+              <a:rPr lang="en-US" dirty="0" err="1"/>
+              <a:t>metode</a:t>
+            </a:r>
+            <a:endParaRPr lang="en-US" dirty="0"/>
+          </a:p>
+          <a:p>
+            <a:r>
+              <a:rPr lang="en-US" dirty="0" err="1"/>
+              <a:t>Simulasi</a:t>
+            </a:r>
+            <a:r>
+              <a:rPr lang="en-US" dirty="0"/>
+              <a:t> </a:t>
+            </a:r>
+            <a:r>
+              <a:rPr lang="en-US" dirty="0" err="1"/>
+              <a:t>ulang</a:t>
+            </a:r>
+            <a:r>
+              <a:rPr lang="en-US" dirty="0"/>
+              <a:t> power method </a:t>
+            </a:r>
+            <a:r>
+              <a:rPr lang="en-US" dirty="0" err="1"/>
+              <a:t>ke</a:t>
+            </a:r>
+            <a:r>
+              <a:rPr lang="en-US" dirty="0"/>
+              <a:t> GS dg psi0 </a:t>
+            </a:r>
+            <a:r>
+              <a:rPr lang="en-US" dirty="0" err="1"/>
+              <a:t>memenuhi</a:t>
+            </a:r>
+            <a:r>
+              <a:rPr lang="en-US" dirty="0"/>
+              <a:t> boundary.</a:t>
+            </a:r>
+          </a:p>
+        </p:txBody>
+      </p:sp>
+    </p:spTree>
+    <p:extLst>
+      <p:ext uri="{BB962C8B-B14F-4D97-AF65-F5344CB8AC3E}">
+        <p14:creationId xmlns:p14="http://schemas.microsoft.com/office/powerpoint/2010/main" val="2505980113"/>
+      </p:ext>
+    </p:extLst>
+  </p:cSld>
+  <p:clrMapOvr>
+    <a:masterClrMapping/>
+  </p:clrMapOvr>
+</p:sld>
+</file>
+
 <file path=ppt/slides/slide3.xml><?xml version="1.0" encoding="utf-8"?>
 <p:sld xmlns:a="http://schemas.openxmlformats.org/drawingml/2006/main" xmlns:r="http://schemas.openxmlformats.org/officeDocument/2006/relationships" xmlns:p="http://schemas.openxmlformats.org/presentationml/2006/main">
   <p:cSld>
@@ -13504,8 +13813,8 @@
           </a:p>
         </p:txBody>
       </p:sp>
-      <mc:AlternateContent xmlns:mc="http://schemas.openxmlformats.org/markup-compatibility/2006">
-        <mc:Choice xmlns:a14="http://schemas.microsoft.com/office/drawing/2010/main" Requires="a14">
+      <mc:AlternateContent xmlns:mc="http://schemas.openxmlformats.org/markup-compatibility/2006" xmlns:a14="http://schemas.microsoft.com/office/drawing/2010/main">
+        <mc:Choice Requires="a14">
           <p:sp>
             <p:nvSpPr>
               <p:cNvPr id="3" name="Content Placeholder 2">
@@ -13995,7 +14304,7 @@
             </p:txBody>
           </p:sp>
         </mc:Choice>
-        <mc:Fallback>
+        <mc:Fallback xmlns="">
           <p:sp>
             <p:nvSpPr>
               <p:cNvPr id="3" name="Content Placeholder 2">
@@ -14992,8 +15301,8 @@
           </a:p>
         </p:txBody>
       </p:sp>
-      <mc:AlternateContent xmlns:mc="http://schemas.openxmlformats.org/markup-compatibility/2006">
-        <mc:Choice xmlns:a14="http://schemas.microsoft.com/office/drawing/2010/main" Requires="a14">
+      <mc:AlternateContent xmlns:mc="http://schemas.openxmlformats.org/markup-compatibility/2006" xmlns:a14="http://schemas.microsoft.com/office/drawing/2010/main">
+        <mc:Choice Requires="a14">
           <p:sp>
             <p:nvSpPr>
               <p:cNvPr id="3" name="Content Placeholder 2">
@@ -15824,7 +16133,7 @@
             </p:txBody>
           </p:sp>
         </mc:Choice>
-        <mc:Fallback>
+        <mc:Fallback xmlns="">
           <p:sp>
             <p:nvSpPr>
               <p:cNvPr id="3" name="Content Placeholder 2">
@@ -17047,7 +17356,7 @@
             <a:round/>
             <a:extLst>
               <a:ext uri="{C807C97D-BFC1-408E-A445-0C87EB9F89A2}">
-                <ask:lineSketchStyleProps xmlns:ask="http://schemas.microsoft.com/office/drawing/2018/sketchyshapes" xmlns="" sd="1219033472">
+                <ask:lineSketchStyleProps xmlns:ask="http://schemas.microsoft.com/office/drawing/2018/sketchyshapes" sd="1219033472">
                   <a:prstGeom prst="rect">
                     <a:avLst/>
                   </a:prstGeom>
@@ -17474,7 +17783,7 @@
             <a:round/>
             <a:extLst>
               <a:ext uri="{C807C97D-BFC1-408E-A445-0C87EB9F89A2}">
-                <ask:lineSketchStyleProps xmlns:ask="http://schemas.microsoft.com/office/drawing/2018/sketchyshapes" xmlns="" sd="1219033472">
+                <ask:lineSketchStyleProps xmlns:ask="http://schemas.microsoft.com/office/drawing/2018/sketchyshapes" sd="1219033472">
                   <a:prstGeom prst="rect">
                     <a:avLst/>
                   </a:prstGeom>

--- a/solving GS equation.pptx
+++ b/solving GS equation.pptx
@@ -31,6 +31,8 @@
     <p:sldId id="309" r:id="rId25"/>
     <p:sldId id="312" r:id="rId26"/>
     <p:sldId id="313" r:id="rId27"/>
+    <p:sldId id="315" r:id="rId28"/>
+    <p:sldId id="314" r:id="rId29"/>
   </p:sldIdLst>
   <p:sldSz cx="12192000" cy="6858000"/>
   <p:notesSz cx="6858000" cy="9144000"/>
@@ -284,7 +286,7 @@
           <a:p>
             <a:fld id="{45299028-9648-D344-90CC-9256049E060B}" type="datetimeFigureOut">
               <a:rPr lang="en-US" smtClean="0"/>
-              <a:t>6/13/23</a:t>
+              <a:t>6/20/23</a:t>
             </a:fld>
             <a:endParaRPr lang="en-US"/>
           </a:p>
@@ -482,7 +484,7 @@
           <a:p>
             <a:fld id="{45299028-9648-D344-90CC-9256049E060B}" type="datetimeFigureOut">
               <a:rPr lang="en-US" smtClean="0"/>
-              <a:t>6/13/23</a:t>
+              <a:t>6/20/23</a:t>
             </a:fld>
             <a:endParaRPr lang="en-US"/>
           </a:p>
@@ -690,7 +692,7 @@
           <a:p>
             <a:fld id="{45299028-9648-D344-90CC-9256049E060B}" type="datetimeFigureOut">
               <a:rPr lang="en-US" smtClean="0"/>
-              <a:t>6/13/23</a:t>
+              <a:t>6/20/23</a:t>
             </a:fld>
             <a:endParaRPr lang="en-US"/>
           </a:p>
@@ -888,7 +890,7 @@
           <a:p>
             <a:fld id="{45299028-9648-D344-90CC-9256049E060B}" type="datetimeFigureOut">
               <a:rPr lang="en-US" smtClean="0"/>
-              <a:t>6/13/23</a:t>
+              <a:t>6/20/23</a:t>
             </a:fld>
             <a:endParaRPr lang="en-US"/>
           </a:p>
@@ -1163,7 +1165,7 @@
           <a:p>
             <a:fld id="{45299028-9648-D344-90CC-9256049E060B}" type="datetimeFigureOut">
               <a:rPr lang="en-US" smtClean="0"/>
-              <a:t>6/13/23</a:t>
+              <a:t>6/20/23</a:t>
             </a:fld>
             <a:endParaRPr lang="en-US"/>
           </a:p>
@@ -1428,7 +1430,7 @@
           <a:p>
             <a:fld id="{45299028-9648-D344-90CC-9256049E060B}" type="datetimeFigureOut">
               <a:rPr lang="en-US" smtClean="0"/>
-              <a:t>6/13/23</a:t>
+              <a:t>6/20/23</a:t>
             </a:fld>
             <a:endParaRPr lang="en-US"/>
           </a:p>
@@ -1840,7 +1842,7 @@
           <a:p>
             <a:fld id="{45299028-9648-D344-90CC-9256049E060B}" type="datetimeFigureOut">
               <a:rPr lang="en-US" smtClean="0"/>
-              <a:t>6/13/23</a:t>
+              <a:t>6/20/23</a:t>
             </a:fld>
             <a:endParaRPr lang="en-US"/>
           </a:p>
@@ -1981,7 +1983,7 @@
           <a:p>
             <a:fld id="{45299028-9648-D344-90CC-9256049E060B}" type="datetimeFigureOut">
               <a:rPr lang="en-US" smtClean="0"/>
-              <a:t>6/13/23</a:t>
+              <a:t>6/20/23</a:t>
             </a:fld>
             <a:endParaRPr lang="en-US"/>
           </a:p>
@@ -2094,7 +2096,7 @@
           <a:p>
             <a:fld id="{45299028-9648-D344-90CC-9256049E060B}" type="datetimeFigureOut">
               <a:rPr lang="en-US" smtClean="0"/>
-              <a:t>6/13/23</a:t>
+              <a:t>6/20/23</a:t>
             </a:fld>
             <a:endParaRPr lang="en-US"/>
           </a:p>
@@ -2405,7 +2407,7 @@
           <a:p>
             <a:fld id="{45299028-9648-D344-90CC-9256049E060B}" type="datetimeFigureOut">
               <a:rPr lang="en-US" smtClean="0"/>
-              <a:t>6/13/23</a:t>
+              <a:t>6/20/23</a:t>
             </a:fld>
             <a:endParaRPr lang="en-US"/>
           </a:p>
@@ -2693,7 +2695,7 @@
           <a:p>
             <a:fld id="{45299028-9648-D344-90CC-9256049E060B}" type="datetimeFigureOut">
               <a:rPr lang="en-US" smtClean="0"/>
-              <a:t>6/13/23</a:t>
+              <a:t>6/20/23</a:t>
             </a:fld>
             <a:endParaRPr lang="en-US"/>
           </a:p>
@@ -2934,7 +2936,7 @@
           <a:p>
             <a:fld id="{45299028-9648-D344-90CC-9256049E060B}" type="datetimeFigureOut">
               <a:rPr lang="en-US" smtClean="0"/>
-              <a:t>6/13/23</a:t>
+              <a:t>6/20/23</a:t>
             </a:fld>
             <a:endParaRPr lang="en-US"/>
           </a:p>
@@ -8103,8 +8105,8 @@
           </a:p>
         </p:txBody>
       </p:sp>
-      <mc:AlternateContent xmlns:mc="http://schemas.openxmlformats.org/markup-compatibility/2006">
-        <mc:Choice xmlns:a14="http://schemas.microsoft.com/office/drawing/2010/main" Requires="a14">
+      <mc:AlternateContent xmlns:mc="http://schemas.openxmlformats.org/markup-compatibility/2006" xmlns:a14="http://schemas.microsoft.com/office/drawing/2010/main">
+        <mc:Choice Requires="a14">
           <p:sp>
             <p:nvSpPr>
               <p:cNvPr id="3" name="Content Placeholder 2">
@@ -8971,7 +8973,7 @@
             </p:txBody>
           </p:sp>
         </mc:Choice>
-        <mc:Fallback>
+        <mc:Fallback xmlns="">
           <p:sp>
             <p:nvSpPr>
               <p:cNvPr id="3" name="Content Placeholder 2">
@@ -13682,74 +13684,146 @@
           </a:p>
           <a:p>
             <a:r>
-              <a:rPr lang="en-US" dirty="0" err="1"/>
+              <a:rPr lang="en-US" dirty="0" err="1">
+                <a:solidFill>
+                  <a:srgbClr val="00B050"/>
+                </a:solidFill>
+              </a:rPr>
               <a:t>Implementasi</a:t>
             </a:r>
             <a:r>
-              <a:rPr lang="en-US" dirty="0"/>
+              <a:rPr lang="en-US" dirty="0">
+                <a:solidFill>
+                  <a:srgbClr val="00B050"/>
+                </a:solidFill>
+              </a:rPr>
               <a:t> ”power method” </a:t>
             </a:r>
             <a:r>
-              <a:rPr lang="en-US" dirty="0" err="1"/>
+              <a:rPr lang="en-US" dirty="0" err="1">
+                <a:solidFill>
+                  <a:srgbClr val="00B050"/>
+                </a:solidFill>
+              </a:rPr>
               <a:t>ke</a:t>
             </a:r>
             <a:r>
-              <a:rPr lang="en-US" dirty="0"/>
+              <a:rPr lang="en-US" dirty="0">
+                <a:solidFill>
+                  <a:srgbClr val="00B050"/>
+                </a:solidFill>
+              </a:rPr>
               <a:t> PDB </a:t>
             </a:r>
             <a:r>
-              <a:rPr lang="en-US" dirty="0" err="1"/>
+              <a:rPr lang="en-US" dirty="0" err="1">
+                <a:solidFill>
+                  <a:srgbClr val="00B050"/>
+                </a:solidFill>
+              </a:rPr>
               <a:t>untuk</a:t>
             </a:r>
             <a:r>
-              <a:rPr lang="en-US" dirty="0"/>
+              <a:rPr lang="en-US" dirty="0">
+                <a:solidFill>
+                  <a:srgbClr val="00B050"/>
+                </a:solidFill>
+              </a:rPr>
               <a:t> </a:t>
             </a:r>
             <a:r>
-              <a:rPr lang="en-US" dirty="0" err="1"/>
+              <a:rPr lang="en-US" dirty="0" err="1">
+                <a:solidFill>
+                  <a:srgbClr val="00B050"/>
+                </a:solidFill>
+              </a:rPr>
               <a:t>validasi</a:t>
             </a:r>
             <a:r>
-              <a:rPr lang="en-US" dirty="0"/>
+              <a:rPr lang="en-US" dirty="0">
+                <a:solidFill>
+                  <a:srgbClr val="00B050"/>
+                </a:solidFill>
+              </a:rPr>
               <a:t> </a:t>
             </a:r>
             <a:r>
-              <a:rPr lang="en-US" dirty="0" err="1"/>
+              <a:rPr lang="en-US" dirty="0" err="1">
+                <a:solidFill>
+                  <a:srgbClr val="00B050"/>
+                </a:solidFill>
+              </a:rPr>
               <a:t>metode</a:t>
             </a:r>
-            <a:endParaRPr lang="en-US" dirty="0"/>
+            <a:endParaRPr lang="en-US" dirty="0">
+              <a:solidFill>
+                <a:srgbClr val="00B050"/>
+              </a:solidFill>
+            </a:endParaRPr>
           </a:p>
           <a:p>
             <a:r>
-              <a:rPr lang="en-US" dirty="0" err="1"/>
+              <a:rPr lang="en-US" dirty="0" err="1">
+                <a:solidFill>
+                  <a:srgbClr val="00B050"/>
+                </a:solidFill>
+              </a:rPr>
               <a:t>Simulasi</a:t>
             </a:r>
             <a:r>
-              <a:rPr lang="en-US" dirty="0"/>
+              <a:rPr lang="en-US" dirty="0">
+                <a:solidFill>
+                  <a:srgbClr val="00B050"/>
+                </a:solidFill>
+              </a:rPr>
               <a:t> </a:t>
             </a:r>
             <a:r>
-              <a:rPr lang="en-US" dirty="0" err="1"/>
+              <a:rPr lang="en-US" dirty="0" err="1">
+                <a:solidFill>
+                  <a:srgbClr val="00B050"/>
+                </a:solidFill>
+              </a:rPr>
               <a:t>ulang</a:t>
             </a:r>
             <a:r>
-              <a:rPr lang="en-US" dirty="0"/>
+              <a:rPr lang="en-US" dirty="0">
+                <a:solidFill>
+                  <a:srgbClr val="00B050"/>
+                </a:solidFill>
+              </a:rPr>
               <a:t> power method </a:t>
             </a:r>
             <a:r>
-              <a:rPr lang="en-US" dirty="0" err="1"/>
+              <a:rPr lang="en-US" dirty="0" err="1">
+                <a:solidFill>
+                  <a:srgbClr val="00B050"/>
+                </a:solidFill>
+              </a:rPr>
               <a:t>ke</a:t>
             </a:r>
             <a:r>
-              <a:rPr lang="en-US" dirty="0"/>
+              <a:rPr lang="en-US" dirty="0">
+                <a:solidFill>
+                  <a:srgbClr val="00B050"/>
+                </a:solidFill>
+              </a:rPr>
               <a:t> GS dg psi0 </a:t>
             </a:r>
             <a:r>
-              <a:rPr lang="en-US" dirty="0" err="1"/>
+              <a:rPr lang="en-US" dirty="0" err="1">
+                <a:solidFill>
+                  <a:srgbClr val="00B050"/>
+                </a:solidFill>
+              </a:rPr>
               <a:t>memenuhi</a:t>
             </a:r>
             <a:r>
-              <a:rPr lang="en-US" dirty="0"/>
+              <a:rPr lang="en-US" dirty="0">
+                <a:solidFill>
+                  <a:srgbClr val="00B050"/>
+                </a:solidFill>
+              </a:rPr>
               <a:t> boundary.</a:t>
             </a:r>
           </a:p>
@@ -13759,6 +13833,2517 @@
     <p:extLst>
       <p:ext uri="{BB962C8B-B14F-4D97-AF65-F5344CB8AC3E}">
         <p14:creationId xmlns:p14="http://schemas.microsoft.com/office/powerpoint/2010/main" val="2505980113"/>
+      </p:ext>
+    </p:extLst>
+  </p:cSld>
+  <p:clrMapOvr>
+    <a:masterClrMapping/>
+  </p:clrMapOvr>
+</p:sld>
+</file>
+
+<file path=ppt/slides/slide27.xml><?xml version="1.0" encoding="utf-8"?>
+<p:sld xmlns:a="http://schemas.openxmlformats.org/drawingml/2006/main" xmlns:r="http://schemas.openxmlformats.org/officeDocument/2006/relationships" xmlns:p="http://schemas.openxmlformats.org/presentationml/2006/main">
+  <p:cSld>
+    <p:spTree>
+      <p:nvGrpSpPr>
+        <p:cNvPr id="1" name=""/>
+        <p:cNvGrpSpPr/>
+        <p:nvPr/>
+      </p:nvGrpSpPr>
+      <p:grpSpPr>
+        <a:xfrm>
+          <a:off x="0" y="0"/>
+          <a:ext cx="0" cy="0"/>
+          <a:chOff x="0" y="0"/>
+          <a:chExt cx="0" cy="0"/>
+        </a:xfrm>
+      </p:grpSpPr>
+      <p:sp>
+        <p:nvSpPr>
+          <p:cNvPr id="2" name="Title 1">
+            <a:extLst>
+              <a:ext uri="{FF2B5EF4-FFF2-40B4-BE49-F238E27FC236}">
+                <a16:creationId xmlns:a16="http://schemas.microsoft.com/office/drawing/2014/main" id="{D39F36D6-5BDB-7234-A958-0861E6F51EB1}"/>
+              </a:ext>
+            </a:extLst>
+          </p:cNvPr>
+          <p:cNvSpPr>
+            <a:spLocks noGrp="1"/>
+          </p:cNvSpPr>
+          <p:nvPr>
+            <p:ph type="title"/>
+          </p:nvPr>
+        </p:nvSpPr>
+        <p:spPr/>
+        <p:txBody>
+          <a:bodyPr/>
+          <a:lstStyle/>
+          <a:p>
+            <a:endParaRPr lang="en-US"/>
+          </a:p>
+        </p:txBody>
+      </p:sp>
+      <p:sp>
+        <p:nvSpPr>
+          <p:cNvPr id="3" name="Content Placeholder 2">
+            <a:extLst>
+              <a:ext uri="{FF2B5EF4-FFF2-40B4-BE49-F238E27FC236}">
+                <a16:creationId xmlns:a16="http://schemas.microsoft.com/office/drawing/2014/main" id="{EBD09AD9-23B9-4DFE-D01B-C5E81CD74F5C}"/>
+              </a:ext>
+            </a:extLst>
+          </p:cNvPr>
+          <p:cNvSpPr>
+            <a:spLocks noGrp="1"/>
+          </p:cNvSpPr>
+          <p:nvPr>
+            <p:ph idx="1"/>
+          </p:nvPr>
+        </p:nvSpPr>
+        <p:spPr/>
+        <p:txBody>
+          <a:bodyPr/>
+          <a:lstStyle/>
+          <a:p>
+            <a:pPr marL="0" indent="0">
+              <a:buNone/>
+            </a:pPr>
+            <a:r>
+              <a:rPr lang="en-US" dirty="0"/>
+              <a:t>y” + 9.8…y = 0 </a:t>
+            </a:r>
+            <a:r>
+              <a:rPr lang="en-US" dirty="0">
+                <a:sym typeface="Wingdings" pitchFamily="2" charset="2"/>
+              </a:rPr>
+              <a:t> y = -sin(pi*x)</a:t>
+            </a:r>
+            <a:endParaRPr lang="en-US" dirty="0"/>
+          </a:p>
+        </p:txBody>
+      </p:sp>
+    </p:spTree>
+    <p:extLst>
+      <p:ext uri="{BB962C8B-B14F-4D97-AF65-F5344CB8AC3E}">
+        <p14:creationId xmlns:p14="http://schemas.microsoft.com/office/powerpoint/2010/main" val="2966657674"/>
+      </p:ext>
+    </p:extLst>
+  </p:cSld>
+  <p:clrMapOvr>
+    <a:masterClrMapping/>
+  </p:clrMapOvr>
+</p:sld>
+</file>
+
+<file path=ppt/slides/slide28.xml><?xml version="1.0" encoding="utf-8"?>
+<p:sld xmlns:a="http://schemas.openxmlformats.org/drawingml/2006/main" xmlns:r="http://schemas.openxmlformats.org/officeDocument/2006/relationships" xmlns:p="http://schemas.openxmlformats.org/presentationml/2006/main">
+  <p:cSld>
+    <p:spTree>
+      <p:nvGrpSpPr>
+        <p:cNvPr id="1" name=""/>
+        <p:cNvGrpSpPr/>
+        <p:nvPr/>
+      </p:nvGrpSpPr>
+      <p:grpSpPr>
+        <a:xfrm>
+          <a:off x="0" y="0"/>
+          <a:ext cx="0" cy="0"/>
+          <a:chOff x="0" y="0"/>
+          <a:chExt cx="0" cy="0"/>
+        </a:xfrm>
+      </p:grpSpPr>
+      <p:sp>
+        <p:nvSpPr>
+          <p:cNvPr id="2" name="Title 1">
+            <a:extLst>
+              <a:ext uri="{FF2B5EF4-FFF2-40B4-BE49-F238E27FC236}">
+                <a16:creationId xmlns:a16="http://schemas.microsoft.com/office/drawing/2014/main" id="{800C5AC5-F821-DDD2-C315-CBD26D754243}"/>
+              </a:ext>
+            </a:extLst>
+          </p:cNvPr>
+          <p:cNvSpPr>
+            <a:spLocks noGrp="1"/>
+          </p:cNvSpPr>
+          <p:nvPr>
+            <p:ph type="title"/>
+          </p:nvPr>
+        </p:nvSpPr>
+        <p:spPr/>
+        <p:txBody>
+          <a:bodyPr/>
+          <a:lstStyle/>
+          <a:p>
+            <a:endParaRPr lang="en-US"/>
+          </a:p>
+        </p:txBody>
+      </p:sp>
+      <p:sp>
+        <p:nvSpPr>
+          <p:cNvPr id="3" name="Content Placeholder 2">
+            <a:extLst>
+              <a:ext uri="{FF2B5EF4-FFF2-40B4-BE49-F238E27FC236}">
+                <a16:creationId xmlns:a16="http://schemas.microsoft.com/office/drawing/2014/main" id="{164C028A-BB4A-F22B-EAEE-511C3C61E095}"/>
+              </a:ext>
+            </a:extLst>
+          </p:cNvPr>
+          <p:cNvSpPr>
+            <a:spLocks noGrp="1"/>
+          </p:cNvSpPr>
+          <p:nvPr>
+            <p:ph idx="1"/>
+          </p:nvPr>
+        </p:nvSpPr>
+        <p:spPr/>
+        <p:txBody>
+          <a:bodyPr/>
+          <a:lstStyle/>
+          <a:p>
+            <a:endParaRPr lang="en-US" dirty="0"/>
+          </a:p>
+        </p:txBody>
+      </p:sp>
+      <mc:AlternateContent xmlns:mc="http://schemas.openxmlformats.org/markup-compatibility/2006">
+        <mc:Choice xmlns:a14="http://schemas.microsoft.com/office/drawing/2010/main" Requires="a14">
+          <p:graphicFrame>
+            <p:nvGraphicFramePr>
+              <p:cNvPr id="4" name="Table 4">
+                <a:extLst>
+                  <a:ext uri="{FF2B5EF4-FFF2-40B4-BE49-F238E27FC236}">
+                    <a16:creationId xmlns:a16="http://schemas.microsoft.com/office/drawing/2014/main" id="{E216007A-68FD-5D6C-38F1-19D6C1271253}"/>
+                  </a:ext>
+                </a:extLst>
+              </p:cNvPr>
+              <p:cNvGraphicFramePr>
+                <a:graphicFrameLocks/>
+              </p:cNvGraphicFramePr>
+              <p:nvPr>
+                <p:extLst>
+                  <p:ext uri="{D42A27DB-BD31-4B8C-83A1-F6EECF244321}">
+                    <p14:modId xmlns:p14="http://schemas.microsoft.com/office/powerpoint/2010/main" val="1151766658"/>
+                  </p:ext>
+                </p:extLst>
+              </p:nvPr>
+            </p:nvGraphicFramePr>
+            <p:xfrm>
+              <a:off x="3734020" y="1921298"/>
+              <a:ext cx="5331501" cy="4450080"/>
+            </p:xfrm>
+            <a:graphic>
+              <a:graphicData uri="http://schemas.openxmlformats.org/drawingml/2006/table">
+                <a:tbl>
+                  <a:tblPr firstRow="1" bandRow="1">
+                    <a:tableStyleId>{5C22544A-7EE6-4342-B048-85BDC9FD1C3A}</a:tableStyleId>
+                  </a:tblPr>
+                  <a:tblGrid>
+                    <a:gridCol w="936812">
+                      <a:extLst>
+                        <a:ext uri="{9D8B030D-6E8A-4147-A177-3AD203B41FA5}">
+                          <a16:colId xmlns:a16="http://schemas.microsoft.com/office/drawing/2014/main" val="2086269430"/>
+                        </a:ext>
+                      </a:extLst>
+                    </a:gridCol>
+                    <a:gridCol w="2124635">
+                      <a:extLst>
+                        <a:ext uri="{9D8B030D-6E8A-4147-A177-3AD203B41FA5}">
+                          <a16:colId xmlns:a16="http://schemas.microsoft.com/office/drawing/2014/main" val="1918639132"/>
+                        </a:ext>
+                      </a:extLst>
+                    </a:gridCol>
+                    <a:gridCol w="2270054">
+                      <a:extLst>
+                        <a:ext uri="{9D8B030D-6E8A-4147-A177-3AD203B41FA5}">
+                          <a16:colId xmlns:a16="http://schemas.microsoft.com/office/drawing/2014/main" val="1142211300"/>
+                        </a:ext>
+                      </a:extLst>
+                    </a:gridCol>
+                  </a:tblGrid>
+                  <a:tr h="370840">
+                    <a:tc>
+                      <a:txBody>
+                        <a:bodyPr/>
+                        <a:lstStyle/>
+                        <a:p>
+                          <a:pPr/>
+                          <a14:m>
+                            <m:oMathPara xmlns:m="http://schemas.openxmlformats.org/officeDocument/2006/math">
+                              <m:oMathParaPr>
+                                <m:jc m:val="centerGroup"/>
+                              </m:oMathParaPr>
+                              <m:oMath xmlns:m="http://schemas.openxmlformats.org/officeDocument/2006/math">
+                                <m:r>
+                                  <a:rPr lang="en-US" b="1" i="1" smtClean="0">
+                                    <a:latin typeface="Cambria Math" panose="02040503050406030204" pitchFamily="18" charset="0"/>
+                                  </a:rPr>
+                                  <m:t>𝒊</m:t>
+                                </m:r>
+                              </m:oMath>
+                            </m:oMathPara>
+                          </a14:m>
+                          <a:endParaRPr lang="en-US" dirty="0"/>
+                        </a:p>
+                      </a:txBody>
+                      <a:tcPr/>
+                    </a:tc>
+                    <a:tc>
+                      <a:txBody>
+                        <a:bodyPr/>
+                        <a:lstStyle/>
+                        <a:p>
+                          <a:pPr/>
+                          <a14:m>
+                            <m:oMathPara xmlns:m="http://schemas.openxmlformats.org/officeDocument/2006/math">
+                              <m:oMathParaPr>
+                                <m:jc m:val="centerGroup"/>
+                              </m:oMathParaPr>
+                              <m:oMath xmlns:m="http://schemas.openxmlformats.org/officeDocument/2006/math">
+                                <m:sSub>
+                                  <m:sSubPr>
+                                    <m:ctrlPr>
+                                      <a:rPr lang="en-US" b="1" i="1" smtClean="0">
+                                        <a:latin typeface="Cambria Math" panose="02040503050406030204" pitchFamily="18" charset="0"/>
+                                      </a:rPr>
+                                    </m:ctrlPr>
+                                  </m:sSubPr>
+                                  <m:e>
+                                    <m:r>
+                                      <a:rPr lang="en-US" b="1" i="1" smtClean="0">
+                                        <a:latin typeface="Cambria Math" panose="02040503050406030204" pitchFamily="18" charset="0"/>
+                                      </a:rPr>
+                                      <m:t>𝝀</m:t>
+                                    </m:r>
+                                  </m:e>
+                                  <m:sub>
+                                    <m:r>
+                                      <a:rPr lang="en-US" b="1" i="1" smtClean="0">
+                                        <a:latin typeface="Cambria Math" panose="02040503050406030204" pitchFamily="18" charset="0"/>
+                                      </a:rPr>
+                                      <m:t>𝒊</m:t>
+                                    </m:r>
+                                  </m:sub>
+                                </m:sSub>
+                              </m:oMath>
+                            </m:oMathPara>
+                          </a14:m>
+                          <a:endParaRPr lang="en-US" dirty="0"/>
+                        </a:p>
+                      </a:txBody>
+                      <a:tcPr/>
+                    </a:tc>
+                    <a:tc>
+                      <a:txBody>
+                        <a:bodyPr/>
+                        <a:lstStyle/>
+                        <a:p>
+                          <a:pPr/>
+                          <a14:m>
+                            <m:oMathPara xmlns:m="http://schemas.openxmlformats.org/officeDocument/2006/math">
+                              <m:oMathParaPr>
+                                <m:jc m:val="centerGroup"/>
+                              </m:oMathParaPr>
+                              <m:oMath xmlns:m="http://schemas.openxmlformats.org/officeDocument/2006/math">
+                                <m:r>
+                                  <a:rPr lang="en-US" b="1" i="1" smtClean="0">
+                                    <a:latin typeface="Cambria Math" panose="02040503050406030204" pitchFamily="18" charset="0"/>
+                                  </a:rPr>
+                                  <m:t>|</m:t>
+                                </m:r>
+                                <m:d>
+                                  <m:dPr>
+                                    <m:begChr m:val="|"/>
+                                    <m:endChr m:val="|"/>
+                                    <m:ctrlPr>
+                                      <a:rPr lang="en-US" b="1" i="1" smtClean="0">
+                                        <a:latin typeface="Cambria Math" panose="02040503050406030204" pitchFamily="18" charset="0"/>
+                                      </a:rPr>
+                                    </m:ctrlPr>
+                                  </m:dPr>
+                                  <m:e>
+                                    <m:sSub>
+                                      <m:sSubPr>
+                                        <m:ctrlPr>
+                                          <a:rPr lang="en-US" b="1" i="1" smtClean="0">
+                                            <a:latin typeface="Cambria Math" panose="02040503050406030204" pitchFamily="18" charset="0"/>
+                                          </a:rPr>
+                                        </m:ctrlPr>
+                                      </m:sSubPr>
+                                      <m:e>
+                                        <m:r>
+                                          <a:rPr lang="en-US" b="1" i="1" smtClean="0">
+                                            <a:latin typeface="Cambria Math" panose="02040503050406030204" pitchFamily="18" charset="0"/>
+                                          </a:rPr>
+                                          <m:t>𝝍</m:t>
+                                        </m:r>
+                                      </m:e>
+                                      <m:sub>
+                                        <m:r>
+                                          <a:rPr lang="en-US" b="1" i="1" smtClean="0">
+                                            <a:latin typeface="Cambria Math" panose="02040503050406030204" pitchFamily="18" charset="0"/>
+                                          </a:rPr>
+                                          <m:t>𝒊</m:t>
+                                        </m:r>
+                                      </m:sub>
+                                    </m:sSub>
+                                  </m:e>
+                                </m:d>
+                                <m:r>
+                                  <a:rPr lang="en-US" b="1" i="1" smtClean="0">
+                                    <a:latin typeface="Cambria Math" panose="02040503050406030204" pitchFamily="18" charset="0"/>
+                                  </a:rPr>
+                                  <m:t>|</m:t>
+                                </m:r>
+                              </m:oMath>
+                            </m:oMathPara>
+                          </a14:m>
+                          <a:endParaRPr lang="en-US" dirty="0"/>
+                        </a:p>
+                      </a:txBody>
+                      <a:tcPr/>
+                    </a:tc>
+                    <a:extLst>
+                      <a:ext uri="{0D108BD9-81ED-4DB2-BD59-A6C34878D82A}">
+                        <a16:rowId xmlns:a16="http://schemas.microsoft.com/office/drawing/2014/main" val="1716745790"/>
+                      </a:ext>
+                    </a:extLst>
+                  </a:tr>
+                  <a:tr h="370840">
+                    <a:tc>
+                      <a:txBody>
+                        <a:bodyPr/>
+                        <a:lstStyle/>
+                        <a:p>
+                          <a:r>
+                            <a:rPr lang="en-US" dirty="0"/>
+                            <a:t>0</a:t>
+                          </a:r>
+                        </a:p>
+                      </a:txBody>
+                      <a:tcPr/>
+                    </a:tc>
+                    <a:tc>
+                      <a:txBody>
+                        <a:bodyPr/>
+                        <a:lstStyle/>
+                        <a:p>
+                          <a:r>
+                            <a:rPr lang="en-US" dirty="0"/>
+                            <a:t>10</a:t>
+                          </a:r>
+                        </a:p>
+                      </a:txBody>
+                      <a:tcPr/>
+                    </a:tc>
+                    <a:tc>
+                      <a:txBody>
+                        <a:bodyPr/>
+                        <a:lstStyle/>
+                        <a:p>
+                          <a:r>
+                            <a:rPr lang="en-US" dirty="0"/>
+                            <a:t>1</a:t>
+                          </a:r>
+                        </a:p>
+                      </a:txBody>
+                      <a:tcPr/>
+                    </a:tc>
+                    <a:extLst>
+                      <a:ext uri="{0D108BD9-81ED-4DB2-BD59-A6C34878D82A}">
+                        <a16:rowId xmlns:a16="http://schemas.microsoft.com/office/drawing/2014/main" val="4217579758"/>
+                      </a:ext>
+                    </a:extLst>
+                  </a:tr>
+                  <a:tr h="370840">
+                    <a:tc>
+                      <a:txBody>
+                        <a:bodyPr/>
+                        <a:lstStyle/>
+                        <a:p>
+                          <a:r>
+                            <a:rPr lang="en-US" dirty="0"/>
+                            <a:t>1</a:t>
+                          </a:r>
+                        </a:p>
+                      </a:txBody>
+                      <a:tcPr/>
+                    </a:tc>
+                    <a:tc>
+                      <a:txBody>
+                        <a:bodyPr/>
+                        <a:lstStyle/>
+                        <a:p>
+                          <a:pPr marL="0" marR="0" lvl="0" indent="0" algn="l" defTabSz="914400" rtl="0" eaLnBrk="1" fontAlgn="auto" latinLnBrk="0" hangingPunct="1">
+                            <a:lnSpc>
+                              <a:spcPct val="100000"/>
+                            </a:lnSpc>
+                            <a:spcBef>
+                              <a:spcPts val="0"/>
+                            </a:spcBef>
+                            <a:spcAft>
+                              <a:spcPts val="0"/>
+                            </a:spcAft>
+                            <a:buClrTx/>
+                            <a:buSzTx/>
+                            <a:buFontTx/>
+                            <a:buNone/>
+                            <a:tabLst/>
+                            <a:defRPr/>
+                          </a:pPr>
+                          <a:r>
+                            <a:rPr lang="en-ID" sz="1800" kern="1200" dirty="0">
+                              <a:solidFill>
+                                <a:schemeClr val="dk1"/>
+                              </a:solidFill>
+                              <a:effectLst/>
+                              <a:latin typeface="+mn-lt"/>
+                              <a:ea typeface="+mn-ea"/>
+                              <a:cs typeface="+mn-cs"/>
+                            </a:rPr>
+                            <a:t>25.506477</a:t>
+                          </a:r>
+                        </a:p>
+                      </a:txBody>
+                      <a:tcPr/>
+                    </a:tc>
+                    <a:tc>
+                      <a:txBody>
+                        <a:bodyPr/>
+                        <a:lstStyle/>
+                        <a:p>
+                          <a:pPr marL="0" marR="0" lvl="0" indent="0" algn="l" defTabSz="914400" rtl="0" eaLnBrk="1" fontAlgn="auto" latinLnBrk="0" hangingPunct="1">
+                            <a:lnSpc>
+                              <a:spcPct val="100000"/>
+                            </a:lnSpc>
+                            <a:spcBef>
+                              <a:spcPts val="0"/>
+                            </a:spcBef>
+                            <a:spcAft>
+                              <a:spcPts val="0"/>
+                            </a:spcAft>
+                            <a:buClrTx/>
+                            <a:buSzTx/>
+                            <a:buFontTx/>
+                            <a:buNone/>
+                            <a:tabLst/>
+                            <a:defRPr/>
+                          </a:pPr>
+                          <a:r>
+                            <a:rPr lang="en-ID" sz="1800" kern="1200" dirty="0">
+                              <a:solidFill>
+                                <a:schemeClr val="dk1"/>
+                              </a:solidFill>
+                              <a:effectLst/>
+                              <a:latin typeface="+mn-lt"/>
+                              <a:ea typeface="+mn-ea"/>
+                              <a:cs typeface="+mn-cs"/>
+                            </a:rPr>
+                            <a:t>0.39205727</a:t>
+                          </a:r>
+                        </a:p>
+                      </a:txBody>
+                      <a:tcPr/>
+                    </a:tc>
+                    <a:extLst>
+                      <a:ext uri="{0D108BD9-81ED-4DB2-BD59-A6C34878D82A}">
+                        <a16:rowId xmlns:a16="http://schemas.microsoft.com/office/drawing/2014/main" val="1906941637"/>
+                      </a:ext>
+                    </a:extLst>
+                  </a:tr>
+                  <a:tr h="370840">
+                    <a:tc>
+                      <a:txBody>
+                        <a:bodyPr/>
+                        <a:lstStyle/>
+                        <a:p>
+                          <a:r>
+                            <a:rPr lang="en-US" dirty="0"/>
+                            <a:t>2</a:t>
+                          </a:r>
+                        </a:p>
+                      </a:txBody>
+                      <a:tcPr/>
+                    </a:tc>
+                    <a:tc>
+                      <a:txBody>
+                        <a:bodyPr/>
+                        <a:lstStyle/>
+                        <a:p>
+                          <a:pPr marL="0" marR="0" lvl="0" indent="0" algn="l" defTabSz="914400" rtl="0" eaLnBrk="1" fontAlgn="auto" latinLnBrk="0" hangingPunct="1">
+                            <a:lnSpc>
+                              <a:spcPct val="100000"/>
+                            </a:lnSpc>
+                            <a:spcBef>
+                              <a:spcPts val="0"/>
+                            </a:spcBef>
+                            <a:spcAft>
+                              <a:spcPts val="0"/>
+                            </a:spcAft>
+                            <a:buClrTx/>
+                            <a:buSzTx/>
+                            <a:buFontTx/>
+                            <a:buNone/>
+                            <a:tabLst/>
+                            <a:defRPr/>
+                          </a:pPr>
+                          <a:r>
+                            <a:rPr lang="en-ID" sz="1800" kern="1200" dirty="0">
+                              <a:solidFill>
+                                <a:schemeClr val="dk1"/>
+                              </a:solidFill>
+                              <a:effectLst/>
+                              <a:latin typeface="+mn-lt"/>
+                              <a:ea typeface="+mn-ea"/>
+                              <a:cs typeface="+mn-cs"/>
+                            </a:rPr>
+                            <a:t>6.4606457</a:t>
+                          </a:r>
+                        </a:p>
+                      </a:txBody>
+                      <a:tcPr/>
+                    </a:tc>
+                    <a:tc>
+                      <a:txBody>
+                        <a:bodyPr/>
+                        <a:lstStyle/>
+                        <a:p>
+                          <a:pPr marL="0" marR="0" lvl="0" indent="0" algn="l" defTabSz="914400" rtl="0" eaLnBrk="1" fontAlgn="auto" latinLnBrk="0" hangingPunct="1">
+                            <a:lnSpc>
+                              <a:spcPct val="100000"/>
+                            </a:lnSpc>
+                            <a:spcBef>
+                              <a:spcPts val="0"/>
+                            </a:spcBef>
+                            <a:spcAft>
+                              <a:spcPts val="0"/>
+                            </a:spcAft>
+                            <a:buClrTx/>
+                            <a:buSzTx/>
+                            <a:buFontTx/>
+                            <a:buNone/>
+                            <a:tabLst/>
+                            <a:defRPr/>
+                          </a:pPr>
+                          <a:r>
+                            <a:rPr lang="en-ID" sz="1800" kern="1200" dirty="0">
+                              <a:solidFill>
+                                <a:schemeClr val="dk1"/>
+                              </a:solidFill>
+                              <a:effectLst/>
+                              <a:latin typeface="+mn-lt"/>
+                              <a:ea typeface="+mn-ea"/>
+                              <a:cs typeface="+mn-cs"/>
+                            </a:rPr>
+                            <a:t>3.9479766</a:t>
+                          </a:r>
+                        </a:p>
+                      </a:txBody>
+                      <a:tcPr/>
+                    </a:tc>
+                    <a:extLst>
+                      <a:ext uri="{0D108BD9-81ED-4DB2-BD59-A6C34878D82A}">
+                        <a16:rowId xmlns:a16="http://schemas.microsoft.com/office/drawing/2014/main" val="870535473"/>
+                      </a:ext>
+                    </a:extLst>
+                  </a:tr>
+                  <a:tr h="370840">
+                    <a:tc>
+                      <a:txBody>
+                        <a:bodyPr/>
+                        <a:lstStyle/>
+                        <a:p>
+                          <a:r>
+                            <a:rPr lang="en-US" dirty="0"/>
+                            <a:t>3</a:t>
+                          </a:r>
+                        </a:p>
+                      </a:txBody>
+                      <a:tcPr/>
+                    </a:tc>
+                    <a:tc>
+                      <a:txBody>
+                        <a:bodyPr/>
+                        <a:lstStyle/>
+                        <a:p>
+                          <a:pPr marL="0" marR="0" lvl="0" indent="0" algn="l" defTabSz="914400" rtl="0" eaLnBrk="1" fontAlgn="auto" latinLnBrk="0" hangingPunct="1">
+                            <a:lnSpc>
+                              <a:spcPct val="100000"/>
+                            </a:lnSpc>
+                            <a:spcBef>
+                              <a:spcPts val="0"/>
+                            </a:spcBef>
+                            <a:spcAft>
+                              <a:spcPts val="0"/>
+                            </a:spcAft>
+                            <a:buClrTx/>
+                            <a:buSzTx/>
+                            <a:buFontTx/>
+                            <a:buNone/>
+                            <a:tabLst/>
+                            <a:defRPr/>
+                          </a:pPr>
+                          <a:r>
+                            <a:rPr lang="en-ID" sz="1800" kern="1200" dirty="0">
+                              <a:solidFill>
+                                <a:schemeClr val="dk1"/>
+                              </a:solidFill>
+                              <a:effectLst/>
+                              <a:latin typeface="+mn-lt"/>
+                              <a:ea typeface="+mn-ea"/>
+                              <a:cs typeface="+mn-cs"/>
+                            </a:rPr>
+                            <a:t>6.5738244</a:t>
+                          </a:r>
+                        </a:p>
+                      </a:txBody>
+                      <a:tcPr/>
+                    </a:tc>
+                    <a:tc>
+                      <a:txBody>
+                        <a:bodyPr/>
+                        <a:lstStyle/>
+                        <a:p>
+                          <a:pPr marL="0" marR="0" lvl="0" indent="0" algn="l" defTabSz="914400" rtl="0" eaLnBrk="1" fontAlgn="auto" latinLnBrk="0" hangingPunct="1">
+                            <a:lnSpc>
+                              <a:spcPct val="100000"/>
+                            </a:lnSpc>
+                            <a:spcBef>
+                              <a:spcPts val="0"/>
+                            </a:spcBef>
+                            <a:spcAft>
+                              <a:spcPts val="0"/>
+                            </a:spcAft>
+                            <a:buClrTx/>
+                            <a:buSzTx/>
+                            <a:buFontTx/>
+                            <a:buNone/>
+                            <a:tabLst/>
+                            <a:defRPr/>
+                          </a:pPr>
+                          <a:r>
+                            <a:rPr lang="en-ID" sz="1800" kern="1200" dirty="0">
+                              <a:solidFill>
+                                <a:schemeClr val="dk1"/>
+                              </a:solidFill>
+                              <a:effectLst/>
+                              <a:latin typeface="+mn-lt"/>
+                              <a:ea typeface="+mn-ea"/>
+                              <a:cs typeface="+mn-cs"/>
+                            </a:rPr>
+                            <a:t>0.98278344</a:t>
+                          </a:r>
+                        </a:p>
+                      </a:txBody>
+                      <a:tcPr/>
+                    </a:tc>
+                    <a:extLst>
+                      <a:ext uri="{0D108BD9-81ED-4DB2-BD59-A6C34878D82A}">
+                        <a16:rowId xmlns:a16="http://schemas.microsoft.com/office/drawing/2014/main" val="2195572118"/>
+                      </a:ext>
+                    </a:extLst>
+                  </a:tr>
+                  <a:tr h="370840">
+                    <a:tc>
+                      <a:txBody>
+                        <a:bodyPr/>
+                        <a:lstStyle/>
+                        <a:p>
+                          <a:r>
+                            <a:rPr lang="en-US" dirty="0"/>
+                            <a:t>4</a:t>
+                          </a:r>
+                        </a:p>
+                      </a:txBody>
+                      <a:tcPr/>
+                    </a:tc>
+                    <a:tc>
+                      <a:txBody>
+                        <a:bodyPr/>
+                        <a:lstStyle/>
+                        <a:p>
+                          <a:pPr marL="0" marR="0" lvl="0" indent="0" algn="l" defTabSz="914400" rtl="0" eaLnBrk="1" fontAlgn="auto" latinLnBrk="0" hangingPunct="1">
+                            <a:lnSpc>
+                              <a:spcPct val="100000"/>
+                            </a:lnSpc>
+                            <a:spcBef>
+                              <a:spcPts val="0"/>
+                            </a:spcBef>
+                            <a:spcAft>
+                              <a:spcPts val="0"/>
+                            </a:spcAft>
+                            <a:buClrTx/>
+                            <a:buSzTx/>
+                            <a:buFontTx/>
+                            <a:buNone/>
+                            <a:tabLst/>
+                            <a:defRPr/>
+                          </a:pPr>
+                          <a:r>
+                            <a:rPr lang="en-ID" sz="1800" kern="1200" dirty="0">
+                              <a:solidFill>
+                                <a:schemeClr val="dk1"/>
+                              </a:solidFill>
+                              <a:effectLst/>
+                              <a:latin typeface="+mn-lt"/>
+                              <a:ea typeface="+mn-ea"/>
+                              <a:cs typeface="+mn-cs"/>
+                            </a:rPr>
+                            <a:t>6.341876</a:t>
+                          </a:r>
+                        </a:p>
+                      </a:txBody>
+                      <a:tcPr/>
+                    </a:tc>
+                    <a:tc>
+                      <a:txBody>
+                        <a:bodyPr/>
+                        <a:lstStyle/>
+                        <a:p>
+                          <a:pPr marL="0" marR="0" lvl="0" indent="0" algn="l" defTabSz="914400" rtl="0" eaLnBrk="1" fontAlgn="auto" latinLnBrk="0" hangingPunct="1">
+                            <a:lnSpc>
+                              <a:spcPct val="100000"/>
+                            </a:lnSpc>
+                            <a:spcBef>
+                              <a:spcPts val="0"/>
+                            </a:spcBef>
+                            <a:spcAft>
+                              <a:spcPts val="0"/>
+                            </a:spcAft>
+                            <a:buClrTx/>
+                            <a:buSzTx/>
+                            <a:buFontTx/>
+                            <a:buNone/>
+                            <a:tabLst/>
+                            <a:defRPr/>
+                          </a:pPr>
+                          <a:r>
+                            <a:rPr lang="en-ID" sz="1800" kern="1200" dirty="0">
+                              <a:solidFill>
+                                <a:schemeClr val="dk1"/>
+                              </a:solidFill>
+                              <a:effectLst/>
+                              <a:latin typeface="+mn-lt"/>
+                              <a:ea typeface="+mn-ea"/>
+                              <a:cs typeface="+mn-cs"/>
+                            </a:rPr>
+                            <a:t>1.0365741</a:t>
+                          </a:r>
+                        </a:p>
+                      </a:txBody>
+                      <a:tcPr/>
+                    </a:tc>
+                    <a:extLst>
+                      <a:ext uri="{0D108BD9-81ED-4DB2-BD59-A6C34878D82A}">
+                        <a16:rowId xmlns:a16="http://schemas.microsoft.com/office/drawing/2014/main" val="3294719746"/>
+                      </a:ext>
+                    </a:extLst>
+                  </a:tr>
+                  <a:tr h="370840">
+                    <a:tc>
+                      <a:txBody>
+                        <a:bodyPr/>
+                        <a:lstStyle/>
+                        <a:p>
+                          <a:r>
+                            <a:rPr lang="en-US" dirty="0"/>
+                            <a:t>5</a:t>
+                          </a:r>
+                        </a:p>
+                      </a:txBody>
+                      <a:tcPr/>
+                    </a:tc>
+                    <a:tc>
+                      <a:txBody>
+                        <a:bodyPr/>
+                        <a:lstStyle/>
+                        <a:p>
+                          <a:pPr marL="0" marR="0" lvl="0" indent="0" algn="l" defTabSz="914400" rtl="0" eaLnBrk="1" fontAlgn="auto" latinLnBrk="0" hangingPunct="1">
+                            <a:lnSpc>
+                              <a:spcPct val="100000"/>
+                            </a:lnSpc>
+                            <a:spcBef>
+                              <a:spcPts val="0"/>
+                            </a:spcBef>
+                            <a:spcAft>
+                              <a:spcPts val="0"/>
+                            </a:spcAft>
+                            <a:buClrTx/>
+                            <a:buSzTx/>
+                            <a:buFontTx/>
+                            <a:buNone/>
+                            <a:tabLst/>
+                            <a:defRPr/>
+                          </a:pPr>
+                          <a:r>
+                            <a:rPr lang="en-ID" sz="1800" kern="1200" dirty="0">
+                              <a:solidFill>
+                                <a:schemeClr val="dk1"/>
+                              </a:solidFill>
+                              <a:effectLst/>
+                              <a:latin typeface="+mn-lt"/>
+                              <a:ea typeface="+mn-ea"/>
+                              <a:cs typeface="+mn-cs"/>
+                            </a:rPr>
+                            <a:t>6.499991</a:t>
+                          </a:r>
+                        </a:p>
+                      </a:txBody>
+                      <a:tcPr/>
+                    </a:tc>
+                    <a:tc>
+                      <a:txBody>
+                        <a:bodyPr/>
+                        <a:lstStyle/>
+                        <a:p>
+                          <a:pPr marL="0" marR="0" lvl="0" indent="0" algn="l" defTabSz="914400" rtl="0" eaLnBrk="1" fontAlgn="auto" latinLnBrk="0" hangingPunct="1">
+                            <a:lnSpc>
+                              <a:spcPct val="100000"/>
+                            </a:lnSpc>
+                            <a:spcBef>
+                              <a:spcPts val="0"/>
+                            </a:spcBef>
+                            <a:spcAft>
+                              <a:spcPts val="0"/>
+                            </a:spcAft>
+                            <a:buClrTx/>
+                            <a:buSzTx/>
+                            <a:buFontTx/>
+                            <a:buNone/>
+                            <a:tabLst/>
+                            <a:defRPr/>
+                          </a:pPr>
+                          <a:r>
+                            <a:rPr lang="en-ID" sz="1800" kern="1200" dirty="0">
+                              <a:solidFill>
+                                <a:schemeClr val="dk1"/>
+                              </a:solidFill>
+                              <a:effectLst/>
+                              <a:latin typeface="+mn-lt"/>
+                              <a:ea typeface="+mn-ea"/>
+                              <a:cs typeface="+mn-cs"/>
+                            </a:rPr>
+                            <a:t>0.9756746</a:t>
+                          </a:r>
+                        </a:p>
+                      </a:txBody>
+                      <a:tcPr/>
+                    </a:tc>
+                    <a:extLst>
+                      <a:ext uri="{0D108BD9-81ED-4DB2-BD59-A6C34878D82A}">
+                        <a16:rowId xmlns:a16="http://schemas.microsoft.com/office/drawing/2014/main" val="280320907"/>
+                      </a:ext>
+                    </a:extLst>
+                  </a:tr>
+                  <a:tr h="370840">
+                    <a:tc>
+                      <a:txBody>
+                        <a:bodyPr/>
+                        <a:lstStyle/>
+                        <a:p>
+                          <a:r>
+                            <a:rPr lang="en-US" dirty="0"/>
+                            <a:t>6</a:t>
+                          </a:r>
+                        </a:p>
+                      </a:txBody>
+                      <a:tcPr/>
+                    </a:tc>
+                    <a:tc>
+                      <a:txBody>
+                        <a:bodyPr/>
+                        <a:lstStyle/>
+                        <a:p>
+                          <a:pPr marL="0" marR="0" lvl="0" indent="0" algn="l" defTabSz="914400" rtl="0" eaLnBrk="1" fontAlgn="auto" latinLnBrk="0" hangingPunct="1">
+                            <a:lnSpc>
+                              <a:spcPct val="100000"/>
+                            </a:lnSpc>
+                            <a:spcBef>
+                              <a:spcPts val="0"/>
+                            </a:spcBef>
+                            <a:spcAft>
+                              <a:spcPts val="0"/>
+                            </a:spcAft>
+                            <a:buClrTx/>
+                            <a:buSzTx/>
+                            <a:buFontTx/>
+                            <a:buNone/>
+                            <a:tabLst/>
+                            <a:defRPr/>
+                          </a:pPr>
+                          <a:r>
+                            <a:rPr lang="en-ID" sz="1800" kern="1200" dirty="0">
+                              <a:solidFill>
+                                <a:schemeClr val="dk1"/>
+                              </a:solidFill>
+                              <a:effectLst/>
+                              <a:latin typeface="+mn-lt"/>
+                              <a:ea typeface="+mn-ea"/>
+                              <a:cs typeface="+mn-cs"/>
+                            </a:rPr>
+                            <a:t>6.4694023</a:t>
+                          </a:r>
+                        </a:p>
+                      </a:txBody>
+                      <a:tcPr/>
+                    </a:tc>
+                    <a:tc>
+                      <a:txBody>
+                        <a:bodyPr/>
+                        <a:lstStyle/>
+                        <a:p>
+                          <a:pPr marL="0" marR="0" lvl="0" indent="0" algn="l" defTabSz="914400" rtl="0" eaLnBrk="1" fontAlgn="auto" latinLnBrk="0" hangingPunct="1">
+                            <a:lnSpc>
+                              <a:spcPct val="100000"/>
+                            </a:lnSpc>
+                            <a:spcBef>
+                              <a:spcPts val="0"/>
+                            </a:spcBef>
+                            <a:spcAft>
+                              <a:spcPts val="0"/>
+                            </a:spcAft>
+                            <a:buClrTx/>
+                            <a:buSzTx/>
+                            <a:buFontTx/>
+                            <a:buNone/>
+                            <a:tabLst/>
+                            <a:defRPr/>
+                          </a:pPr>
+                          <a:r>
+                            <a:rPr lang="en-ID" sz="1800" kern="1200" dirty="0">
+                              <a:solidFill>
+                                <a:schemeClr val="dk1"/>
+                              </a:solidFill>
+                              <a:effectLst/>
+                              <a:latin typeface="+mn-lt"/>
+                              <a:ea typeface="+mn-ea"/>
+                              <a:cs typeface="+mn-cs"/>
+                            </a:rPr>
+                            <a:t>1.0047282</a:t>
+                          </a:r>
+                        </a:p>
+                      </a:txBody>
+                      <a:tcPr/>
+                    </a:tc>
+                    <a:extLst>
+                      <a:ext uri="{0D108BD9-81ED-4DB2-BD59-A6C34878D82A}">
+                        <a16:rowId xmlns:a16="http://schemas.microsoft.com/office/drawing/2014/main" val="374553534"/>
+                      </a:ext>
+                    </a:extLst>
+                  </a:tr>
+                  <a:tr h="370840">
+                    <a:tc>
+                      <a:txBody>
+                        <a:bodyPr/>
+                        <a:lstStyle/>
+                        <a:p>
+                          <a:r>
+                            <a:rPr lang="en-US" dirty="0"/>
+                            <a:t>7</a:t>
+                          </a:r>
+                        </a:p>
+                      </a:txBody>
+                      <a:tcPr/>
+                    </a:tc>
+                    <a:tc>
+                      <a:txBody>
+                        <a:bodyPr/>
+                        <a:lstStyle/>
+                        <a:p>
+                          <a:pPr marL="0" marR="0" lvl="0" indent="0" algn="l" defTabSz="914400" rtl="0" eaLnBrk="1" fontAlgn="auto" latinLnBrk="0" hangingPunct="1">
+                            <a:lnSpc>
+                              <a:spcPct val="100000"/>
+                            </a:lnSpc>
+                            <a:spcBef>
+                              <a:spcPts val="0"/>
+                            </a:spcBef>
+                            <a:spcAft>
+                              <a:spcPts val="0"/>
+                            </a:spcAft>
+                            <a:buClrTx/>
+                            <a:buSzTx/>
+                            <a:buFontTx/>
+                            <a:buNone/>
+                            <a:tabLst/>
+                            <a:defRPr/>
+                          </a:pPr>
+                          <a:r>
+                            <a:rPr lang="en-ID" sz="1800" kern="1200" dirty="0">
+                              <a:solidFill>
+                                <a:schemeClr val="dk1"/>
+                              </a:solidFill>
+                              <a:effectLst/>
+                              <a:latin typeface="+mn-lt"/>
+                              <a:ea typeface="+mn-ea"/>
+                              <a:cs typeface="+mn-cs"/>
+                            </a:rPr>
+                            <a:t>6.3963723</a:t>
+                          </a:r>
+                        </a:p>
+                      </a:txBody>
+                      <a:tcPr/>
+                    </a:tc>
+                    <a:tc>
+                      <a:txBody>
+                        <a:bodyPr/>
+                        <a:lstStyle/>
+                        <a:p>
+                          <a:pPr marL="0" marR="0" lvl="0" indent="0" algn="l" defTabSz="914400" rtl="0" eaLnBrk="1" fontAlgn="auto" latinLnBrk="0" hangingPunct="1">
+                            <a:lnSpc>
+                              <a:spcPct val="100000"/>
+                            </a:lnSpc>
+                            <a:spcBef>
+                              <a:spcPts val="0"/>
+                            </a:spcBef>
+                            <a:spcAft>
+                              <a:spcPts val="0"/>
+                            </a:spcAft>
+                            <a:buClrTx/>
+                            <a:buSzTx/>
+                            <a:buFontTx/>
+                            <a:buNone/>
+                            <a:tabLst/>
+                            <a:defRPr/>
+                          </a:pPr>
+                          <a:r>
+                            <a:rPr lang="en-ID" sz="1800" kern="1200" dirty="0">
+                              <a:solidFill>
+                                <a:schemeClr val="dk1"/>
+                              </a:solidFill>
+                              <a:effectLst/>
+                              <a:latin typeface="+mn-lt"/>
+                              <a:ea typeface="+mn-ea"/>
+                              <a:cs typeface="+mn-cs"/>
+                            </a:rPr>
+                            <a:t>1.0114174</a:t>
+                          </a:r>
+                        </a:p>
+                      </a:txBody>
+                      <a:tcPr/>
+                    </a:tc>
+                    <a:extLst>
+                      <a:ext uri="{0D108BD9-81ED-4DB2-BD59-A6C34878D82A}">
+                        <a16:rowId xmlns:a16="http://schemas.microsoft.com/office/drawing/2014/main" val="2298953354"/>
+                      </a:ext>
+                    </a:extLst>
+                  </a:tr>
+                  <a:tr h="370840">
+                    <a:tc>
+                      <a:txBody>
+                        <a:bodyPr/>
+                        <a:lstStyle/>
+                        <a:p>
+                          <a:r>
+                            <a:rPr lang="en-US" dirty="0"/>
+                            <a:t>8</a:t>
+                          </a:r>
+                        </a:p>
+                      </a:txBody>
+                      <a:tcPr/>
+                    </a:tc>
+                    <a:tc>
+                      <a:txBody>
+                        <a:bodyPr/>
+                        <a:lstStyle/>
+                        <a:p>
+                          <a:pPr marL="0" marR="0" lvl="0" indent="0" algn="l" defTabSz="914400" rtl="0" eaLnBrk="1" fontAlgn="auto" latinLnBrk="0" hangingPunct="1">
+                            <a:lnSpc>
+                              <a:spcPct val="100000"/>
+                            </a:lnSpc>
+                            <a:spcBef>
+                              <a:spcPts val="0"/>
+                            </a:spcBef>
+                            <a:spcAft>
+                              <a:spcPts val="0"/>
+                            </a:spcAft>
+                            <a:buClrTx/>
+                            <a:buSzTx/>
+                            <a:buFontTx/>
+                            <a:buNone/>
+                            <a:tabLst/>
+                            <a:defRPr/>
+                          </a:pPr>
+                          <a:r>
+                            <a:rPr lang="en-ID" sz="1800" kern="1200" dirty="0">
+                              <a:solidFill>
+                                <a:schemeClr val="dk1"/>
+                              </a:solidFill>
+                              <a:effectLst/>
+                              <a:latin typeface="+mn-lt"/>
+                              <a:ea typeface="+mn-ea"/>
+                              <a:cs typeface="+mn-cs"/>
+                            </a:rPr>
+                            <a:t>6.411279</a:t>
+                          </a:r>
+                        </a:p>
+                      </a:txBody>
+                      <a:tcPr/>
+                    </a:tc>
+                    <a:tc>
+                      <a:txBody>
+                        <a:bodyPr/>
+                        <a:lstStyle/>
+                        <a:p>
+                          <a:pPr marL="0" marR="0" lvl="0" indent="0" algn="l" defTabSz="914400" rtl="0" eaLnBrk="1" fontAlgn="auto" latinLnBrk="0" hangingPunct="1">
+                            <a:lnSpc>
+                              <a:spcPct val="100000"/>
+                            </a:lnSpc>
+                            <a:spcBef>
+                              <a:spcPts val="0"/>
+                            </a:spcBef>
+                            <a:spcAft>
+                              <a:spcPts val="0"/>
+                            </a:spcAft>
+                            <a:buClrTx/>
+                            <a:buSzTx/>
+                            <a:buFontTx/>
+                            <a:buNone/>
+                            <a:tabLst/>
+                            <a:defRPr/>
+                          </a:pPr>
+                          <a:r>
+                            <a:rPr lang="en-ID" sz="1800" kern="1200" dirty="0">
+                              <a:solidFill>
+                                <a:schemeClr val="dk1"/>
+                              </a:solidFill>
+                              <a:effectLst/>
+                              <a:latin typeface="+mn-lt"/>
+                              <a:ea typeface="+mn-ea"/>
+                              <a:cs typeface="+mn-cs"/>
+                            </a:rPr>
+                            <a:t>0.9976749</a:t>
+                          </a:r>
+                        </a:p>
+                      </a:txBody>
+                      <a:tcPr/>
+                    </a:tc>
+                    <a:extLst>
+                      <a:ext uri="{0D108BD9-81ED-4DB2-BD59-A6C34878D82A}">
+                        <a16:rowId xmlns:a16="http://schemas.microsoft.com/office/drawing/2014/main" val="402247081"/>
+                      </a:ext>
+                    </a:extLst>
+                  </a:tr>
+                  <a:tr h="370840">
+                    <a:tc>
+                      <a:txBody>
+                        <a:bodyPr/>
+                        <a:lstStyle/>
+                        <a:p>
+                          <a:r>
+                            <a:rPr lang="en-US" dirty="0"/>
+                            <a:t>9</a:t>
+                          </a:r>
+                        </a:p>
+                      </a:txBody>
+                      <a:tcPr/>
+                    </a:tc>
+                    <a:tc>
+                      <a:txBody>
+                        <a:bodyPr/>
+                        <a:lstStyle/>
+                        <a:p>
+                          <a:pPr marL="0" marR="0" lvl="0" indent="0" algn="l" defTabSz="914400" rtl="0" eaLnBrk="1" fontAlgn="auto" latinLnBrk="0" hangingPunct="1">
+                            <a:lnSpc>
+                              <a:spcPct val="100000"/>
+                            </a:lnSpc>
+                            <a:spcBef>
+                              <a:spcPts val="0"/>
+                            </a:spcBef>
+                            <a:spcAft>
+                              <a:spcPts val="0"/>
+                            </a:spcAft>
+                            <a:buClrTx/>
+                            <a:buSzTx/>
+                            <a:buFontTx/>
+                            <a:buNone/>
+                            <a:tabLst/>
+                            <a:defRPr/>
+                          </a:pPr>
+                          <a:r>
+                            <a:rPr lang="en-ID" sz="1800" kern="1200" dirty="0">
+                              <a:solidFill>
+                                <a:schemeClr val="dk1"/>
+                              </a:solidFill>
+                              <a:effectLst/>
+                              <a:latin typeface="+mn-lt"/>
+                              <a:ea typeface="+mn-ea"/>
+                              <a:cs typeface="+mn-cs"/>
+                            </a:rPr>
+                            <a:t>6.640792</a:t>
+                          </a:r>
+                        </a:p>
+                      </a:txBody>
+                      <a:tcPr/>
+                    </a:tc>
+                    <a:tc>
+                      <a:txBody>
+                        <a:bodyPr/>
+                        <a:lstStyle/>
+                        <a:p>
+                          <a:pPr marL="0" marR="0" lvl="0" indent="0" algn="l" defTabSz="914400" rtl="0" eaLnBrk="1" fontAlgn="auto" latinLnBrk="0" hangingPunct="1">
+                            <a:lnSpc>
+                              <a:spcPct val="100000"/>
+                            </a:lnSpc>
+                            <a:spcBef>
+                              <a:spcPts val="0"/>
+                            </a:spcBef>
+                            <a:spcAft>
+                              <a:spcPts val="0"/>
+                            </a:spcAft>
+                            <a:buClrTx/>
+                            <a:buSzTx/>
+                            <a:buFontTx/>
+                            <a:buNone/>
+                            <a:tabLst/>
+                            <a:defRPr/>
+                          </a:pPr>
+                          <a:r>
+                            <a:rPr lang="en-ID" sz="1800" kern="1200" dirty="0">
+                              <a:solidFill>
+                                <a:schemeClr val="dk1"/>
+                              </a:solidFill>
+                              <a:effectLst/>
+                              <a:latin typeface="+mn-lt"/>
+                              <a:ea typeface="+mn-ea"/>
+                              <a:cs typeface="+mn-cs"/>
+                            </a:rPr>
+                            <a:t>0.96543896</a:t>
+                          </a:r>
+                        </a:p>
+                      </a:txBody>
+                      <a:tcPr/>
+                    </a:tc>
+                    <a:extLst>
+                      <a:ext uri="{0D108BD9-81ED-4DB2-BD59-A6C34878D82A}">
+                        <a16:rowId xmlns:a16="http://schemas.microsoft.com/office/drawing/2014/main" val="1966155012"/>
+                      </a:ext>
+                    </a:extLst>
+                  </a:tr>
+                  <a:tr h="370840">
+                    <a:tc>
+                      <a:txBody>
+                        <a:bodyPr/>
+                        <a:lstStyle/>
+                        <a:p>
+                          <a:r>
+                            <a:rPr lang="en-US" dirty="0"/>
+                            <a:t>10</a:t>
+                          </a:r>
+                        </a:p>
+                      </a:txBody>
+                      <a:tcPr/>
+                    </a:tc>
+                    <a:tc>
+                      <a:txBody>
+                        <a:bodyPr/>
+                        <a:lstStyle/>
+                        <a:p>
+                          <a:pPr marL="0" marR="0" lvl="0" indent="0" algn="l" defTabSz="914400" rtl="0" eaLnBrk="1" fontAlgn="auto" latinLnBrk="0" hangingPunct="1">
+                            <a:lnSpc>
+                              <a:spcPct val="100000"/>
+                            </a:lnSpc>
+                            <a:spcBef>
+                              <a:spcPts val="0"/>
+                            </a:spcBef>
+                            <a:spcAft>
+                              <a:spcPts val="0"/>
+                            </a:spcAft>
+                            <a:buClrTx/>
+                            <a:buSzTx/>
+                            <a:buFontTx/>
+                            <a:buNone/>
+                            <a:tabLst/>
+                            <a:defRPr/>
+                          </a:pPr>
+                          <a:r>
+                            <a:rPr lang="en-ID" sz="1800" kern="1200" dirty="0">
+                              <a:solidFill>
+                                <a:schemeClr val="dk1"/>
+                              </a:solidFill>
+                              <a:effectLst/>
+                              <a:latin typeface="+mn-lt"/>
+                              <a:ea typeface="+mn-ea"/>
+                              <a:cs typeface="+mn-cs"/>
+                            </a:rPr>
+                            <a:t>6.5008903</a:t>
+                          </a:r>
+                        </a:p>
+                      </a:txBody>
+                      <a:tcPr/>
+                    </a:tc>
+                    <a:tc>
+                      <a:txBody>
+                        <a:bodyPr/>
+                        <a:lstStyle/>
+                        <a:p>
+                          <a:pPr marL="0" marR="0" lvl="0" indent="0" algn="l" defTabSz="914400" rtl="0" eaLnBrk="1" fontAlgn="auto" latinLnBrk="0" hangingPunct="1">
+                            <a:lnSpc>
+                              <a:spcPct val="100000"/>
+                            </a:lnSpc>
+                            <a:spcBef>
+                              <a:spcPts val="0"/>
+                            </a:spcBef>
+                            <a:spcAft>
+                              <a:spcPts val="0"/>
+                            </a:spcAft>
+                            <a:buClrTx/>
+                            <a:buSzTx/>
+                            <a:buFontTx/>
+                            <a:buNone/>
+                            <a:tabLst/>
+                            <a:defRPr/>
+                          </a:pPr>
+                          <a:r>
+                            <a:rPr lang="en-ID" sz="1800" kern="1200" dirty="0">
+                              <a:solidFill>
+                                <a:schemeClr val="dk1"/>
+                              </a:solidFill>
+                              <a:effectLst/>
+                              <a:latin typeface="+mn-lt"/>
+                              <a:ea typeface="+mn-ea"/>
+                              <a:cs typeface="+mn-cs"/>
+                            </a:rPr>
+                            <a:t>1.0215204</a:t>
+                          </a:r>
+                        </a:p>
+                      </a:txBody>
+                      <a:tcPr/>
+                    </a:tc>
+                    <a:extLst>
+                      <a:ext uri="{0D108BD9-81ED-4DB2-BD59-A6C34878D82A}">
+                        <a16:rowId xmlns:a16="http://schemas.microsoft.com/office/drawing/2014/main" val="2601845934"/>
+                      </a:ext>
+                    </a:extLst>
+                  </a:tr>
+                </a:tbl>
+              </a:graphicData>
+            </a:graphic>
+          </p:graphicFrame>
+        </mc:Choice>
+        <mc:Fallback>
+          <p:graphicFrame>
+            <p:nvGraphicFramePr>
+              <p:cNvPr id="4" name="Table 4">
+                <a:extLst>
+                  <a:ext uri="{FF2B5EF4-FFF2-40B4-BE49-F238E27FC236}">
+                    <a16:creationId xmlns:a16="http://schemas.microsoft.com/office/drawing/2014/main" id="{E216007A-68FD-5D6C-38F1-19D6C1271253}"/>
+                  </a:ext>
+                </a:extLst>
+              </p:cNvPr>
+              <p:cNvGraphicFramePr>
+                <a:graphicFrameLocks/>
+              </p:cNvGraphicFramePr>
+              <p:nvPr>
+                <p:extLst>
+                  <p:ext uri="{D42A27DB-BD31-4B8C-83A1-F6EECF244321}">
+                    <p14:modId xmlns:p14="http://schemas.microsoft.com/office/powerpoint/2010/main" val="1151766658"/>
+                  </p:ext>
+                </p:extLst>
+              </p:nvPr>
+            </p:nvGraphicFramePr>
+            <p:xfrm>
+              <a:off x="3734020" y="1921298"/>
+              <a:ext cx="5331501" cy="4450080"/>
+            </p:xfrm>
+            <a:graphic>
+              <a:graphicData uri="http://schemas.openxmlformats.org/drawingml/2006/table">
+                <a:tbl>
+                  <a:tblPr firstRow="1" bandRow="1">
+                    <a:tableStyleId>{5C22544A-7EE6-4342-B048-85BDC9FD1C3A}</a:tableStyleId>
+                  </a:tblPr>
+                  <a:tblGrid>
+                    <a:gridCol w="936812">
+                      <a:extLst>
+                        <a:ext uri="{9D8B030D-6E8A-4147-A177-3AD203B41FA5}">
+                          <a16:colId xmlns:a16="http://schemas.microsoft.com/office/drawing/2014/main" val="2086269430"/>
+                        </a:ext>
+                      </a:extLst>
+                    </a:gridCol>
+                    <a:gridCol w="2124635">
+                      <a:extLst>
+                        <a:ext uri="{9D8B030D-6E8A-4147-A177-3AD203B41FA5}">
+                          <a16:colId xmlns:a16="http://schemas.microsoft.com/office/drawing/2014/main" val="1918639132"/>
+                        </a:ext>
+                      </a:extLst>
+                    </a:gridCol>
+                    <a:gridCol w="2270054">
+                      <a:extLst>
+                        <a:ext uri="{9D8B030D-6E8A-4147-A177-3AD203B41FA5}">
+                          <a16:colId xmlns:a16="http://schemas.microsoft.com/office/drawing/2014/main" val="1142211300"/>
+                        </a:ext>
+                      </a:extLst>
+                    </a:gridCol>
+                  </a:tblGrid>
+                  <a:tr h="370840">
+                    <a:tc>
+                      <a:txBody>
+                        <a:bodyPr/>
+                        <a:lstStyle/>
+                        <a:p>
+                          <a:endParaRPr lang="en-US"/>
+                        </a:p>
+                      </a:txBody>
+                      <a:tcPr>
+                        <a:blipFill>
+                          <a:blip r:embed="rId2"/>
+                          <a:stretch>
+                            <a:fillRect l="-1351" t="-3448" r="-471622" b="-1137931"/>
+                          </a:stretch>
+                        </a:blipFill>
+                      </a:tcPr>
+                    </a:tc>
+                    <a:tc>
+                      <a:txBody>
+                        <a:bodyPr/>
+                        <a:lstStyle/>
+                        <a:p>
+                          <a:endParaRPr lang="en-US"/>
+                        </a:p>
+                      </a:txBody>
+                      <a:tcPr>
+                        <a:blipFill>
+                          <a:blip r:embed="rId2"/>
+                          <a:stretch>
+                            <a:fillRect l="-44910" t="-3448" r="-108982" b="-1137931"/>
+                          </a:stretch>
+                        </a:blipFill>
+                      </a:tcPr>
+                    </a:tc>
+                    <a:tc>
+                      <a:txBody>
+                        <a:bodyPr/>
+                        <a:lstStyle/>
+                        <a:p>
+                          <a:endParaRPr lang="en-US"/>
+                        </a:p>
+                      </a:txBody>
+                      <a:tcPr>
+                        <a:blipFill>
+                          <a:blip r:embed="rId2"/>
+                          <a:stretch>
+                            <a:fillRect l="-135196" t="-3448" r="-1676" b="-1137931"/>
+                          </a:stretch>
+                        </a:blipFill>
+                      </a:tcPr>
+                    </a:tc>
+                    <a:extLst>
+                      <a:ext uri="{0D108BD9-81ED-4DB2-BD59-A6C34878D82A}">
+                        <a16:rowId xmlns:a16="http://schemas.microsoft.com/office/drawing/2014/main" val="1716745790"/>
+                      </a:ext>
+                    </a:extLst>
+                  </a:tr>
+                  <a:tr h="370840">
+                    <a:tc>
+                      <a:txBody>
+                        <a:bodyPr/>
+                        <a:lstStyle/>
+                        <a:p>
+                          <a:r>
+                            <a:rPr lang="en-US" dirty="0"/>
+                            <a:t>0</a:t>
+                          </a:r>
+                        </a:p>
+                      </a:txBody>
+                      <a:tcPr/>
+                    </a:tc>
+                    <a:tc>
+                      <a:txBody>
+                        <a:bodyPr/>
+                        <a:lstStyle/>
+                        <a:p>
+                          <a:r>
+                            <a:rPr lang="en-US" dirty="0"/>
+                            <a:t>10</a:t>
+                          </a:r>
+                        </a:p>
+                      </a:txBody>
+                      <a:tcPr/>
+                    </a:tc>
+                    <a:tc>
+                      <a:txBody>
+                        <a:bodyPr/>
+                        <a:lstStyle/>
+                        <a:p>
+                          <a:r>
+                            <a:rPr lang="en-US" dirty="0"/>
+                            <a:t>1</a:t>
+                          </a:r>
+                        </a:p>
+                      </a:txBody>
+                      <a:tcPr/>
+                    </a:tc>
+                    <a:extLst>
+                      <a:ext uri="{0D108BD9-81ED-4DB2-BD59-A6C34878D82A}">
+                        <a16:rowId xmlns:a16="http://schemas.microsoft.com/office/drawing/2014/main" val="4217579758"/>
+                      </a:ext>
+                    </a:extLst>
+                  </a:tr>
+                  <a:tr h="370840">
+                    <a:tc>
+                      <a:txBody>
+                        <a:bodyPr/>
+                        <a:lstStyle/>
+                        <a:p>
+                          <a:r>
+                            <a:rPr lang="en-US" dirty="0"/>
+                            <a:t>1</a:t>
+                          </a:r>
+                        </a:p>
+                      </a:txBody>
+                      <a:tcPr/>
+                    </a:tc>
+                    <a:tc>
+                      <a:txBody>
+                        <a:bodyPr/>
+                        <a:lstStyle/>
+                        <a:p>
+                          <a:pPr marL="0" marR="0" lvl="0" indent="0" algn="l" defTabSz="914400" rtl="0" eaLnBrk="1" fontAlgn="auto" latinLnBrk="0" hangingPunct="1">
+                            <a:lnSpc>
+                              <a:spcPct val="100000"/>
+                            </a:lnSpc>
+                            <a:spcBef>
+                              <a:spcPts val="0"/>
+                            </a:spcBef>
+                            <a:spcAft>
+                              <a:spcPts val="0"/>
+                            </a:spcAft>
+                            <a:buClrTx/>
+                            <a:buSzTx/>
+                            <a:buFontTx/>
+                            <a:buNone/>
+                            <a:tabLst/>
+                            <a:defRPr/>
+                          </a:pPr>
+                          <a:r>
+                            <a:rPr lang="en-ID" sz="1800" kern="1200" dirty="0">
+                              <a:solidFill>
+                                <a:schemeClr val="dk1"/>
+                              </a:solidFill>
+                              <a:effectLst/>
+                              <a:latin typeface="+mn-lt"/>
+                              <a:ea typeface="+mn-ea"/>
+                              <a:cs typeface="+mn-cs"/>
+                            </a:rPr>
+                            <a:t>25.506477</a:t>
+                          </a:r>
+                        </a:p>
+                      </a:txBody>
+                      <a:tcPr/>
+                    </a:tc>
+                    <a:tc>
+                      <a:txBody>
+                        <a:bodyPr/>
+                        <a:lstStyle/>
+                        <a:p>
+                          <a:pPr marL="0" marR="0" lvl="0" indent="0" algn="l" defTabSz="914400" rtl="0" eaLnBrk="1" fontAlgn="auto" latinLnBrk="0" hangingPunct="1">
+                            <a:lnSpc>
+                              <a:spcPct val="100000"/>
+                            </a:lnSpc>
+                            <a:spcBef>
+                              <a:spcPts val="0"/>
+                            </a:spcBef>
+                            <a:spcAft>
+                              <a:spcPts val="0"/>
+                            </a:spcAft>
+                            <a:buClrTx/>
+                            <a:buSzTx/>
+                            <a:buFontTx/>
+                            <a:buNone/>
+                            <a:tabLst/>
+                            <a:defRPr/>
+                          </a:pPr>
+                          <a:r>
+                            <a:rPr lang="en-ID" sz="1800" kern="1200" dirty="0">
+                              <a:solidFill>
+                                <a:schemeClr val="dk1"/>
+                              </a:solidFill>
+                              <a:effectLst/>
+                              <a:latin typeface="+mn-lt"/>
+                              <a:ea typeface="+mn-ea"/>
+                              <a:cs typeface="+mn-cs"/>
+                            </a:rPr>
+                            <a:t>0.39205727</a:t>
+                          </a:r>
+                        </a:p>
+                      </a:txBody>
+                      <a:tcPr/>
+                    </a:tc>
+                    <a:extLst>
+                      <a:ext uri="{0D108BD9-81ED-4DB2-BD59-A6C34878D82A}">
+                        <a16:rowId xmlns:a16="http://schemas.microsoft.com/office/drawing/2014/main" val="1906941637"/>
+                      </a:ext>
+                    </a:extLst>
+                  </a:tr>
+                  <a:tr h="370840">
+                    <a:tc>
+                      <a:txBody>
+                        <a:bodyPr/>
+                        <a:lstStyle/>
+                        <a:p>
+                          <a:r>
+                            <a:rPr lang="en-US" dirty="0"/>
+                            <a:t>2</a:t>
+                          </a:r>
+                        </a:p>
+                      </a:txBody>
+                      <a:tcPr/>
+                    </a:tc>
+                    <a:tc>
+                      <a:txBody>
+                        <a:bodyPr/>
+                        <a:lstStyle/>
+                        <a:p>
+                          <a:pPr marL="0" marR="0" lvl="0" indent="0" algn="l" defTabSz="914400" rtl="0" eaLnBrk="1" fontAlgn="auto" latinLnBrk="0" hangingPunct="1">
+                            <a:lnSpc>
+                              <a:spcPct val="100000"/>
+                            </a:lnSpc>
+                            <a:spcBef>
+                              <a:spcPts val="0"/>
+                            </a:spcBef>
+                            <a:spcAft>
+                              <a:spcPts val="0"/>
+                            </a:spcAft>
+                            <a:buClrTx/>
+                            <a:buSzTx/>
+                            <a:buFontTx/>
+                            <a:buNone/>
+                            <a:tabLst/>
+                            <a:defRPr/>
+                          </a:pPr>
+                          <a:r>
+                            <a:rPr lang="en-ID" sz="1800" kern="1200" dirty="0">
+                              <a:solidFill>
+                                <a:schemeClr val="dk1"/>
+                              </a:solidFill>
+                              <a:effectLst/>
+                              <a:latin typeface="+mn-lt"/>
+                              <a:ea typeface="+mn-ea"/>
+                              <a:cs typeface="+mn-cs"/>
+                            </a:rPr>
+                            <a:t>6.4606457</a:t>
+                          </a:r>
+                        </a:p>
+                      </a:txBody>
+                      <a:tcPr/>
+                    </a:tc>
+                    <a:tc>
+                      <a:txBody>
+                        <a:bodyPr/>
+                        <a:lstStyle/>
+                        <a:p>
+                          <a:pPr marL="0" marR="0" lvl="0" indent="0" algn="l" defTabSz="914400" rtl="0" eaLnBrk="1" fontAlgn="auto" latinLnBrk="0" hangingPunct="1">
+                            <a:lnSpc>
+                              <a:spcPct val="100000"/>
+                            </a:lnSpc>
+                            <a:spcBef>
+                              <a:spcPts val="0"/>
+                            </a:spcBef>
+                            <a:spcAft>
+                              <a:spcPts val="0"/>
+                            </a:spcAft>
+                            <a:buClrTx/>
+                            <a:buSzTx/>
+                            <a:buFontTx/>
+                            <a:buNone/>
+                            <a:tabLst/>
+                            <a:defRPr/>
+                          </a:pPr>
+                          <a:r>
+                            <a:rPr lang="en-ID" sz="1800" kern="1200" dirty="0">
+                              <a:solidFill>
+                                <a:schemeClr val="dk1"/>
+                              </a:solidFill>
+                              <a:effectLst/>
+                              <a:latin typeface="+mn-lt"/>
+                              <a:ea typeface="+mn-ea"/>
+                              <a:cs typeface="+mn-cs"/>
+                            </a:rPr>
+                            <a:t>3.9479766</a:t>
+                          </a:r>
+                        </a:p>
+                      </a:txBody>
+                      <a:tcPr/>
+                    </a:tc>
+                    <a:extLst>
+                      <a:ext uri="{0D108BD9-81ED-4DB2-BD59-A6C34878D82A}">
+                        <a16:rowId xmlns:a16="http://schemas.microsoft.com/office/drawing/2014/main" val="870535473"/>
+                      </a:ext>
+                    </a:extLst>
+                  </a:tr>
+                  <a:tr h="370840">
+                    <a:tc>
+                      <a:txBody>
+                        <a:bodyPr/>
+                        <a:lstStyle/>
+                        <a:p>
+                          <a:r>
+                            <a:rPr lang="en-US" dirty="0"/>
+                            <a:t>3</a:t>
+                          </a:r>
+                        </a:p>
+                      </a:txBody>
+                      <a:tcPr/>
+                    </a:tc>
+                    <a:tc>
+                      <a:txBody>
+                        <a:bodyPr/>
+                        <a:lstStyle/>
+                        <a:p>
+                          <a:pPr marL="0" marR="0" lvl="0" indent="0" algn="l" defTabSz="914400" rtl="0" eaLnBrk="1" fontAlgn="auto" latinLnBrk="0" hangingPunct="1">
+                            <a:lnSpc>
+                              <a:spcPct val="100000"/>
+                            </a:lnSpc>
+                            <a:spcBef>
+                              <a:spcPts val="0"/>
+                            </a:spcBef>
+                            <a:spcAft>
+                              <a:spcPts val="0"/>
+                            </a:spcAft>
+                            <a:buClrTx/>
+                            <a:buSzTx/>
+                            <a:buFontTx/>
+                            <a:buNone/>
+                            <a:tabLst/>
+                            <a:defRPr/>
+                          </a:pPr>
+                          <a:r>
+                            <a:rPr lang="en-ID" sz="1800" kern="1200" dirty="0">
+                              <a:solidFill>
+                                <a:schemeClr val="dk1"/>
+                              </a:solidFill>
+                              <a:effectLst/>
+                              <a:latin typeface="+mn-lt"/>
+                              <a:ea typeface="+mn-ea"/>
+                              <a:cs typeface="+mn-cs"/>
+                            </a:rPr>
+                            <a:t>6.5738244</a:t>
+                          </a:r>
+                        </a:p>
+                      </a:txBody>
+                      <a:tcPr/>
+                    </a:tc>
+                    <a:tc>
+                      <a:txBody>
+                        <a:bodyPr/>
+                        <a:lstStyle/>
+                        <a:p>
+                          <a:pPr marL="0" marR="0" lvl="0" indent="0" algn="l" defTabSz="914400" rtl="0" eaLnBrk="1" fontAlgn="auto" latinLnBrk="0" hangingPunct="1">
+                            <a:lnSpc>
+                              <a:spcPct val="100000"/>
+                            </a:lnSpc>
+                            <a:spcBef>
+                              <a:spcPts val="0"/>
+                            </a:spcBef>
+                            <a:spcAft>
+                              <a:spcPts val="0"/>
+                            </a:spcAft>
+                            <a:buClrTx/>
+                            <a:buSzTx/>
+                            <a:buFontTx/>
+                            <a:buNone/>
+                            <a:tabLst/>
+                            <a:defRPr/>
+                          </a:pPr>
+                          <a:r>
+                            <a:rPr lang="en-ID" sz="1800" kern="1200" dirty="0">
+                              <a:solidFill>
+                                <a:schemeClr val="dk1"/>
+                              </a:solidFill>
+                              <a:effectLst/>
+                              <a:latin typeface="+mn-lt"/>
+                              <a:ea typeface="+mn-ea"/>
+                              <a:cs typeface="+mn-cs"/>
+                            </a:rPr>
+                            <a:t>0.98278344</a:t>
+                          </a:r>
+                        </a:p>
+                      </a:txBody>
+                      <a:tcPr/>
+                    </a:tc>
+                    <a:extLst>
+                      <a:ext uri="{0D108BD9-81ED-4DB2-BD59-A6C34878D82A}">
+                        <a16:rowId xmlns:a16="http://schemas.microsoft.com/office/drawing/2014/main" val="2195572118"/>
+                      </a:ext>
+                    </a:extLst>
+                  </a:tr>
+                  <a:tr h="370840">
+                    <a:tc>
+                      <a:txBody>
+                        <a:bodyPr/>
+                        <a:lstStyle/>
+                        <a:p>
+                          <a:r>
+                            <a:rPr lang="en-US" dirty="0"/>
+                            <a:t>4</a:t>
+                          </a:r>
+                        </a:p>
+                      </a:txBody>
+                      <a:tcPr/>
+                    </a:tc>
+                    <a:tc>
+                      <a:txBody>
+                        <a:bodyPr/>
+                        <a:lstStyle/>
+                        <a:p>
+                          <a:pPr marL="0" marR="0" lvl="0" indent="0" algn="l" defTabSz="914400" rtl="0" eaLnBrk="1" fontAlgn="auto" latinLnBrk="0" hangingPunct="1">
+                            <a:lnSpc>
+                              <a:spcPct val="100000"/>
+                            </a:lnSpc>
+                            <a:spcBef>
+                              <a:spcPts val="0"/>
+                            </a:spcBef>
+                            <a:spcAft>
+                              <a:spcPts val="0"/>
+                            </a:spcAft>
+                            <a:buClrTx/>
+                            <a:buSzTx/>
+                            <a:buFontTx/>
+                            <a:buNone/>
+                            <a:tabLst/>
+                            <a:defRPr/>
+                          </a:pPr>
+                          <a:r>
+                            <a:rPr lang="en-ID" sz="1800" kern="1200" dirty="0">
+                              <a:solidFill>
+                                <a:schemeClr val="dk1"/>
+                              </a:solidFill>
+                              <a:effectLst/>
+                              <a:latin typeface="+mn-lt"/>
+                              <a:ea typeface="+mn-ea"/>
+                              <a:cs typeface="+mn-cs"/>
+                            </a:rPr>
+                            <a:t>6.341876</a:t>
+                          </a:r>
+                        </a:p>
+                      </a:txBody>
+                      <a:tcPr/>
+                    </a:tc>
+                    <a:tc>
+                      <a:txBody>
+                        <a:bodyPr/>
+                        <a:lstStyle/>
+                        <a:p>
+                          <a:pPr marL="0" marR="0" lvl="0" indent="0" algn="l" defTabSz="914400" rtl="0" eaLnBrk="1" fontAlgn="auto" latinLnBrk="0" hangingPunct="1">
+                            <a:lnSpc>
+                              <a:spcPct val="100000"/>
+                            </a:lnSpc>
+                            <a:spcBef>
+                              <a:spcPts val="0"/>
+                            </a:spcBef>
+                            <a:spcAft>
+                              <a:spcPts val="0"/>
+                            </a:spcAft>
+                            <a:buClrTx/>
+                            <a:buSzTx/>
+                            <a:buFontTx/>
+                            <a:buNone/>
+                            <a:tabLst/>
+                            <a:defRPr/>
+                          </a:pPr>
+                          <a:r>
+                            <a:rPr lang="en-ID" sz="1800" kern="1200" dirty="0">
+                              <a:solidFill>
+                                <a:schemeClr val="dk1"/>
+                              </a:solidFill>
+                              <a:effectLst/>
+                              <a:latin typeface="+mn-lt"/>
+                              <a:ea typeface="+mn-ea"/>
+                              <a:cs typeface="+mn-cs"/>
+                            </a:rPr>
+                            <a:t>1.0365741</a:t>
+                          </a:r>
+                        </a:p>
+                      </a:txBody>
+                      <a:tcPr/>
+                    </a:tc>
+                    <a:extLst>
+                      <a:ext uri="{0D108BD9-81ED-4DB2-BD59-A6C34878D82A}">
+                        <a16:rowId xmlns:a16="http://schemas.microsoft.com/office/drawing/2014/main" val="3294719746"/>
+                      </a:ext>
+                    </a:extLst>
+                  </a:tr>
+                  <a:tr h="370840">
+                    <a:tc>
+                      <a:txBody>
+                        <a:bodyPr/>
+                        <a:lstStyle/>
+                        <a:p>
+                          <a:r>
+                            <a:rPr lang="en-US" dirty="0"/>
+                            <a:t>5</a:t>
+                          </a:r>
+                        </a:p>
+                      </a:txBody>
+                      <a:tcPr/>
+                    </a:tc>
+                    <a:tc>
+                      <a:txBody>
+                        <a:bodyPr/>
+                        <a:lstStyle/>
+                        <a:p>
+                          <a:pPr marL="0" marR="0" lvl="0" indent="0" algn="l" defTabSz="914400" rtl="0" eaLnBrk="1" fontAlgn="auto" latinLnBrk="0" hangingPunct="1">
+                            <a:lnSpc>
+                              <a:spcPct val="100000"/>
+                            </a:lnSpc>
+                            <a:spcBef>
+                              <a:spcPts val="0"/>
+                            </a:spcBef>
+                            <a:spcAft>
+                              <a:spcPts val="0"/>
+                            </a:spcAft>
+                            <a:buClrTx/>
+                            <a:buSzTx/>
+                            <a:buFontTx/>
+                            <a:buNone/>
+                            <a:tabLst/>
+                            <a:defRPr/>
+                          </a:pPr>
+                          <a:r>
+                            <a:rPr lang="en-ID" sz="1800" kern="1200" dirty="0">
+                              <a:solidFill>
+                                <a:schemeClr val="dk1"/>
+                              </a:solidFill>
+                              <a:effectLst/>
+                              <a:latin typeface="+mn-lt"/>
+                              <a:ea typeface="+mn-ea"/>
+                              <a:cs typeface="+mn-cs"/>
+                            </a:rPr>
+                            <a:t>6.499991</a:t>
+                          </a:r>
+                        </a:p>
+                      </a:txBody>
+                      <a:tcPr/>
+                    </a:tc>
+                    <a:tc>
+                      <a:txBody>
+                        <a:bodyPr/>
+                        <a:lstStyle/>
+                        <a:p>
+                          <a:pPr marL="0" marR="0" lvl="0" indent="0" algn="l" defTabSz="914400" rtl="0" eaLnBrk="1" fontAlgn="auto" latinLnBrk="0" hangingPunct="1">
+                            <a:lnSpc>
+                              <a:spcPct val="100000"/>
+                            </a:lnSpc>
+                            <a:spcBef>
+                              <a:spcPts val="0"/>
+                            </a:spcBef>
+                            <a:spcAft>
+                              <a:spcPts val="0"/>
+                            </a:spcAft>
+                            <a:buClrTx/>
+                            <a:buSzTx/>
+                            <a:buFontTx/>
+                            <a:buNone/>
+                            <a:tabLst/>
+                            <a:defRPr/>
+                          </a:pPr>
+                          <a:r>
+                            <a:rPr lang="en-ID" sz="1800" kern="1200" dirty="0">
+                              <a:solidFill>
+                                <a:schemeClr val="dk1"/>
+                              </a:solidFill>
+                              <a:effectLst/>
+                              <a:latin typeface="+mn-lt"/>
+                              <a:ea typeface="+mn-ea"/>
+                              <a:cs typeface="+mn-cs"/>
+                            </a:rPr>
+                            <a:t>0.9756746</a:t>
+                          </a:r>
+                        </a:p>
+                      </a:txBody>
+                      <a:tcPr/>
+                    </a:tc>
+                    <a:extLst>
+                      <a:ext uri="{0D108BD9-81ED-4DB2-BD59-A6C34878D82A}">
+                        <a16:rowId xmlns:a16="http://schemas.microsoft.com/office/drawing/2014/main" val="280320907"/>
+                      </a:ext>
+                    </a:extLst>
+                  </a:tr>
+                  <a:tr h="370840">
+                    <a:tc>
+                      <a:txBody>
+                        <a:bodyPr/>
+                        <a:lstStyle/>
+                        <a:p>
+                          <a:r>
+                            <a:rPr lang="en-US" dirty="0"/>
+                            <a:t>6</a:t>
+                          </a:r>
+                        </a:p>
+                      </a:txBody>
+                      <a:tcPr/>
+                    </a:tc>
+                    <a:tc>
+                      <a:txBody>
+                        <a:bodyPr/>
+                        <a:lstStyle/>
+                        <a:p>
+                          <a:pPr marL="0" marR="0" lvl="0" indent="0" algn="l" defTabSz="914400" rtl="0" eaLnBrk="1" fontAlgn="auto" latinLnBrk="0" hangingPunct="1">
+                            <a:lnSpc>
+                              <a:spcPct val="100000"/>
+                            </a:lnSpc>
+                            <a:spcBef>
+                              <a:spcPts val="0"/>
+                            </a:spcBef>
+                            <a:spcAft>
+                              <a:spcPts val="0"/>
+                            </a:spcAft>
+                            <a:buClrTx/>
+                            <a:buSzTx/>
+                            <a:buFontTx/>
+                            <a:buNone/>
+                            <a:tabLst/>
+                            <a:defRPr/>
+                          </a:pPr>
+                          <a:r>
+                            <a:rPr lang="en-ID" sz="1800" kern="1200" dirty="0">
+                              <a:solidFill>
+                                <a:schemeClr val="dk1"/>
+                              </a:solidFill>
+                              <a:effectLst/>
+                              <a:latin typeface="+mn-lt"/>
+                              <a:ea typeface="+mn-ea"/>
+                              <a:cs typeface="+mn-cs"/>
+                            </a:rPr>
+                            <a:t>6.4694023</a:t>
+                          </a:r>
+                        </a:p>
+                      </a:txBody>
+                      <a:tcPr/>
+                    </a:tc>
+                    <a:tc>
+                      <a:txBody>
+                        <a:bodyPr/>
+                        <a:lstStyle/>
+                        <a:p>
+                          <a:pPr marL="0" marR="0" lvl="0" indent="0" algn="l" defTabSz="914400" rtl="0" eaLnBrk="1" fontAlgn="auto" latinLnBrk="0" hangingPunct="1">
+                            <a:lnSpc>
+                              <a:spcPct val="100000"/>
+                            </a:lnSpc>
+                            <a:spcBef>
+                              <a:spcPts val="0"/>
+                            </a:spcBef>
+                            <a:spcAft>
+                              <a:spcPts val="0"/>
+                            </a:spcAft>
+                            <a:buClrTx/>
+                            <a:buSzTx/>
+                            <a:buFontTx/>
+                            <a:buNone/>
+                            <a:tabLst/>
+                            <a:defRPr/>
+                          </a:pPr>
+                          <a:r>
+                            <a:rPr lang="en-ID" sz="1800" kern="1200" dirty="0">
+                              <a:solidFill>
+                                <a:schemeClr val="dk1"/>
+                              </a:solidFill>
+                              <a:effectLst/>
+                              <a:latin typeface="+mn-lt"/>
+                              <a:ea typeface="+mn-ea"/>
+                              <a:cs typeface="+mn-cs"/>
+                            </a:rPr>
+                            <a:t>1.0047282</a:t>
+                          </a:r>
+                        </a:p>
+                      </a:txBody>
+                      <a:tcPr/>
+                    </a:tc>
+                    <a:extLst>
+                      <a:ext uri="{0D108BD9-81ED-4DB2-BD59-A6C34878D82A}">
+                        <a16:rowId xmlns:a16="http://schemas.microsoft.com/office/drawing/2014/main" val="374553534"/>
+                      </a:ext>
+                    </a:extLst>
+                  </a:tr>
+                  <a:tr h="370840">
+                    <a:tc>
+                      <a:txBody>
+                        <a:bodyPr/>
+                        <a:lstStyle/>
+                        <a:p>
+                          <a:r>
+                            <a:rPr lang="en-US" dirty="0"/>
+                            <a:t>7</a:t>
+                          </a:r>
+                        </a:p>
+                      </a:txBody>
+                      <a:tcPr/>
+                    </a:tc>
+                    <a:tc>
+                      <a:txBody>
+                        <a:bodyPr/>
+                        <a:lstStyle/>
+                        <a:p>
+                          <a:pPr marL="0" marR="0" lvl="0" indent="0" algn="l" defTabSz="914400" rtl="0" eaLnBrk="1" fontAlgn="auto" latinLnBrk="0" hangingPunct="1">
+                            <a:lnSpc>
+                              <a:spcPct val="100000"/>
+                            </a:lnSpc>
+                            <a:spcBef>
+                              <a:spcPts val="0"/>
+                            </a:spcBef>
+                            <a:spcAft>
+                              <a:spcPts val="0"/>
+                            </a:spcAft>
+                            <a:buClrTx/>
+                            <a:buSzTx/>
+                            <a:buFontTx/>
+                            <a:buNone/>
+                            <a:tabLst/>
+                            <a:defRPr/>
+                          </a:pPr>
+                          <a:r>
+                            <a:rPr lang="en-ID" sz="1800" kern="1200" dirty="0">
+                              <a:solidFill>
+                                <a:schemeClr val="dk1"/>
+                              </a:solidFill>
+                              <a:effectLst/>
+                              <a:latin typeface="+mn-lt"/>
+                              <a:ea typeface="+mn-ea"/>
+                              <a:cs typeface="+mn-cs"/>
+                            </a:rPr>
+                            <a:t>6.3963723</a:t>
+                          </a:r>
+                        </a:p>
+                      </a:txBody>
+                      <a:tcPr/>
+                    </a:tc>
+                    <a:tc>
+                      <a:txBody>
+                        <a:bodyPr/>
+                        <a:lstStyle/>
+                        <a:p>
+                          <a:pPr marL="0" marR="0" lvl="0" indent="0" algn="l" defTabSz="914400" rtl="0" eaLnBrk="1" fontAlgn="auto" latinLnBrk="0" hangingPunct="1">
+                            <a:lnSpc>
+                              <a:spcPct val="100000"/>
+                            </a:lnSpc>
+                            <a:spcBef>
+                              <a:spcPts val="0"/>
+                            </a:spcBef>
+                            <a:spcAft>
+                              <a:spcPts val="0"/>
+                            </a:spcAft>
+                            <a:buClrTx/>
+                            <a:buSzTx/>
+                            <a:buFontTx/>
+                            <a:buNone/>
+                            <a:tabLst/>
+                            <a:defRPr/>
+                          </a:pPr>
+                          <a:r>
+                            <a:rPr lang="en-ID" sz="1800" kern="1200" dirty="0">
+                              <a:solidFill>
+                                <a:schemeClr val="dk1"/>
+                              </a:solidFill>
+                              <a:effectLst/>
+                              <a:latin typeface="+mn-lt"/>
+                              <a:ea typeface="+mn-ea"/>
+                              <a:cs typeface="+mn-cs"/>
+                            </a:rPr>
+                            <a:t>1.0114174</a:t>
+                          </a:r>
+                        </a:p>
+                      </a:txBody>
+                      <a:tcPr/>
+                    </a:tc>
+                    <a:extLst>
+                      <a:ext uri="{0D108BD9-81ED-4DB2-BD59-A6C34878D82A}">
+                        <a16:rowId xmlns:a16="http://schemas.microsoft.com/office/drawing/2014/main" val="2298953354"/>
+                      </a:ext>
+                    </a:extLst>
+                  </a:tr>
+                  <a:tr h="370840">
+                    <a:tc>
+                      <a:txBody>
+                        <a:bodyPr/>
+                        <a:lstStyle/>
+                        <a:p>
+                          <a:r>
+                            <a:rPr lang="en-US" dirty="0"/>
+                            <a:t>8</a:t>
+                          </a:r>
+                        </a:p>
+                      </a:txBody>
+                      <a:tcPr/>
+                    </a:tc>
+                    <a:tc>
+                      <a:txBody>
+                        <a:bodyPr/>
+                        <a:lstStyle/>
+                        <a:p>
+                          <a:pPr marL="0" marR="0" lvl="0" indent="0" algn="l" defTabSz="914400" rtl="0" eaLnBrk="1" fontAlgn="auto" latinLnBrk="0" hangingPunct="1">
+                            <a:lnSpc>
+                              <a:spcPct val="100000"/>
+                            </a:lnSpc>
+                            <a:spcBef>
+                              <a:spcPts val="0"/>
+                            </a:spcBef>
+                            <a:spcAft>
+                              <a:spcPts val="0"/>
+                            </a:spcAft>
+                            <a:buClrTx/>
+                            <a:buSzTx/>
+                            <a:buFontTx/>
+                            <a:buNone/>
+                            <a:tabLst/>
+                            <a:defRPr/>
+                          </a:pPr>
+                          <a:r>
+                            <a:rPr lang="en-ID" sz="1800" kern="1200" dirty="0">
+                              <a:solidFill>
+                                <a:schemeClr val="dk1"/>
+                              </a:solidFill>
+                              <a:effectLst/>
+                              <a:latin typeface="+mn-lt"/>
+                              <a:ea typeface="+mn-ea"/>
+                              <a:cs typeface="+mn-cs"/>
+                            </a:rPr>
+                            <a:t>6.411279</a:t>
+                          </a:r>
+                        </a:p>
+                      </a:txBody>
+                      <a:tcPr/>
+                    </a:tc>
+                    <a:tc>
+                      <a:txBody>
+                        <a:bodyPr/>
+                        <a:lstStyle/>
+                        <a:p>
+                          <a:pPr marL="0" marR="0" lvl="0" indent="0" algn="l" defTabSz="914400" rtl="0" eaLnBrk="1" fontAlgn="auto" latinLnBrk="0" hangingPunct="1">
+                            <a:lnSpc>
+                              <a:spcPct val="100000"/>
+                            </a:lnSpc>
+                            <a:spcBef>
+                              <a:spcPts val="0"/>
+                            </a:spcBef>
+                            <a:spcAft>
+                              <a:spcPts val="0"/>
+                            </a:spcAft>
+                            <a:buClrTx/>
+                            <a:buSzTx/>
+                            <a:buFontTx/>
+                            <a:buNone/>
+                            <a:tabLst/>
+                            <a:defRPr/>
+                          </a:pPr>
+                          <a:r>
+                            <a:rPr lang="en-ID" sz="1800" kern="1200" dirty="0">
+                              <a:solidFill>
+                                <a:schemeClr val="dk1"/>
+                              </a:solidFill>
+                              <a:effectLst/>
+                              <a:latin typeface="+mn-lt"/>
+                              <a:ea typeface="+mn-ea"/>
+                              <a:cs typeface="+mn-cs"/>
+                            </a:rPr>
+                            <a:t>0.9976749</a:t>
+                          </a:r>
+                        </a:p>
+                      </a:txBody>
+                      <a:tcPr/>
+                    </a:tc>
+                    <a:extLst>
+                      <a:ext uri="{0D108BD9-81ED-4DB2-BD59-A6C34878D82A}">
+                        <a16:rowId xmlns:a16="http://schemas.microsoft.com/office/drawing/2014/main" val="402247081"/>
+                      </a:ext>
+                    </a:extLst>
+                  </a:tr>
+                  <a:tr h="370840">
+                    <a:tc>
+                      <a:txBody>
+                        <a:bodyPr/>
+                        <a:lstStyle/>
+                        <a:p>
+                          <a:r>
+                            <a:rPr lang="en-US" dirty="0"/>
+                            <a:t>9</a:t>
+                          </a:r>
+                        </a:p>
+                      </a:txBody>
+                      <a:tcPr/>
+                    </a:tc>
+                    <a:tc>
+                      <a:txBody>
+                        <a:bodyPr/>
+                        <a:lstStyle/>
+                        <a:p>
+                          <a:pPr marL="0" marR="0" lvl="0" indent="0" algn="l" defTabSz="914400" rtl="0" eaLnBrk="1" fontAlgn="auto" latinLnBrk="0" hangingPunct="1">
+                            <a:lnSpc>
+                              <a:spcPct val="100000"/>
+                            </a:lnSpc>
+                            <a:spcBef>
+                              <a:spcPts val="0"/>
+                            </a:spcBef>
+                            <a:spcAft>
+                              <a:spcPts val="0"/>
+                            </a:spcAft>
+                            <a:buClrTx/>
+                            <a:buSzTx/>
+                            <a:buFontTx/>
+                            <a:buNone/>
+                            <a:tabLst/>
+                            <a:defRPr/>
+                          </a:pPr>
+                          <a:r>
+                            <a:rPr lang="en-ID" sz="1800" kern="1200" dirty="0">
+                              <a:solidFill>
+                                <a:schemeClr val="dk1"/>
+                              </a:solidFill>
+                              <a:effectLst/>
+                              <a:latin typeface="+mn-lt"/>
+                              <a:ea typeface="+mn-ea"/>
+                              <a:cs typeface="+mn-cs"/>
+                            </a:rPr>
+                            <a:t>6.640792</a:t>
+                          </a:r>
+                        </a:p>
+                      </a:txBody>
+                      <a:tcPr/>
+                    </a:tc>
+                    <a:tc>
+                      <a:txBody>
+                        <a:bodyPr/>
+                        <a:lstStyle/>
+                        <a:p>
+                          <a:pPr marL="0" marR="0" lvl="0" indent="0" algn="l" defTabSz="914400" rtl="0" eaLnBrk="1" fontAlgn="auto" latinLnBrk="0" hangingPunct="1">
+                            <a:lnSpc>
+                              <a:spcPct val="100000"/>
+                            </a:lnSpc>
+                            <a:spcBef>
+                              <a:spcPts val="0"/>
+                            </a:spcBef>
+                            <a:spcAft>
+                              <a:spcPts val="0"/>
+                            </a:spcAft>
+                            <a:buClrTx/>
+                            <a:buSzTx/>
+                            <a:buFontTx/>
+                            <a:buNone/>
+                            <a:tabLst/>
+                            <a:defRPr/>
+                          </a:pPr>
+                          <a:r>
+                            <a:rPr lang="en-ID" sz="1800" kern="1200" dirty="0">
+                              <a:solidFill>
+                                <a:schemeClr val="dk1"/>
+                              </a:solidFill>
+                              <a:effectLst/>
+                              <a:latin typeface="+mn-lt"/>
+                              <a:ea typeface="+mn-ea"/>
+                              <a:cs typeface="+mn-cs"/>
+                            </a:rPr>
+                            <a:t>0.96543896</a:t>
+                          </a:r>
+                        </a:p>
+                      </a:txBody>
+                      <a:tcPr/>
+                    </a:tc>
+                    <a:extLst>
+                      <a:ext uri="{0D108BD9-81ED-4DB2-BD59-A6C34878D82A}">
+                        <a16:rowId xmlns:a16="http://schemas.microsoft.com/office/drawing/2014/main" val="1966155012"/>
+                      </a:ext>
+                    </a:extLst>
+                  </a:tr>
+                  <a:tr h="370840">
+                    <a:tc>
+                      <a:txBody>
+                        <a:bodyPr/>
+                        <a:lstStyle/>
+                        <a:p>
+                          <a:r>
+                            <a:rPr lang="en-US" dirty="0"/>
+                            <a:t>10</a:t>
+                          </a:r>
+                        </a:p>
+                      </a:txBody>
+                      <a:tcPr/>
+                    </a:tc>
+                    <a:tc>
+                      <a:txBody>
+                        <a:bodyPr/>
+                        <a:lstStyle/>
+                        <a:p>
+                          <a:pPr marL="0" marR="0" lvl="0" indent="0" algn="l" defTabSz="914400" rtl="0" eaLnBrk="1" fontAlgn="auto" latinLnBrk="0" hangingPunct="1">
+                            <a:lnSpc>
+                              <a:spcPct val="100000"/>
+                            </a:lnSpc>
+                            <a:spcBef>
+                              <a:spcPts val="0"/>
+                            </a:spcBef>
+                            <a:spcAft>
+                              <a:spcPts val="0"/>
+                            </a:spcAft>
+                            <a:buClrTx/>
+                            <a:buSzTx/>
+                            <a:buFontTx/>
+                            <a:buNone/>
+                            <a:tabLst/>
+                            <a:defRPr/>
+                          </a:pPr>
+                          <a:r>
+                            <a:rPr lang="en-ID" sz="1800" kern="1200" dirty="0">
+                              <a:solidFill>
+                                <a:schemeClr val="dk1"/>
+                              </a:solidFill>
+                              <a:effectLst/>
+                              <a:latin typeface="+mn-lt"/>
+                              <a:ea typeface="+mn-ea"/>
+                              <a:cs typeface="+mn-cs"/>
+                            </a:rPr>
+                            <a:t>6.5008903</a:t>
+                          </a:r>
+                        </a:p>
+                      </a:txBody>
+                      <a:tcPr/>
+                    </a:tc>
+                    <a:tc>
+                      <a:txBody>
+                        <a:bodyPr/>
+                        <a:lstStyle/>
+                        <a:p>
+                          <a:pPr marL="0" marR="0" lvl="0" indent="0" algn="l" defTabSz="914400" rtl="0" eaLnBrk="1" fontAlgn="auto" latinLnBrk="0" hangingPunct="1">
+                            <a:lnSpc>
+                              <a:spcPct val="100000"/>
+                            </a:lnSpc>
+                            <a:spcBef>
+                              <a:spcPts val="0"/>
+                            </a:spcBef>
+                            <a:spcAft>
+                              <a:spcPts val="0"/>
+                            </a:spcAft>
+                            <a:buClrTx/>
+                            <a:buSzTx/>
+                            <a:buFontTx/>
+                            <a:buNone/>
+                            <a:tabLst/>
+                            <a:defRPr/>
+                          </a:pPr>
+                          <a:r>
+                            <a:rPr lang="en-ID" sz="1800" kern="1200" dirty="0">
+                              <a:solidFill>
+                                <a:schemeClr val="dk1"/>
+                              </a:solidFill>
+                              <a:effectLst/>
+                              <a:latin typeface="+mn-lt"/>
+                              <a:ea typeface="+mn-ea"/>
+                              <a:cs typeface="+mn-cs"/>
+                            </a:rPr>
+                            <a:t>1.0215204</a:t>
+                          </a:r>
+                        </a:p>
+                      </a:txBody>
+                      <a:tcPr/>
+                    </a:tc>
+                    <a:extLst>
+                      <a:ext uri="{0D108BD9-81ED-4DB2-BD59-A6C34878D82A}">
+                        <a16:rowId xmlns:a16="http://schemas.microsoft.com/office/drawing/2014/main" val="2601845934"/>
+                      </a:ext>
+                    </a:extLst>
+                  </a:tr>
+                </a:tbl>
+              </a:graphicData>
+            </a:graphic>
+          </p:graphicFrame>
+        </mc:Fallback>
+      </mc:AlternateContent>
+    </p:spTree>
+    <p:extLst>
+      <p:ext uri="{BB962C8B-B14F-4D97-AF65-F5344CB8AC3E}">
+        <p14:creationId xmlns:p14="http://schemas.microsoft.com/office/powerpoint/2010/main" val="3271716817"/>
       </p:ext>
     </p:extLst>
   </p:cSld>

--- a/solving GS equation.pptx
+++ b/solving GS equation.pptx
@@ -42,6 +42,7 @@
     <p:sldId id="322" r:id="rId36"/>
     <p:sldId id="324" r:id="rId37"/>
     <p:sldId id="325" r:id="rId38"/>
+    <p:sldId id="326" r:id="rId39"/>
   </p:sldIdLst>
   <p:sldSz cx="12192000" cy="6858000"/>
   <p:notesSz cx="6858000" cy="9144000"/>
@@ -295,7 +296,7 @@
           <a:p>
             <a:fld id="{45299028-9648-D344-90CC-9256049E060B}" type="datetimeFigureOut">
               <a:rPr lang="en-US" smtClean="0"/>
-              <a:t>6/27/2023</a:t>
+              <a:t>6/27/23</a:t>
             </a:fld>
             <a:endParaRPr lang="en-US"/>
           </a:p>
@@ -493,7 +494,7 @@
           <a:p>
             <a:fld id="{45299028-9648-D344-90CC-9256049E060B}" type="datetimeFigureOut">
               <a:rPr lang="en-US" smtClean="0"/>
-              <a:t>6/27/2023</a:t>
+              <a:t>6/27/23</a:t>
             </a:fld>
             <a:endParaRPr lang="en-US"/>
           </a:p>
@@ -701,7 +702,7 @@
           <a:p>
             <a:fld id="{45299028-9648-D344-90CC-9256049E060B}" type="datetimeFigureOut">
               <a:rPr lang="en-US" smtClean="0"/>
-              <a:t>6/27/2023</a:t>
+              <a:t>6/27/23</a:t>
             </a:fld>
             <a:endParaRPr lang="en-US"/>
           </a:p>
@@ -899,7 +900,7 @@
           <a:p>
             <a:fld id="{45299028-9648-D344-90CC-9256049E060B}" type="datetimeFigureOut">
               <a:rPr lang="en-US" smtClean="0"/>
-              <a:t>6/27/2023</a:t>
+              <a:t>6/27/23</a:t>
             </a:fld>
             <a:endParaRPr lang="en-US"/>
           </a:p>
@@ -1174,7 +1175,7 @@
           <a:p>
             <a:fld id="{45299028-9648-D344-90CC-9256049E060B}" type="datetimeFigureOut">
               <a:rPr lang="en-US" smtClean="0"/>
-              <a:t>6/27/2023</a:t>
+              <a:t>6/27/23</a:t>
             </a:fld>
             <a:endParaRPr lang="en-US"/>
           </a:p>
@@ -1439,7 +1440,7 @@
           <a:p>
             <a:fld id="{45299028-9648-D344-90CC-9256049E060B}" type="datetimeFigureOut">
               <a:rPr lang="en-US" smtClean="0"/>
-              <a:t>6/27/2023</a:t>
+              <a:t>6/27/23</a:t>
             </a:fld>
             <a:endParaRPr lang="en-US"/>
           </a:p>
@@ -1851,7 +1852,7 @@
           <a:p>
             <a:fld id="{45299028-9648-D344-90CC-9256049E060B}" type="datetimeFigureOut">
               <a:rPr lang="en-US" smtClean="0"/>
-              <a:t>6/27/2023</a:t>
+              <a:t>6/27/23</a:t>
             </a:fld>
             <a:endParaRPr lang="en-US"/>
           </a:p>
@@ -1992,7 +1993,7 @@
           <a:p>
             <a:fld id="{45299028-9648-D344-90CC-9256049E060B}" type="datetimeFigureOut">
               <a:rPr lang="en-US" smtClean="0"/>
-              <a:t>6/27/2023</a:t>
+              <a:t>6/27/23</a:t>
             </a:fld>
             <a:endParaRPr lang="en-US"/>
           </a:p>
@@ -2105,7 +2106,7 @@
           <a:p>
             <a:fld id="{45299028-9648-D344-90CC-9256049E060B}" type="datetimeFigureOut">
               <a:rPr lang="en-US" smtClean="0"/>
-              <a:t>6/27/2023</a:t>
+              <a:t>6/27/23</a:t>
             </a:fld>
             <a:endParaRPr lang="en-US"/>
           </a:p>
@@ -2416,7 +2417,7 @@
           <a:p>
             <a:fld id="{45299028-9648-D344-90CC-9256049E060B}" type="datetimeFigureOut">
               <a:rPr lang="en-US" smtClean="0"/>
-              <a:t>6/27/2023</a:t>
+              <a:t>6/27/23</a:t>
             </a:fld>
             <a:endParaRPr lang="en-US"/>
           </a:p>
@@ -2704,7 +2705,7 @@
           <a:p>
             <a:fld id="{45299028-9648-D344-90CC-9256049E060B}" type="datetimeFigureOut">
               <a:rPr lang="en-US" smtClean="0"/>
-              <a:t>6/27/2023</a:t>
+              <a:t>6/27/23</a:t>
             </a:fld>
             <a:endParaRPr lang="en-US"/>
           </a:p>
@@ -2945,7 +2946,7 @@
           <a:p>
             <a:fld id="{45299028-9648-D344-90CC-9256049E060B}" type="datetimeFigureOut">
               <a:rPr lang="en-US" smtClean="0"/>
-              <a:t>6/27/2023</a:t>
+              <a:t>6/27/23</a:t>
             </a:fld>
             <a:endParaRPr lang="en-US"/>
           </a:p>
@@ -14019,8 +14020,8 @@
           </a:p>
         </p:txBody>
       </p:sp>
-      <mc:AlternateContent xmlns:mc="http://schemas.openxmlformats.org/markup-compatibility/2006">
-        <mc:Choice xmlns:a14="http://schemas.microsoft.com/office/drawing/2010/main" Requires="a14">
+      <mc:AlternateContent xmlns:mc="http://schemas.openxmlformats.org/markup-compatibility/2006" xmlns:a14="http://schemas.microsoft.com/office/drawing/2010/main">
+        <mc:Choice Requires="a14">
           <p:graphicFrame>
             <p:nvGraphicFramePr>
               <p:cNvPr id="4" name="Table 4">
@@ -15413,7 +15414,7 @@
             </a:graphic>
           </p:graphicFrame>
         </mc:Choice>
-        <mc:Fallback>
+        <mc:Fallback xmlns="">
           <p:graphicFrame>
             <p:nvGraphicFramePr>
               <p:cNvPr id="4" name="Table 4">
@@ -16804,8 +16805,8 @@
           </a:prstGeom>
         </p:spPr>
       </p:pic>
-      <mc:AlternateContent xmlns:mc="http://schemas.openxmlformats.org/markup-compatibility/2006">
-        <mc:Choice xmlns:a14="http://schemas.microsoft.com/office/drawing/2010/main" Requires="a14">
+      <mc:AlternateContent xmlns:mc="http://schemas.openxmlformats.org/markup-compatibility/2006" xmlns:a14="http://schemas.microsoft.com/office/drawing/2010/main">
+        <mc:Choice Requires="a14">
           <p:graphicFrame>
             <p:nvGraphicFramePr>
               <p:cNvPr id="4" name="Table 4">
@@ -18198,7 +18199,7 @@
             </a:graphic>
           </p:graphicFrame>
         </mc:Choice>
-        <mc:Fallback>
+        <mc:Fallback xmlns="">
           <p:graphicFrame>
             <p:nvGraphicFramePr>
               <p:cNvPr id="4" name="Table 4">
@@ -21121,8 +21122,8 @@
           <a:chExt cx="0" cy="0"/>
         </a:xfrm>
       </p:grpSpPr>
-      <mc:AlternateContent xmlns:mc="http://schemas.openxmlformats.org/markup-compatibility/2006">
-        <mc:Choice xmlns:a14="http://schemas.microsoft.com/office/drawing/2010/main" Requires="a14">
+      <mc:AlternateContent xmlns:mc="http://schemas.openxmlformats.org/markup-compatibility/2006" xmlns:a14="http://schemas.microsoft.com/office/drawing/2010/main">
+        <mc:Choice Requires="a14">
           <p:sp>
             <p:nvSpPr>
               <p:cNvPr id="2" name="Title 1">
@@ -21227,7 +21228,7 @@
             </p:txBody>
           </p:sp>
         </mc:Choice>
-        <mc:Fallback>
+        <mc:Fallback xmlns="">
           <p:sp>
             <p:nvSpPr>
               <p:cNvPr id="2" name="Title 1">
@@ -21267,8 +21268,8 @@
           </p:sp>
         </mc:Fallback>
       </mc:AlternateContent>
-      <mc:AlternateContent xmlns:mc="http://schemas.openxmlformats.org/markup-compatibility/2006">
-        <mc:Choice xmlns:a14="http://schemas.microsoft.com/office/drawing/2010/main" Requires="a14">
+      <mc:AlternateContent xmlns:mc="http://schemas.openxmlformats.org/markup-compatibility/2006" xmlns:a14="http://schemas.microsoft.com/office/drawing/2010/main">
+        <mc:Choice Requires="a14">
           <p:sp>
             <p:nvSpPr>
               <p:cNvPr id="3" name="Content Placeholder 2">
@@ -21362,7 +21363,7 @@
             </p:txBody>
           </p:sp>
         </mc:Choice>
-        <mc:Fallback>
+        <mc:Fallback xmlns="">
           <p:sp>
             <p:nvSpPr>
               <p:cNvPr id="3" name="Content Placeholder 2">
@@ -21462,8 +21463,8 @@
           <a:chExt cx="0" cy="0"/>
         </a:xfrm>
       </p:grpSpPr>
-      <mc:AlternateContent xmlns:mc="http://schemas.openxmlformats.org/markup-compatibility/2006">
-        <mc:Choice xmlns:a14="http://schemas.microsoft.com/office/drawing/2010/main" Requires="a14">
+      <mc:AlternateContent xmlns:mc="http://schemas.openxmlformats.org/markup-compatibility/2006" xmlns:a14="http://schemas.microsoft.com/office/drawing/2010/main">
+        <mc:Choice Requires="a14">
           <p:sp>
             <p:nvSpPr>
               <p:cNvPr id="2" name="Title 1">
@@ -21487,6 +21488,7 @@
               </a:bodyPr>
               <a:lstStyle/>
               <a:p>
+                <a:pPr/>
                 <a14:m>
                   <m:oMathPara xmlns:m="http://schemas.openxmlformats.org/officeDocument/2006/math">
                     <m:oMathParaPr>
@@ -21782,7 +21784,7 @@
             </p:txBody>
           </p:sp>
         </mc:Choice>
-        <mc:Fallback>
+        <mc:Fallback xmlns="">
           <p:sp>
             <p:nvSpPr>
               <p:cNvPr id="2" name="Title 1">
@@ -21850,8 +21852,8 @@
           </a:p>
         </p:txBody>
       </p:sp>
-      <mc:AlternateContent xmlns:mc="http://schemas.openxmlformats.org/markup-compatibility/2006">
-        <mc:Choice xmlns:a14="http://schemas.microsoft.com/office/drawing/2010/main" Requires="a14">
+      <mc:AlternateContent xmlns:mc="http://schemas.openxmlformats.org/markup-compatibility/2006" xmlns:a14="http://schemas.microsoft.com/office/drawing/2010/main">
+        <mc:Choice Requires="a14">
           <p:graphicFrame>
             <p:nvGraphicFramePr>
               <p:cNvPr id="4" name="Table 4">
@@ -23134,7 +23136,7 @@
             </a:graphic>
           </p:graphicFrame>
         </mc:Choice>
-        <mc:Fallback>
+        <mc:Fallback xmlns="">
           <p:graphicFrame>
             <p:nvGraphicFramePr>
               <p:cNvPr id="4" name="Table 4">
@@ -24358,8 +24360,8 @@
           </a:prstGeom>
         </p:spPr>
       </p:pic>
-      <mc:AlternateContent xmlns:mc="http://schemas.openxmlformats.org/markup-compatibility/2006">
-        <mc:Choice xmlns:a14="http://schemas.microsoft.com/office/drawing/2010/main" Requires="a14">
+      <mc:AlternateContent xmlns:mc="http://schemas.openxmlformats.org/markup-compatibility/2006" xmlns:a14="http://schemas.microsoft.com/office/drawing/2010/main">
+        <mc:Choice Requires="a14">
           <p:sp>
             <p:nvSpPr>
               <p:cNvPr id="6" name="TextBox 5">
@@ -24426,7 +24428,7 @@
             </p:txBody>
           </p:sp>
         </mc:Choice>
-        <mc:Fallback>
+        <mc:Fallback xmlns="">
           <p:sp>
             <p:nvSpPr>
               <p:cNvPr id="6" name="TextBox 5">
@@ -24899,8 +24901,8 @@
           <a:chExt cx="0" cy="0"/>
         </a:xfrm>
       </p:grpSpPr>
-      <mc:AlternateContent xmlns:mc="http://schemas.openxmlformats.org/markup-compatibility/2006">
-        <mc:Choice xmlns:a14="http://schemas.microsoft.com/office/drawing/2010/main" Requires="a14">
+      <mc:AlternateContent xmlns:mc="http://schemas.openxmlformats.org/markup-compatibility/2006" xmlns:a14="http://schemas.microsoft.com/office/drawing/2010/main">
+        <mc:Choice Requires="a14">
           <p:sp>
             <p:nvSpPr>
               <p:cNvPr id="2" name="Title 1">
@@ -24922,6 +24924,7 @@
               <a:bodyPr/>
               <a:lstStyle/>
               <a:p>
+                <a:pPr/>
                 <a14:m>
                   <m:oMathPara xmlns:m="http://schemas.openxmlformats.org/officeDocument/2006/math">
                     <m:oMathParaPr>
@@ -25159,13 +25162,7 @@
                       <a:rPr lang="en-US" i="1" dirty="0">
                         <a:latin typeface="Cambria Math" panose="02040503050406030204" pitchFamily="18" charset="0"/>
                       </a:rPr>
-                      <m:t> </m:t>
-                    </m:r>
-                    <m:r>
-                      <a:rPr lang="en-US" i="1" dirty="0">
-                        <a:latin typeface="Cambria Math" panose="02040503050406030204" pitchFamily="18" charset="0"/>
-                      </a:rPr>
-                      <m:t>=</m:t>
+                      <m:t> =</m:t>
                     </m:r>
                     <m:r>
                       <a:rPr lang="en-US" b="0" i="1" dirty="0" smtClean="0">
@@ -25208,13 +25205,7 @@
                       <a:rPr lang="en-US" i="1" dirty="0">
                         <a:latin typeface="Cambria Math" panose="02040503050406030204" pitchFamily="18" charset="0"/>
                       </a:rPr>
-                      <m:t> </m:t>
-                    </m:r>
-                    <m:r>
-                      <a:rPr lang="en-US" i="1" dirty="0">
-                        <a:latin typeface="Cambria Math" panose="02040503050406030204" pitchFamily="18" charset="0"/>
-                      </a:rPr>
-                      <m:t>=</m:t>
+                      <m:t> =</m:t>
                     </m:r>
                     <m:r>
                       <a:rPr lang="en-US" b="0" i="1" dirty="0" smtClean="0">
@@ -25229,7 +25220,7 @@
             </p:txBody>
           </p:sp>
         </mc:Choice>
-        <mc:Fallback>
+        <mc:Fallback xmlns="">
           <p:sp>
             <p:nvSpPr>
               <p:cNvPr id="2" name="Title 1">
@@ -25269,8 +25260,8 @@
           </p:sp>
         </mc:Fallback>
       </mc:AlternateContent>
-      <mc:AlternateContent xmlns:mc="http://schemas.openxmlformats.org/markup-compatibility/2006">
-        <mc:Choice xmlns:a14="http://schemas.microsoft.com/office/drawing/2010/main" Requires="a14">
+      <mc:AlternateContent xmlns:mc="http://schemas.openxmlformats.org/markup-compatibility/2006" xmlns:a14="http://schemas.microsoft.com/office/drawing/2010/main">
+        <mc:Choice Requires="a14">
           <p:sp>
             <p:nvSpPr>
               <p:cNvPr id="3" name="Content Placeholder 2">
@@ -25318,7 +25309,7 @@
                         <m:nor/>
                       </m:rPr>
                       <a:rPr lang="en-US"/>
-                      <m:t>-6.552423</m:t>
+                      <m:t>−6.552423</m:t>
                     </m:r>
                   </m:oMath>
                 </a14:m>
@@ -25333,7 +25324,7 @@
             </p:txBody>
           </p:sp>
         </mc:Choice>
-        <mc:Fallback>
+        <mc:Fallback xmlns="">
           <p:sp>
             <p:nvSpPr>
               <p:cNvPr id="3" name="Content Placeholder 2">
@@ -25533,8 +25524,8 @@
           </a:ln>
         </p:spPr>
       </p:pic>
-      <mc:AlternateContent xmlns:mc="http://schemas.openxmlformats.org/markup-compatibility/2006">
-        <mc:Choice xmlns:a14="http://schemas.microsoft.com/office/drawing/2010/main" Requires="a14">
+      <mc:AlternateContent xmlns:mc="http://schemas.openxmlformats.org/markup-compatibility/2006" xmlns:a14="http://schemas.microsoft.com/office/drawing/2010/main">
+        <mc:Choice Requires="a14">
           <p:sp>
             <p:nvSpPr>
               <p:cNvPr id="2" name="Title 1">
@@ -25556,6 +25547,7 @@
               <a:bodyPr/>
               <a:lstStyle/>
               <a:p>
+                <a:pPr/>
                 <a14:m>
                   <m:oMathPara xmlns:m="http://schemas.openxmlformats.org/officeDocument/2006/math">
                     <m:oMathParaPr>
@@ -25851,7 +25843,7 @@
             </p:txBody>
           </p:sp>
         </mc:Choice>
-        <mc:Fallback>
+        <mc:Fallback xmlns="">
           <p:sp>
             <p:nvSpPr>
               <p:cNvPr id="2" name="Title 1">
@@ -25891,8 +25883,8 @@
           </p:sp>
         </mc:Fallback>
       </mc:AlternateContent>
-      <mc:AlternateContent xmlns:mc="http://schemas.openxmlformats.org/markup-compatibility/2006">
-        <mc:Choice xmlns:a14="http://schemas.microsoft.com/office/drawing/2010/main" Requires="a14">
+      <mc:AlternateContent xmlns:mc="http://schemas.openxmlformats.org/markup-compatibility/2006" xmlns:a14="http://schemas.microsoft.com/office/drawing/2010/main">
+        <mc:Choice Requires="a14">
           <p:sp>
             <p:nvSpPr>
               <p:cNvPr id="3" name="Content Placeholder 2">
@@ -25937,7 +25929,7 @@
                         <m:nor/>
                       </m:rPr>
                       <a:rPr lang="en-US"/>
-                      <m:t>-6.001363</m:t>
+                      <m:t>−6.001363</m:t>
                     </m:r>
                   </m:oMath>
                 </a14:m>
@@ -25952,7 +25944,7 @@
             </p:txBody>
           </p:sp>
         </mc:Choice>
-        <mc:Fallback>
+        <mc:Fallback xmlns="">
           <p:sp>
             <p:nvSpPr>
               <p:cNvPr id="3" name="Content Placeholder 2">
@@ -26236,8 +26228,8 @@
           </a:p>
         </p:txBody>
       </p:sp>
-      <mc:AlternateContent xmlns:mc="http://schemas.openxmlformats.org/markup-compatibility/2006">
-        <mc:Choice xmlns:a14="http://schemas.microsoft.com/office/drawing/2010/main" Requires="a14">
+      <mc:AlternateContent xmlns:mc="http://schemas.openxmlformats.org/markup-compatibility/2006" xmlns:a14="http://schemas.microsoft.com/office/drawing/2010/main">
+        <mc:Choice Requires="a14">
           <p:sp>
             <p:nvSpPr>
               <p:cNvPr id="3" name="Content Placeholder 2">
@@ -26504,13 +26496,7 @@
                       <a:rPr lang="en-US" i="1" dirty="0">
                         <a:latin typeface="Cambria Math" panose="02040503050406030204" pitchFamily="18" charset="0"/>
                       </a:rPr>
-                      <m:t> </m:t>
-                    </m:r>
-                    <m:r>
-                      <a:rPr lang="en-US" i="1" dirty="0">
-                        <a:latin typeface="Cambria Math" panose="02040503050406030204" pitchFamily="18" charset="0"/>
-                      </a:rPr>
-                      <m:t>=</m:t>
+                      <m:t> =</m:t>
                     </m:r>
                     <m:r>
                       <a:rPr lang="en-US" b="0" i="1" dirty="0" smtClean="0">
@@ -26553,13 +26539,7 @@
                       <a:rPr lang="en-US" i="1" dirty="0">
                         <a:latin typeface="Cambria Math" panose="02040503050406030204" pitchFamily="18" charset="0"/>
                       </a:rPr>
-                      <m:t> </m:t>
-                    </m:r>
-                    <m:r>
-                      <a:rPr lang="en-US" i="1" dirty="0">
-                        <a:latin typeface="Cambria Math" panose="02040503050406030204" pitchFamily="18" charset="0"/>
-                      </a:rPr>
-                      <m:t>=</m:t>
+                      <m:t> =</m:t>
                     </m:r>
                     <m:r>
                       <a:rPr lang="en-US" b="0" i="1" dirty="0" smtClean="0">
@@ -26580,7 +26560,7 @@
             </p:txBody>
           </p:sp>
         </mc:Choice>
-        <mc:Fallback>
+        <mc:Fallback xmlns="">
           <p:sp>
             <p:nvSpPr>
               <p:cNvPr id="3" name="Content Placeholder 2">
@@ -26688,6 +26668,130 @@
     <p:extLst>
       <p:ext uri="{BB962C8B-B14F-4D97-AF65-F5344CB8AC3E}">
         <p14:creationId xmlns:p14="http://schemas.microsoft.com/office/powerpoint/2010/main" val="4018589211"/>
+      </p:ext>
+    </p:extLst>
+  </p:cSld>
+  <p:clrMapOvr>
+    <a:masterClrMapping/>
+  </p:clrMapOvr>
+</p:sld>
+</file>
+
+<file path=ppt/slides/slide38.xml><?xml version="1.0" encoding="utf-8"?>
+<p:sld xmlns:a="http://schemas.openxmlformats.org/drawingml/2006/main" xmlns:r="http://schemas.openxmlformats.org/officeDocument/2006/relationships" xmlns:p="http://schemas.openxmlformats.org/presentationml/2006/main">
+  <p:cSld>
+    <p:spTree>
+      <p:nvGrpSpPr>
+        <p:cNvPr id="1" name=""/>
+        <p:cNvGrpSpPr/>
+        <p:nvPr/>
+      </p:nvGrpSpPr>
+      <p:grpSpPr>
+        <a:xfrm>
+          <a:off x="0" y="0"/>
+          <a:ext cx="0" cy="0"/>
+          <a:chOff x="0" y="0"/>
+          <a:chExt cx="0" cy="0"/>
+        </a:xfrm>
+      </p:grpSpPr>
+      <p:sp>
+        <p:nvSpPr>
+          <p:cNvPr id="2" name="Title 1">
+            <a:extLst>
+              <a:ext uri="{FF2B5EF4-FFF2-40B4-BE49-F238E27FC236}">
+                <a16:creationId xmlns:a16="http://schemas.microsoft.com/office/drawing/2014/main" id="{7CFAE365-38E9-E637-FD83-24DD8C942781}"/>
+              </a:ext>
+            </a:extLst>
+          </p:cNvPr>
+          <p:cNvSpPr>
+            <a:spLocks noGrp="1"/>
+          </p:cNvSpPr>
+          <p:nvPr>
+            <p:ph type="title"/>
+          </p:nvPr>
+        </p:nvSpPr>
+        <p:spPr/>
+        <p:txBody>
+          <a:bodyPr/>
+          <a:lstStyle/>
+          <a:p>
+            <a:r>
+              <a:rPr lang="en-US" dirty="0"/>
+              <a:t>Remarks</a:t>
+            </a:r>
+          </a:p>
+        </p:txBody>
+      </p:sp>
+      <p:sp>
+        <p:nvSpPr>
+          <p:cNvPr id="3" name="Content Placeholder 2">
+            <a:extLst>
+              <a:ext uri="{FF2B5EF4-FFF2-40B4-BE49-F238E27FC236}">
+                <a16:creationId xmlns:a16="http://schemas.microsoft.com/office/drawing/2014/main" id="{78EE5316-658F-F760-596D-E2FD96284F12}"/>
+              </a:ext>
+            </a:extLst>
+          </p:cNvPr>
+          <p:cNvSpPr>
+            <a:spLocks noGrp="1"/>
+          </p:cNvSpPr>
+          <p:nvPr>
+            <p:ph idx="1"/>
+          </p:nvPr>
+        </p:nvSpPr>
+        <p:spPr/>
+        <p:txBody>
+          <a:bodyPr/>
+          <a:lstStyle/>
+          <a:p>
+            <a:r>
+              <a:rPr lang="en-US" dirty="0"/>
+              <a:t>Derivation “power method”</a:t>
+            </a:r>
+          </a:p>
+          <a:p>
+            <a:r>
+              <a:rPr lang="en-US" dirty="0" err="1"/>
+              <a:t>Kenapa</a:t>
+            </a:r>
+            <a:r>
+              <a:rPr lang="en-US" dirty="0"/>
+              <a:t> lambda0 = 5 failed </a:t>
+            </a:r>
+            <a:r>
+              <a:rPr lang="en-US" dirty="0" err="1"/>
+              <a:t>untuk</a:t>
+            </a:r>
+            <a:r>
+              <a:rPr lang="en-US" dirty="0"/>
+              <a:t> </a:t>
+            </a:r>
+            <a:r>
+              <a:rPr lang="en-US" dirty="0" err="1"/>
+              <a:t>evp</a:t>
+            </a:r>
+            <a:r>
+              <a:rPr lang="en-US" dirty="0"/>
+              <a:t> standard.</a:t>
+            </a:r>
+          </a:p>
+          <a:p>
+            <a:r>
+              <a:rPr lang="en-US" dirty="0"/>
+              <a:t>Apply power method linear algebra (1D, Laplace standard)</a:t>
+            </a:r>
+          </a:p>
+          <a:p>
+            <a:endParaRPr lang="en-US" dirty="0"/>
+          </a:p>
+          <a:p>
+            <a:endParaRPr lang="en-US" dirty="0"/>
+          </a:p>
+        </p:txBody>
+      </p:sp>
+    </p:spTree>
+    <p:extLst>
+      <p:ext uri="{BB962C8B-B14F-4D97-AF65-F5344CB8AC3E}">
+        <p14:creationId xmlns:p14="http://schemas.microsoft.com/office/powerpoint/2010/main" val="3002316156"/>
       </p:ext>
     </p:extLst>
   </p:cSld>
@@ -29662,7 +29766,7 @@
             <a:round/>
             <a:extLst>
               <a:ext uri="{C807C97D-BFC1-408E-A445-0C87EB9F89A2}">
-                <ask:lineSketchStyleProps xmlns="" xmlns:ask="http://schemas.microsoft.com/office/drawing/2018/sketchyshapes" sd="1219033472">
+                <ask:lineSketchStyleProps xmlns:ask="http://schemas.microsoft.com/office/drawing/2018/sketchyshapes" sd="1219033472">
                   <a:prstGeom prst="rect">
                     <a:avLst/>
                   </a:prstGeom>
@@ -30089,7 +30193,7 @@
             <a:round/>
             <a:extLst>
               <a:ext uri="{C807C97D-BFC1-408E-A445-0C87EB9F89A2}">
-                <ask:lineSketchStyleProps xmlns="" xmlns:ask="http://schemas.microsoft.com/office/drawing/2018/sketchyshapes" sd="1219033472">
+                <ask:lineSketchStyleProps xmlns:ask="http://schemas.microsoft.com/office/drawing/2018/sketchyshapes" sd="1219033472">
                   <a:prstGeom prst="rect">
                     <a:avLst/>
                   </a:prstGeom>
